--- a/source/figures.pptx
+++ b/source/figures.pptx
@@ -6,6 +6,7 @@
   </p:sldMasterIdLst>
   <p:sldIdLst>
     <p:sldId id="256" r:id="rId2"/>
+    <p:sldId id="257" r:id="rId3"/>
   </p:sldIdLst>
   <p:sldSz cx="12192000" cy="6858000"/>
   <p:notesSz cx="6858000" cy="9144000"/>
@@ -104,6 +105,11 @@
       </a:defRPr>
     </a:lvl9pPr>
   </p:defaultTextStyle>
+  <p:extLst>
+    <p:ext uri="{EFAFB233-063F-42B5-8137-9DF3F51BA10A}">
+      <p15:sldGuideLst xmlns:p15="http://schemas.microsoft.com/office/powerpoint/2012/main"/>
+    </p:ext>
+  </p:extLst>
 </p:presentation>
 </file>
 
@@ -256,7 +262,7 @@
           <a:p>
             <a:fld id="{1D60275F-9D20-3E40-A985-6CD69AA74B1C}" type="datetimeFigureOut">
               <a:rPr lang="nl-NL" smtClean="0"/>
-              <a:t>15-10-18</a:t>
+              <a:t>16-10-18</a:t>
             </a:fld>
             <a:endParaRPr lang="nl-NL"/>
           </a:p>
@@ -456,7 +462,7 @@
           <a:p>
             <a:fld id="{1D60275F-9D20-3E40-A985-6CD69AA74B1C}" type="datetimeFigureOut">
               <a:rPr lang="nl-NL" smtClean="0"/>
-              <a:t>15-10-18</a:t>
+              <a:t>16-10-18</a:t>
             </a:fld>
             <a:endParaRPr lang="nl-NL"/>
           </a:p>
@@ -666,7 +672,7 @@
           <a:p>
             <a:fld id="{1D60275F-9D20-3E40-A985-6CD69AA74B1C}" type="datetimeFigureOut">
               <a:rPr lang="nl-NL" smtClean="0"/>
-              <a:t>15-10-18</a:t>
+              <a:t>16-10-18</a:t>
             </a:fld>
             <a:endParaRPr lang="nl-NL"/>
           </a:p>
@@ -866,7 +872,7 @@
           <a:p>
             <a:fld id="{1D60275F-9D20-3E40-A985-6CD69AA74B1C}" type="datetimeFigureOut">
               <a:rPr lang="nl-NL" smtClean="0"/>
-              <a:t>15-10-18</a:t>
+              <a:t>16-10-18</a:t>
             </a:fld>
             <a:endParaRPr lang="nl-NL"/>
           </a:p>
@@ -1142,7 +1148,7 @@
           <a:p>
             <a:fld id="{1D60275F-9D20-3E40-A985-6CD69AA74B1C}" type="datetimeFigureOut">
               <a:rPr lang="nl-NL" smtClean="0"/>
-              <a:t>15-10-18</a:t>
+              <a:t>16-10-18</a:t>
             </a:fld>
             <a:endParaRPr lang="nl-NL"/>
           </a:p>
@@ -1410,7 +1416,7 @@
           <a:p>
             <a:fld id="{1D60275F-9D20-3E40-A985-6CD69AA74B1C}" type="datetimeFigureOut">
               <a:rPr lang="nl-NL" smtClean="0"/>
-              <a:t>15-10-18</a:t>
+              <a:t>16-10-18</a:t>
             </a:fld>
             <a:endParaRPr lang="nl-NL"/>
           </a:p>
@@ -1825,7 +1831,7 @@
           <a:p>
             <a:fld id="{1D60275F-9D20-3E40-A985-6CD69AA74B1C}" type="datetimeFigureOut">
               <a:rPr lang="nl-NL" smtClean="0"/>
-              <a:t>15-10-18</a:t>
+              <a:t>16-10-18</a:t>
             </a:fld>
             <a:endParaRPr lang="nl-NL"/>
           </a:p>
@@ -1967,7 +1973,7 @@
           <a:p>
             <a:fld id="{1D60275F-9D20-3E40-A985-6CD69AA74B1C}" type="datetimeFigureOut">
               <a:rPr lang="nl-NL" smtClean="0"/>
-              <a:t>15-10-18</a:t>
+              <a:t>16-10-18</a:t>
             </a:fld>
             <a:endParaRPr lang="nl-NL"/>
           </a:p>
@@ -2080,7 +2086,7 @@
           <a:p>
             <a:fld id="{1D60275F-9D20-3E40-A985-6CD69AA74B1C}" type="datetimeFigureOut">
               <a:rPr lang="nl-NL" smtClean="0"/>
-              <a:t>15-10-18</a:t>
+              <a:t>16-10-18</a:t>
             </a:fld>
             <a:endParaRPr lang="nl-NL"/>
           </a:p>
@@ -2393,7 +2399,7 @@
           <a:p>
             <a:fld id="{1D60275F-9D20-3E40-A985-6CD69AA74B1C}" type="datetimeFigureOut">
               <a:rPr lang="nl-NL" smtClean="0"/>
-              <a:t>15-10-18</a:t>
+              <a:t>16-10-18</a:t>
             </a:fld>
             <a:endParaRPr lang="nl-NL"/>
           </a:p>
@@ -2682,7 +2688,7 @@
           <a:p>
             <a:fld id="{1D60275F-9D20-3E40-A985-6CD69AA74B1C}" type="datetimeFigureOut">
               <a:rPr lang="nl-NL" smtClean="0"/>
-              <a:t>15-10-18</a:t>
+              <a:t>16-10-18</a:t>
             </a:fld>
             <a:endParaRPr lang="nl-NL"/>
           </a:p>
@@ -2925,7 +2931,7 @@
           <a:p>
             <a:fld id="{1D60275F-9D20-3E40-A985-6CD69AA74B1C}" type="datetimeFigureOut">
               <a:rPr lang="nl-NL" smtClean="0"/>
-              <a:t>15-10-18</a:t>
+              <a:t>16-10-18</a:t>
             </a:fld>
             <a:endParaRPr lang="nl-NL"/>
           </a:p>
@@ -5054,6 +5060,3722 @@
 </p:sld>
 </file>
 
+<file path=ppt/slides/slide2.xml><?xml version="1.0" encoding="utf-8"?>
+<p:sld xmlns:a="http://schemas.openxmlformats.org/drawingml/2006/main" xmlns:r="http://schemas.openxmlformats.org/officeDocument/2006/relationships" xmlns:p="http://schemas.openxmlformats.org/presentationml/2006/main">
+  <p:cSld>
+    <p:spTree>
+      <p:nvGrpSpPr>
+        <p:cNvPr id="1" name=""/>
+        <p:cNvGrpSpPr/>
+        <p:nvPr/>
+      </p:nvGrpSpPr>
+      <p:grpSpPr>
+        <a:xfrm>
+          <a:off x="0" y="0"/>
+          <a:ext cx="0" cy="0"/>
+          <a:chOff x="0" y="0"/>
+          <a:chExt cx="0" cy="0"/>
+        </a:xfrm>
+      </p:grpSpPr>
+      <p:grpSp>
+        <p:nvGrpSpPr>
+          <p:cNvPr id="156" name="Group 155">
+            <a:extLst>
+              <a:ext uri="{FF2B5EF4-FFF2-40B4-BE49-F238E27FC236}">
+                <a16:creationId xmlns:a16="http://schemas.microsoft.com/office/drawing/2014/main" id="{20DA8AF2-CAD9-B740-9B15-915491A3DD55}"/>
+              </a:ext>
+            </a:extLst>
+          </p:cNvPr>
+          <p:cNvGrpSpPr/>
+          <p:nvPr/>
+        </p:nvGrpSpPr>
+        <p:grpSpPr>
+          <a:xfrm>
+            <a:off x="1410131" y="1963110"/>
+            <a:ext cx="8494561" cy="2221686"/>
+            <a:chOff x="1410131" y="1963110"/>
+            <a:chExt cx="8494561" cy="2221686"/>
+          </a:xfrm>
+        </p:grpSpPr>
+        <p:grpSp>
+          <p:nvGrpSpPr>
+            <p:cNvPr id="155" name="Group 154">
+              <a:extLst>
+                <a:ext uri="{FF2B5EF4-FFF2-40B4-BE49-F238E27FC236}">
+                  <a16:creationId xmlns:a16="http://schemas.microsoft.com/office/drawing/2014/main" id="{1E44D10F-49E2-674C-99AC-D8A22930691E}"/>
+                </a:ext>
+              </a:extLst>
+            </p:cNvPr>
+            <p:cNvGrpSpPr/>
+            <p:nvPr/>
+          </p:nvGrpSpPr>
+          <p:grpSpPr>
+            <a:xfrm>
+              <a:off x="1410131" y="1968129"/>
+              <a:ext cx="4093668" cy="2159372"/>
+              <a:chOff x="1410131" y="1968129"/>
+              <a:chExt cx="4093668" cy="2159372"/>
+            </a:xfrm>
+          </p:grpSpPr>
+          <p:sp>
+            <p:nvSpPr>
+              <p:cNvPr id="5" name="Oval 4">
+                <a:extLst>
+                  <a:ext uri="{FF2B5EF4-FFF2-40B4-BE49-F238E27FC236}">
+                    <a16:creationId xmlns:a16="http://schemas.microsoft.com/office/drawing/2014/main" id="{2BFB0A15-AE82-8848-BBE8-6F8A4049454B}"/>
+                  </a:ext>
+                </a:extLst>
+              </p:cNvPr>
+              <p:cNvSpPr/>
+              <p:nvPr/>
+            </p:nvSpPr>
+            <p:spPr>
+              <a:xfrm>
+                <a:off x="2759389" y="3089479"/>
+                <a:ext cx="454761" cy="454761"/>
+              </a:xfrm>
+              <a:prstGeom prst="ellipse">
+                <a:avLst/>
+              </a:prstGeom>
+              <a:noFill/>
+              <a:ln w="12700" cap="flat" cmpd="sng" algn="ctr">
+                <a:solidFill>
+                  <a:schemeClr val="dk1"/>
+                </a:solidFill>
+                <a:prstDash val="solid"/>
+                <a:round/>
+                <a:headEnd type="none" w="med" len="med"/>
+                <a:tailEnd type="none" w="med" len="med"/>
+              </a:ln>
+            </p:spPr>
+            <p:style>
+              <a:lnRef idx="0">
+                <a:scrgbClr r="0" g="0" b="0"/>
+              </a:lnRef>
+              <a:fillRef idx="0">
+                <a:scrgbClr r="0" g="0" b="0"/>
+              </a:fillRef>
+              <a:effectRef idx="0">
+                <a:scrgbClr r="0" g="0" b="0"/>
+              </a:effectRef>
+              <a:fontRef idx="minor">
+                <a:schemeClr val="dk1"/>
+              </a:fontRef>
+            </p:style>
+            <p:txBody>
+              <a:bodyPr rtlCol="0" anchor="ctr"/>
+              <a:lstStyle/>
+              <a:p>
+                <a:pPr algn="ctr"/>
+                <a:endParaRPr lang="nl-NL"/>
+              </a:p>
+            </p:txBody>
+          </p:sp>
+          <p:sp>
+            <p:nvSpPr>
+              <p:cNvPr id="6" name="Oval 5">
+                <a:extLst>
+                  <a:ext uri="{FF2B5EF4-FFF2-40B4-BE49-F238E27FC236}">
+                    <a16:creationId xmlns:a16="http://schemas.microsoft.com/office/drawing/2014/main" id="{F2693F7D-25E7-9446-A40B-541F5CF28A38}"/>
+                  </a:ext>
+                </a:extLst>
+              </p:cNvPr>
+              <p:cNvSpPr/>
+              <p:nvPr/>
+            </p:nvSpPr>
+            <p:spPr>
+              <a:xfrm>
+                <a:off x="2759389" y="3672740"/>
+                <a:ext cx="454761" cy="454761"/>
+              </a:xfrm>
+              <a:prstGeom prst="ellipse">
+                <a:avLst/>
+              </a:prstGeom>
+              <a:noFill/>
+              <a:ln w="12700" cap="flat" cmpd="sng" algn="ctr">
+                <a:solidFill>
+                  <a:schemeClr val="dk1"/>
+                </a:solidFill>
+                <a:prstDash val="solid"/>
+                <a:round/>
+                <a:headEnd type="none" w="med" len="med"/>
+                <a:tailEnd type="none" w="med" len="med"/>
+              </a:ln>
+            </p:spPr>
+            <p:style>
+              <a:lnRef idx="0">
+                <a:scrgbClr r="0" g="0" b="0"/>
+              </a:lnRef>
+              <a:fillRef idx="0">
+                <a:scrgbClr r="0" g="0" b="0"/>
+              </a:fillRef>
+              <a:effectRef idx="0">
+                <a:scrgbClr r="0" g="0" b="0"/>
+              </a:effectRef>
+              <a:fontRef idx="minor">
+                <a:schemeClr val="dk1"/>
+              </a:fontRef>
+            </p:style>
+            <p:txBody>
+              <a:bodyPr rtlCol="0" anchor="ctr"/>
+              <a:lstStyle/>
+              <a:p>
+                <a:pPr algn="ctr"/>
+                <a:endParaRPr lang="nl-NL"/>
+              </a:p>
+            </p:txBody>
+          </p:sp>
+          <p:sp>
+            <p:nvSpPr>
+              <p:cNvPr id="7" name="Oval 6">
+                <a:extLst>
+                  <a:ext uri="{FF2B5EF4-FFF2-40B4-BE49-F238E27FC236}">
+                    <a16:creationId xmlns:a16="http://schemas.microsoft.com/office/drawing/2014/main" id="{66A0DCF0-38D1-4944-97DE-F3DF9A5C1214}"/>
+                  </a:ext>
+                </a:extLst>
+              </p:cNvPr>
+              <p:cNvSpPr/>
+              <p:nvPr/>
+            </p:nvSpPr>
+            <p:spPr>
+              <a:xfrm>
+                <a:off x="2759389" y="2522698"/>
+                <a:ext cx="454761" cy="438281"/>
+              </a:xfrm>
+              <a:prstGeom prst="ellipse">
+                <a:avLst/>
+              </a:prstGeom>
+              <a:noFill/>
+              <a:ln w="12700" cap="flat" cmpd="sng" algn="ctr">
+                <a:solidFill>
+                  <a:schemeClr val="dk1"/>
+                </a:solidFill>
+                <a:prstDash val="solid"/>
+                <a:round/>
+                <a:headEnd type="none" w="med" len="med"/>
+                <a:tailEnd type="none" w="med" len="med"/>
+              </a:ln>
+            </p:spPr>
+            <p:style>
+              <a:lnRef idx="0">
+                <a:scrgbClr r="0" g="0" b="0"/>
+              </a:lnRef>
+              <a:fillRef idx="0">
+                <a:scrgbClr r="0" g="0" b="0"/>
+              </a:fillRef>
+              <a:effectRef idx="0">
+                <a:scrgbClr r="0" g="0" b="0"/>
+              </a:effectRef>
+              <a:fontRef idx="minor">
+                <a:schemeClr val="dk1"/>
+              </a:fontRef>
+            </p:style>
+            <p:txBody>
+              <a:bodyPr rtlCol="0" anchor="ctr"/>
+              <a:lstStyle/>
+              <a:p>
+                <a:pPr algn="ctr"/>
+                <a:endParaRPr lang="nl-NL"/>
+              </a:p>
+            </p:txBody>
+          </p:sp>
+          <p:sp>
+            <p:nvSpPr>
+              <p:cNvPr id="8" name="Oval 7">
+                <a:extLst>
+                  <a:ext uri="{FF2B5EF4-FFF2-40B4-BE49-F238E27FC236}">
+                    <a16:creationId xmlns:a16="http://schemas.microsoft.com/office/drawing/2014/main" id="{F81879E6-BCE3-3C46-97E6-9B908C36739E}"/>
+                  </a:ext>
+                </a:extLst>
+              </p:cNvPr>
+              <p:cNvSpPr/>
+              <p:nvPr/>
+            </p:nvSpPr>
+            <p:spPr>
+              <a:xfrm>
+                <a:off x="1934649" y="2802229"/>
+                <a:ext cx="454761" cy="454761"/>
+              </a:xfrm>
+              <a:prstGeom prst="ellipse">
+                <a:avLst/>
+              </a:prstGeom>
+              <a:noFill/>
+              <a:ln w="12700" cap="flat" cmpd="sng" algn="ctr">
+                <a:solidFill>
+                  <a:schemeClr val="dk1"/>
+                </a:solidFill>
+                <a:prstDash val="solid"/>
+                <a:round/>
+                <a:headEnd type="none" w="med" len="med"/>
+                <a:tailEnd type="none" w="med" len="med"/>
+              </a:ln>
+            </p:spPr>
+            <p:style>
+              <a:lnRef idx="0">
+                <a:scrgbClr r="0" g="0" b="0"/>
+              </a:lnRef>
+              <a:fillRef idx="0">
+                <a:scrgbClr r="0" g="0" b="0"/>
+              </a:fillRef>
+              <a:effectRef idx="0">
+                <a:scrgbClr r="0" g="0" b="0"/>
+              </a:effectRef>
+              <a:fontRef idx="minor">
+                <a:schemeClr val="dk1"/>
+              </a:fontRef>
+            </p:style>
+            <p:txBody>
+              <a:bodyPr rtlCol="0" anchor="ctr"/>
+              <a:lstStyle/>
+              <a:p>
+                <a:pPr algn="ctr"/>
+                <a:endParaRPr lang="nl-NL"/>
+              </a:p>
+            </p:txBody>
+          </p:sp>
+          <p:sp>
+            <p:nvSpPr>
+              <p:cNvPr id="9" name="Oval 8">
+                <a:extLst>
+                  <a:ext uri="{FF2B5EF4-FFF2-40B4-BE49-F238E27FC236}">
+                    <a16:creationId xmlns:a16="http://schemas.microsoft.com/office/drawing/2014/main" id="{38F2CE51-B660-9F45-B872-FE5705AE97ED}"/>
+                  </a:ext>
+                </a:extLst>
+              </p:cNvPr>
+              <p:cNvSpPr/>
+              <p:nvPr/>
+            </p:nvSpPr>
+            <p:spPr>
+              <a:xfrm>
+                <a:off x="1933951" y="3484371"/>
+                <a:ext cx="454761" cy="454761"/>
+              </a:xfrm>
+              <a:prstGeom prst="ellipse">
+                <a:avLst/>
+              </a:prstGeom>
+              <a:noFill/>
+              <a:ln w="12700" cap="flat" cmpd="sng" algn="ctr">
+                <a:solidFill>
+                  <a:schemeClr val="tx1"/>
+                </a:solidFill>
+                <a:prstDash val="solid"/>
+                <a:round/>
+                <a:headEnd type="none" w="med" len="med"/>
+                <a:tailEnd type="none" w="med" len="med"/>
+              </a:ln>
+            </p:spPr>
+            <p:style>
+              <a:lnRef idx="0">
+                <a:scrgbClr r="0" g="0" b="0"/>
+              </a:lnRef>
+              <a:fillRef idx="0">
+                <a:scrgbClr r="0" g="0" b="0"/>
+              </a:fillRef>
+              <a:effectRef idx="0">
+                <a:scrgbClr r="0" g="0" b="0"/>
+              </a:effectRef>
+              <a:fontRef idx="minor">
+                <a:schemeClr val="dk1"/>
+              </a:fontRef>
+            </p:style>
+            <p:txBody>
+              <a:bodyPr rtlCol="0" anchor="ctr"/>
+              <a:lstStyle/>
+              <a:p>
+                <a:pPr algn="ctr"/>
+                <a:endParaRPr lang="nl-NL"/>
+              </a:p>
+            </p:txBody>
+          </p:sp>
+          <p:sp>
+            <p:nvSpPr>
+              <p:cNvPr id="10" name="Oval 9">
+                <a:extLst>
+                  <a:ext uri="{FF2B5EF4-FFF2-40B4-BE49-F238E27FC236}">
+                    <a16:creationId xmlns:a16="http://schemas.microsoft.com/office/drawing/2014/main" id="{ED40DF51-635C-4749-9A22-C1D39852DE7F}"/>
+                  </a:ext>
+                </a:extLst>
+              </p:cNvPr>
+              <p:cNvSpPr/>
+              <p:nvPr/>
+            </p:nvSpPr>
+            <p:spPr>
+              <a:xfrm>
+                <a:off x="3708956" y="3089479"/>
+                <a:ext cx="454761" cy="454761"/>
+              </a:xfrm>
+              <a:prstGeom prst="ellipse">
+                <a:avLst/>
+              </a:prstGeom>
+              <a:noFill/>
+              <a:ln w="12700" cap="flat" cmpd="sng" algn="ctr">
+                <a:solidFill>
+                  <a:schemeClr val="dk1"/>
+                </a:solidFill>
+                <a:prstDash val="solid"/>
+                <a:round/>
+                <a:headEnd type="none" w="med" len="med"/>
+                <a:tailEnd type="none" w="med" len="med"/>
+              </a:ln>
+            </p:spPr>
+            <p:style>
+              <a:lnRef idx="0">
+                <a:scrgbClr r="0" g="0" b="0"/>
+              </a:lnRef>
+              <a:fillRef idx="0">
+                <a:scrgbClr r="0" g="0" b="0"/>
+              </a:fillRef>
+              <a:effectRef idx="0">
+                <a:scrgbClr r="0" g="0" b="0"/>
+              </a:effectRef>
+              <a:fontRef idx="minor">
+                <a:schemeClr val="dk1"/>
+              </a:fontRef>
+            </p:style>
+            <p:txBody>
+              <a:bodyPr rtlCol="0" anchor="ctr"/>
+              <a:lstStyle/>
+              <a:p>
+                <a:pPr algn="ctr"/>
+                <a:endParaRPr lang="nl-NL"/>
+              </a:p>
+            </p:txBody>
+          </p:sp>
+          <p:sp>
+            <p:nvSpPr>
+              <p:cNvPr id="11" name="Oval 10">
+                <a:extLst>
+                  <a:ext uri="{FF2B5EF4-FFF2-40B4-BE49-F238E27FC236}">
+                    <a16:creationId xmlns:a16="http://schemas.microsoft.com/office/drawing/2014/main" id="{ABA16815-83D2-4E49-A708-19BD52891861}"/>
+                  </a:ext>
+                </a:extLst>
+              </p:cNvPr>
+              <p:cNvSpPr/>
+              <p:nvPr/>
+            </p:nvSpPr>
+            <p:spPr>
+              <a:xfrm>
+                <a:off x="3708956" y="3672740"/>
+                <a:ext cx="454761" cy="454761"/>
+              </a:xfrm>
+              <a:prstGeom prst="ellipse">
+                <a:avLst/>
+              </a:prstGeom>
+              <a:noFill/>
+              <a:ln w="12700" cap="flat" cmpd="sng" algn="ctr">
+                <a:solidFill>
+                  <a:schemeClr val="dk1"/>
+                </a:solidFill>
+                <a:prstDash val="solid"/>
+                <a:round/>
+                <a:headEnd type="none" w="med" len="med"/>
+                <a:tailEnd type="none" w="med" len="med"/>
+              </a:ln>
+            </p:spPr>
+            <p:style>
+              <a:lnRef idx="0">
+                <a:scrgbClr r="0" g="0" b="0"/>
+              </a:lnRef>
+              <a:fillRef idx="0">
+                <a:scrgbClr r="0" g="0" b="0"/>
+              </a:fillRef>
+              <a:effectRef idx="0">
+                <a:scrgbClr r="0" g="0" b="0"/>
+              </a:effectRef>
+              <a:fontRef idx="minor">
+                <a:schemeClr val="dk1"/>
+              </a:fontRef>
+            </p:style>
+            <p:txBody>
+              <a:bodyPr rtlCol="0" anchor="ctr"/>
+              <a:lstStyle/>
+              <a:p>
+                <a:pPr algn="ctr"/>
+                <a:endParaRPr lang="nl-NL"/>
+              </a:p>
+            </p:txBody>
+          </p:sp>
+          <p:sp>
+            <p:nvSpPr>
+              <p:cNvPr id="12" name="Oval 11">
+                <a:extLst>
+                  <a:ext uri="{FF2B5EF4-FFF2-40B4-BE49-F238E27FC236}">
+                    <a16:creationId xmlns:a16="http://schemas.microsoft.com/office/drawing/2014/main" id="{0481A69A-0113-0C4D-A215-D9D9627B9A7B}"/>
+                  </a:ext>
+                </a:extLst>
+              </p:cNvPr>
+              <p:cNvSpPr/>
+              <p:nvPr/>
+            </p:nvSpPr>
+            <p:spPr>
+              <a:xfrm>
+                <a:off x="3708956" y="2522698"/>
+                <a:ext cx="454761" cy="438281"/>
+              </a:xfrm>
+              <a:prstGeom prst="ellipse">
+                <a:avLst/>
+              </a:prstGeom>
+              <a:noFill/>
+              <a:ln w="12700" cap="flat" cmpd="sng" algn="ctr">
+                <a:solidFill>
+                  <a:schemeClr val="dk1"/>
+                </a:solidFill>
+                <a:prstDash val="solid"/>
+                <a:round/>
+                <a:headEnd type="none" w="med" len="med"/>
+                <a:tailEnd type="none" w="med" len="med"/>
+              </a:ln>
+            </p:spPr>
+            <p:style>
+              <a:lnRef idx="0">
+                <a:scrgbClr r="0" g="0" b="0"/>
+              </a:lnRef>
+              <a:fillRef idx="0">
+                <a:scrgbClr r="0" g="0" b="0"/>
+              </a:fillRef>
+              <a:effectRef idx="0">
+                <a:scrgbClr r="0" g="0" b="0"/>
+              </a:effectRef>
+              <a:fontRef idx="minor">
+                <a:schemeClr val="dk1"/>
+              </a:fontRef>
+            </p:style>
+            <p:txBody>
+              <a:bodyPr rtlCol="0" anchor="ctr"/>
+              <a:lstStyle/>
+              <a:p>
+                <a:pPr algn="ctr"/>
+                <a:endParaRPr lang="nl-NL"/>
+              </a:p>
+            </p:txBody>
+          </p:sp>
+          <p:sp>
+            <p:nvSpPr>
+              <p:cNvPr id="13" name="Oval 12">
+                <a:extLst>
+                  <a:ext uri="{FF2B5EF4-FFF2-40B4-BE49-F238E27FC236}">
+                    <a16:creationId xmlns:a16="http://schemas.microsoft.com/office/drawing/2014/main" id="{F7B9A472-F2EF-4141-9825-3AB1543B7CE8}"/>
+                  </a:ext>
+                </a:extLst>
+              </p:cNvPr>
+              <p:cNvSpPr/>
+              <p:nvPr/>
+            </p:nvSpPr>
+            <p:spPr>
+              <a:xfrm>
+                <a:off x="4462451" y="3089479"/>
+                <a:ext cx="454761" cy="454761"/>
+              </a:xfrm>
+              <a:prstGeom prst="ellipse">
+                <a:avLst/>
+              </a:prstGeom>
+              <a:noFill/>
+              <a:ln w="12700" cap="flat" cmpd="sng" algn="ctr">
+                <a:solidFill>
+                  <a:schemeClr val="dk1"/>
+                </a:solidFill>
+                <a:prstDash val="solid"/>
+                <a:round/>
+                <a:headEnd type="none" w="med" len="med"/>
+                <a:tailEnd type="none" w="med" len="med"/>
+              </a:ln>
+            </p:spPr>
+            <p:style>
+              <a:lnRef idx="0">
+                <a:scrgbClr r="0" g="0" b="0"/>
+              </a:lnRef>
+              <a:fillRef idx="0">
+                <a:scrgbClr r="0" g="0" b="0"/>
+              </a:fillRef>
+              <a:effectRef idx="0">
+                <a:scrgbClr r="0" g="0" b="0"/>
+              </a:effectRef>
+              <a:fontRef idx="minor">
+                <a:schemeClr val="dk1"/>
+              </a:fontRef>
+            </p:style>
+            <p:txBody>
+              <a:bodyPr rtlCol="0" anchor="ctr"/>
+              <a:lstStyle/>
+              <a:p>
+                <a:pPr algn="ctr"/>
+                <a:endParaRPr lang="nl-NL"/>
+              </a:p>
+            </p:txBody>
+          </p:sp>
+          <p:cxnSp>
+            <p:nvCxnSpPr>
+              <p:cNvPr id="14" name="Straight Arrow Connector 13">
+                <a:extLst>
+                  <a:ext uri="{FF2B5EF4-FFF2-40B4-BE49-F238E27FC236}">
+                    <a16:creationId xmlns:a16="http://schemas.microsoft.com/office/drawing/2014/main" id="{46AC8882-CBC1-F442-864B-53E6B1871803}"/>
+                  </a:ext>
+                </a:extLst>
+              </p:cNvPr>
+              <p:cNvCxnSpPr>
+                <a:cxnSpLocks/>
+                <a:stCxn id="8" idx="6"/>
+                <a:endCxn id="5" idx="2"/>
+              </p:cNvCxnSpPr>
+              <p:nvPr/>
+            </p:nvCxnSpPr>
+            <p:spPr>
+              <a:xfrm>
+                <a:off x="2389410" y="3029610"/>
+                <a:ext cx="369979" cy="287250"/>
+              </a:xfrm>
+              <a:prstGeom prst="straightConnector1">
+                <a:avLst/>
+              </a:prstGeom>
+              <a:ln>
+                <a:tailEnd type="triangle"/>
+              </a:ln>
+            </p:spPr>
+            <p:style>
+              <a:lnRef idx="3">
+                <a:schemeClr val="dk1"/>
+              </a:lnRef>
+              <a:fillRef idx="0">
+                <a:schemeClr val="dk1"/>
+              </a:fillRef>
+              <a:effectRef idx="2">
+                <a:schemeClr val="dk1"/>
+              </a:effectRef>
+              <a:fontRef idx="minor">
+                <a:schemeClr val="tx1"/>
+              </a:fontRef>
+            </p:style>
+          </p:cxnSp>
+          <p:cxnSp>
+            <p:nvCxnSpPr>
+              <p:cNvPr id="15" name="Straight Arrow Connector 14">
+                <a:extLst>
+                  <a:ext uri="{FF2B5EF4-FFF2-40B4-BE49-F238E27FC236}">
+                    <a16:creationId xmlns:a16="http://schemas.microsoft.com/office/drawing/2014/main" id="{F906FF4B-031C-5F4B-AC35-4B18CF713960}"/>
+                  </a:ext>
+                </a:extLst>
+              </p:cNvPr>
+              <p:cNvCxnSpPr>
+                <a:cxnSpLocks/>
+                <a:stCxn id="8" idx="6"/>
+                <a:endCxn id="7" idx="2"/>
+              </p:cNvCxnSpPr>
+              <p:nvPr/>
+            </p:nvCxnSpPr>
+            <p:spPr>
+              <a:xfrm flipV="1">
+                <a:off x="2389410" y="2741839"/>
+                <a:ext cx="369979" cy="287771"/>
+              </a:xfrm>
+              <a:prstGeom prst="straightConnector1">
+                <a:avLst/>
+              </a:prstGeom>
+              <a:ln>
+                <a:tailEnd type="triangle"/>
+              </a:ln>
+            </p:spPr>
+            <p:style>
+              <a:lnRef idx="3">
+                <a:schemeClr val="dk1"/>
+              </a:lnRef>
+              <a:fillRef idx="0">
+                <a:schemeClr val="dk1"/>
+              </a:fillRef>
+              <a:effectRef idx="2">
+                <a:schemeClr val="dk1"/>
+              </a:effectRef>
+              <a:fontRef idx="minor">
+                <a:schemeClr val="tx1"/>
+              </a:fontRef>
+            </p:style>
+          </p:cxnSp>
+          <p:cxnSp>
+            <p:nvCxnSpPr>
+              <p:cNvPr id="16" name="Straight Arrow Connector 15">
+                <a:extLst>
+                  <a:ext uri="{FF2B5EF4-FFF2-40B4-BE49-F238E27FC236}">
+                    <a16:creationId xmlns:a16="http://schemas.microsoft.com/office/drawing/2014/main" id="{D66236B2-F8B5-8046-9AF0-243D45E2AD42}"/>
+                  </a:ext>
+                </a:extLst>
+              </p:cNvPr>
+              <p:cNvCxnSpPr>
+                <a:cxnSpLocks/>
+                <a:stCxn id="9" idx="6"/>
+                <a:endCxn id="6" idx="2"/>
+              </p:cNvCxnSpPr>
+              <p:nvPr/>
+            </p:nvCxnSpPr>
+            <p:spPr>
+              <a:xfrm>
+                <a:off x="2388712" y="3711752"/>
+                <a:ext cx="370677" cy="188369"/>
+              </a:xfrm>
+              <a:prstGeom prst="straightConnector1">
+                <a:avLst/>
+              </a:prstGeom>
+              <a:ln>
+                <a:tailEnd type="triangle"/>
+              </a:ln>
+            </p:spPr>
+            <p:style>
+              <a:lnRef idx="3">
+                <a:schemeClr val="dk1"/>
+              </a:lnRef>
+              <a:fillRef idx="0">
+                <a:schemeClr val="dk1"/>
+              </a:fillRef>
+              <a:effectRef idx="2">
+                <a:schemeClr val="dk1"/>
+              </a:effectRef>
+              <a:fontRef idx="minor">
+                <a:schemeClr val="tx1"/>
+              </a:fontRef>
+            </p:style>
+          </p:cxnSp>
+          <p:cxnSp>
+            <p:nvCxnSpPr>
+              <p:cNvPr id="17" name="Straight Arrow Connector 16">
+                <a:extLst>
+                  <a:ext uri="{FF2B5EF4-FFF2-40B4-BE49-F238E27FC236}">
+                    <a16:creationId xmlns:a16="http://schemas.microsoft.com/office/drawing/2014/main" id="{ED932D3F-EA4E-274D-9876-0876CE146F04}"/>
+                  </a:ext>
+                </a:extLst>
+              </p:cNvPr>
+              <p:cNvCxnSpPr>
+                <a:cxnSpLocks/>
+                <a:stCxn id="9" idx="6"/>
+                <a:endCxn id="5" idx="2"/>
+              </p:cNvCxnSpPr>
+              <p:nvPr/>
+            </p:nvCxnSpPr>
+            <p:spPr>
+              <a:xfrm flipV="1">
+                <a:off x="2388712" y="3316859"/>
+                <a:ext cx="370677" cy="394892"/>
+              </a:xfrm>
+              <a:prstGeom prst="straightConnector1">
+                <a:avLst/>
+              </a:prstGeom>
+              <a:ln>
+                <a:tailEnd type="triangle"/>
+              </a:ln>
+            </p:spPr>
+            <p:style>
+              <a:lnRef idx="3">
+                <a:schemeClr val="dk1"/>
+              </a:lnRef>
+              <a:fillRef idx="0">
+                <a:schemeClr val="dk1"/>
+              </a:fillRef>
+              <a:effectRef idx="2">
+                <a:schemeClr val="dk1"/>
+              </a:effectRef>
+              <a:fontRef idx="minor">
+                <a:schemeClr val="tx1"/>
+              </a:fontRef>
+            </p:style>
+          </p:cxnSp>
+          <p:cxnSp>
+            <p:nvCxnSpPr>
+              <p:cNvPr id="18" name="Straight Arrow Connector 17">
+                <a:extLst>
+                  <a:ext uri="{FF2B5EF4-FFF2-40B4-BE49-F238E27FC236}">
+                    <a16:creationId xmlns:a16="http://schemas.microsoft.com/office/drawing/2014/main" id="{25505F21-E393-2A4F-AD2E-9E1AC532E0FC}"/>
+                  </a:ext>
+                </a:extLst>
+              </p:cNvPr>
+              <p:cNvCxnSpPr>
+                <a:cxnSpLocks/>
+                <a:stCxn id="5" idx="6"/>
+                <a:endCxn id="12" idx="2"/>
+              </p:cNvCxnSpPr>
+              <p:nvPr/>
+            </p:nvCxnSpPr>
+            <p:spPr>
+              <a:xfrm flipV="1">
+                <a:off x="3214150" y="2741839"/>
+                <a:ext cx="494805" cy="575021"/>
+              </a:xfrm>
+              <a:prstGeom prst="straightConnector1">
+                <a:avLst/>
+              </a:prstGeom>
+              <a:ln>
+                <a:prstDash val="sysDash"/>
+                <a:tailEnd type="triangle"/>
+              </a:ln>
+            </p:spPr>
+            <p:style>
+              <a:lnRef idx="3">
+                <a:schemeClr val="accent3"/>
+              </a:lnRef>
+              <a:fillRef idx="0">
+                <a:schemeClr val="accent3"/>
+              </a:fillRef>
+              <a:effectRef idx="2">
+                <a:schemeClr val="accent3"/>
+              </a:effectRef>
+              <a:fontRef idx="minor">
+                <a:schemeClr val="tx1"/>
+              </a:fontRef>
+            </p:style>
+          </p:cxnSp>
+          <p:cxnSp>
+            <p:nvCxnSpPr>
+              <p:cNvPr id="19" name="Straight Arrow Connector 18">
+                <a:extLst>
+                  <a:ext uri="{FF2B5EF4-FFF2-40B4-BE49-F238E27FC236}">
+                    <a16:creationId xmlns:a16="http://schemas.microsoft.com/office/drawing/2014/main" id="{448F39DE-5812-5848-B379-07DADF78CA52}"/>
+                  </a:ext>
+                </a:extLst>
+              </p:cNvPr>
+              <p:cNvCxnSpPr>
+                <a:cxnSpLocks/>
+                <a:stCxn id="7" idx="6"/>
+                <a:endCxn id="12" idx="2"/>
+              </p:cNvCxnSpPr>
+              <p:nvPr/>
+            </p:nvCxnSpPr>
+            <p:spPr>
+              <a:xfrm>
+                <a:off x="3214150" y="2741839"/>
+                <a:ext cx="494805" cy="0"/>
+              </a:xfrm>
+              <a:prstGeom prst="straightConnector1">
+                <a:avLst/>
+              </a:prstGeom>
+              <a:ln>
+                <a:prstDash val="sysDash"/>
+                <a:tailEnd type="triangle"/>
+              </a:ln>
+            </p:spPr>
+            <p:style>
+              <a:lnRef idx="3">
+                <a:schemeClr val="accent3"/>
+              </a:lnRef>
+              <a:fillRef idx="0">
+                <a:schemeClr val="accent3"/>
+              </a:fillRef>
+              <a:effectRef idx="2">
+                <a:schemeClr val="accent3"/>
+              </a:effectRef>
+              <a:fontRef idx="minor">
+                <a:schemeClr val="tx1"/>
+              </a:fontRef>
+            </p:style>
+          </p:cxnSp>
+          <p:cxnSp>
+            <p:nvCxnSpPr>
+              <p:cNvPr id="20" name="Straight Arrow Connector 19">
+                <a:extLst>
+                  <a:ext uri="{FF2B5EF4-FFF2-40B4-BE49-F238E27FC236}">
+                    <a16:creationId xmlns:a16="http://schemas.microsoft.com/office/drawing/2014/main" id="{D313BC21-6DC6-F54D-976C-8E4D386E10CD}"/>
+                  </a:ext>
+                </a:extLst>
+              </p:cNvPr>
+              <p:cNvCxnSpPr>
+                <a:cxnSpLocks/>
+                <a:stCxn id="7" idx="6"/>
+                <a:endCxn id="10" idx="2"/>
+              </p:cNvCxnSpPr>
+              <p:nvPr/>
+            </p:nvCxnSpPr>
+            <p:spPr>
+              <a:xfrm>
+                <a:off x="3214150" y="2741839"/>
+                <a:ext cx="494805" cy="575021"/>
+              </a:xfrm>
+              <a:prstGeom prst="straightConnector1">
+                <a:avLst/>
+              </a:prstGeom>
+              <a:ln>
+                <a:prstDash val="sysDash"/>
+                <a:tailEnd type="triangle"/>
+              </a:ln>
+            </p:spPr>
+            <p:style>
+              <a:lnRef idx="3">
+                <a:schemeClr val="accent3"/>
+              </a:lnRef>
+              <a:fillRef idx="0">
+                <a:schemeClr val="accent3"/>
+              </a:fillRef>
+              <a:effectRef idx="2">
+                <a:schemeClr val="accent3"/>
+              </a:effectRef>
+              <a:fontRef idx="minor">
+                <a:schemeClr val="tx1"/>
+              </a:fontRef>
+            </p:style>
+          </p:cxnSp>
+          <p:cxnSp>
+            <p:nvCxnSpPr>
+              <p:cNvPr id="21" name="Straight Arrow Connector 20">
+                <a:extLst>
+                  <a:ext uri="{FF2B5EF4-FFF2-40B4-BE49-F238E27FC236}">
+                    <a16:creationId xmlns:a16="http://schemas.microsoft.com/office/drawing/2014/main" id="{CB254BAF-8596-0B44-91DB-7A369F374267}"/>
+                  </a:ext>
+                </a:extLst>
+              </p:cNvPr>
+              <p:cNvCxnSpPr>
+                <a:cxnSpLocks/>
+                <a:endCxn id="10" idx="2"/>
+              </p:cNvCxnSpPr>
+              <p:nvPr/>
+            </p:nvCxnSpPr>
+            <p:spPr>
+              <a:xfrm>
+                <a:off x="3214150" y="3316859"/>
+                <a:ext cx="494805" cy="0"/>
+              </a:xfrm>
+              <a:prstGeom prst="straightConnector1">
+                <a:avLst/>
+              </a:prstGeom>
+              <a:ln>
+                <a:prstDash val="sysDash"/>
+                <a:tailEnd type="triangle"/>
+              </a:ln>
+            </p:spPr>
+            <p:style>
+              <a:lnRef idx="3">
+                <a:schemeClr val="accent3"/>
+              </a:lnRef>
+              <a:fillRef idx="0">
+                <a:schemeClr val="accent3"/>
+              </a:fillRef>
+              <a:effectRef idx="2">
+                <a:schemeClr val="accent3"/>
+              </a:effectRef>
+              <a:fontRef idx="minor">
+                <a:schemeClr val="tx1"/>
+              </a:fontRef>
+            </p:style>
+          </p:cxnSp>
+          <p:cxnSp>
+            <p:nvCxnSpPr>
+              <p:cNvPr id="22" name="Straight Arrow Connector 21">
+                <a:extLst>
+                  <a:ext uri="{FF2B5EF4-FFF2-40B4-BE49-F238E27FC236}">
+                    <a16:creationId xmlns:a16="http://schemas.microsoft.com/office/drawing/2014/main" id="{15D669B5-CDE9-7E49-95D5-F0DB640A2396}"/>
+                  </a:ext>
+                </a:extLst>
+              </p:cNvPr>
+              <p:cNvCxnSpPr>
+                <a:cxnSpLocks/>
+                <a:endCxn id="11" idx="2"/>
+              </p:cNvCxnSpPr>
+              <p:nvPr/>
+            </p:nvCxnSpPr>
+            <p:spPr>
+              <a:xfrm>
+                <a:off x="3214150" y="3890581"/>
+                <a:ext cx="494805" cy="9539"/>
+              </a:xfrm>
+              <a:prstGeom prst="straightConnector1">
+                <a:avLst/>
+              </a:prstGeom>
+              <a:ln>
+                <a:prstDash val="sysDash"/>
+                <a:tailEnd type="triangle"/>
+              </a:ln>
+            </p:spPr>
+            <p:style>
+              <a:lnRef idx="3">
+                <a:schemeClr val="accent3"/>
+              </a:lnRef>
+              <a:fillRef idx="0">
+                <a:schemeClr val="accent3"/>
+              </a:fillRef>
+              <a:effectRef idx="2">
+                <a:schemeClr val="accent3"/>
+              </a:effectRef>
+              <a:fontRef idx="minor">
+                <a:schemeClr val="tx1"/>
+              </a:fontRef>
+            </p:style>
+          </p:cxnSp>
+          <p:cxnSp>
+            <p:nvCxnSpPr>
+              <p:cNvPr id="23" name="Straight Arrow Connector 22">
+                <a:extLst>
+                  <a:ext uri="{FF2B5EF4-FFF2-40B4-BE49-F238E27FC236}">
+                    <a16:creationId xmlns:a16="http://schemas.microsoft.com/office/drawing/2014/main" id="{25EDEC9C-81B2-664D-847D-C899ADABFB3B}"/>
+                  </a:ext>
+                </a:extLst>
+              </p:cNvPr>
+              <p:cNvCxnSpPr>
+                <a:cxnSpLocks/>
+                <a:endCxn id="10" idx="2"/>
+              </p:cNvCxnSpPr>
+              <p:nvPr/>
+            </p:nvCxnSpPr>
+            <p:spPr>
+              <a:xfrm flipV="1">
+                <a:off x="3214150" y="3316859"/>
+                <a:ext cx="494805" cy="572580"/>
+              </a:xfrm>
+              <a:prstGeom prst="straightConnector1">
+                <a:avLst/>
+              </a:prstGeom>
+              <a:ln>
+                <a:prstDash val="sysDash"/>
+                <a:tailEnd type="triangle"/>
+              </a:ln>
+            </p:spPr>
+            <p:style>
+              <a:lnRef idx="3">
+                <a:schemeClr val="accent3"/>
+              </a:lnRef>
+              <a:fillRef idx="0">
+                <a:schemeClr val="accent3"/>
+              </a:fillRef>
+              <a:effectRef idx="2">
+                <a:schemeClr val="accent3"/>
+              </a:effectRef>
+              <a:fontRef idx="minor">
+                <a:schemeClr val="tx1"/>
+              </a:fontRef>
+            </p:style>
+          </p:cxnSp>
+          <p:cxnSp>
+            <p:nvCxnSpPr>
+              <p:cNvPr id="24" name="Straight Arrow Connector 23">
+                <a:extLst>
+                  <a:ext uri="{FF2B5EF4-FFF2-40B4-BE49-F238E27FC236}">
+                    <a16:creationId xmlns:a16="http://schemas.microsoft.com/office/drawing/2014/main" id="{EA5CEBA7-0C32-1B42-B5B3-652ABAE34DA4}"/>
+                  </a:ext>
+                </a:extLst>
+              </p:cNvPr>
+              <p:cNvCxnSpPr>
+                <a:cxnSpLocks/>
+                <a:endCxn id="11" idx="2"/>
+              </p:cNvCxnSpPr>
+              <p:nvPr/>
+            </p:nvCxnSpPr>
+            <p:spPr>
+              <a:xfrm>
+                <a:off x="3214150" y="3314418"/>
+                <a:ext cx="494805" cy="585703"/>
+              </a:xfrm>
+              <a:prstGeom prst="straightConnector1">
+                <a:avLst/>
+              </a:prstGeom>
+              <a:ln>
+                <a:prstDash val="sysDash"/>
+                <a:tailEnd type="triangle"/>
+              </a:ln>
+            </p:spPr>
+            <p:style>
+              <a:lnRef idx="3">
+                <a:schemeClr val="accent3"/>
+              </a:lnRef>
+              <a:fillRef idx="0">
+                <a:schemeClr val="accent3"/>
+              </a:fillRef>
+              <a:effectRef idx="2">
+                <a:schemeClr val="accent3"/>
+              </a:effectRef>
+              <a:fontRef idx="minor">
+                <a:schemeClr val="tx1"/>
+              </a:fontRef>
+            </p:style>
+          </p:cxnSp>
+          <p:cxnSp>
+            <p:nvCxnSpPr>
+              <p:cNvPr id="25" name="Straight Arrow Connector 24">
+                <a:extLst>
+                  <a:ext uri="{FF2B5EF4-FFF2-40B4-BE49-F238E27FC236}">
+                    <a16:creationId xmlns:a16="http://schemas.microsoft.com/office/drawing/2014/main" id="{BF746B3F-7611-F549-A71F-329F95BD310A}"/>
+                  </a:ext>
+                </a:extLst>
+              </p:cNvPr>
+              <p:cNvCxnSpPr>
+                <a:cxnSpLocks/>
+                <a:stCxn id="6" idx="6"/>
+                <a:endCxn id="12" idx="2"/>
+              </p:cNvCxnSpPr>
+              <p:nvPr/>
+            </p:nvCxnSpPr>
+            <p:spPr>
+              <a:xfrm flipV="1">
+                <a:off x="3214150" y="2741839"/>
+                <a:ext cx="494805" cy="1158282"/>
+              </a:xfrm>
+              <a:prstGeom prst="straightConnector1">
+                <a:avLst/>
+              </a:prstGeom>
+              <a:ln>
+                <a:prstDash val="sysDash"/>
+                <a:tailEnd type="triangle"/>
+              </a:ln>
+            </p:spPr>
+            <p:style>
+              <a:lnRef idx="3">
+                <a:schemeClr val="accent3"/>
+              </a:lnRef>
+              <a:fillRef idx="0">
+                <a:schemeClr val="accent3"/>
+              </a:fillRef>
+              <a:effectRef idx="2">
+                <a:schemeClr val="accent3"/>
+              </a:effectRef>
+              <a:fontRef idx="minor">
+                <a:schemeClr val="tx1"/>
+              </a:fontRef>
+            </p:style>
+          </p:cxnSp>
+          <p:cxnSp>
+            <p:nvCxnSpPr>
+              <p:cNvPr id="26" name="Straight Arrow Connector 25">
+                <a:extLst>
+                  <a:ext uri="{FF2B5EF4-FFF2-40B4-BE49-F238E27FC236}">
+                    <a16:creationId xmlns:a16="http://schemas.microsoft.com/office/drawing/2014/main" id="{41506630-8E3F-9C4F-9DC4-0463D0139697}"/>
+                  </a:ext>
+                </a:extLst>
+              </p:cNvPr>
+              <p:cNvCxnSpPr>
+                <a:cxnSpLocks/>
+                <a:endCxn id="11" idx="2"/>
+              </p:cNvCxnSpPr>
+              <p:nvPr/>
+            </p:nvCxnSpPr>
+            <p:spPr>
+              <a:xfrm>
+                <a:off x="3227610" y="2747506"/>
+                <a:ext cx="481346" cy="1152614"/>
+              </a:xfrm>
+              <a:prstGeom prst="straightConnector1">
+                <a:avLst/>
+              </a:prstGeom>
+              <a:ln>
+                <a:prstDash val="sysDash"/>
+                <a:tailEnd type="triangle"/>
+              </a:ln>
+            </p:spPr>
+            <p:style>
+              <a:lnRef idx="3">
+                <a:schemeClr val="accent3"/>
+              </a:lnRef>
+              <a:fillRef idx="0">
+                <a:schemeClr val="accent3"/>
+              </a:fillRef>
+              <a:effectRef idx="2">
+                <a:schemeClr val="accent3"/>
+              </a:effectRef>
+              <a:fontRef idx="minor">
+                <a:schemeClr val="tx1"/>
+              </a:fontRef>
+            </p:style>
+          </p:cxnSp>
+          <p:cxnSp>
+            <p:nvCxnSpPr>
+              <p:cNvPr id="27" name="Straight Arrow Connector 26">
+                <a:extLst>
+                  <a:ext uri="{FF2B5EF4-FFF2-40B4-BE49-F238E27FC236}">
+                    <a16:creationId xmlns:a16="http://schemas.microsoft.com/office/drawing/2014/main" id="{4FA98E7C-1086-E449-9EBB-D29C0169D3EC}"/>
+                  </a:ext>
+                </a:extLst>
+              </p:cNvPr>
+              <p:cNvCxnSpPr>
+                <a:cxnSpLocks/>
+                <a:stCxn id="10" idx="6"/>
+                <a:endCxn id="13" idx="2"/>
+              </p:cNvCxnSpPr>
+              <p:nvPr/>
+            </p:nvCxnSpPr>
+            <p:spPr>
+              <a:xfrm>
+                <a:off x="4163717" y="3316859"/>
+                <a:ext cx="298734" cy="0"/>
+              </a:xfrm>
+              <a:prstGeom prst="straightConnector1">
+                <a:avLst/>
+              </a:prstGeom>
+              <a:ln>
+                <a:tailEnd type="triangle"/>
+              </a:ln>
+            </p:spPr>
+            <p:style>
+              <a:lnRef idx="3">
+                <a:schemeClr val="dk1"/>
+              </a:lnRef>
+              <a:fillRef idx="0">
+                <a:schemeClr val="dk1"/>
+              </a:fillRef>
+              <a:effectRef idx="2">
+                <a:schemeClr val="dk1"/>
+              </a:effectRef>
+              <a:fontRef idx="minor">
+                <a:schemeClr val="tx1"/>
+              </a:fontRef>
+            </p:style>
+          </p:cxnSp>
+          <p:cxnSp>
+            <p:nvCxnSpPr>
+              <p:cNvPr id="28" name="Straight Arrow Connector 27">
+                <a:extLst>
+                  <a:ext uri="{FF2B5EF4-FFF2-40B4-BE49-F238E27FC236}">
+                    <a16:creationId xmlns:a16="http://schemas.microsoft.com/office/drawing/2014/main" id="{E7540C86-08AA-AA46-A6B1-0B7D12591B3A}"/>
+                  </a:ext>
+                </a:extLst>
+              </p:cNvPr>
+              <p:cNvCxnSpPr>
+                <a:cxnSpLocks/>
+                <a:stCxn id="11" idx="6"/>
+                <a:endCxn id="13" idx="2"/>
+              </p:cNvCxnSpPr>
+              <p:nvPr/>
+            </p:nvCxnSpPr>
+            <p:spPr>
+              <a:xfrm flipV="1">
+                <a:off x="4163717" y="3316859"/>
+                <a:ext cx="298734" cy="583261"/>
+              </a:xfrm>
+              <a:prstGeom prst="straightConnector1">
+                <a:avLst/>
+              </a:prstGeom>
+              <a:ln>
+                <a:tailEnd type="triangle"/>
+              </a:ln>
+            </p:spPr>
+            <p:style>
+              <a:lnRef idx="3">
+                <a:schemeClr val="dk1"/>
+              </a:lnRef>
+              <a:fillRef idx="0">
+                <a:schemeClr val="dk1"/>
+              </a:fillRef>
+              <a:effectRef idx="2">
+                <a:schemeClr val="dk1"/>
+              </a:effectRef>
+              <a:fontRef idx="minor">
+                <a:schemeClr val="tx1"/>
+              </a:fontRef>
+            </p:style>
+          </p:cxnSp>
+          <p:cxnSp>
+            <p:nvCxnSpPr>
+              <p:cNvPr id="29" name="Straight Arrow Connector 28">
+                <a:extLst>
+                  <a:ext uri="{FF2B5EF4-FFF2-40B4-BE49-F238E27FC236}">
+                    <a16:creationId xmlns:a16="http://schemas.microsoft.com/office/drawing/2014/main" id="{1DD8920C-0A1E-B640-96DF-C68DDCD63984}"/>
+                  </a:ext>
+                </a:extLst>
+              </p:cNvPr>
+              <p:cNvCxnSpPr>
+                <a:cxnSpLocks/>
+                <a:stCxn id="12" idx="6"/>
+                <a:endCxn id="13" idx="2"/>
+              </p:cNvCxnSpPr>
+              <p:nvPr/>
+            </p:nvCxnSpPr>
+            <p:spPr>
+              <a:xfrm>
+                <a:off x="4163717" y="2741839"/>
+                <a:ext cx="298734" cy="575021"/>
+              </a:xfrm>
+              <a:prstGeom prst="straightConnector1">
+                <a:avLst/>
+              </a:prstGeom>
+              <a:ln>
+                <a:tailEnd type="triangle"/>
+              </a:ln>
+            </p:spPr>
+            <p:style>
+              <a:lnRef idx="3">
+                <a:schemeClr val="dk1"/>
+              </a:lnRef>
+              <a:fillRef idx="0">
+                <a:schemeClr val="dk1"/>
+              </a:fillRef>
+              <a:effectRef idx="2">
+                <a:schemeClr val="dk1"/>
+              </a:effectRef>
+              <a:fontRef idx="minor">
+                <a:schemeClr val="tx1"/>
+              </a:fontRef>
+            </p:style>
+          </p:cxnSp>
+          <p:cxnSp>
+            <p:nvCxnSpPr>
+              <p:cNvPr id="30" name="Straight Connector 29">
+                <a:extLst>
+                  <a:ext uri="{FF2B5EF4-FFF2-40B4-BE49-F238E27FC236}">
+                    <a16:creationId xmlns:a16="http://schemas.microsoft.com/office/drawing/2014/main" id="{68FEF426-4EFD-9042-8496-45533FEC0693}"/>
+                  </a:ext>
+                </a:extLst>
+              </p:cNvPr>
+              <p:cNvCxnSpPr>
+                <a:cxnSpLocks/>
+              </p:cNvCxnSpPr>
+              <p:nvPr/>
+            </p:nvCxnSpPr>
+            <p:spPr>
+              <a:xfrm>
+                <a:off x="2616791" y="2522698"/>
+                <a:ext cx="0" cy="1563112"/>
+              </a:xfrm>
+              <a:prstGeom prst="line">
+                <a:avLst/>
+              </a:prstGeom>
+              <a:ln w="19050" cap="flat" cmpd="sng" algn="ctr">
+                <a:solidFill>
+                  <a:schemeClr val="dk1"/>
+                </a:solidFill>
+                <a:prstDash val="dash"/>
+                <a:round/>
+                <a:headEnd type="none" w="med" len="med"/>
+                <a:tailEnd type="none" w="med" len="med"/>
+              </a:ln>
+            </p:spPr>
+            <p:style>
+              <a:lnRef idx="0">
+                <a:scrgbClr r="0" g="0" b="0"/>
+              </a:lnRef>
+              <a:fillRef idx="0">
+                <a:scrgbClr r="0" g="0" b="0"/>
+              </a:fillRef>
+              <a:effectRef idx="0">
+                <a:scrgbClr r="0" g="0" b="0"/>
+              </a:effectRef>
+              <a:fontRef idx="minor">
+                <a:schemeClr val="tx1"/>
+              </a:fontRef>
+            </p:style>
+          </p:cxnSp>
+          <p:cxnSp>
+            <p:nvCxnSpPr>
+              <p:cNvPr id="31" name="Straight Connector 30">
+                <a:extLst>
+                  <a:ext uri="{FF2B5EF4-FFF2-40B4-BE49-F238E27FC236}">
+                    <a16:creationId xmlns:a16="http://schemas.microsoft.com/office/drawing/2014/main" id="{8B2DFBC4-D5A5-7045-9856-E82C371834D9}"/>
+                  </a:ext>
+                </a:extLst>
+              </p:cNvPr>
+              <p:cNvCxnSpPr>
+                <a:cxnSpLocks/>
+              </p:cNvCxnSpPr>
+              <p:nvPr/>
+            </p:nvCxnSpPr>
+            <p:spPr>
+              <a:xfrm>
+                <a:off x="4326147" y="2518007"/>
+                <a:ext cx="0" cy="1604803"/>
+              </a:xfrm>
+              <a:prstGeom prst="line">
+                <a:avLst/>
+              </a:prstGeom>
+              <a:ln w="19050" cap="flat" cmpd="sng" algn="ctr">
+                <a:solidFill>
+                  <a:schemeClr val="dk1"/>
+                </a:solidFill>
+                <a:prstDash val="dash"/>
+                <a:round/>
+                <a:headEnd type="none" w="med" len="med"/>
+                <a:tailEnd type="none" w="med" len="med"/>
+              </a:ln>
+            </p:spPr>
+            <p:style>
+              <a:lnRef idx="0">
+                <a:scrgbClr r="0" g="0" b="0"/>
+              </a:lnRef>
+              <a:fillRef idx="0">
+                <a:scrgbClr r="0" g="0" b="0"/>
+              </a:fillRef>
+              <a:effectRef idx="0">
+                <a:scrgbClr r="0" g="0" b="0"/>
+              </a:effectRef>
+              <a:fontRef idx="minor">
+                <a:schemeClr val="tx1"/>
+              </a:fontRef>
+            </p:style>
+          </p:cxnSp>
+          <p:cxnSp>
+            <p:nvCxnSpPr>
+              <p:cNvPr id="39" name="Straight Arrow Connector 38">
+                <a:extLst>
+                  <a:ext uri="{FF2B5EF4-FFF2-40B4-BE49-F238E27FC236}">
+                    <a16:creationId xmlns:a16="http://schemas.microsoft.com/office/drawing/2014/main" id="{4F68ADDA-428A-7243-AE71-02300219F942}"/>
+                  </a:ext>
+                </a:extLst>
+              </p:cNvPr>
+              <p:cNvCxnSpPr>
+                <a:cxnSpLocks/>
+                <a:stCxn id="8" idx="6"/>
+                <a:endCxn id="6" idx="2"/>
+              </p:cNvCxnSpPr>
+              <p:nvPr/>
+            </p:nvCxnSpPr>
+            <p:spPr>
+              <a:xfrm>
+                <a:off x="2389410" y="3029610"/>
+                <a:ext cx="369979" cy="870511"/>
+              </a:xfrm>
+              <a:prstGeom prst="straightConnector1">
+                <a:avLst/>
+              </a:prstGeom>
+              <a:ln>
+                <a:tailEnd type="triangle"/>
+              </a:ln>
+            </p:spPr>
+            <p:style>
+              <a:lnRef idx="3">
+                <a:schemeClr val="dk1"/>
+              </a:lnRef>
+              <a:fillRef idx="0">
+                <a:schemeClr val="dk1"/>
+              </a:fillRef>
+              <a:effectRef idx="2">
+                <a:schemeClr val="dk1"/>
+              </a:effectRef>
+              <a:fontRef idx="minor">
+                <a:schemeClr val="tx1"/>
+              </a:fontRef>
+            </p:style>
+          </p:cxnSp>
+          <p:cxnSp>
+            <p:nvCxnSpPr>
+              <p:cNvPr id="40" name="Straight Arrow Connector 39">
+                <a:extLst>
+                  <a:ext uri="{FF2B5EF4-FFF2-40B4-BE49-F238E27FC236}">
+                    <a16:creationId xmlns:a16="http://schemas.microsoft.com/office/drawing/2014/main" id="{1D7212B6-0FB9-D240-A7E6-57B829565425}"/>
+                  </a:ext>
+                </a:extLst>
+              </p:cNvPr>
+              <p:cNvCxnSpPr>
+                <a:cxnSpLocks/>
+                <a:stCxn id="9" idx="6"/>
+                <a:endCxn id="7" idx="2"/>
+              </p:cNvCxnSpPr>
+              <p:nvPr/>
+            </p:nvCxnSpPr>
+            <p:spPr>
+              <a:xfrm flipV="1">
+                <a:off x="2388712" y="2741839"/>
+                <a:ext cx="370677" cy="969913"/>
+              </a:xfrm>
+              <a:prstGeom prst="straightConnector1">
+                <a:avLst/>
+              </a:prstGeom>
+              <a:ln>
+                <a:tailEnd type="triangle"/>
+              </a:ln>
+            </p:spPr>
+            <p:style>
+              <a:lnRef idx="3">
+                <a:schemeClr val="dk1"/>
+              </a:lnRef>
+              <a:fillRef idx="0">
+                <a:schemeClr val="dk1"/>
+              </a:fillRef>
+              <a:effectRef idx="2">
+                <a:schemeClr val="dk1"/>
+              </a:effectRef>
+              <a:fontRef idx="minor">
+                <a:schemeClr val="tx1"/>
+              </a:fontRef>
+            </p:style>
+          </p:cxnSp>
+          <p:sp>
+            <p:nvSpPr>
+              <p:cNvPr id="78" name="Rectangle 77">
+                <a:extLst>
+                  <a:ext uri="{FF2B5EF4-FFF2-40B4-BE49-F238E27FC236}">
+                    <a16:creationId xmlns:a16="http://schemas.microsoft.com/office/drawing/2014/main" id="{253FEF53-C129-7B46-BE7B-2FB28E72EAE8}"/>
+                  </a:ext>
+                </a:extLst>
+              </p:cNvPr>
+              <p:cNvSpPr/>
+              <p:nvPr/>
+            </p:nvSpPr>
+            <p:spPr>
+              <a:xfrm>
+                <a:off x="3350454" y="2522698"/>
+                <a:ext cx="222199" cy="1604803"/>
+              </a:xfrm>
+              <a:prstGeom prst="rect">
+                <a:avLst/>
+              </a:prstGeom>
+              <a:solidFill>
+                <a:schemeClr val="bg1"/>
+              </a:solidFill>
+              <a:ln>
+                <a:noFill/>
+              </a:ln>
+            </p:spPr>
+            <p:style>
+              <a:lnRef idx="2">
+                <a:schemeClr val="accent1">
+                  <a:shade val="50000"/>
+                </a:schemeClr>
+              </a:lnRef>
+              <a:fillRef idx="1">
+                <a:schemeClr val="accent1"/>
+              </a:fillRef>
+              <a:effectRef idx="0">
+                <a:schemeClr val="accent1"/>
+              </a:effectRef>
+              <a:fontRef idx="minor">
+                <a:schemeClr val="lt1"/>
+              </a:fontRef>
+            </p:style>
+            <p:txBody>
+              <a:bodyPr rtlCol="0" anchor="ctr"/>
+              <a:lstStyle/>
+              <a:p>
+                <a:pPr algn="ctr"/>
+                <a:endParaRPr lang="nl-NL"/>
+              </a:p>
+            </p:txBody>
+          </p:sp>
+          <p:sp>
+            <p:nvSpPr>
+              <p:cNvPr id="80" name="TextBox 79">
+                <a:extLst>
+                  <a:ext uri="{FF2B5EF4-FFF2-40B4-BE49-F238E27FC236}">
+                    <a16:creationId xmlns:a16="http://schemas.microsoft.com/office/drawing/2014/main" id="{D8F95FB9-BF5C-7943-9E6B-1232EF13B183}"/>
+                  </a:ext>
+                </a:extLst>
+              </p:cNvPr>
+              <p:cNvSpPr txBox="1"/>
+              <p:nvPr/>
+            </p:nvSpPr>
+            <p:spPr>
+              <a:xfrm>
+                <a:off x="1411728" y="2826801"/>
+                <a:ext cx="323837" cy="369332"/>
+              </a:xfrm>
+              <a:prstGeom prst="rect">
+                <a:avLst/>
+              </a:prstGeom>
+              <a:noFill/>
+            </p:spPr>
+            <p:txBody>
+              <a:bodyPr wrap="square" rtlCol="0">
+                <a:spAutoFit/>
+              </a:bodyPr>
+              <a:lstStyle/>
+              <a:p>
+                <a:r>
+                  <a:rPr lang="nl-NL" dirty="0">
+                    <a:latin typeface="+mj-lt"/>
+                  </a:rPr>
+                  <a:t>x</a:t>
+                </a:r>
+              </a:p>
+            </p:txBody>
+          </p:sp>
+          <p:sp>
+            <p:nvSpPr>
+              <p:cNvPr id="81" name="TextBox 80">
+                <a:extLst>
+                  <a:ext uri="{FF2B5EF4-FFF2-40B4-BE49-F238E27FC236}">
+                    <a16:creationId xmlns:a16="http://schemas.microsoft.com/office/drawing/2014/main" id="{96ED2434-74DF-5649-B30F-BB5288050F65}"/>
+                  </a:ext>
+                </a:extLst>
+              </p:cNvPr>
+              <p:cNvSpPr txBox="1"/>
+              <p:nvPr/>
+            </p:nvSpPr>
+            <p:spPr>
+              <a:xfrm>
+                <a:off x="1410131" y="3550295"/>
+                <a:ext cx="1216231" cy="369332"/>
+              </a:xfrm>
+              <a:prstGeom prst="rect">
+                <a:avLst/>
+              </a:prstGeom>
+              <a:noFill/>
+            </p:spPr>
+            <p:txBody>
+              <a:bodyPr wrap="square" rtlCol="0">
+                <a:spAutoFit/>
+              </a:bodyPr>
+              <a:lstStyle/>
+              <a:p>
+                <a:r>
+                  <a:rPr lang="nl-NL" dirty="0">
+                    <a:latin typeface="+mj-lt"/>
+                  </a:rPr>
+                  <a:t>t</a:t>
+                </a:r>
+              </a:p>
+            </p:txBody>
+          </p:sp>
+          <p:cxnSp>
+            <p:nvCxnSpPr>
+              <p:cNvPr id="84" name="Straight Arrow Connector 83">
+                <a:extLst>
+                  <a:ext uri="{FF2B5EF4-FFF2-40B4-BE49-F238E27FC236}">
+                    <a16:creationId xmlns:a16="http://schemas.microsoft.com/office/drawing/2014/main" id="{227B2B74-0A6A-3942-ABC2-43834363182D}"/>
+                  </a:ext>
+                </a:extLst>
+              </p:cNvPr>
+              <p:cNvCxnSpPr>
+                <a:cxnSpLocks/>
+              </p:cNvCxnSpPr>
+              <p:nvPr/>
+            </p:nvCxnSpPr>
+            <p:spPr>
+              <a:xfrm>
+                <a:off x="1668194" y="3717179"/>
+                <a:ext cx="258741" cy="0"/>
+              </a:xfrm>
+              <a:prstGeom prst="straightConnector1">
+                <a:avLst/>
+              </a:prstGeom>
+              <a:ln>
+                <a:tailEnd type="triangle"/>
+              </a:ln>
+            </p:spPr>
+            <p:style>
+              <a:lnRef idx="3">
+                <a:schemeClr val="dk1"/>
+              </a:lnRef>
+              <a:fillRef idx="0">
+                <a:schemeClr val="dk1"/>
+              </a:fillRef>
+              <a:effectRef idx="2">
+                <a:schemeClr val="dk1"/>
+              </a:effectRef>
+              <a:fontRef idx="minor">
+                <a:schemeClr val="tx1"/>
+              </a:fontRef>
+            </p:style>
+          </p:cxnSp>
+          <p:cxnSp>
+            <p:nvCxnSpPr>
+              <p:cNvPr id="86" name="Straight Arrow Connector 85">
+                <a:extLst>
+                  <a:ext uri="{FF2B5EF4-FFF2-40B4-BE49-F238E27FC236}">
+                    <a16:creationId xmlns:a16="http://schemas.microsoft.com/office/drawing/2014/main" id="{E2B18397-3F7E-B94D-91BF-048E7DAF9EB4}"/>
+                  </a:ext>
+                </a:extLst>
+              </p:cNvPr>
+              <p:cNvCxnSpPr>
+                <a:cxnSpLocks/>
+              </p:cNvCxnSpPr>
+              <p:nvPr/>
+            </p:nvCxnSpPr>
+            <p:spPr>
+              <a:xfrm>
+                <a:off x="1668194" y="3029610"/>
+                <a:ext cx="252895" cy="1902"/>
+              </a:xfrm>
+              <a:prstGeom prst="straightConnector1">
+                <a:avLst/>
+              </a:prstGeom>
+              <a:ln>
+                <a:tailEnd type="triangle"/>
+              </a:ln>
+            </p:spPr>
+            <p:style>
+              <a:lnRef idx="3">
+                <a:schemeClr val="dk1"/>
+              </a:lnRef>
+              <a:fillRef idx="0">
+                <a:schemeClr val="dk1"/>
+              </a:fillRef>
+              <a:effectRef idx="2">
+                <a:schemeClr val="dk1"/>
+              </a:effectRef>
+              <a:fontRef idx="minor">
+                <a:schemeClr val="tx1"/>
+              </a:fontRef>
+            </p:style>
+          </p:cxnSp>
+          <p:sp>
+            <p:nvSpPr>
+              <p:cNvPr id="88" name="TextBox 87">
+                <a:extLst>
+                  <a:ext uri="{FF2B5EF4-FFF2-40B4-BE49-F238E27FC236}">
+                    <a16:creationId xmlns:a16="http://schemas.microsoft.com/office/drawing/2014/main" id="{12B00647-88C2-B84A-9F36-2595223518D4}"/>
+                  </a:ext>
+                </a:extLst>
+              </p:cNvPr>
+              <p:cNvSpPr txBox="1"/>
+              <p:nvPr/>
+            </p:nvSpPr>
+            <p:spPr>
+              <a:xfrm>
+                <a:off x="5179962" y="3119588"/>
+                <a:ext cx="323837" cy="369332"/>
+              </a:xfrm>
+              <a:prstGeom prst="rect">
+                <a:avLst/>
+              </a:prstGeom>
+              <a:noFill/>
+            </p:spPr>
+            <p:txBody>
+              <a:bodyPr wrap="square" rtlCol="0">
+                <a:spAutoFit/>
+              </a:bodyPr>
+              <a:lstStyle/>
+              <a:p>
+                <a:r>
+                  <a:rPr lang="nl-NL" dirty="0">
+                    <a:latin typeface="+mj-lt"/>
+                  </a:rPr>
+                  <a:t>u</a:t>
+                </a:r>
+              </a:p>
+            </p:txBody>
+          </p:sp>
+          <p:cxnSp>
+            <p:nvCxnSpPr>
+              <p:cNvPr id="98" name="Straight Arrow Connector 97">
+                <a:extLst>
+                  <a:ext uri="{FF2B5EF4-FFF2-40B4-BE49-F238E27FC236}">
+                    <a16:creationId xmlns:a16="http://schemas.microsoft.com/office/drawing/2014/main" id="{E0B4EF56-88BD-8242-981E-491B98487724}"/>
+                  </a:ext>
+                </a:extLst>
+              </p:cNvPr>
+              <p:cNvCxnSpPr>
+                <a:cxnSpLocks/>
+              </p:cNvCxnSpPr>
+              <p:nvPr/>
+            </p:nvCxnSpPr>
+            <p:spPr>
+              <a:xfrm>
+                <a:off x="4927067" y="3322669"/>
+                <a:ext cx="252895" cy="1902"/>
+              </a:xfrm>
+              <a:prstGeom prst="straightConnector1">
+                <a:avLst/>
+              </a:prstGeom>
+              <a:ln>
+                <a:tailEnd type="triangle"/>
+              </a:ln>
+            </p:spPr>
+            <p:style>
+              <a:lnRef idx="3">
+                <a:schemeClr val="dk1"/>
+              </a:lnRef>
+              <a:fillRef idx="0">
+                <a:schemeClr val="dk1"/>
+              </a:fillRef>
+              <a:effectRef idx="2">
+                <a:schemeClr val="dk1"/>
+              </a:effectRef>
+              <a:fontRef idx="minor">
+                <a:schemeClr val="tx1"/>
+              </a:fontRef>
+            </p:style>
+          </p:cxnSp>
+          <p:sp>
+            <p:nvSpPr>
+              <p:cNvPr id="99" name="TextBox 98">
+                <a:extLst>
+                  <a:ext uri="{FF2B5EF4-FFF2-40B4-BE49-F238E27FC236}">
+                    <a16:creationId xmlns:a16="http://schemas.microsoft.com/office/drawing/2014/main" id="{FF5229C0-D5EF-2146-BC47-D136DE196242}"/>
+                  </a:ext>
+                </a:extLst>
+              </p:cNvPr>
+              <p:cNvSpPr txBox="1"/>
+              <p:nvPr/>
+            </p:nvSpPr>
+            <p:spPr>
+              <a:xfrm>
+                <a:off x="3135796" y="1968129"/>
+                <a:ext cx="1633766" cy="369332"/>
+              </a:xfrm>
+              <a:prstGeom prst="rect">
+                <a:avLst/>
+              </a:prstGeom>
+              <a:noFill/>
+            </p:spPr>
+            <p:txBody>
+              <a:bodyPr wrap="square" rtlCol="0">
+                <a:spAutoFit/>
+              </a:bodyPr>
+              <a:lstStyle/>
+              <a:p>
+                <a:r>
+                  <a:rPr lang="nl-NL" dirty="0">
+                    <a:latin typeface="+mj-lt"/>
+                  </a:rPr>
+                  <a:t>PINN</a:t>
+                </a:r>
+              </a:p>
+            </p:txBody>
+          </p:sp>
+        </p:grpSp>
+        <p:grpSp>
+          <p:nvGrpSpPr>
+            <p:cNvPr id="154" name="Group 153">
+              <a:extLst>
+                <a:ext uri="{FF2B5EF4-FFF2-40B4-BE49-F238E27FC236}">
+                  <a16:creationId xmlns:a16="http://schemas.microsoft.com/office/drawing/2014/main" id="{8A97C842-0315-DB46-97C9-926984C28C91}"/>
+                </a:ext>
+              </a:extLst>
+            </p:cNvPr>
+            <p:cNvGrpSpPr/>
+            <p:nvPr/>
+          </p:nvGrpSpPr>
+          <p:grpSpPr>
+            <a:xfrm>
+              <a:off x="5811025" y="1963110"/>
+              <a:ext cx="4093667" cy="2221686"/>
+              <a:chOff x="5811025" y="1963110"/>
+              <a:chExt cx="4093667" cy="2221686"/>
+            </a:xfrm>
+          </p:grpSpPr>
+          <p:sp>
+            <p:nvSpPr>
+              <p:cNvPr id="100" name="Oval 99">
+                <a:extLst>
+                  <a:ext uri="{FF2B5EF4-FFF2-40B4-BE49-F238E27FC236}">
+                    <a16:creationId xmlns:a16="http://schemas.microsoft.com/office/drawing/2014/main" id="{F48234DC-593D-7B47-B11C-08F1E6FF4F43}"/>
+                  </a:ext>
+                </a:extLst>
+              </p:cNvPr>
+              <p:cNvSpPr/>
+              <p:nvPr/>
+            </p:nvSpPr>
+            <p:spPr>
+              <a:xfrm>
+                <a:off x="7160283" y="3146774"/>
+                <a:ext cx="454761" cy="454761"/>
+              </a:xfrm>
+              <a:prstGeom prst="ellipse">
+                <a:avLst/>
+              </a:prstGeom>
+              <a:noFill/>
+              <a:ln w="12700" cap="flat" cmpd="sng" algn="ctr">
+                <a:solidFill>
+                  <a:schemeClr val="dk1"/>
+                </a:solidFill>
+                <a:prstDash val="solid"/>
+                <a:round/>
+                <a:headEnd type="none" w="med" len="med"/>
+                <a:tailEnd type="none" w="med" len="med"/>
+              </a:ln>
+            </p:spPr>
+            <p:style>
+              <a:lnRef idx="0">
+                <a:scrgbClr r="0" g="0" b="0"/>
+              </a:lnRef>
+              <a:fillRef idx="0">
+                <a:scrgbClr r="0" g="0" b="0"/>
+              </a:fillRef>
+              <a:effectRef idx="0">
+                <a:scrgbClr r="0" g="0" b="0"/>
+              </a:effectRef>
+              <a:fontRef idx="minor">
+                <a:schemeClr val="dk1"/>
+              </a:fontRef>
+            </p:style>
+            <p:txBody>
+              <a:bodyPr rtlCol="0" anchor="ctr"/>
+              <a:lstStyle/>
+              <a:p>
+                <a:pPr algn="ctr"/>
+                <a:endParaRPr lang="nl-NL"/>
+              </a:p>
+            </p:txBody>
+          </p:sp>
+          <p:sp>
+            <p:nvSpPr>
+              <p:cNvPr id="101" name="Oval 100">
+                <a:extLst>
+                  <a:ext uri="{FF2B5EF4-FFF2-40B4-BE49-F238E27FC236}">
+                    <a16:creationId xmlns:a16="http://schemas.microsoft.com/office/drawing/2014/main" id="{14293897-8C9E-BC4F-AF02-4D0DCC931EDC}"/>
+                  </a:ext>
+                </a:extLst>
+              </p:cNvPr>
+              <p:cNvSpPr/>
+              <p:nvPr/>
+            </p:nvSpPr>
+            <p:spPr>
+              <a:xfrm>
+                <a:off x="7160283" y="3730035"/>
+                <a:ext cx="454761" cy="454761"/>
+              </a:xfrm>
+              <a:prstGeom prst="ellipse">
+                <a:avLst/>
+              </a:prstGeom>
+              <a:noFill/>
+              <a:ln w="12700" cap="flat" cmpd="sng" algn="ctr">
+                <a:solidFill>
+                  <a:schemeClr val="dk1"/>
+                </a:solidFill>
+                <a:prstDash val="solid"/>
+                <a:round/>
+                <a:headEnd type="none" w="med" len="med"/>
+                <a:tailEnd type="none" w="med" len="med"/>
+              </a:ln>
+            </p:spPr>
+            <p:style>
+              <a:lnRef idx="0">
+                <a:scrgbClr r="0" g="0" b="0"/>
+              </a:lnRef>
+              <a:fillRef idx="0">
+                <a:scrgbClr r="0" g="0" b="0"/>
+              </a:fillRef>
+              <a:effectRef idx="0">
+                <a:scrgbClr r="0" g="0" b="0"/>
+              </a:effectRef>
+              <a:fontRef idx="minor">
+                <a:schemeClr val="dk1"/>
+              </a:fontRef>
+            </p:style>
+            <p:txBody>
+              <a:bodyPr rtlCol="0" anchor="ctr"/>
+              <a:lstStyle/>
+              <a:p>
+                <a:pPr algn="ctr"/>
+                <a:endParaRPr lang="nl-NL"/>
+              </a:p>
+            </p:txBody>
+          </p:sp>
+          <p:sp>
+            <p:nvSpPr>
+              <p:cNvPr id="102" name="Oval 101">
+                <a:extLst>
+                  <a:ext uri="{FF2B5EF4-FFF2-40B4-BE49-F238E27FC236}">
+                    <a16:creationId xmlns:a16="http://schemas.microsoft.com/office/drawing/2014/main" id="{BA307792-6542-7546-83EF-90B2042A76BF}"/>
+                  </a:ext>
+                </a:extLst>
+              </p:cNvPr>
+              <p:cNvSpPr/>
+              <p:nvPr/>
+            </p:nvSpPr>
+            <p:spPr>
+              <a:xfrm>
+                <a:off x="7160283" y="2579993"/>
+                <a:ext cx="454761" cy="438281"/>
+              </a:xfrm>
+              <a:prstGeom prst="ellipse">
+                <a:avLst/>
+              </a:prstGeom>
+              <a:noFill/>
+              <a:ln w="12700" cap="flat" cmpd="sng" algn="ctr">
+                <a:solidFill>
+                  <a:schemeClr val="dk1"/>
+                </a:solidFill>
+                <a:prstDash val="solid"/>
+                <a:round/>
+                <a:headEnd type="none" w="med" len="med"/>
+                <a:tailEnd type="none" w="med" len="med"/>
+              </a:ln>
+            </p:spPr>
+            <p:style>
+              <a:lnRef idx="0">
+                <a:scrgbClr r="0" g="0" b="0"/>
+              </a:lnRef>
+              <a:fillRef idx="0">
+                <a:scrgbClr r="0" g="0" b="0"/>
+              </a:fillRef>
+              <a:effectRef idx="0">
+                <a:scrgbClr r="0" g="0" b="0"/>
+              </a:effectRef>
+              <a:fontRef idx="minor">
+                <a:schemeClr val="dk1"/>
+              </a:fontRef>
+            </p:style>
+            <p:txBody>
+              <a:bodyPr rtlCol="0" anchor="ctr"/>
+              <a:lstStyle/>
+              <a:p>
+                <a:pPr algn="ctr"/>
+                <a:endParaRPr lang="nl-NL"/>
+              </a:p>
+            </p:txBody>
+          </p:sp>
+          <p:sp>
+            <p:nvSpPr>
+              <p:cNvPr id="103" name="Oval 102">
+                <a:extLst>
+                  <a:ext uri="{FF2B5EF4-FFF2-40B4-BE49-F238E27FC236}">
+                    <a16:creationId xmlns:a16="http://schemas.microsoft.com/office/drawing/2014/main" id="{CBF59520-52D5-B847-81B4-1073C502A3B1}"/>
+                  </a:ext>
+                </a:extLst>
+              </p:cNvPr>
+              <p:cNvSpPr/>
+              <p:nvPr/>
+            </p:nvSpPr>
+            <p:spPr>
+              <a:xfrm>
+                <a:off x="6335543" y="2859524"/>
+                <a:ext cx="454761" cy="454761"/>
+              </a:xfrm>
+              <a:prstGeom prst="ellipse">
+                <a:avLst/>
+              </a:prstGeom>
+              <a:noFill/>
+              <a:ln w="12700" cap="flat" cmpd="sng" algn="ctr">
+                <a:solidFill>
+                  <a:schemeClr val="dk1"/>
+                </a:solidFill>
+                <a:prstDash val="solid"/>
+                <a:round/>
+                <a:headEnd type="none" w="med" len="med"/>
+                <a:tailEnd type="none" w="med" len="med"/>
+              </a:ln>
+            </p:spPr>
+            <p:style>
+              <a:lnRef idx="0">
+                <a:scrgbClr r="0" g="0" b="0"/>
+              </a:lnRef>
+              <a:fillRef idx="0">
+                <a:scrgbClr r="0" g="0" b="0"/>
+              </a:fillRef>
+              <a:effectRef idx="0">
+                <a:scrgbClr r="0" g="0" b="0"/>
+              </a:effectRef>
+              <a:fontRef idx="minor">
+                <a:schemeClr val="dk1"/>
+              </a:fontRef>
+            </p:style>
+            <p:txBody>
+              <a:bodyPr rtlCol="0" anchor="ctr"/>
+              <a:lstStyle/>
+              <a:p>
+                <a:pPr algn="ctr"/>
+                <a:endParaRPr lang="nl-NL"/>
+              </a:p>
+            </p:txBody>
+          </p:sp>
+          <p:sp>
+            <p:nvSpPr>
+              <p:cNvPr id="104" name="Oval 103">
+                <a:extLst>
+                  <a:ext uri="{FF2B5EF4-FFF2-40B4-BE49-F238E27FC236}">
+                    <a16:creationId xmlns:a16="http://schemas.microsoft.com/office/drawing/2014/main" id="{1BE8A646-6712-8441-8EE2-815148C050B6}"/>
+                  </a:ext>
+                </a:extLst>
+              </p:cNvPr>
+              <p:cNvSpPr/>
+              <p:nvPr/>
+            </p:nvSpPr>
+            <p:spPr>
+              <a:xfrm>
+                <a:off x="6334845" y="3541666"/>
+                <a:ext cx="454761" cy="454761"/>
+              </a:xfrm>
+              <a:prstGeom prst="ellipse">
+                <a:avLst/>
+              </a:prstGeom>
+              <a:noFill/>
+              <a:ln w="12700" cap="flat" cmpd="sng" algn="ctr">
+                <a:solidFill>
+                  <a:schemeClr val="tx1"/>
+                </a:solidFill>
+                <a:prstDash val="solid"/>
+                <a:round/>
+                <a:headEnd type="none" w="med" len="med"/>
+                <a:tailEnd type="none" w="med" len="med"/>
+              </a:ln>
+            </p:spPr>
+            <p:style>
+              <a:lnRef idx="0">
+                <a:scrgbClr r="0" g="0" b="0"/>
+              </a:lnRef>
+              <a:fillRef idx="0">
+                <a:scrgbClr r="0" g="0" b="0"/>
+              </a:fillRef>
+              <a:effectRef idx="0">
+                <a:scrgbClr r="0" g="0" b="0"/>
+              </a:effectRef>
+              <a:fontRef idx="minor">
+                <a:schemeClr val="dk1"/>
+              </a:fontRef>
+            </p:style>
+            <p:txBody>
+              <a:bodyPr rtlCol="0" anchor="ctr"/>
+              <a:lstStyle/>
+              <a:p>
+                <a:pPr algn="ctr"/>
+                <a:endParaRPr lang="nl-NL"/>
+              </a:p>
+            </p:txBody>
+          </p:sp>
+          <p:sp>
+            <p:nvSpPr>
+              <p:cNvPr id="105" name="Oval 104">
+                <a:extLst>
+                  <a:ext uri="{FF2B5EF4-FFF2-40B4-BE49-F238E27FC236}">
+                    <a16:creationId xmlns:a16="http://schemas.microsoft.com/office/drawing/2014/main" id="{289AD8DA-E047-5948-B804-BE995E691520}"/>
+                  </a:ext>
+                </a:extLst>
+              </p:cNvPr>
+              <p:cNvSpPr/>
+              <p:nvPr/>
+            </p:nvSpPr>
+            <p:spPr>
+              <a:xfrm>
+                <a:off x="8109850" y="3146774"/>
+                <a:ext cx="454761" cy="454761"/>
+              </a:xfrm>
+              <a:prstGeom prst="ellipse">
+                <a:avLst/>
+              </a:prstGeom>
+              <a:noFill/>
+              <a:ln w="12700" cap="flat" cmpd="sng" algn="ctr">
+                <a:solidFill>
+                  <a:schemeClr val="dk1"/>
+                </a:solidFill>
+                <a:prstDash val="solid"/>
+                <a:round/>
+                <a:headEnd type="none" w="med" len="med"/>
+                <a:tailEnd type="none" w="med" len="med"/>
+              </a:ln>
+            </p:spPr>
+            <p:style>
+              <a:lnRef idx="0">
+                <a:scrgbClr r="0" g="0" b="0"/>
+              </a:lnRef>
+              <a:fillRef idx="0">
+                <a:scrgbClr r="0" g="0" b="0"/>
+              </a:fillRef>
+              <a:effectRef idx="0">
+                <a:scrgbClr r="0" g="0" b="0"/>
+              </a:effectRef>
+              <a:fontRef idx="minor">
+                <a:schemeClr val="dk1"/>
+              </a:fontRef>
+            </p:style>
+            <p:txBody>
+              <a:bodyPr rtlCol="0" anchor="ctr"/>
+              <a:lstStyle/>
+              <a:p>
+                <a:pPr algn="ctr"/>
+                <a:endParaRPr lang="nl-NL"/>
+              </a:p>
+            </p:txBody>
+          </p:sp>
+          <p:sp>
+            <p:nvSpPr>
+              <p:cNvPr id="106" name="Oval 105">
+                <a:extLst>
+                  <a:ext uri="{FF2B5EF4-FFF2-40B4-BE49-F238E27FC236}">
+                    <a16:creationId xmlns:a16="http://schemas.microsoft.com/office/drawing/2014/main" id="{5EA50068-75A3-B746-83A7-155823F209FF}"/>
+                  </a:ext>
+                </a:extLst>
+              </p:cNvPr>
+              <p:cNvSpPr/>
+              <p:nvPr/>
+            </p:nvSpPr>
+            <p:spPr>
+              <a:xfrm>
+                <a:off x="8109850" y="3730035"/>
+                <a:ext cx="454761" cy="454761"/>
+              </a:xfrm>
+              <a:prstGeom prst="ellipse">
+                <a:avLst/>
+              </a:prstGeom>
+              <a:noFill/>
+              <a:ln w="12700" cap="flat" cmpd="sng" algn="ctr">
+                <a:solidFill>
+                  <a:schemeClr val="dk1"/>
+                </a:solidFill>
+                <a:prstDash val="solid"/>
+                <a:round/>
+                <a:headEnd type="none" w="med" len="med"/>
+                <a:tailEnd type="none" w="med" len="med"/>
+              </a:ln>
+            </p:spPr>
+            <p:style>
+              <a:lnRef idx="0">
+                <a:scrgbClr r="0" g="0" b="0"/>
+              </a:lnRef>
+              <a:fillRef idx="0">
+                <a:scrgbClr r="0" g="0" b="0"/>
+              </a:fillRef>
+              <a:effectRef idx="0">
+                <a:scrgbClr r="0" g="0" b="0"/>
+              </a:effectRef>
+              <a:fontRef idx="minor">
+                <a:schemeClr val="dk1"/>
+              </a:fontRef>
+            </p:style>
+            <p:txBody>
+              <a:bodyPr rtlCol="0" anchor="ctr"/>
+              <a:lstStyle/>
+              <a:p>
+                <a:pPr algn="ctr"/>
+                <a:endParaRPr lang="nl-NL"/>
+              </a:p>
+            </p:txBody>
+          </p:sp>
+          <p:sp>
+            <p:nvSpPr>
+              <p:cNvPr id="107" name="Oval 106">
+                <a:extLst>
+                  <a:ext uri="{FF2B5EF4-FFF2-40B4-BE49-F238E27FC236}">
+                    <a16:creationId xmlns:a16="http://schemas.microsoft.com/office/drawing/2014/main" id="{7863909F-8B0A-3E40-AA35-5D70253DC241}"/>
+                  </a:ext>
+                </a:extLst>
+              </p:cNvPr>
+              <p:cNvSpPr/>
+              <p:nvPr/>
+            </p:nvSpPr>
+            <p:spPr>
+              <a:xfrm>
+                <a:off x="8109850" y="2579993"/>
+                <a:ext cx="454761" cy="438281"/>
+              </a:xfrm>
+              <a:prstGeom prst="ellipse">
+                <a:avLst/>
+              </a:prstGeom>
+              <a:noFill/>
+              <a:ln w="12700" cap="flat" cmpd="sng" algn="ctr">
+                <a:solidFill>
+                  <a:schemeClr val="dk1"/>
+                </a:solidFill>
+                <a:prstDash val="solid"/>
+                <a:round/>
+                <a:headEnd type="none" w="med" len="med"/>
+                <a:tailEnd type="none" w="med" len="med"/>
+              </a:ln>
+            </p:spPr>
+            <p:style>
+              <a:lnRef idx="0">
+                <a:scrgbClr r="0" g="0" b="0"/>
+              </a:lnRef>
+              <a:fillRef idx="0">
+                <a:scrgbClr r="0" g="0" b="0"/>
+              </a:fillRef>
+              <a:effectRef idx="0">
+                <a:scrgbClr r="0" g="0" b="0"/>
+              </a:effectRef>
+              <a:fontRef idx="minor">
+                <a:schemeClr val="dk1"/>
+              </a:fontRef>
+            </p:style>
+            <p:txBody>
+              <a:bodyPr rtlCol="0" anchor="ctr"/>
+              <a:lstStyle/>
+              <a:p>
+                <a:pPr algn="ctr"/>
+                <a:endParaRPr lang="nl-NL"/>
+              </a:p>
+            </p:txBody>
+          </p:sp>
+          <p:sp>
+            <p:nvSpPr>
+              <p:cNvPr id="108" name="Oval 107">
+                <a:extLst>
+                  <a:ext uri="{FF2B5EF4-FFF2-40B4-BE49-F238E27FC236}">
+                    <a16:creationId xmlns:a16="http://schemas.microsoft.com/office/drawing/2014/main" id="{89750C1E-423D-4F42-A7FD-1BBE8A07BE7D}"/>
+                  </a:ext>
+                </a:extLst>
+              </p:cNvPr>
+              <p:cNvSpPr/>
+              <p:nvPr/>
+            </p:nvSpPr>
+            <p:spPr>
+              <a:xfrm>
+                <a:off x="8890078" y="2864235"/>
+                <a:ext cx="454761" cy="454761"/>
+              </a:xfrm>
+              <a:prstGeom prst="ellipse">
+                <a:avLst/>
+              </a:prstGeom>
+              <a:noFill/>
+              <a:ln w="12700" cap="flat" cmpd="sng" algn="ctr">
+                <a:solidFill>
+                  <a:schemeClr val="dk1"/>
+                </a:solidFill>
+                <a:prstDash val="solid"/>
+                <a:round/>
+                <a:headEnd type="none" w="med" len="med"/>
+                <a:tailEnd type="none" w="med" len="med"/>
+              </a:ln>
+            </p:spPr>
+            <p:style>
+              <a:lnRef idx="0">
+                <a:scrgbClr r="0" g="0" b="0"/>
+              </a:lnRef>
+              <a:fillRef idx="0">
+                <a:scrgbClr r="0" g="0" b="0"/>
+              </a:fillRef>
+              <a:effectRef idx="0">
+                <a:scrgbClr r="0" g="0" b="0"/>
+              </a:effectRef>
+              <a:fontRef idx="minor">
+                <a:schemeClr val="dk1"/>
+              </a:fontRef>
+            </p:style>
+            <p:txBody>
+              <a:bodyPr rtlCol="0" anchor="ctr"/>
+              <a:lstStyle/>
+              <a:p>
+                <a:pPr algn="ctr"/>
+                <a:endParaRPr lang="nl-NL"/>
+              </a:p>
+            </p:txBody>
+          </p:sp>
+          <p:cxnSp>
+            <p:nvCxnSpPr>
+              <p:cNvPr id="109" name="Straight Arrow Connector 108">
+                <a:extLst>
+                  <a:ext uri="{FF2B5EF4-FFF2-40B4-BE49-F238E27FC236}">
+                    <a16:creationId xmlns:a16="http://schemas.microsoft.com/office/drawing/2014/main" id="{FD99DFF4-BF11-C343-B9A9-DDCF37E026F1}"/>
+                  </a:ext>
+                </a:extLst>
+              </p:cNvPr>
+              <p:cNvCxnSpPr>
+                <a:cxnSpLocks/>
+                <a:stCxn id="103" idx="6"/>
+                <a:endCxn id="100" idx="2"/>
+              </p:cNvCxnSpPr>
+              <p:nvPr/>
+            </p:nvCxnSpPr>
+            <p:spPr>
+              <a:xfrm>
+                <a:off x="6790304" y="3086905"/>
+                <a:ext cx="369979" cy="287250"/>
+              </a:xfrm>
+              <a:prstGeom prst="straightConnector1">
+                <a:avLst/>
+              </a:prstGeom>
+              <a:ln>
+                <a:tailEnd type="triangle"/>
+              </a:ln>
+            </p:spPr>
+            <p:style>
+              <a:lnRef idx="3">
+                <a:schemeClr val="dk1"/>
+              </a:lnRef>
+              <a:fillRef idx="0">
+                <a:schemeClr val="dk1"/>
+              </a:fillRef>
+              <a:effectRef idx="2">
+                <a:schemeClr val="dk1"/>
+              </a:effectRef>
+              <a:fontRef idx="minor">
+                <a:schemeClr val="tx1"/>
+              </a:fontRef>
+            </p:style>
+          </p:cxnSp>
+          <p:cxnSp>
+            <p:nvCxnSpPr>
+              <p:cNvPr id="110" name="Straight Arrow Connector 109">
+                <a:extLst>
+                  <a:ext uri="{FF2B5EF4-FFF2-40B4-BE49-F238E27FC236}">
+                    <a16:creationId xmlns:a16="http://schemas.microsoft.com/office/drawing/2014/main" id="{1830E59F-5AAE-624A-8576-712A2DCF18B6}"/>
+                  </a:ext>
+                </a:extLst>
+              </p:cNvPr>
+              <p:cNvCxnSpPr>
+                <a:cxnSpLocks/>
+                <a:stCxn id="103" idx="6"/>
+                <a:endCxn id="102" idx="2"/>
+              </p:cNvCxnSpPr>
+              <p:nvPr/>
+            </p:nvCxnSpPr>
+            <p:spPr>
+              <a:xfrm flipV="1">
+                <a:off x="6790304" y="2799134"/>
+                <a:ext cx="369979" cy="287771"/>
+              </a:xfrm>
+              <a:prstGeom prst="straightConnector1">
+                <a:avLst/>
+              </a:prstGeom>
+              <a:ln>
+                <a:tailEnd type="triangle"/>
+              </a:ln>
+            </p:spPr>
+            <p:style>
+              <a:lnRef idx="3">
+                <a:schemeClr val="dk1"/>
+              </a:lnRef>
+              <a:fillRef idx="0">
+                <a:schemeClr val="dk1"/>
+              </a:fillRef>
+              <a:effectRef idx="2">
+                <a:schemeClr val="dk1"/>
+              </a:effectRef>
+              <a:fontRef idx="minor">
+                <a:schemeClr val="tx1"/>
+              </a:fontRef>
+            </p:style>
+          </p:cxnSp>
+          <p:cxnSp>
+            <p:nvCxnSpPr>
+              <p:cNvPr id="111" name="Straight Arrow Connector 110">
+                <a:extLst>
+                  <a:ext uri="{FF2B5EF4-FFF2-40B4-BE49-F238E27FC236}">
+                    <a16:creationId xmlns:a16="http://schemas.microsoft.com/office/drawing/2014/main" id="{E941EA89-2198-2B4F-A893-8C9751829783}"/>
+                  </a:ext>
+                </a:extLst>
+              </p:cNvPr>
+              <p:cNvCxnSpPr>
+                <a:cxnSpLocks/>
+                <a:stCxn id="104" idx="6"/>
+                <a:endCxn id="101" idx="2"/>
+              </p:cNvCxnSpPr>
+              <p:nvPr/>
+            </p:nvCxnSpPr>
+            <p:spPr>
+              <a:xfrm>
+                <a:off x="6789606" y="3769047"/>
+                <a:ext cx="370677" cy="188369"/>
+              </a:xfrm>
+              <a:prstGeom prst="straightConnector1">
+                <a:avLst/>
+              </a:prstGeom>
+              <a:ln>
+                <a:tailEnd type="triangle"/>
+              </a:ln>
+            </p:spPr>
+            <p:style>
+              <a:lnRef idx="3">
+                <a:schemeClr val="dk1"/>
+              </a:lnRef>
+              <a:fillRef idx="0">
+                <a:schemeClr val="dk1"/>
+              </a:fillRef>
+              <a:effectRef idx="2">
+                <a:schemeClr val="dk1"/>
+              </a:effectRef>
+              <a:fontRef idx="minor">
+                <a:schemeClr val="tx1"/>
+              </a:fontRef>
+            </p:style>
+          </p:cxnSp>
+          <p:cxnSp>
+            <p:nvCxnSpPr>
+              <p:cNvPr id="112" name="Straight Arrow Connector 111">
+                <a:extLst>
+                  <a:ext uri="{FF2B5EF4-FFF2-40B4-BE49-F238E27FC236}">
+                    <a16:creationId xmlns:a16="http://schemas.microsoft.com/office/drawing/2014/main" id="{EB7B9DAD-A627-6043-A902-4ED6AD545617}"/>
+                  </a:ext>
+                </a:extLst>
+              </p:cNvPr>
+              <p:cNvCxnSpPr>
+                <a:cxnSpLocks/>
+                <a:stCxn id="104" idx="6"/>
+                <a:endCxn id="100" idx="2"/>
+              </p:cNvCxnSpPr>
+              <p:nvPr/>
+            </p:nvCxnSpPr>
+            <p:spPr>
+              <a:xfrm flipV="1">
+                <a:off x="6789606" y="3374154"/>
+                <a:ext cx="370677" cy="394892"/>
+              </a:xfrm>
+              <a:prstGeom prst="straightConnector1">
+                <a:avLst/>
+              </a:prstGeom>
+              <a:ln>
+                <a:tailEnd type="triangle"/>
+              </a:ln>
+            </p:spPr>
+            <p:style>
+              <a:lnRef idx="3">
+                <a:schemeClr val="dk1"/>
+              </a:lnRef>
+              <a:fillRef idx="0">
+                <a:schemeClr val="dk1"/>
+              </a:fillRef>
+              <a:effectRef idx="2">
+                <a:schemeClr val="dk1"/>
+              </a:effectRef>
+              <a:fontRef idx="minor">
+                <a:schemeClr val="tx1"/>
+              </a:fontRef>
+            </p:style>
+          </p:cxnSp>
+          <p:cxnSp>
+            <p:nvCxnSpPr>
+              <p:cNvPr id="113" name="Straight Arrow Connector 112">
+                <a:extLst>
+                  <a:ext uri="{FF2B5EF4-FFF2-40B4-BE49-F238E27FC236}">
+                    <a16:creationId xmlns:a16="http://schemas.microsoft.com/office/drawing/2014/main" id="{B353E838-AD00-3D4F-94E2-F993CEB75A29}"/>
+                  </a:ext>
+                </a:extLst>
+              </p:cNvPr>
+              <p:cNvCxnSpPr>
+                <a:cxnSpLocks/>
+                <a:stCxn id="100" idx="6"/>
+                <a:endCxn id="107" idx="2"/>
+              </p:cNvCxnSpPr>
+              <p:nvPr/>
+            </p:nvCxnSpPr>
+            <p:spPr>
+              <a:xfrm flipV="1">
+                <a:off x="7615044" y="2799134"/>
+                <a:ext cx="494805" cy="575021"/>
+              </a:xfrm>
+              <a:prstGeom prst="straightConnector1">
+                <a:avLst/>
+              </a:prstGeom>
+              <a:ln>
+                <a:prstDash val="sysDash"/>
+                <a:tailEnd type="triangle"/>
+              </a:ln>
+            </p:spPr>
+            <p:style>
+              <a:lnRef idx="3">
+                <a:schemeClr val="accent3"/>
+              </a:lnRef>
+              <a:fillRef idx="0">
+                <a:schemeClr val="accent3"/>
+              </a:fillRef>
+              <a:effectRef idx="2">
+                <a:schemeClr val="accent3"/>
+              </a:effectRef>
+              <a:fontRef idx="minor">
+                <a:schemeClr val="tx1"/>
+              </a:fontRef>
+            </p:style>
+          </p:cxnSp>
+          <p:cxnSp>
+            <p:nvCxnSpPr>
+              <p:cNvPr id="114" name="Straight Arrow Connector 113">
+                <a:extLst>
+                  <a:ext uri="{FF2B5EF4-FFF2-40B4-BE49-F238E27FC236}">
+                    <a16:creationId xmlns:a16="http://schemas.microsoft.com/office/drawing/2014/main" id="{494C2A2E-747A-B347-B1B4-97F840D264A3}"/>
+                  </a:ext>
+                </a:extLst>
+              </p:cNvPr>
+              <p:cNvCxnSpPr>
+                <a:cxnSpLocks/>
+                <a:stCxn id="102" idx="6"/>
+                <a:endCxn id="107" idx="2"/>
+              </p:cNvCxnSpPr>
+              <p:nvPr/>
+            </p:nvCxnSpPr>
+            <p:spPr>
+              <a:xfrm>
+                <a:off x="7615044" y="2799134"/>
+                <a:ext cx="494805" cy="0"/>
+              </a:xfrm>
+              <a:prstGeom prst="straightConnector1">
+                <a:avLst/>
+              </a:prstGeom>
+              <a:ln>
+                <a:prstDash val="sysDash"/>
+                <a:tailEnd type="triangle"/>
+              </a:ln>
+            </p:spPr>
+            <p:style>
+              <a:lnRef idx="3">
+                <a:schemeClr val="accent3"/>
+              </a:lnRef>
+              <a:fillRef idx="0">
+                <a:schemeClr val="accent3"/>
+              </a:fillRef>
+              <a:effectRef idx="2">
+                <a:schemeClr val="accent3"/>
+              </a:effectRef>
+              <a:fontRef idx="minor">
+                <a:schemeClr val="tx1"/>
+              </a:fontRef>
+            </p:style>
+          </p:cxnSp>
+          <p:cxnSp>
+            <p:nvCxnSpPr>
+              <p:cNvPr id="115" name="Straight Arrow Connector 114">
+                <a:extLst>
+                  <a:ext uri="{FF2B5EF4-FFF2-40B4-BE49-F238E27FC236}">
+                    <a16:creationId xmlns:a16="http://schemas.microsoft.com/office/drawing/2014/main" id="{B7EFBE21-7A10-A44A-B73E-1A17DCBCDA9A}"/>
+                  </a:ext>
+                </a:extLst>
+              </p:cNvPr>
+              <p:cNvCxnSpPr>
+                <a:cxnSpLocks/>
+                <a:stCxn id="102" idx="6"/>
+                <a:endCxn id="105" idx="2"/>
+              </p:cNvCxnSpPr>
+              <p:nvPr/>
+            </p:nvCxnSpPr>
+            <p:spPr>
+              <a:xfrm>
+                <a:off x="7615044" y="2799134"/>
+                <a:ext cx="494805" cy="575021"/>
+              </a:xfrm>
+              <a:prstGeom prst="straightConnector1">
+                <a:avLst/>
+              </a:prstGeom>
+              <a:ln>
+                <a:prstDash val="sysDash"/>
+                <a:tailEnd type="triangle"/>
+              </a:ln>
+            </p:spPr>
+            <p:style>
+              <a:lnRef idx="3">
+                <a:schemeClr val="accent3"/>
+              </a:lnRef>
+              <a:fillRef idx="0">
+                <a:schemeClr val="accent3"/>
+              </a:fillRef>
+              <a:effectRef idx="2">
+                <a:schemeClr val="accent3"/>
+              </a:effectRef>
+              <a:fontRef idx="minor">
+                <a:schemeClr val="tx1"/>
+              </a:fontRef>
+            </p:style>
+          </p:cxnSp>
+          <p:cxnSp>
+            <p:nvCxnSpPr>
+              <p:cNvPr id="116" name="Straight Arrow Connector 115">
+                <a:extLst>
+                  <a:ext uri="{FF2B5EF4-FFF2-40B4-BE49-F238E27FC236}">
+                    <a16:creationId xmlns:a16="http://schemas.microsoft.com/office/drawing/2014/main" id="{436AD75C-3B2A-2945-A13D-A1EAB85A840A}"/>
+                  </a:ext>
+                </a:extLst>
+              </p:cNvPr>
+              <p:cNvCxnSpPr>
+                <a:cxnSpLocks/>
+                <a:endCxn id="105" idx="2"/>
+              </p:cNvCxnSpPr>
+              <p:nvPr/>
+            </p:nvCxnSpPr>
+            <p:spPr>
+              <a:xfrm>
+                <a:off x="7615044" y="3374154"/>
+                <a:ext cx="494805" cy="0"/>
+              </a:xfrm>
+              <a:prstGeom prst="straightConnector1">
+                <a:avLst/>
+              </a:prstGeom>
+              <a:ln>
+                <a:prstDash val="sysDash"/>
+                <a:tailEnd type="triangle"/>
+              </a:ln>
+            </p:spPr>
+            <p:style>
+              <a:lnRef idx="3">
+                <a:schemeClr val="accent3"/>
+              </a:lnRef>
+              <a:fillRef idx="0">
+                <a:schemeClr val="accent3"/>
+              </a:fillRef>
+              <a:effectRef idx="2">
+                <a:schemeClr val="accent3"/>
+              </a:effectRef>
+              <a:fontRef idx="minor">
+                <a:schemeClr val="tx1"/>
+              </a:fontRef>
+            </p:style>
+          </p:cxnSp>
+          <p:cxnSp>
+            <p:nvCxnSpPr>
+              <p:cNvPr id="117" name="Straight Arrow Connector 116">
+                <a:extLst>
+                  <a:ext uri="{FF2B5EF4-FFF2-40B4-BE49-F238E27FC236}">
+                    <a16:creationId xmlns:a16="http://schemas.microsoft.com/office/drawing/2014/main" id="{615D7F97-5758-7C4E-BF07-68219BB978A4}"/>
+                  </a:ext>
+                </a:extLst>
+              </p:cNvPr>
+              <p:cNvCxnSpPr>
+                <a:cxnSpLocks/>
+                <a:endCxn id="106" idx="2"/>
+              </p:cNvCxnSpPr>
+              <p:nvPr/>
+            </p:nvCxnSpPr>
+            <p:spPr>
+              <a:xfrm>
+                <a:off x="7615044" y="3947876"/>
+                <a:ext cx="494805" cy="9539"/>
+              </a:xfrm>
+              <a:prstGeom prst="straightConnector1">
+                <a:avLst/>
+              </a:prstGeom>
+              <a:ln>
+                <a:prstDash val="sysDash"/>
+                <a:tailEnd type="triangle"/>
+              </a:ln>
+            </p:spPr>
+            <p:style>
+              <a:lnRef idx="3">
+                <a:schemeClr val="accent3"/>
+              </a:lnRef>
+              <a:fillRef idx="0">
+                <a:schemeClr val="accent3"/>
+              </a:fillRef>
+              <a:effectRef idx="2">
+                <a:schemeClr val="accent3"/>
+              </a:effectRef>
+              <a:fontRef idx="minor">
+                <a:schemeClr val="tx1"/>
+              </a:fontRef>
+            </p:style>
+          </p:cxnSp>
+          <p:cxnSp>
+            <p:nvCxnSpPr>
+              <p:cNvPr id="118" name="Straight Arrow Connector 117">
+                <a:extLst>
+                  <a:ext uri="{FF2B5EF4-FFF2-40B4-BE49-F238E27FC236}">
+                    <a16:creationId xmlns:a16="http://schemas.microsoft.com/office/drawing/2014/main" id="{E3689A3E-BDA2-2C49-8A19-F2CC3C83EAB2}"/>
+                  </a:ext>
+                </a:extLst>
+              </p:cNvPr>
+              <p:cNvCxnSpPr>
+                <a:cxnSpLocks/>
+                <a:endCxn id="105" idx="2"/>
+              </p:cNvCxnSpPr>
+              <p:nvPr/>
+            </p:nvCxnSpPr>
+            <p:spPr>
+              <a:xfrm flipV="1">
+                <a:off x="7615044" y="3374154"/>
+                <a:ext cx="494805" cy="572580"/>
+              </a:xfrm>
+              <a:prstGeom prst="straightConnector1">
+                <a:avLst/>
+              </a:prstGeom>
+              <a:ln>
+                <a:prstDash val="sysDash"/>
+                <a:tailEnd type="triangle"/>
+              </a:ln>
+            </p:spPr>
+            <p:style>
+              <a:lnRef idx="3">
+                <a:schemeClr val="accent3"/>
+              </a:lnRef>
+              <a:fillRef idx="0">
+                <a:schemeClr val="accent3"/>
+              </a:fillRef>
+              <a:effectRef idx="2">
+                <a:schemeClr val="accent3"/>
+              </a:effectRef>
+              <a:fontRef idx="minor">
+                <a:schemeClr val="tx1"/>
+              </a:fontRef>
+            </p:style>
+          </p:cxnSp>
+          <p:cxnSp>
+            <p:nvCxnSpPr>
+              <p:cNvPr id="119" name="Straight Arrow Connector 118">
+                <a:extLst>
+                  <a:ext uri="{FF2B5EF4-FFF2-40B4-BE49-F238E27FC236}">
+                    <a16:creationId xmlns:a16="http://schemas.microsoft.com/office/drawing/2014/main" id="{4464638B-867F-C14B-8534-6205F48252F5}"/>
+                  </a:ext>
+                </a:extLst>
+              </p:cNvPr>
+              <p:cNvCxnSpPr>
+                <a:cxnSpLocks/>
+                <a:endCxn id="106" idx="2"/>
+              </p:cNvCxnSpPr>
+              <p:nvPr/>
+            </p:nvCxnSpPr>
+            <p:spPr>
+              <a:xfrm>
+                <a:off x="7615044" y="3371713"/>
+                <a:ext cx="494805" cy="585703"/>
+              </a:xfrm>
+              <a:prstGeom prst="straightConnector1">
+                <a:avLst/>
+              </a:prstGeom>
+              <a:ln>
+                <a:prstDash val="sysDash"/>
+                <a:tailEnd type="triangle"/>
+              </a:ln>
+            </p:spPr>
+            <p:style>
+              <a:lnRef idx="3">
+                <a:schemeClr val="accent3"/>
+              </a:lnRef>
+              <a:fillRef idx="0">
+                <a:schemeClr val="accent3"/>
+              </a:fillRef>
+              <a:effectRef idx="2">
+                <a:schemeClr val="accent3"/>
+              </a:effectRef>
+              <a:fontRef idx="minor">
+                <a:schemeClr val="tx1"/>
+              </a:fontRef>
+            </p:style>
+          </p:cxnSp>
+          <p:cxnSp>
+            <p:nvCxnSpPr>
+              <p:cNvPr id="120" name="Straight Arrow Connector 119">
+                <a:extLst>
+                  <a:ext uri="{FF2B5EF4-FFF2-40B4-BE49-F238E27FC236}">
+                    <a16:creationId xmlns:a16="http://schemas.microsoft.com/office/drawing/2014/main" id="{DF70DDA3-066C-4F49-A512-32FB980B7BAF}"/>
+                  </a:ext>
+                </a:extLst>
+              </p:cNvPr>
+              <p:cNvCxnSpPr>
+                <a:cxnSpLocks/>
+                <a:stCxn id="101" idx="6"/>
+                <a:endCxn id="107" idx="2"/>
+              </p:cNvCxnSpPr>
+              <p:nvPr/>
+            </p:nvCxnSpPr>
+            <p:spPr>
+              <a:xfrm flipV="1">
+                <a:off x="7615044" y="2799134"/>
+                <a:ext cx="494805" cy="1158282"/>
+              </a:xfrm>
+              <a:prstGeom prst="straightConnector1">
+                <a:avLst/>
+              </a:prstGeom>
+              <a:ln>
+                <a:prstDash val="sysDash"/>
+                <a:tailEnd type="triangle"/>
+              </a:ln>
+            </p:spPr>
+            <p:style>
+              <a:lnRef idx="3">
+                <a:schemeClr val="accent3"/>
+              </a:lnRef>
+              <a:fillRef idx="0">
+                <a:schemeClr val="accent3"/>
+              </a:fillRef>
+              <a:effectRef idx="2">
+                <a:schemeClr val="accent3"/>
+              </a:effectRef>
+              <a:fontRef idx="minor">
+                <a:schemeClr val="tx1"/>
+              </a:fontRef>
+            </p:style>
+          </p:cxnSp>
+          <p:cxnSp>
+            <p:nvCxnSpPr>
+              <p:cNvPr id="121" name="Straight Arrow Connector 120">
+                <a:extLst>
+                  <a:ext uri="{FF2B5EF4-FFF2-40B4-BE49-F238E27FC236}">
+                    <a16:creationId xmlns:a16="http://schemas.microsoft.com/office/drawing/2014/main" id="{4DEA271C-CDAB-424C-9F41-82216996737E}"/>
+                  </a:ext>
+                </a:extLst>
+              </p:cNvPr>
+              <p:cNvCxnSpPr>
+                <a:cxnSpLocks/>
+                <a:endCxn id="106" idx="2"/>
+              </p:cNvCxnSpPr>
+              <p:nvPr/>
+            </p:nvCxnSpPr>
+            <p:spPr>
+              <a:xfrm>
+                <a:off x="7628504" y="2804801"/>
+                <a:ext cx="481346" cy="1152614"/>
+              </a:xfrm>
+              <a:prstGeom prst="straightConnector1">
+                <a:avLst/>
+              </a:prstGeom>
+              <a:ln>
+                <a:prstDash val="sysDash"/>
+                <a:tailEnd type="triangle"/>
+              </a:ln>
+            </p:spPr>
+            <p:style>
+              <a:lnRef idx="3">
+                <a:schemeClr val="accent3"/>
+              </a:lnRef>
+              <a:fillRef idx="0">
+                <a:schemeClr val="accent3"/>
+              </a:fillRef>
+              <a:effectRef idx="2">
+                <a:schemeClr val="accent3"/>
+              </a:effectRef>
+              <a:fontRef idx="minor">
+                <a:schemeClr val="tx1"/>
+              </a:fontRef>
+            </p:style>
+          </p:cxnSp>
+          <p:cxnSp>
+            <p:nvCxnSpPr>
+              <p:cNvPr id="122" name="Straight Arrow Connector 121">
+                <a:extLst>
+                  <a:ext uri="{FF2B5EF4-FFF2-40B4-BE49-F238E27FC236}">
+                    <a16:creationId xmlns:a16="http://schemas.microsoft.com/office/drawing/2014/main" id="{2088BC30-B002-ED48-82D8-09DEC05D40D3}"/>
+                  </a:ext>
+                </a:extLst>
+              </p:cNvPr>
+              <p:cNvCxnSpPr>
+                <a:cxnSpLocks/>
+                <a:stCxn id="105" idx="6"/>
+                <a:endCxn id="108" idx="2"/>
+              </p:cNvCxnSpPr>
+              <p:nvPr/>
+            </p:nvCxnSpPr>
+            <p:spPr>
+              <a:xfrm flipV="1">
+                <a:off x="8564611" y="3091616"/>
+                <a:ext cx="325467" cy="282539"/>
+              </a:xfrm>
+              <a:prstGeom prst="straightConnector1">
+                <a:avLst/>
+              </a:prstGeom>
+              <a:ln>
+                <a:tailEnd type="triangle"/>
+              </a:ln>
+            </p:spPr>
+            <p:style>
+              <a:lnRef idx="3">
+                <a:schemeClr val="dk1"/>
+              </a:lnRef>
+              <a:fillRef idx="0">
+                <a:schemeClr val="dk1"/>
+              </a:fillRef>
+              <a:effectRef idx="2">
+                <a:schemeClr val="dk1"/>
+              </a:effectRef>
+              <a:fontRef idx="minor">
+                <a:schemeClr val="tx1"/>
+              </a:fontRef>
+            </p:style>
+          </p:cxnSp>
+          <p:cxnSp>
+            <p:nvCxnSpPr>
+              <p:cNvPr id="123" name="Straight Arrow Connector 122">
+                <a:extLst>
+                  <a:ext uri="{FF2B5EF4-FFF2-40B4-BE49-F238E27FC236}">
+                    <a16:creationId xmlns:a16="http://schemas.microsoft.com/office/drawing/2014/main" id="{56FC7751-9116-4149-81C3-C009357C64AA}"/>
+                  </a:ext>
+                </a:extLst>
+              </p:cNvPr>
+              <p:cNvCxnSpPr>
+                <a:cxnSpLocks/>
+                <a:stCxn id="106" idx="6"/>
+                <a:endCxn id="108" idx="2"/>
+              </p:cNvCxnSpPr>
+              <p:nvPr/>
+            </p:nvCxnSpPr>
+            <p:spPr>
+              <a:xfrm flipV="1">
+                <a:off x="8564611" y="3091616"/>
+                <a:ext cx="325467" cy="865800"/>
+              </a:xfrm>
+              <a:prstGeom prst="straightConnector1">
+                <a:avLst/>
+              </a:prstGeom>
+              <a:ln>
+                <a:tailEnd type="triangle"/>
+              </a:ln>
+            </p:spPr>
+            <p:style>
+              <a:lnRef idx="3">
+                <a:schemeClr val="dk1"/>
+              </a:lnRef>
+              <a:fillRef idx="0">
+                <a:schemeClr val="dk1"/>
+              </a:fillRef>
+              <a:effectRef idx="2">
+                <a:schemeClr val="dk1"/>
+              </a:effectRef>
+              <a:fontRef idx="minor">
+                <a:schemeClr val="tx1"/>
+              </a:fontRef>
+            </p:style>
+          </p:cxnSp>
+          <p:cxnSp>
+            <p:nvCxnSpPr>
+              <p:cNvPr id="124" name="Straight Arrow Connector 123">
+                <a:extLst>
+                  <a:ext uri="{FF2B5EF4-FFF2-40B4-BE49-F238E27FC236}">
+                    <a16:creationId xmlns:a16="http://schemas.microsoft.com/office/drawing/2014/main" id="{EC198905-FC4C-DA44-A659-A638819F29E8}"/>
+                  </a:ext>
+                </a:extLst>
+              </p:cNvPr>
+              <p:cNvCxnSpPr>
+                <a:cxnSpLocks/>
+                <a:stCxn id="107" idx="6"/>
+                <a:endCxn id="108" idx="2"/>
+              </p:cNvCxnSpPr>
+              <p:nvPr/>
+            </p:nvCxnSpPr>
+            <p:spPr>
+              <a:xfrm>
+                <a:off x="8564611" y="2799134"/>
+                <a:ext cx="325467" cy="292482"/>
+              </a:xfrm>
+              <a:prstGeom prst="straightConnector1">
+                <a:avLst/>
+              </a:prstGeom>
+              <a:ln>
+                <a:tailEnd type="triangle"/>
+              </a:ln>
+            </p:spPr>
+            <p:style>
+              <a:lnRef idx="3">
+                <a:schemeClr val="dk1"/>
+              </a:lnRef>
+              <a:fillRef idx="0">
+                <a:schemeClr val="dk1"/>
+              </a:fillRef>
+              <a:effectRef idx="2">
+                <a:schemeClr val="dk1"/>
+              </a:effectRef>
+              <a:fontRef idx="minor">
+                <a:schemeClr val="tx1"/>
+              </a:fontRef>
+            </p:style>
+          </p:cxnSp>
+          <p:cxnSp>
+            <p:nvCxnSpPr>
+              <p:cNvPr id="125" name="Straight Connector 124">
+                <a:extLst>
+                  <a:ext uri="{FF2B5EF4-FFF2-40B4-BE49-F238E27FC236}">
+                    <a16:creationId xmlns:a16="http://schemas.microsoft.com/office/drawing/2014/main" id="{A42E78AE-2A65-9646-AB9B-2D6483938631}"/>
+                  </a:ext>
+                </a:extLst>
+              </p:cNvPr>
+              <p:cNvCxnSpPr>
+                <a:cxnSpLocks/>
+              </p:cNvCxnSpPr>
+              <p:nvPr/>
+            </p:nvCxnSpPr>
+            <p:spPr>
+              <a:xfrm>
+                <a:off x="7017685" y="2579993"/>
+                <a:ext cx="0" cy="1563112"/>
+              </a:xfrm>
+              <a:prstGeom prst="line">
+                <a:avLst/>
+              </a:prstGeom>
+              <a:ln w="19050" cap="flat" cmpd="sng" algn="ctr">
+                <a:solidFill>
+                  <a:schemeClr val="dk1"/>
+                </a:solidFill>
+                <a:prstDash val="dash"/>
+                <a:round/>
+                <a:headEnd type="none" w="med" len="med"/>
+                <a:tailEnd type="none" w="med" len="med"/>
+              </a:ln>
+            </p:spPr>
+            <p:style>
+              <a:lnRef idx="0">
+                <a:scrgbClr r="0" g="0" b="0"/>
+              </a:lnRef>
+              <a:fillRef idx="0">
+                <a:scrgbClr r="0" g="0" b="0"/>
+              </a:fillRef>
+              <a:effectRef idx="0">
+                <a:scrgbClr r="0" g="0" b="0"/>
+              </a:effectRef>
+              <a:fontRef idx="minor">
+                <a:schemeClr val="tx1"/>
+              </a:fontRef>
+            </p:style>
+          </p:cxnSp>
+          <p:cxnSp>
+            <p:nvCxnSpPr>
+              <p:cNvPr id="126" name="Straight Connector 125">
+                <a:extLst>
+                  <a:ext uri="{FF2B5EF4-FFF2-40B4-BE49-F238E27FC236}">
+                    <a16:creationId xmlns:a16="http://schemas.microsoft.com/office/drawing/2014/main" id="{DBD5995F-75A6-F642-AFCF-33A97DAB0C49}"/>
+                  </a:ext>
+                </a:extLst>
+              </p:cNvPr>
+              <p:cNvCxnSpPr>
+                <a:cxnSpLocks/>
+              </p:cNvCxnSpPr>
+              <p:nvPr/>
+            </p:nvCxnSpPr>
+            <p:spPr>
+              <a:xfrm>
+                <a:off x="8727041" y="2575302"/>
+                <a:ext cx="0" cy="1604803"/>
+              </a:xfrm>
+              <a:prstGeom prst="line">
+                <a:avLst/>
+              </a:prstGeom>
+              <a:ln w="19050" cap="flat" cmpd="sng" algn="ctr">
+                <a:solidFill>
+                  <a:schemeClr val="dk1"/>
+                </a:solidFill>
+                <a:prstDash val="dash"/>
+                <a:round/>
+                <a:headEnd type="none" w="med" len="med"/>
+                <a:tailEnd type="none" w="med" len="med"/>
+              </a:ln>
+            </p:spPr>
+            <p:style>
+              <a:lnRef idx="0">
+                <a:scrgbClr r="0" g="0" b="0"/>
+              </a:lnRef>
+              <a:fillRef idx="0">
+                <a:scrgbClr r="0" g="0" b="0"/>
+              </a:fillRef>
+              <a:effectRef idx="0">
+                <a:scrgbClr r="0" g="0" b="0"/>
+              </a:effectRef>
+              <a:fontRef idx="minor">
+                <a:schemeClr val="tx1"/>
+              </a:fontRef>
+            </p:style>
+          </p:cxnSp>
+          <p:cxnSp>
+            <p:nvCxnSpPr>
+              <p:cNvPr id="127" name="Straight Arrow Connector 126">
+                <a:extLst>
+                  <a:ext uri="{FF2B5EF4-FFF2-40B4-BE49-F238E27FC236}">
+                    <a16:creationId xmlns:a16="http://schemas.microsoft.com/office/drawing/2014/main" id="{63CFFEB9-0A6C-1C4D-BEC0-19C29885FAE3}"/>
+                  </a:ext>
+                </a:extLst>
+              </p:cNvPr>
+              <p:cNvCxnSpPr>
+                <a:cxnSpLocks/>
+                <a:stCxn id="103" idx="6"/>
+                <a:endCxn id="101" idx="2"/>
+              </p:cNvCxnSpPr>
+              <p:nvPr/>
+            </p:nvCxnSpPr>
+            <p:spPr>
+              <a:xfrm>
+                <a:off x="6790304" y="3086905"/>
+                <a:ext cx="369979" cy="870511"/>
+              </a:xfrm>
+              <a:prstGeom prst="straightConnector1">
+                <a:avLst/>
+              </a:prstGeom>
+              <a:ln>
+                <a:tailEnd type="triangle"/>
+              </a:ln>
+            </p:spPr>
+            <p:style>
+              <a:lnRef idx="3">
+                <a:schemeClr val="dk1"/>
+              </a:lnRef>
+              <a:fillRef idx="0">
+                <a:schemeClr val="dk1"/>
+              </a:fillRef>
+              <a:effectRef idx="2">
+                <a:schemeClr val="dk1"/>
+              </a:effectRef>
+              <a:fontRef idx="minor">
+                <a:schemeClr val="tx1"/>
+              </a:fontRef>
+            </p:style>
+          </p:cxnSp>
+          <p:cxnSp>
+            <p:nvCxnSpPr>
+              <p:cNvPr id="128" name="Straight Arrow Connector 127">
+                <a:extLst>
+                  <a:ext uri="{FF2B5EF4-FFF2-40B4-BE49-F238E27FC236}">
+                    <a16:creationId xmlns:a16="http://schemas.microsoft.com/office/drawing/2014/main" id="{FA39F7D9-ED1E-F842-B064-D599A056CC49}"/>
+                  </a:ext>
+                </a:extLst>
+              </p:cNvPr>
+              <p:cNvCxnSpPr>
+                <a:cxnSpLocks/>
+                <a:stCxn id="104" idx="6"/>
+                <a:endCxn id="102" idx="2"/>
+              </p:cNvCxnSpPr>
+              <p:nvPr/>
+            </p:nvCxnSpPr>
+            <p:spPr>
+              <a:xfrm flipV="1">
+                <a:off x="6789606" y="2799134"/>
+                <a:ext cx="370677" cy="969913"/>
+              </a:xfrm>
+              <a:prstGeom prst="straightConnector1">
+                <a:avLst/>
+              </a:prstGeom>
+              <a:ln>
+                <a:tailEnd type="triangle"/>
+              </a:ln>
+            </p:spPr>
+            <p:style>
+              <a:lnRef idx="3">
+                <a:schemeClr val="dk1"/>
+              </a:lnRef>
+              <a:fillRef idx="0">
+                <a:schemeClr val="dk1"/>
+              </a:fillRef>
+              <a:effectRef idx="2">
+                <a:schemeClr val="dk1"/>
+              </a:effectRef>
+              <a:fontRef idx="minor">
+                <a:schemeClr val="tx1"/>
+              </a:fontRef>
+            </p:style>
+          </p:cxnSp>
+          <p:sp>
+            <p:nvSpPr>
+              <p:cNvPr id="129" name="Rectangle 128">
+                <a:extLst>
+                  <a:ext uri="{FF2B5EF4-FFF2-40B4-BE49-F238E27FC236}">
+                    <a16:creationId xmlns:a16="http://schemas.microsoft.com/office/drawing/2014/main" id="{5992F353-3404-CC4B-A17A-20F1F86EAC1C}"/>
+                  </a:ext>
+                </a:extLst>
+              </p:cNvPr>
+              <p:cNvSpPr/>
+              <p:nvPr/>
+            </p:nvSpPr>
+            <p:spPr>
+              <a:xfrm>
+                <a:off x="7751348" y="2579993"/>
+                <a:ext cx="222199" cy="1604803"/>
+              </a:xfrm>
+              <a:prstGeom prst="rect">
+                <a:avLst/>
+              </a:prstGeom>
+              <a:solidFill>
+                <a:schemeClr val="bg1"/>
+              </a:solidFill>
+              <a:ln>
+                <a:noFill/>
+              </a:ln>
+            </p:spPr>
+            <p:style>
+              <a:lnRef idx="2">
+                <a:schemeClr val="accent1">
+                  <a:shade val="50000"/>
+                </a:schemeClr>
+              </a:lnRef>
+              <a:fillRef idx="1">
+                <a:schemeClr val="accent1"/>
+              </a:fillRef>
+              <a:effectRef idx="0">
+                <a:schemeClr val="accent1"/>
+              </a:effectRef>
+              <a:fontRef idx="minor">
+                <a:schemeClr val="lt1"/>
+              </a:fontRef>
+            </p:style>
+            <p:txBody>
+              <a:bodyPr rtlCol="0" anchor="ctr"/>
+              <a:lstStyle/>
+              <a:p>
+                <a:pPr algn="ctr"/>
+                <a:endParaRPr lang="nl-NL"/>
+              </a:p>
+            </p:txBody>
+          </p:sp>
+          <p:sp>
+            <p:nvSpPr>
+              <p:cNvPr id="130" name="TextBox 129">
+                <a:extLst>
+                  <a:ext uri="{FF2B5EF4-FFF2-40B4-BE49-F238E27FC236}">
+                    <a16:creationId xmlns:a16="http://schemas.microsoft.com/office/drawing/2014/main" id="{88821BBA-3463-714D-945A-619BE9D33FA5}"/>
+                  </a:ext>
+                </a:extLst>
+              </p:cNvPr>
+              <p:cNvSpPr txBox="1"/>
+              <p:nvPr/>
+            </p:nvSpPr>
+            <p:spPr>
+              <a:xfrm>
+                <a:off x="5812622" y="2884096"/>
+                <a:ext cx="323837" cy="369332"/>
+              </a:xfrm>
+              <a:prstGeom prst="rect">
+                <a:avLst/>
+              </a:prstGeom>
+              <a:noFill/>
+            </p:spPr>
+            <p:txBody>
+              <a:bodyPr wrap="square" rtlCol="0">
+                <a:spAutoFit/>
+              </a:bodyPr>
+              <a:lstStyle/>
+              <a:p>
+                <a:r>
+                  <a:rPr lang="nl-NL" dirty="0">
+                    <a:latin typeface="+mj-lt"/>
+                  </a:rPr>
+                  <a:t>x</a:t>
+                </a:r>
+              </a:p>
+            </p:txBody>
+          </p:sp>
+          <p:sp>
+            <p:nvSpPr>
+              <p:cNvPr id="131" name="TextBox 130">
+                <a:extLst>
+                  <a:ext uri="{FF2B5EF4-FFF2-40B4-BE49-F238E27FC236}">
+                    <a16:creationId xmlns:a16="http://schemas.microsoft.com/office/drawing/2014/main" id="{D573B241-FFB6-3347-8B38-F727135BE211}"/>
+                  </a:ext>
+                </a:extLst>
+              </p:cNvPr>
+              <p:cNvSpPr txBox="1"/>
+              <p:nvPr/>
+            </p:nvSpPr>
+            <p:spPr>
+              <a:xfrm>
+                <a:off x="5811025" y="3607590"/>
+                <a:ext cx="1216231" cy="369332"/>
+              </a:xfrm>
+              <a:prstGeom prst="rect">
+                <a:avLst/>
+              </a:prstGeom>
+              <a:noFill/>
+            </p:spPr>
+            <p:txBody>
+              <a:bodyPr wrap="square" rtlCol="0">
+                <a:spAutoFit/>
+              </a:bodyPr>
+              <a:lstStyle/>
+              <a:p>
+                <a:r>
+                  <a:rPr lang="nl-NL" dirty="0">
+                    <a:latin typeface="+mj-lt"/>
+                  </a:rPr>
+                  <a:t>t</a:t>
+                </a:r>
+              </a:p>
+            </p:txBody>
+          </p:sp>
+          <p:cxnSp>
+            <p:nvCxnSpPr>
+              <p:cNvPr id="132" name="Straight Arrow Connector 131">
+                <a:extLst>
+                  <a:ext uri="{FF2B5EF4-FFF2-40B4-BE49-F238E27FC236}">
+                    <a16:creationId xmlns:a16="http://schemas.microsoft.com/office/drawing/2014/main" id="{D754AC6A-59D7-8347-8B11-718C5162ACF2}"/>
+                  </a:ext>
+                </a:extLst>
+              </p:cNvPr>
+              <p:cNvCxnSpPr>
+                <a:cxnSpLocks/>
+              </p:cNvCxnSpPr>
+              <p:nvPr/>
+            </p:nvCxnSpPr>
+            <p:spPr>
+              <a:xfrm>
+                <a:off x="6069088" y="3774474"/>
+                <a:ext cx="258741" cy="0"/>
+              </a:xfrm>
+              <a:prstGeom prst="straightConnector1">
+                <a:avLst/>
+              </a:prstGeom>
+              <a:ln>
+                <a:tailEnd type="triangle"/>
+              </a:ln>
+            </p:spPr>
+            <p:style>
+              <a:lnRef idx="3">
+                <a:schemeClr val="dk1"/>
+              </a:lnRef>
+              <a:fillRef idx="0">
+                <a:schemeClr val="dk1"/>
+              </a:fillRef>
+              <a:effectRef idx="2">
+                <a:schemeClr val="dk1"/>
+              </a:effectRef>
+              <a:fontRef idx="minor">
+                <a:schemeClr val="tx1"/>
+              </a:fontRef>
+            </p:style>
+          </p:cxnSp>
+          <p:cxnSp>
+            <p:nvCxnSpPr>
+              <p:cNvPr id="133" name="Straight Arrow Connector 132">
+                <a:extLst>
+                  <a:ext uri="{FF2B5EF4-FFF2-40B4-BE49-F238E27FC236}">
+                    <a16:creationId xmlns:a16="http://schemas.microsoft.com/office/drawing/2014/main" id="{C92A5D25-D74E-FF4C-B38D-E5816830D862}"/>
+                  </a:ext>
+                </a:extLst>
+              </p:cNvPr>
+              <p:cNvCxnSpPr>
+                <a:cxnSpLocks/>
+              </p:cNvCxnSpPr>
+              <p:nvPr/>
+            </p:nvCxnSpPr>
+            <p:spPr>
+              <a:xfrm>
+                <a:off x="6069088" y="3086905"/>
+                <a:ext cx="252895" cy="1902"/>
+              </a:xfrm>
+              <a:prstGeom prst="straightConnector1">
+                <a:avLst/>
+              </a:prstGeom>
+              <a:ln>
+                <a:tailEnd type="triangle"/>
+              </a:ln>
+            </p:spPr>
+            <p:style>
+              <a:lnRef idx="3">
+                <a:schemeClr val="dk1"/>
+              </a:lnRef>
+              <a:fillRef idx="0">
+                <a:schemeClr val="dk1"/>
+              </a:fillRef>
+              <a:effectRef idx="2">
+                <a:schemeClr val="dk1"/>
+              </a:effectRef>
+              <a:fontRef idx="minor">
+                <a:schemeClr val="tx1"/>
+              </a:fontRef>
+            </p:style>
+          </p:cxnSp>
+          <p:sp>
+            <p:nvSpPr>
+              <p:cNvPr id="134" name="TextBox 133">
+                <a:extLst>
+                  <a:ext uri="{FF2B5EF4-FFF2-40B4-BE49-F238E27FC236}">
+                    <a16:creationId xmlns:a16="http://schemas.microsoft.com/office/drawing/2014/main" id="{9F7C3571-259F-9446-9145-85D5F4B292E4}"/>
+                  </a:ext>
+                </a:extLst>
+              </p:cNvPr>
+              <p:cNvSpPr txBox="1"/>
+              <p:nvPr/>
+            </p:nvSpPr>
+            <p:spPr>
+              <a:xfrm>
+                <a:off x="9580855" y="2884096"/>
+                <a:ext cx="323837" cy="369332"/>
+              </a:xfrm>
+              <a:prstGeom prst="rect">
+                <a:avLst/>
+              </a:prstGeom>
+              <a:noFill/>
+            </p:spPr>
+            <p:txBody>
+              <a:bodyPr wrap="square" rtlCol="0">
+                <a:spAutoFit/>
+              </a:bodyPr>
+              <a:lstStyle/>
+              <a:p>
+                <a:r>
+                  <a:rPr lang="nl-NL" dirty="0">
+                    <a:latin typeface="+mj-lt"/>
+                  </a:rPr>
+                  <a:t>u</a:t>
+                </a:r>
+              </a:p>
+            </p:txBody>
+          </p:sp>
+          <p:cxnSp>
+            <p:nvCxnSpPr>
+              <p:cNvPr id="135" name="Straight Arrow Connector 134">
+                <a:extLst>
+                  <a:ext uri="{FF2B5EF4-FFF2-40B4-BE49-F238E27FC236}">
+                    <a16:creationId xmlns:a16="http://schemas.microsoft.com/office/drawing/2014/main" id="{22D6EE1C-E44E-CD4D-B403-CB3D09437754}"/>
+                  </a:ext>
+                </a:extLst>
+              </p:cNvPr>
+              <p:cNvCxnSpPr>
+                <a:cxnSpLocks/>
+              </p:cNvCxnSpPr>
+              <p:nvPr/>
+            </p:nvCxnSpPr>
+            <p:spPr>
+              <a:xfrm>
+                <a:off x="9327960" y="3103091"/>
+                <a:ext cx="252895" cy="1902"/>
+              </a:xfrm>
+              <a:prstGeom prst="straightConnector1">
+                <a:avLst/>
+              </a:prstGeom>
+              <a:ln>
+                <a:tailEnd type="triangle"/>
+              </a:ln>
+            </p:spPr>
+            <p:style>
+              <a:lnRef idx="3">
+                <a:schemeClr val="dk1"/>
+              </a:lnRef>
+              <a:fillRef idx="0">
+                <a:schemeClr val="dk1"/>
+              </a:fillRef>
+              <a:effectRef idx="2">
+                <a:schemeClr val="dk1"/>
+              </a:effectRef>
+              <a:fontRef idx="minor">
+                <a:schemeClr val="tx1"/>
+              </a:fontRef>
+            </p:style>
+          </p:cxnSp>
+          <p:sp>
+            <p:nvSpPr>
+              <p:cNvPr id="136" name="TextBox 135">
+                <a:extLst>
+                  <a:ext uri="{FF2B5EF4-FFF2-40B4-BE49-F238E27FC236}">
+                    <a16:creationId xmlns:a16="http://schemas.microsoft.com/office/drawing/2014/main" id="{34D53CBA-3E03-6F49-B9A9-34D831443E7C}"/>
+                  </a:ext>
+                </a:extLst>
+              </p:cNvPr>
+              <p:cNvSpPr txBox="1"/>
+              <p:nvPr/>
+            </p:nvSpPr>
+            <p:spPr>
+              <a:xfrm>
+                <a:off x="7027256" y="1963110"/>
+                <a:ext cx="2334964" cy="369332"/>
+              </a:xfrm>
+              <a:prstGeom prst="rect">
+                <a:avLst/>
+              </a:prstGeom>
+              <a:noFill/>
+            </p:spPr>
+            <p:txBody>
+              <a:bodyPr wrap="square" rtlCol="0">
+                <a:spAutoFit/>
+              </a:bodyPr>
+              <a:lstStyle/>
+              <a:p>
+                <a:r>
+                  <a:rPr lang="nl-NL" dirty="0">
+                    <a:latin typeface="+mj-lt"/>
+                  </a:rPr>
+                  <a:t>Multi output PINN</a:t>
+                </a:r>
+              </a:p>
+            </p:txBody>
+          </p:sp>
+          <p:sp>
+            <p:nvSpPr>
+              <p:cNvPr id="137" name="Oval 136">
+                <a:extLst>
+                  <a:ext uri="{FF2B5EF4-FFF2-40B4-BE49-F238E27FC236}">
+                    <a16:creationId xmlns:a16="http://schemas.microsoft.com/office/drawing/2014/main" id="{AD7C7F75-27EC-6744-BE62-F3A6D1D6A51B}"/>
+                  </a:ext>
+                </a:extLst>
+              </p:cNvPr>
+              <p:cNvSpPr/>
+              <p:nvPr/>
+            </p:nvSpPr>
+            <p:spPr>
+              <a:xfrm>
+                <a:off x="8884304" y="3485883"/>
+                <a:ext cx="454761" cy="454761"/>
+              </a:xfrm>
+              <a:prstGeom prst="ellipse">
+                <a:avLst/>
+              </a:prstGeom>
+              <a:noFill/>
+              <a:ln w="12700" cap="flat" cmpd="sng" algn="ctr">
+                <a:solidFill>
+                  <a:schemeClr val="dk1"/>
+                </a:solidFill>
+                <a:prstDash val="solid"/>
+                <a:round/>
+                <a:headEnd type="none" w="med" len="med"/>
+                <a:tailEnd type="none" w="med" len="med"/>
+              </a:ln>
+            </p:spPr>
+            <p:style>
+              <a:lnRef idx="0">
+                <a:scrgbClr r="0" g="0" b="0"/>
+              </a:lnRef>
+              <a:fillRef idx="0">
+                <a:scrgbClr r="0" g="0" b="0"/>
+              </a:fillRef>
+              <a:effectRef idx="0">
+                <a:scrgbClr r="0" g="0" b="0"/>
+              </a:effectRef>
+              <a:fontRef idx="minor">
+                <a:schemeClr val="dk1"/>
+              </a:fontRef>
+            </p:style>
+            <p:txBody>
+              <a:bodyPr rtlCol="0" anchor="ctr"/>
+              <a:lstStyle/>
+              <a:p>
+                <a:pPr algn="ctr"/>
+                <a:endParaRPr lang="nl-NL"/>
+              </a:p>
+            </p:txBody>
+          </p:sp>
+          <p:cxnSp>
+            <p:nvCxnSpPr>
+              <p:cNvPr id="141" name="Straight Arrow Connector 140">
+                <a:extLst>
+                  <a:ext uri="{FF2B5EF4-FFF2-40B4-BE49-F238E27FC236}">
+                    <a16:creationId xmlns:a16="http://schemas.microsoft.com/office/drawing/2014/main" id="{5610A6DA-2DA0-4842-A50B-6280548F16D6}"/>
+                  </a:ext>
+                </a:extLst>
+              </p:cNvPr>
+              <p:cNvCxnSpPr>
+                <a:cxnSpLocks/>
+                <a:stCxn id="106" idx="6"/>
+                <a:endCxn id="137" idx="2"/>
+              </p:cNvCxnSpPr>
+              <p:nvPr/>
+            </p:nvCxnSpPr>
+            <p:spPr>
+              <a:xfrm flipV="1">
+                <a:off x="8564611" y="3713264"/>
+                <a:ext cx="319693" cy="244152"/>
+              </a:xfrm>
+              <a:prstGeom prst="straightConnector1">
+                <a:avLst/>
+              </a:prstGeom>
+              <a:ln>
+                <a:tailEnd type="triangle"/>
+              </a:ln>
+            </p:spPr>
+            <p:style>
+              <a:lnRef idx="3">
+                <a:schemeClr val="dk1"/>
+              </a:lnRef>
+              <a:fillRef idx="0">
+                <a:schemeClr val="dk1"/>
+              </a:fillRef>
+              <a:effectRef idx="2">
+                <a:schemeClr val="dk1"/>
+              </a:effectRef>
+              <a:fontRef idx="minor">
+                <a:schemeClr val="tx1"/>
+              </a:fontRef>
+            </p:style>
+          </p:cxnSp>
+          <p:cxnSp>
+            <p:nvCxnSpPr>
+              <p:cNvPr id="144" name="Straight Arrow Connector 143">
+                <a:extLst>
+                  <a:ext uri="{FF2B5EF4-FFF2-40B4-BE49-F238E27FC236}">
+                    <a16:creationId xmlns:a16="http://schemas.microsoft.com/office/drawing/2014/main" id="{151FD0D1-C983-7A4F-B505-7235BFB1EED5}"/>
+                  </a:ext>
+                </a:extLst>
+              </p:cNvPr>
+              <p:cNvCxnSpPr>
+                <a:cxnSpLocks/>
+                <a:stCxn id="107" idx="6"/>
+                <a:endCxn id="137" idx="2"/>
+              </p:cNvCxnSpPr>
+              <p:nvPr/>
+            </p:nvCxnSpPr>
+            <p:spPr>
+              <a:xfrm>
+                <a:off x="8564611" y="2799134"/>
+                <a:ext cx="319693" cy="914130"/>
+              </a:xfrm>
+              <a:prstGeom prst="straightConnector1">
+                <a:avLst/>
+              </a:prstGeom>
+              <a:ln>
+                <a:tailEnd type="triangle"/>
+              </a:ln>
+            </p:spPr>
+            <p:style>
+              <a:lnRef idx="3">
+                <a:schemeClr val="dk1"/>
+              </a:lnRef>
+              <a:fillRef idx="0">
+                <a:schemeClr val="dk1"/>
+              </a:fillRef>
+              <a:effectRef idx="2">
+                <a:schemeClr val="dk1"/>
+              </a:effectRef>
+              <a:fontRef idx="minor">
+                <a:schemeClr val="tx1"/>
+              </a:fontRef>
+            </p:style>
+          </p:cxnSp>
+          <p:cxnSp>
+            <p:nvCxnSpPr>
+              <p:cNvPr id="147" name="Straight Arrow Connector 146">
+                <a:extLst>
+                  <a:ext uri="{FF2B5EF4-FFF2-40B4-BE49-F238E27FC236}">
+                    <a16:creationId xmlns:a16="http://schemas.microsoft.com/office/drawing/2014/main" id="{7DF03158-C1B6-3647-9DFE-D35CEA37DE44}"/>
+                  </a:ext>
+                </a:extLst>
+              </p:cNvPr>
+              <p:cNvCxnSpPr>
+                <a:cxnSpLocks/>
+                <a:stCxn id="105" idx="6"/>
+                <a:endCxn id="137" idx="2"/>
+              </p:cNvCxnSpPr>
+              <p:nvPr/>
+            </p:nvCxnSpPr>
+            <p:spPr>
+              <a:xfrm>
+                <a:off x="8564611" y="3374155"/>
+                <a:ext cx="319693" cy="339109"/>
+              </a:xfrm>
+              <a:prstGeom prst="straightConnector1">
+                <a:avLst/>
+              </a:prstGeom>
+              <a:ln>
+                <a:tailEnd type="triangle"/>
+              </a:ln>
+            </p:spPr>
+            <p:style>
+              <a:lnRef idx="3">
+                <a:schemeClr val="dk1"/>
+              </a:lnRef>
+              <a:fillRef idx="0">
+                <a:schemeClr val="dk1"/>
+              </a:fillRef>
+              <a:effectRef idx="2">
+                <a:schemeClr val="dk1"/>
+              </a:effectRef>
+              <a:fontRef idx="minor">
+                <a:schemeClr val="tx1"/>
+              </a:fontRef>
+            </p:style>
+          </p:cxnSp>
+          <p:sp>
+            <p:nvSpPr>
+              <p:cNvPr id="152" name="TextBox 151">
+                <a:extLst>
+                  <a:ext uri="{FF2B5EF4-FFF2-40B4-BE49-F238E27FC236}">
+                    <a16:creationId xmlns:a16="http://schemas.microsoft.com/office/drawing/2014/main" id="{F06B455B-21A5-9447-ADD3-302C291B5637}"/>
+                  </a:ext>
+                </a:extLst>
+              </p:cNvPr>
+              <p:cNvSpPr txBox="1"/>
+              <p:nvPr/>
+            </p:nvSpPr>
+            <p:spPr>
+              <a:xfrm>
+                <a:off x="9565174" y="3519642"/>
+                <a:ext cx="323837" cy="369332"/>
+              </a:xfrm>
+              <a:prstGeom prst="rect">
+                <a:avLst/>
+              </a:prstGeom>
+              <a:noFill/>
+            </p:spPr>
+            <p:txBody>
+              <a:bodyPr wrap="square" rtlCol="0">
+                <a:spAutoFit/>
+              </a:bodyPr>
+              <a:lstStyle/>
+              <a:p>
+                <a:r>
+                  <a:rPr lang="nl-NL" dirty="0">
+                    <a:latin typeface="+mj-lt"/>
+                  </a:rPr>
+                  <a:t>λ</a:t>
+                </a:r>
+              </a:p>
+            </p:txBody>
+          </p:sp>
+          <p:cxnSp>
+            <p:nvCxnSpPr>
+              <p:cNvPr id="153" name="Straight Arrow Connector 152">
+                <a:extLst>
+                  <a:ext uri="{FF2B5EF4-FFF2-40B4-BE49-F238E27FC236}">
+                    <a16:creationId xmlns:a16="http://schemas.microsoft.com/office/drawing/2014/main" id="{A7333B1D-E1C2-5A4A-BAA5-843A7FA05F4C}"/>
+                  </a:ext>
+                </a:extLst>
+              </p:cNvPr>
+              <p:cNvCxnSpPr>
+                <a:cxnSpLocks/>
+              </p:cNvCxnSpPr>
+              <p:nvPr/>
+            </p:nvCxnSpPr>
+            <p:spPr>
+              <a:xfrm>
+                <a:off x="9338407" y="3720288"/>
+                <a:ext cx="252895" cy="1902"/>
+              </a:xfrm>
+              <a:prstGeom prst="straightConnector1">
+                <a:avLst/>
+              </a:prstGeom>
+              <a:ln>
+                <a:tailEnd type="triangle"/>
+              </a:ln>
+            </p:spPr>
+            <p:style>
+              <a:lnRef idx="3">
+                <a:schemeClr val="dk1"/>
+              </a:lnRef>
+              <a:fillRef idx="0">
+                <a:schemeClr val="dk1"/>
+              </a:fillRef>
+              <a:effectRef idx="2">
+                <a:schemeClr val="dk1"/>
+              </a:effectRef>
+              <a:fontRef idx="minor">
+                <a:schemeClr val="tx1"/>
+              </a:fontRef>
+            </p:style>
+          </p:cxnSp>
+        </p:grpSp>
+      </p:grpSp>
+    </p:spTree>
+    <p:extLst>
+      <p:ext uri="{BB962C8B-B14F-4D97-AF65-F5344CB8AC3E}">
+        <p14:creationId xmlns:p14="http://schemas.microsoft.com/office/powerpoint/2010/main" val="3455388840"/>
+      </p:ext>
+    </p:extLst>
+  </p:cSld>
+  <p:clrMapOvr>
+    <a:masterClrMapping/>
+  </p:clrMapOvr>
+</p:sld>
+</file>
+
 <file path=ppt/theme/theme1.xml><?xml version="1.0" encoding="utf-8"?>
 <a:theme xmlns:a="http://schemas.openxmlformats.org/drawingml/2006/main" name="Office Theme">
   <a:themeElements>

--- a/source/figures.pptx
+++ b/source/figures.pptx
@@ -7,6 +7,8 @@
   <p:sldIdLst>
     <p:sldId id="256" r:id="rId2"/>
     <p:sldId id="257" r:id="rId3"/>
+    <p:sldId id="258" r:id="rId4"/>
+    <p:sldId id="259" r:id="rId5"/>
   </p:sldIdLst>
   <p:sldSz cx="12192000" cy="6858000"/>
   <p:notesSz cx="6858000" cy="9144000"/>
@@ -262,7 +264,7 @@
           <a:p>
             <a:fld id="{1D60275F-9D20-3E40-A985-6CD69AA74B1C}" type="datetimeFigureOut">
               <a:rPr lang="nl-NL" smtClean="0"/>
-              <a:t>16-10-18</a:t>
+              <a:t>19-10-18</a:t>
             </a:fld>
             <a:endParaRPr lang="nl-NL"/>
           </a:p>
@@ -462,7 +464,7 @@
           <a:p>
             <a:fld id="{1D60275F-9D20-3E40-A985-6CD69AA74B1C}" type="datetimeFigureOut">
               <a:rPr lang="nl-NL" smtClean="0"/>
-              <a:t>16-10-18</a:t>
+              <a:t>19-10-18</a:t>
             </a:fld>
             <a:endParaRPr lang="nl-NL"/>
           </a:p>
@@ -672,7 +674,7 @@
           <a:p>
             <a:fld id="{1D60275F-9D20-3E40-A985-6CD69AA74B1C}" type="datetimeFigureOut">
               <a:rPr lang="nl-NL" smtClean="0"/>
-              <a:t>16-10-18</a:t>
+              <a:t>19-10-18</a:t>
             </a:fld>
             <a:endParaRPr lang="nl-NL"/>
           </a:p>
@@ -872,7 +874,7 @@
           <a:p>
             <a:fld id="{1D60275F-9D20-3E40-A985-6CD69AA74B1C}" type="datetimeFigureOut">
               <a:rPr lang="nl-NL" smtClean="0"/>
-              <a:t>16-10-18</a:t>
+              <a:t>19-10-18</a:t>
             </a:fld>
             <a:endParaRPr lang="nl-NL"/>
           </a:p>
@@ -1148,7 +1150,7 @@
           <a:p>
             <a:fld id="{1D60275F-9D20-3E40-A985-6CD69AA74B1C}" type="datetimeFigureOut">
               <a:rPr lang="nl-NL" smtClean="0"/>
-              <a:t>16-10-18</a:t>
+              <a:t>19-10-18</a:t>
             </a:fld>
             <a:endParaRPr lang="nl-NL"/>
           </a:p>
@@ -1416,7 +1418,7 @@
           <a:p>
             <a:fld id="{1D60275F-9D20-3E40-A985-6CD69AA74B1C}" type="datetimeFigureOut">
               <a:rPr lang="nl-NL" smtClean="0"/>
-              <a:t>16-10-18</a:t>
+              <a:t>19-10-18</a:t>
             </a:fld>
             <a:endParaRPr lang="nl-NL"/>
           </a:p>
@@ -1831,7 +1833,7 @@
           <a:p>
             <a:fld id="{1D60275F-9D20-3E40-A985-6CD69AA74B1C}" type="datetimeFigureOut">
               <a:rPr lang="nl-NL" smtClean="0"/>
-              <a:t>16-10-18</a:t>
+              <a:t>19-10-18</a:t>
             </a:fld>
             <a:endParaRPr lang="nl-NL"/>
           </a:p>
@@ -1973,7 +1975,7 @@
           <a:p>
             <a:fld id="{1D60275F-9D20-3E40-A985-6CD69AA74B1C}" type="datetimeFigureOut">
               <a:rPr lang="nl-NL" smtClean="0"/>
-              <a:t>16-10-18</a:t>
+              <a:t>19-10-18</a:t>
             </a:fld>
             <a:endParaRPr lang="nl-NL"/>
           </a:p>
@@ -2086,7 +2088,7 @@
           <a:p>
             <a:fld id="{1D60275F-9D20-3E40-A985-6CD69AA74B1C}" type="datetimeFigureOut">
               <a:rPr lang="nl-NL" smtClean="0"/>
-              <a:t>16-10-18</a:t>
+              <a:t>19-10-18</a:t>
             </a:fld>
             <a:endParaRPr lang="nl-NL"/>
           </a:p>
@@ -2399,7 +2401,7 @@
           <a:p>
             <a:fld id="{1D60275F-9D20-3E40-A985-6CD69AA74B1C}" type="datetimeFigureOut">
               <a:rPr lang="nl-NL" smtClean="0"/>
-              <a:t>16-10-18</a:t>
+              <a:t>19-10-18</a:t>
             </a:fld>
             <a:endParaRPr lang="nl-NL"/>
           </a:p>
@@ -2688,7 +2690,7 @@
           <a:p>
             <a:fld id="{1D60275F-9D20-3E40-A985-6CD69AA74B1C}" type="datetimeFigureOut">
               <a:rPr lang="nl-NL" smtClean="0"/>
-              <a:t>16-10-18</a:t>
+              <a:t>19-10-18</a:t>
             </a:fld>
             <a:endParaRPr lang="nl-NL"/>
           </a:p>
@@ -2931,7 +2933,7 @@
           <a:p>
             <a:fld id="{1D60275F-9D20-3E40-A985-6CD69AA74B1C}" type="datetimeFigureOut">
               <a:rPr lang="nl-NL" smtClean="0"/>
-              <a:t>16-10-18</a:t>
+              <a:t>19-10-18</a:t>
             </a:fld>
             <a:endParaRPr lang="nl-NL"/>
           </a:p>
@@ -8776,6 +8778,4091 @@
 </p:sld>
 </file>
 
+<file path=ppt/slides/slide3.xml><?xml version="1.0" encoding="utf-8"?>
+<p:sld xmlns:a="http://schemas.openxmlformats.org/drawingml/2006/main" xmlns:r="http://schemas.openxmlformats.org/officeDocument/2006/relationships" xmlns:p="http://schemas.openxmlformats.org/presentationml/2006/main">
+  <p:cSld>
+    <p:spTree>
+      <p:nvGrpSpPr>
+        <p:cNvPr id="1" name=""/>
+        <p:cNvGrpSpPr/>
+        <p:nvPr/>
+      </p:nvGrpSpPr>
+      <p:grpSpPr>
+        <a:xfrm>
+          <a:off x="0" y="0"/>
+          <a:ext cx="0" cy="0"/>
+          <a:chOff x="0" y="0"/>
+          <a:chExt cx="0" cy="0"/>
+        </a:xfrm>
+      </p:grpSpPr>
+      <p:grpSp>
+        <p:nvGrpSpPr>
+          <p:cNvPr id="54" name="Group 53">
+            <a:extLst>
+              <a:ext uri="{FF2B5EF4-FFF2-40B4-BE49-F238E27FC236}">
+                <a16:creationId xmlns:a16="http://schemas.microsoft.com/office/drawing/2014/main" id="{161BA2DA-7499-5647-80C9-D68ABFBD9538}"/>
+              </a:ext>
+            </a:extLst>
+          </p:cNvPr>
+          <p:cNvGrpSpPr/>
+          <p:nvPr/>
+        </p:nvGrpSpPr>
+        <p:grpSpPr>
+          <a:xfrm>
+            <a:off x="1779371" y="644600"/>
+            <a:ext cx="4688269" cy="2259236"/>
+            <a:chOff x="1779371" y="644600"/>
+            <a:chExt cx="4688269" cy="2259236"/>
+          </a:xfrm>
+        </p:grpSpPr>
+        <p:grpSp>
+          <p:nvGrpSpPr>
+            <p:cNvPr id="46" name="Group 45">
+              <a:extLst>
+                <a:ext uri="{FF2B5EF4-FFF2-40B4-BE49-F238E27FC236}">
+                  <a16:creationId xmlns:a16="http://schemas.microsoft.com/office/drawing/2014/main" id="{7705C68C-4075-3642-A781-847D68EF8CB5}"/>
+                </a:ext>
+              </a:extLst>
+            </p:cNvPr>
+            <p:cNvGrpSpPr/>
+            <p:nvPr/>
+          </p:nvGrpSpPr>
+          <p:grpSpPr>
+            <a:xfrm>
+              <a:off x="4478202" y="644600"/>
+              <a:ext cx="1989438" cy="2259234"/>
+              <a:chOff x="4478202" y="644600"/>
+              <a:chExt cx="1989438" cy="2259234"/>
+            </a:xfrm>
+          </p:grpSpPr>
+          <p:sp>
+            <p:nvSpPr>
+              <p:cNvPr id="19" name="Rectangle 18">
+                <a:extLst>
+                  <a:ext uri="{FF2B5EF4-FFF2-40B4-BE49-F238E27FC236}">
+                    <a16:creationId xmlns:a16="http://schemas.microsoft.com/office/drawing/2014/main" id="{6517874D-A5D8-CB45-A67D-9B64DB385AD3}"/>
+                  </a:ext>
+                </a:extLst>
+              </p:cNvPr>
+              <p:cNvSpPr/>
+              <p:nvPr/>
+            </p:nvSpPr>
+            <p:spPr>
+              <a:xfrm>
+                <a:off x="4478203" y="1767014"/>
+                <a:ext cx="568411" cy="568411"/>
+              </a:xfrm>
+              <a:prstGeom prst="rect">
+                <a:avLst/>
+              </a:prstGeom>
+              <a:solidFill>
+                <a:srgbClr val="0070C0"/>
+              </a:solidFill>
+              <a:ln>
+                <a:solidFill>
+                  <a:schemeClr val="tx1"/>
+                </a:solidFill>
+              </a:ln>
+            </p:spPr>
+            <p:style>
+              <a:lnRef idx="1">
+                <a:schemeClr val="accent5"/>
+              </a:lnRef>
+              <a:fillRef idx="3">
+                <a:schemeClr val="accent5"/>
+              </a:fillRef>
+              <a:effectRef idx="2">
+                <a:schemeClr val="accent5"/>
+              </a:effectRef>
+              <a:fontRef idx="minor">
+                <a:schemeClr val="lt1"/>
+              </a:fontRef>
+            </p:style>
+            <p:txBody>
+              <a:bodyPr rtlCol="0" anchor="ctr"/>
+              <a:lstStyle/>
+              <a:p>
+                <a:pPr algn="ctr"/>
+                <a:endParaRPr lang="nl-NL"/>
+              </a:p>
+            </p:txBody>
+          </p:sp>
+          <p:sp>
+            <p:nvSpPr>
+              <p:cNvPr id="20" name="Rectangle 19">
+                <a:extLst>
+                  <a:ext uri="{FF2B5EF4-FFF2-40B4-BE49-F238E27FC236}">
+                    <a16:creationId xmlns:a16="http://schemas.microsoft.com/office/drawing/2014/main" id="{51B023FD-B6CD-2847-A8D1-4708ADC2E5B2}"/>
+                  </a:ext>
+                </a:extLst>
+              </p:cNvPr>
+              <p:cNvSpPr/>
+              <p:nvPr/>
+            </p:nvSpPr>
+            <p:spPr>
+              <a:xfrm>
+                <a:off x="5615025" y="1767012"/>
+                <a:ext cx="568411" cy="568411"/>
+              </a:xfrm>
+              <a:prstGeom prst="rect">
+                <a:avLst/>
+              </a:prstGeom>
+              <a:solidFill>
+                <a:srgbClr val="C00000"/>
+              </a:solidFill>
+              <a:ln>
+                <a:solidFill>
+                  <a:schemeClr val="tx1"/>
+                </a:solidFill>
+              </a:ln>
+            </p:spPr>
+            <p:style>
+              <a:lnRef idx="1">
+                <a:schemeClr val="accent5"/>
+              </a:lnRef>
+              <a:fillRef idx="3">
+                <a:schemeClr val="accent5"/>
+              </a:fillRef>
+              <a:effectRef idx="2">
+                <a:schemeClr val="accent5"/>
+              </a:effectRef>
+              <a:fontRef idx="minor">
+                <a:schemeClr val="lt1"/>
+              </a:fontRef>
+            </p:style>
+            <p:txBody>
+              <a:bodyPr rtlCol="0" anchor="ctr"/>
+              <a:lstStyle/>
+              <a:p>
+                <a:pPr algn="ctr"/>
+                <a:endParaRPr lang="nl-NL"/>
+              </a:p>
+            </p:txBody>
+          </p:sp>
+          <p:sp>
+            <p:nvSpPr>
+              <p:cNvPr id="21" name="Rectangle 20">
+                <a:extLst>
+                  <a:ext uri="{FF2B5EF4-FFF2-40B4-BE49-F238E27FC236}">
+                    <a16:creationId xmlns:a16="http://schemas.microsoft.com/office/drawing/2014/main" id="{1BAC9960-B5FF-2440-AE20-D95C7557F1B2}"/>
+                  </a:ext>
+                </a:extLst>
+              </p:cNvPr>
+              <p:cNvSpPr/>
+              <p:nvPr/>
+            </p:nvSpPr>
+            <p:spPr>
+              <a:xfrm>
+                <a:off x="5046614" y="1767012"/>
+                <a:ext cx="568411" cy="568411"/>
+              </a:xfrm>
+              <a:prstGeom prst="rect">
+                <a:avLst/>
+              </a:prstGeom>
+              <a:solidFill>
+                <a:schemeClr val="tx1"/>
+              </a:solidFill>
+              <a:ln>
+                <a:solidFill>
+                  <a:schemeClr val="tx1"/>
+                </a:solidFill>
+              </a:ln>
+            </p:spPr>
+            <p:style>
+              <a:lnRef idx="1">
+                <a:schemeClr val="accent5"/>
+              </a:lnRef>
+              <a:fillRef idx="3">
+                <a:schemeClr val="accent5"/>
+              </a:fillRef>
+              <a:effectRef idx="2">
+                <a:schemeClr val="accent5"/>
+              </a:effectRef>
+              <a:fontRef idx="minor">
+                <a:schemeClr val="lt1"/>
+              </a:fontRef>
+            </p:style>
+            <p:txBody>
+              <a:bodyPr rtlCol="0" anchor="ctr"/>
+              <a:lstStyle/>
+              <a:p>
+                <a:pPr algn="ctr"/>
+                <a:endParaRPr lang="nl-NL"/>
+              </a:p>
+            </p:txBody>
+          </p:sp>
+          <p:sp>
+            <p:nvSpPr>
+              <p:cNvPr id="22" name="Rectangle 21">
+                <a:extLst>
+                  <a:ext uri="{FF2B5EF4-FFF2-40B4-BE49-F238E27FC236}">
+                    <a16:creationId xmlns:a16="http://schemas.microsoft.com/office/drawing/2014/main" id="{C58DD99D-2C4D-DB4C-B9A4-4DC0F346072C}"/>
+                  </a:ext>
+                </a:extLst>
+              </p:cNvPr>
+              <p:cNvSpPr/>
+              <p:nvPr/>
+            </p:nvSpPr>
+            <p:spPr>
+              <a:xfrm>
+                <a:off x="4478202" y="2335423"/>
+                <a:ext cx="568411" cy="568411"/>
+              </a:xfrm>
+              <a:prstGeom prst="rect">
+                <a:avLst/>
+              </a:prstGeom>
+              <a:solidFill>
+                <a:srgbClr val="00B0F0"/>
+              </a:solidFill>
+              <a:ln>
+                <a:solidFill>
+                  <a:schemeClr val="tx1"/>
+                </a:solidFill>
+              </a:ln>
+            </p:spPr>
+            <p:style>
+              <a:lnRef idx="1">
+                <a:schemeClr val="accent5"/>
+              </a:lnRef>
+              <a:fillRef idx="3">
+                <a:schemeClr val="accent5"/>
+              </a:fillRef>
+              <a:effectRef idx="2">
+                <a:schemeClr val="accent5"/>
+              </a:effectRef>
+              <a:fontRef idx="minor">
+                <a:schemeClr val="lt1"/>
+              </a:fontRef>
+            </p:style>
+            <p:txBody>
+              <a:bodyPr rtlCol="0" anchor="ctr"/>
+              <a:lstStyle/>
+              <a:p>
+                <a:pPr algn="ctr"/>
+                <a:endParaRPr lang="nl-NL"/>
+              </a:p>
+            </p:txBody>
+          </p:sp>
+          <p:sp>
+            <p:nvSpPr>
+              <p:cNvPr id="23" name="Rectangle 22">
+                <a:extLst>
+                  <a:ext uri="{FF2B5EF4-FFF2-40B4-BE49-F238E27FC236}">
+                    <a16:creationId xmlns:a16="http://schemas.microsoft.com/office/drawing/2014/main" id="{213BB1FA-2638-5B48-A596-9022697021E0}"/>
+                  </a:ext>
+                </a:extLst>
+              </p:cNvPr>
+              <p:cNvSpPr/>
+              <p:nvPr/>
+            </p:nvSpPr>
+            <p:spPr>
+              <a:xfrm>
+                <a:off x="5046613" y="2335422"/>
+                <a:ext cx="568411" cy="568411"/>
+              </a:xfrm>
+              <a:prstGeom prst="rect">
+                <a:avLst/>
+              </a:prstGeom>
+              <a:solidFill>
+                <a:schemeClr val="bg2"/>
+              </a:solidFill>
+              <a:ln>
+                <a:solidFill>
+                  <a:schemeClr val="tx1"/>
+                </a:solidFill>
+              </a:ln>
+            </p:spPr>
+            <p:style>
+              <a:lnRef idx="1">
+                <a:schemeClr val="accent5"/>
+              </a:lnRef>
+              <a:fillRef idx="3">
+                <a:schemeClr val="accent5"/>
+              </a:fillRef>
+              <a:effectRef idx="2">
+                <a:schemeClr val="accent5"/>
+              </a:effectRef>
+              <a:fontRef idx="minor">
+                <a:schemeClr val="lt1"/>
+              </a:fontRef>
+            </p:style>
+            <p:txBody>
+              <a:bodyPr rtlCol="0" anchor="ctr"/>
+              <a:lstStyle/>
+              <a:p>
+                <a:pPr algn="ctr"/>
+                <a:endParaRPr lang="nl-NL"/>
+              </a:p>
+            </p:txBody>
+          </p:sp>
+          <p:sp>
+            <p:nvSpPr>
+              <p:cNvPr id="24" name="Rectangle 23">
+                <a:extLst>
+                  <a:ext uri="{FF2B5EF4-FFF2-40B4-BE49-F238E27FC236}">
+                    <a16:creationId xmlns:a16="http://schemas.microsoft.com/office/drawing/2014/main" id="{C7868FDB-15DD-E448-9531-C7A88607B8BA}"/>
+                  </a:ext>
+                </a:extLst>
+              </p:cNvPr>
+              <p:cNvSpPr/>
+              <p:nvPr/>
+            </p:nvSpPr>
+            <p:spPr>
+              <a:xfrm>
+                <a:off x="5615024" y="2335421"/>
+                <a:ext cx="568411" cy="568411"/>
+              </a:xfrm>
+              <a:prstGeom prst="rect">
+                <a:avLst/>
+              </a:prstGeom>
+              <a:solidFill>
+                <a:srgbClr val="FF0000"/>
+              </a:solidFill>
+              <a:ln>
+                <a:solidFill>
+                  <a:schemeClr val="tx1"/>
+                </a:solidFill>
+              </a:ln>
+            </p:spPr>
+            <p:style>
+              <a:lnRef idx="1">
+                <a:schemeClr val="accent5"/>
+              </a:lnRef>
+              <a:fillRef idx="3">
+                <a:schemeClr val="accent5"/>
+              </a:fillRef>
+              <a:effectRef idx="2">
+                <a:schemeClr val="accent5"/>
+              </a:effectRef>
+              <a:fontRef idx="minor">
+                <a:schemeClr val="lt1"/>
+              </a:fontRef>
+            </p:style>
+            <p:txBody>
+              <a:bodyPr rtlCol="0" anchor="ctr"/>
+              <a:lstStyle/>
+              <a:p>
+                <a:pPr algn="ctr"/>
+                <a:endParaRPr lang="nl-NL"/>
+              </a:p>
+            </p:txBody>
+          </p:sp>
+          <p:sp>
+            <p:nvSpPr>
+              <p:cNvPr id="25" name="Rectangle 24">
+                <a:extLst>
+                  <a:ext uri="{FF2B5EF4-FFF2-40B4-BE49-F238E27FC236}">
+                    <a16:creationId xmlns:a16="http://schemas.microsoft.com/office/drawing/2014/main" id="{FA039603-E412-5948-8CD9-CD3B8144A3FE}"/>
+                  </a:ext>
+                </a:extLst>
+              </p:cNvPr>
+              <p:cNvSpPr/>
+              <p:nvPr/>
+            </p:nvSpPr>
+            <p:spPr>
+              <a:xfrm>
+                <a:off x="4478202" y="1198603"/>
+                <a:ext cx="568411" cy="568411"/>
+              </a:xfrm>
+              <a:prstGeom prst="rect">
+                <a:avLst/>
+              </a:prstGeom>
+              <a:solidFill>
+                <a:srgbClr val="00B0F0"/>
+              </a:solidFill>
+              <a:ln>
+                <a:solidFill>
+                  <a:schemeClr val="tx1"/>
+                </a:solidFill>
+              </a:ln>
+            </p:spPr>
+            <p:style>
+              <a:lnRef idx="1">
+                <a:schemeClr val="accent5"/>
+              </a:lnRef>
+              <a:fillRef idx="3">
+                <a:schemeClr val="accent5"/>
+              </a:fillRef>
+              <a:effectRef idx="2">
+                <a:schemeClr val="accent5"/>
+              </a:effectRef>
+              <a:fontRef idx="minor">
+                <a:schemeClr val="lt1"/>
+              </a:fontRef>
+            </p:style>
+            <p:txBody>
+              <a:bodyPr rtlCol="0" anchor="ctr"/>
+              <a:lstStyle/>
+              <a:p>
+                <a:pPr algn="ctr"/>
+                <a:endParaRPr lang="nl-NL"/>
+              </a:p>
+            </p:txBody>
+          </p:sp>
+          <p:sp>
+            <p:nvSpPr>
+              <p:cNvPr id="26" name="Rectangle 25">
+                <a:extLst>
+                  <a:ext uri="{FF2B5EF4-FFF2-40B4-BE49-F238E27FC236}">
+                    <a16:creationId xmlns:a16="http://schemas.microsoft.com/office/drawing/2014/main" id="{E012EF2D-FF5F-5D42-B8DA-2B165E596644}"/>
+                  </a:ext>
+                </a:extLst>
+              </p:cNvPr>
+              <p:cNvSpPr/>
+              <p:nvPr/>
+            </p:nvSpPr>
+            <p:spPr>
+              <a:xfrm>
+                <a:off x="5046613" y="1198602"/>
+                <a:ext cx="568411" cy="568411"/>
+              </a:xfrm>
+              <a:prstGeom prst="rect">
+                <a:avLst/>
+              </a:prstGeom>
+              <a:solidFill>
+                <a:schemeClr val="bg2"/>
+              </a:solidFill>
+              <a:ln>
+                <a:solidFill>
+                  <a:schemeClr val="tx1"/>
+                </a:solidFill>
+              </a:ln>
+            </p:spPr>
+            <p:style>
+              <a:lnRef idx="1">
+                <a:schemeClr val="accent5"/>
+              </a:lnRef>
+              <a:fillRef idx="3">
+                <a:schemeClr val="accent5"/>
+              </a:fillRef>
+              <a:effectRef idx="2">
+                <a:schemeClr val="accent5"/>
+              </a:effectRef>
+              <a:fontRef idx="minor">
+                <a:schemeClr val="lt1"/>
+              </a:fontRef>
+            </p:style>
+            <p:txBody>
+              <a:bodyPr rtlCol="0" anchor="ctr"/>
+              <a:lstStyle/>
+              <a:p>
+                <a:pPr algn="ctr"/>
+                <a:endParaRPr lang="nl-NL"/>
+              </a:p>
+            </p:txBody>
+          </p:sp>
+          <p:sp>
+            <p:nvSpPr>
+              <p:cNvPr id="27" name="Rectangle 26">
+                <a:extLst>
+                  <a:ext uri="{FF2B5EF4-FFF2-40B4-BE49-F238E27FC236}">
+                    <a16:creationId xmlns:a16="http://schemas.microsoft.com/office/drawing/2014/main" id="{90BF50EA-89D9-494A-84F4-6E4BD004DA97}"/>
+                  </a:ext>
+                </a:extLst>
+              </p:cNvPr>
+              <p:cNvSpPr/>
+              <p:nvPr/>
+            </p:nvSpPr>
+            <p:spPr>
+              <a:xfrm>
+                <a:off x="5615024" y="1198601"/>
+                <a:ext cx="568411" cy="568411"/>
+              </a:xfrm>
+              <a:prstGeom prst="rect">
+                <a:avLst/>
+              </a:prstGeom>
+              <a:solidFill>
+                <a:srgbClr val="FF0000"/>
+              </a:solidFill>
+              <a:ln>
+                <a:solidFill>
+                  <a:schemeClr val="tx1"/>
+                </a:solidFill>
+              </a:ln>
+            </p:spPr>
+            <p:style>
+              <a:lnRef idx="1">
+                <a:schemeClr val="accent5"/>
+              </a:lnRef>
+              <a:fillRef idx="3">
+                <a:schemeClr val="accent5"/>
+              </a:fillRef>
+              <a:effectRef idx="2">
+                <a:schemeClr val="accent5"/>
+              </a:effectRef>
+              <a:fontRef idx="minor">
+                <a:schemeClr val="lt1"/>
+              </a:fontRef>
+            </p:style>
+            <p:txBody>
+              <a:bodyPr rtlCol="0" anchor="ctr"/>
+              <a:lstStyle/>
+              <a:p>
+                <a:pPr algn="ctr"/>
+                <a:endParaRPr lang="nl-NL"/>
+              </a:p>
+            </p:txBody>
+          </p:sp>
+          <p:sp>
+            <p:nvSpPr>
+              <p:cNvPr id="28" name="TextBox 27">
+                <a:extLst>
+                  <a:ext uri="{FF2B5EF4-FFF2-40B4-BE49-F238E27FC236}">
+                    <a16:creationId xmlns:a16="http://schemas.microsoft.com/office/drawing/2014/main" id="{0E720C2C-0D5F-5242-9BBE-F2721B5C4A95}"/>
+                  </a:ext>
+                </a:extLst>
+              </p:cNvPr>
+              <p:cNvSpPr txBox="1"/>
+              <p:nvPr/>
+            </p:nvSpPr>
+            <p:spPr>
+              <a:xfrm>
+                <a:off x="5740390" y="1866550"/>
+                <a:ext cx="317679" cy="369332"/>
+              </a:xfrm>
+              <a:prstGeom prst="rect">
+                <a:avLst/>
+              </a:prstGeom>
+              <a:noFill/>
+            </p:spPr>
+            <p:txBody>
+              <a:bodyPr wrap="square" rtlCol="0">
+                <a:spAutoFit/>
+              </a:bodyPr>
+              <a:lstStyle/>
+              <a:p>
+                <a:r>
+                  <a:rPr lang="nl-NL" dirty="0">
+                    <a:latin typeface="+mj-lt"/>
+                  </a:rPr>
+                  <a:t>2</a:t>
+                </a:r>
+              </a:p>
+            </p:txBody>
+          </p:sp>
+          <p:sp>
+            <p:nvSpPr>
+              <p:cNvPr id="29" name="TextBox 28">
+                <a:extLst>
+                  <a:ext uri="{FF2B5EF4-FFF2-40B4-BE49-F238E27FC236}">
+                    <a16:creationId xmlns:a16="http://schemas.microsoft.com/office/drawing/2014/main" id="{204CE5D2-8EBB-9F47-B46A-1765D70D950F}"/>
+                  </a:ext>
+                </a:extLst>
+              </p:cNvPr>
+              <p:cNvSpPr txBox="1"/>
+              <p:nvPr/>
+            </p:nvSpPr>
+            <p:spPr>
+              <a:xfrm>
+                <a:off x="4589567" y="1866550"/>
+                <a:ext cx="671646" cy="369332"/>
+              </a:xfrm>
+              <a:prstGeom prst="rect">
+                <a:avLst/>
+              </a:prstGeom>
+              <a:noFill/>
+            </p:spPr>
+            <p:txBody>
+              <a:bodyPr wrap="square" rtlCol="0">
+                <a:spAutoFit/>
+              </a:bodyPr>
+              <a:lstStyle/>
+              <a:p>
+                <a:r>
+                  <a:rPr lang="nl-NL" dirty="0">
+                    <a:latin typeface="+mj-lt"/>
+                  </a:rPr>
+                  <a:t>-2</a:t>
+                </a:r>
+              </a:p>
+            </p:txBody>
+          </p:sp>
+          <p:sp>
+            <p:nvSpPr>
+              <p:cNvPr id="32" name="TextBox 31">
+                <a:extLst>
+                  <a:ext uri="{FF2B5EF4-FFF2-40B4-BE49-F238E27FC236}">
+                    <a16:creationId xmlns:a16="http://schemas.microsoft.com/office/drawing/2014/main" id="{1197FBE7-7BAF-A04C-A449-C9436DACD7C5}"/>
+                  </a:ext>
+                </a:extLst>
+              </p:cNvPr>
+              <p:cNvSpPr txBox="1"/>
+              <p:nvPr/>
+            </p:nvSpPr>
+            <p:spPr>
+              <a:xfrm>
+                <a:off x="5748470" y="1298141"/>
+                <a:ext cx="317679" cy="369332"/>
+              </a:xfrm>
+              <a:prstGeom prst="rect">
+                <a:avLst/>
+              </a:prstGeom>
+              <a:noFill/>
+            </p:spPr>
+            <p:txBody>
+              <a:bodyPr wrap="square" rtlCol="0">
+                <a:spAutoFit/>
+              </a:bodyPr>
+              <a:lstStyle/>
+              <a:p>
+                <a:r>
+                  <a:rPr lang="nl-NL" dirty="0">
+                    <a:latin typeface="+mj-lt"/>
+                  </a:rPr>
+                  <a:t>1</a:t>
+                </a:r>
+              </a:p>
+            </p:txBody>
+          </p:sp>
+          <p:sp>
+            <p:nvSpPr>
+              <p:cNvPr id="33" name="TextBox 32">
+                <a:extLst>
+                  <a:ext uri="{FF2B5EF4-FFF2-40B4-BE49-F238E27FC236}">
+                    <a16:creationId xmlns:a16="http://schemas.microsoft.com/office/drawing/2014/main" id="{88AA683D-6E4A-964E-801C-E70893A70746}"/>
+                  </a:ext>
+                </a:extLst>
+              </p:cNvPr>
+              <p:cNvSpPr txBox="1"/>
+              <p:nvPr/>
+            </p:nvSpPr>
+            <p:spPr>
+              <a:xfrm>
+                <a:off x="5748470" y="2434958"/>
+                <a:ext cx="317679" cy="369332"/>
+              </a:xfrm>
+              <a:prstGeom prst="rect">
+                <a:avLst/>
+              </a:prstGeom>
+              <a:noFill/>
+            </p:spPr>
+            <p:txBody>
+              <a:bodyPr wrap="square" rtlCol="0">
+                <a:spAutoFit/>
+              </a:bodyPr>
+              <a:lstStyle/>
+              <a:p>
+                <a:r>
+                  <a:rPr lang="nl-NL" dirty="0">
+                    <a:latin typeface="+mj-lt"/>
+                  </a:rPr>
+                  <a:t>1</a:t>
+                </a:r>
+              </a:p>
+            </p:txBody>
+          </p:sp>
+          <p:sp>
+            <p:nvSpPr>
+              <p:cNvPr id="34" name="TextBox 33">
+                <a:extLst>
+                  <a:ext uri="{FF2B5EF4-FFF2-40B4-BE49-F238E27FC236}">
+                    <a16:creationId xmlns:a16="http://schemas.microsoft.com/office/drawing/2014/main" id="{CC71F0B5-49F7-EB48-9201-FBF85A3C6FCE}"/>
+                  </a:ext>
+                </a:extLst>
+              </p:cNvPr>
+              <p:cNvSpPr txBox="1"/>
+              <p:nvPr/>
+            </p:nvSpPr>
+            <p:spPr>
+              <a:xfrm>
+                <a:off x="4589567" y="1298137"/>
+                <a:ext cx="671646" cy="369332"/>
+              </a:xfrm>
+              <a:prstGeom prst="rect">
+                <a:avLst/>
+              </a:prstGeom>
+              <a:noFill/>
+            </p:spPr>
+            <p:txBody>
+              <a:bodyPr wrap="square" rtlCol="0">
+                <a:spAutoFit/>
+              </a:bodyPr>
+              <a:lstStyle/>
+              <a:p>
+                <a:r>
+                  <a:rPr lang="nl-NL" dirty="0">
+                    <a:latin typeface="+mj-lt"/>
+                  </a:rPr>
+                  <a:t>-1</a:t>
+                </a:r>
+              </a:p>
+            </p:txBody>
+          </p:sp>
+          <p:sp>
+            <p:nvSpPr>
+              <p:cNvPr id="35" name="TextBox 34">
+                <a:extLst>
+                  <a:ext uri="{FF2B5EF4-FFF2-40B4-BE49-F238E27FC236}">
+                    <a16:creationId xmlns:a16="http://schemas.microsoft.com/office/drawing/2014/main" id="{9D0F7715-3299-604F-AD58-48CC0D95CB5F}"/>
+                  </a:ext>
+                </a:extLst>
+              </p:cNvPr>
+              <p:cNvSpPr txBox="1"/>
+              <p:nvPr/>
+            </p:nvSpPr>
+            <p:spPr>
+              <a:xfrm>
+                <a:off x="4589567" y="2434958"/>
+                <a:ext cx="671646" cy="369332"/>
+              </a:xfrm>
+              <a:prstGeom prst="rect">
+                <a:avLst/>
+              </a:prstGeom>
+              <a:noFill/>
+            </p:spPr>
+            <p:txBody>
+              <a:bodyPr wrap="square" rtlCol="0">
+                <a:spAutoFit/>
+              </a:bodyPr>
+              <a:lstStyle/>
+              <a:p>
+                <a:r>
+                  <a:rPr lang="nl-NL" dirty="0">
+                    <a:latin typeface="+mj-lt"/>
+                  </a:rPr>
+                  <a:t>-1</a:t>
+                </a:r>
+              </a:p>
+            </p:txBody>
+          </p:sp>
+          <p:sp>
+            <p:nvSpPr>
+              <p:cNvPr id="37" name="TextBox 36">
+                <a:extLst>
+                  <a:ext uri="{FF2B5EF4-FFF2-40B4-BE49-F238E27FC236}">
+                    <a16:creationId xmlns:a16="http://schemas.microsoft.com/office/drawing/2014/main" id="{E53CAA8F-73D8-564D-9EC6-6716756F5CC1}"/>
+                  </a:ext>
+                </a:extLst>
+              </p:cNvPr>
+              <p:cNvSpPr txBox="1"/>
+              <p:nvPr/>
+            </p:nvSpPr>
+            <p:spPr>
+              <a:xfrm>
+                <a:off x="4762407" y="644600"/>
+                <a:ext cx="1705233" cy="369332"/>
+              </a:xfrm>
+              <a:prstGeom prst="rect">
+                <a:avLst/>
+              </a:prstGeom>
+              <a:noFill/>
+            </p:spPr>
+            <p:txBody>
+              <a:bodyPr wrap="square" rtlCol="0">
+                <a:spAutoFit/>
+              </a:bodyPr>
+              <a:lstStyle/>
+              <a:p>
+                <a:r>
+                  <a:rPr lang="nl-NL" dirty="0">
+                    <a:latin typeface="+mj-lt"/>
+                  </a:rPr>
+                  <a:t>3x3 </a:t>
+                </a:r>
+                <a:r>
+                  <a:rPr lang="nl-NL" dirty="0" err="1">
+                    <a:latin typeface="+mj-lt"/>
+                  </a:rPr>
+                  <a:t>Sobel</a:t>
+                </a:r>
+                <a:endParaRPr lang="nl-NL" dirty="0">
+                  <a:latin typeface="+mj-lt"/>
+                </a:endParaRPr>
+              </a:p>
+            </p:txBody>
+          </p:sp>
+          <p:sp>
+            <p:nvSpPr>
+              <p:cNvPr id="39" name="TextBox 38">
+                <a:extLst>
+                  <a:ext uri="{FF2B5EF4-FFF2-40B4-BE49-F238E27FC236}">
+                    <a16:creationId xmlns:a16="http://schemas.microsoft.com/office/drawing/2014/main" id="{774FBBCF-B234-2246-BC5D-AAD44B5E260B}"/>
+                  </a:ext>
+                </a:extLst>
+              </p:cNvPr>
+              <p:cNvSpPr txBox="1"/>
+              <p:nvPr/>
+            </p:nvSpPr>
+            <p:spPr>
+              <a:xfrm>
+                <a:off x="5180059" y="1298137"/>
+                <a:ext cx="317679" cy="369332"/>
+              </a:xfrm>
+              <a:prstGeom prst="rect">
+                <a:avLst/>
+              </a:prstGeom>
+              <a:noFill/>
+            </p:spPr>
+            <p:txBody>
+              <a:bodyPr wrap="square" rtlCol="0">
+                <a:spAutoFit/>
+              </a:bodyPr>
+              <a:lstStyle/>
+              <a:p>
+                <a:r>
+                  <a:rPr lang="nl-NL" dirty="0">
+                    <a:latin typeface="+mj-lt"/>
+                  </a:rPr>
+                  <a:t>0</a:t>
+                </a:r>
+              </a:p>
+            </p:txBody>
+          </p:sp>
+          <p:sp>
+            <p:nvSpPr>
+              <p:cNvPr id="41" name="TextBox 40">
+                <a:extLst>
+                  <a:ext uri="{FF2B5EF4-FFF2-40B4-BE49-F238E27FC236}">
+                    <a16:creationId xmlns:a16="http://schemas.microsoft.com/office/drawing/2014/main" id="{964FA3DA-23A0-374C-9FB3-4F6431A46FA8}"/>
+                  </a:ext>
+                </a:extLst>
+              </p:cNvPr>
+              <p:cNvSpPr txBox="1"/>
+              <p:nvPr/>
+            </p:nvSpPr>
+            <p:spPr>
+              <a:xfrm>
+                <a:off x="5169097" y="2434958"/>
+                <a:ext cx="317679" cy="369332"/>
+              </a:xfrm>
+              <a:prstGeom prst="rect">
+                <a:avLst/>
+              </a:prstGeom>
+              <a:noFill/>
+            </p:spPr>
+            <p:txBody>
+              <a:bodyPr wrap="square" rtlCol="0">
+                <a:spAutoFit/>
+              </a:bodyPr>
+              <a:lstStyle/>
+              <a:p>
+                <a:r>
+                  <a:rPr lang="nl-NL" dirty="0">
+                    <a:latin typeface="+mj-lt"/>
+                  </a:rPr>
+                  <a:t>0</a:t>
+                </a:r>
+              </a:p>
+            </p:txBody>
+          </p:sp>
+        </p:grpSp>
+        <p:grpSp>
+          <p:nvGrpSpPr>
+            <p:cNvPr id="53" name="Group 52">
+              <a:extLst>
+                <a:ext uri="{FF2B5EF4-FFF2-40B4-BE49-F238E27FC236}">
+                  <a16:creationId xmlns:a16="http://schemas.microsoft.com/office/drawing/2014/main" id="{DC7C6683-C6B7-0D41-92C6-6335B8F3173C}"/>
+                </a:ext>
+              </a:extLst>
+            </p:cNvPr>
+            <p:cNvGrpSpPr/>
+            <p:nvPr/>
+          </p:nvGrpSpPr>
+          <p:grpSpPr>
+            <a:xfrm>
+              <a:off x="1779371" y="644600"/>
+              <a:ext cx="1705235" cy="2259236"/>
+              <a:chOff x="1779371" y="644600"/>
+              <a:chExt cx="1705235" cy="2259236"/>
+            </a:xfrm>
+          </p:grpSpPr>
+          <p:sp>
+            <p:nvSpPr>
+              <p:cNvPr id="5" name="Rectangle 4">
+                <a:extLst>
+                  <a:ext uri="{FF2B5EF4-FFF2-40B4-BE49-F238E27FC236}">
+                    <a16:creationId xmlns:a16="http://schemas.microsoft.com/office/drawing/2014/main" id="{4A1D6CCC-8BC1-5F4C-ABAF-984A609426AB}"/>
+                  </a:ext>
+                </a:extLst>
+              </p:cNvPr>
+              <p:cNvSpPr/>
+              <p:nvPr/>
+            </p:nvSpPr>
+            <p:spPr>
+              <a:xfrm>
+                <a:off x="1779373" y="1767016"/>
+                <a:ext cx="568411" cy="568411"/>
+              </a:xfrm>
+              <a:prstGeom prst="rect">
+                <a:avLst/>
+              </a:prstGeom>
+              <a:solidFill>
+                <a:srgbClr val="00B0F0"/>
+              </a:solidFill>
+              <a:ln>
+                <a:solidFill>
+                  <a:schemeClr val="tx1"/>
+                </a:solidFill>
+              </a:ln>
+            </p:spPr>
+            <p:style>
+              <a:lnRef idx="1">
+                <a:schemeClr val="accent5"/>
+              </a:lnRef>
+              <a:fillRef idx="3">
+                <a:schemeClr val="accent5"/>
+              </a:fillRef>
+              <a:effectRef idx="2">
+                <a:schemeClr val="accent5"/>
+              </a:effectRef>
+              <a:fontRef idx="minor">
+                <a:schemeClr val="lt1"/>
+              </a:fontRef>
+            </p:style>
+            <p:txBody>
+              <a:bodyPr rtlCol="0" anchor="ctr"/>
+              <a:lstStyle/>
+              <a:p>
+                <a:pPr algn="ctr"/>
+                <a:endParaRPr lang="nl-NL"/>
+              </a:p>
+            </p:txBody>
+          </p:sp>
+          <p:sp>
+            <p:nvSpPr>
+              <p:cNvPr id="6" name="Rectangle 5">
+                <a:extLst>
+                  <a:ext uri="{FF2B5EF4-FFF2-40B4-BE49-F238E27FC236}">
+                    <a16:creationId xmlns:a16="http://schemas.microsoft.com/office/drawing/2014/main" id="{DC187E68-B0B8-4141-8100-E8B6808F471C}"/>
+                  </a:ext>
+                </a:extLst>
+              </p:cNvPr>
+              <p:cNvSpPr/>
+              <p:nvPr/>
+            </p:nvSpPr>
+            <p:spPr>
+              <a:xfrm>
+                <a:off x="2916195" y="1767014"/>
+                <a:ext cx="568411" cy="568411"/>
+              </a:xfrm>
+              <a:prstGeom prst="rect">
+                <a:avLst/>
+              </a:prstGeom>
+              <a:solidFill>
+                <a:srgbClr val="FF0000"/>
+              </a:solidFill>
+              <a:ln>
+                <a:solidFill>
+                  <a:schemeClr val="tx1"/>
+                </a:solidFill>
+              </a:ln>
+            </p:spPr>
+            <p:style>
+              <a:lnRef idx="1">
+                <a:schemeClr val="accent5"/>
+              </a:lnRef>
+              <a:fillRef idx="3">
+                <a:schemeClr val="accent5"/>
+              </a:fillRef>
+              <a:effectRef idx="2">
+                <a:schemeClr val="accent5"/>
+              </a:effectRef>
+              <a:fontRef idx="minor">
+                <a:schemeClr val="lt1"/>
+              </a:fontRef>
+            </p:style>
+            <p:txBody>
+              <a:bodyPr rtlCol="0" anchor="ctr"/>
+              <a:lstStyle/>
+              <a:p>
+                <a:pPr algn="ctr"/>
+                <a:endParaRPr lang="nl-NL"/>
+              </a:p>
+            </p:txBody>
+          </p:sp>
+          <p:sp>
+            <p:nvSpPr>
+              <p:cNvPr id="7" name="Rectangle 6">
+                <a:extLst>
+                  <a:ext uri="{FF2B5EF4-FFF2-40B4-BE49-F238E27FC236}">
+                    <a16:creationId xmlns:a16="http://schemas.microsoft.com/office/drawing/2014/main" id="{D5E23613-4065-D64F-B002-84E361E07EF3}"/>
+                  </a:ext>
+                </a:extLst>
+              </p:cNvPr>
+              <p:cNvSpPr/>
+              <p:nvPr/>
+            </p:nvSpPr>
+            <p:spPr>
+              <a:xfrm>
+                <a:off x="2347784" y="1767014"/>
+                <a:ext cx="568411" cy="568411"/>
+              </a:xfrm>
+              <a:prstGeom prst="rect">
+                <a:avLst/>
+              </a:prstGeom>
+              <a:solidFill>
+                <a:schemeClr val="tx1"/>
+              </a:solidFill>
+              <a:ln>
+                <a:solidFill>
+                  <a:schemeClr val="tx1"/>
+                </a:solidFill>
+              </a:ln>
+            </p:spPr>
+            <p:style>
+              <a:lnRef idx="1">
+                <a:schemeClr val="accent5"/>
+              </a:lnRef>
+              <a:fillRef idx="3">
+                <a:schemeClr val="accent5"/>
+              </a:fillRef>
+              <a:effectRef idx="2">
+                <a:schemeClr val="accent5"/>
+              </a:effectRef>
+              <a:fontRef idx="minor">
+                <a:schemeClr val="lt1"/>
+              </a:fontRef>
+            </p:style>
+            <p:txBody>
+              <a:bodyPr rtlCol="0" anchor="ctr"/>
+              <a:lstStyle/>
+              <a:p>
+                <a:pPr algn="ctr"/>
+                <a:endParaRPr lang="nl-NL"/>
+              </a:p>
+            </p:txBody>
+          </p:sp>
+          <p:sp>
+            <p:nvSpPr>
+              <p:cNvPr id="8" name="Rectangle 7">
+                <a:extLst>
+                  <a:ext uri="{FF2B5EF4-FFF2-40B4-BE49-F238E27FC236}">
+                    <a16:creationId xmlns:a16="http://schemas.microsoft.com/office/drawing/2014/main" id="{B568E67E-BC7E-D74F-8EF7-67BA2C3B823A}"/>
+                  </a:ext>
+                </a:extLst>
+              </p:cNvPr>
+              <p:cNvSpPr/>
+              <p:nvPr/>
+            </p:nvSpPr>
+            <p:spPr>
+              <a:xfrm>
+                <a:off x="1779372" y="2335425"/>
+                <a:ext cx="568411" cy="568411"/>
+              </a:xfrm>
+              <a:prstGeom prst="rect">
+                <a:avLst/>
+              </a:prstGeom>
+              <a:solidFill>
+                <a:schemeClr val="bg2"/>
+              </a:solidFill>
+              <a:ln>
+                <a:solidFill>
+                  <a:schemeClr val="tx1"/>
+                </a:solidFill>
+              </a:ln>
+            </p:spPr>
+            <p:style>
+              <a:lnRef idx="1">
+                <a:schemeClr val="accent5"/>
+              </a:lnRef>
+              <a:fillRef idx="3">
+                <a:schemeClr val="accent5"/>
+              </a:fillRef>
+              <a:effectRef idx="2">
+                <a:schemeClr val="accent5"/>
+              </a:effectRef>
+              <a:fontRef idx="minor">
+                <a:schemeClr val="lt1"/>
+              </a:fontRef>
+            </p:style>
+            <p:txBody>
+              <a:bodyPr rtlCol="0" anchor="ctr"/>
+              <a:lstStyle/>
+              <a:p>
+                <a:pPr algn="ctr"/>
+                <a:endParaRPr lang="nl-NL"/>
+              </a:p>
+            </p:txBody>
+          </p:sp>
+          <p:sp>
+            <p:nvSpPr>
+              <p:cNvPr id="9" name="Rectangle 8">
+                <a:extLst>
+                  <a:ext uri="{FF2B5EF4-FFF2-40B4-BE49-F238E27FC236}">
+                    <a16:creationId xmlns:a16="http://schemas.microsoft.com/office/drawing/2014/main" id="{9AB53A5A-5486-C543-8274-40DD088C0234}"/>
+                  </a:ext>
+                </a:extLst>
+              </p:cNvPr>
+              <p:cNvSpPr/>
+              <p:nvPr/>
+            </p:nvSpPr>
+            <p:spPr>
+              <a:xfrm>
+                <a:off x="2347783" y="2335424"/>
+                <a:ext cx="568411" cy="568411"/>
+              </a:xfrm>
+              <a:prstGeom prst="rect">
+                <a:avLst/>
+              </a:prstGeom>
+              <a:solidFill>
+                <a:schemeClr val="bg2"/>
+              </a:solidFill>
+              <a:ln>
+                <a:solidFill>
+                  <a:schemeClr val="tx1"/>
+                </a:solidFill>
+              </a:ln>
+            </p:spPr>
+            <p:style>
+              <a:lnRef idx="1">
+                <a:schemeClr val="accent5"/>
+              </a:lnRef>
+              <a:fillRef idx="3">
+                <a:schemeClr val="accent5"/>
+              </a:fillRef>
+              <a:effectRef idx="2">
+                <a:schemeClr val="accent5"/>
+              </a:effectRef>
+              <a:fontRef idx="minor">
+                <a:schemeClr val="lt1"/>
+              </a:fontRef>
+            </p:style>
+            <p:txBody>
+              <a:bodyPr rtlCol="0" anchor="ctr"/>
+              <a:lstStyle/>
+              <a:p>
+                <a:pPr algn="ctr"/>
+                <a:endParaRPr lang="nl-NL"/>
+              </a:p>
+            </p:txBody>
+          </p:sp>
+          <p:sp>
+            <p:nvSpPr>
+              <p:cNvPr id="10" name="Rectangle 9">
+                <a:extLst>
+                  <a:ext uri="{FF2B5EF4-FFF2-40B4-BE49-F238E27FC236}">
+                    <a16:creationId xmlns:a16="http://schemas.microsoft.com/office/drawing/2014/main" id="{2BED3289-64AD-5B44-AF45-CB1CE42D7BCC}"/>
+                  </a:ext>
+                </a:extLst>
+              </p:cNvPr>
+              <p:cNvSpPr/>
+              <p:nvPr/>
+            </p:nvSpPr>
+            <p:spPr>
+              <a:xfrm>
+                <a:off x="2916194" y="2335423"/>
+                <a:ext cx="568411" cy="568411"/>
+              </a:xfrm>
+              <a:prstGeom prst="rect">
+                <a:avLst/>
+              </a:prstGeom>
+              <a:solidFill>
+                <a:schemeClr val="bg2"/>
+              </a:solidFill>
+              <a:ln>
+                <a:solidFill>
+                  <a:schemeClr val="tx1"/>
+                </a:solidFill>
+              </a:ln>
+            </p:spPr>
+            <p:style>
+              <a:lnRef idx="1">
+                <a:schemeClr val="accent5"/>
+              </a:lnRef>
+              <a:fillRef idx="3">
+                <a:schemeClr val="accent5"/>
+              </a:fillRef>
+              <a:effectRef idx="2">
+                <a:schemeClr val="accent5"/>
+              </a:effectRef>
+              <a:fontRef idx="minor">
+                <a:schemeClr val="lt1"/>
+              </a:fontRef>
+            </p:style>
+            <p:txBody>
+              <a:bodyPr rtlCol="0" anchor="ctr"/>
+              <a:lstStyle/>
+              <a:p>
+                <a:pPr algn="ctr"/>
+                <a:endParaRPr lang="nl-NL"/>
+              </a:p>
+            </p:txBody>
+          </p:sp>
+          <p:sp>
+            <p:nvSpPr>
+              <p:cNvPr id="11" name="Rectangle 10">
+                <a:extLst>
+                  <a:ext uri="{FF2B5EF4-FFF2-40B4-BE49-F238E27FC236}">
+                    <a16:creationId xmlns:a16="http://schemas.microsoft.com/office/drawing/2014/main" id="{3A8C8F93-DE69-194C-8203-E4C780F11B7D}"/>
+                  </a:ext>
+                </a:extLst>
+              </p:cNvPr>
+              <p:cNvSpPr/>
+              <p:nvPr/>
+            </p:nvSpPr>
+            <p:spPr>
+              <a:xfrm>
+                <a:off x="1779372" y="1198605"/>
+                <a:ext cx="568411" cy="568411"/>
+              </a:xfrm>
+              <a:prstGeom prst="rect">
+                <a:avLst/>
+              </a:prstGeom>
+              <a:solidFill>
+                <a:schemeClr val="bg2"/>
+              </a:solidFill>
+              <a:ln>
+                <a:solidFill>
+                  <a:schemeClr val="tx1"/>
+                </a:solidFill>
+              </a:ln>
+            </p:spPr>
+            <p:style>
+              <a:lnRef idx="1">
+                <a:schemeClr val="accent5"/>
+              </a:lnRef>
+              <a:fillRef idx="3">
+                <a:schemeClr val="accent5"/>
+              </a:fillRef>
+              <a:effectRef idx="2">
+                <a:schemeClr val="accent5"/>
+              </a:effectRef>
+              <a:fontRef idx="minor">
+                <a:schemeClr val="lt1"/>
+              </a:fontRef>
+            </p:style>
+            <p:txBody>
+              <a:bodyPr rtlCol="0" anchor="ctr"/>
+              <a:lstStyle/>
+              <a:p>
+                <a:pPr algn="ctr"/>
+                <a:endParaRPr lang="nl-NL"/>
+              </a:p>
+            </p:txBody>
+          </p:sp>
+          <p:sp>
+            <p:nvSpPr>
+              <p:cNvPr id="12" name="Rectangle 11">
+                <a:extLst>
+                  <a:ext uri="{FF2B5EF4-FFF2-40B4-BE49-F238E27FC236}">
+                    <a16:creationId xmlns:a16="http://schemas.microsoft.com/office/drawing/2014/main" id="{DF5054D4-CB26-3843-8680-76239C757C2A}"/>
+                  </a:ext>
+                </a:extLst>
+              </p:cNvPr>
+              <p:cNvSpPr/>
+              <p:nvPr/>
+            </p:nvSpPr>
+            <p:spPr>
+              <a:xfrm>
+                <a:off x="2347783" y="1198604"/>
+                <a:ext cx="568411" cy="568411"/>
+              </a:xfrm>
+              <a:prstGeom prst="rect">
+                <a:avLst/>
+              </a:prstGeom>
+              <a:solidFill>
+                <a:schemeClr val="bg2"/>
+              </a:solidFill>
+              <a:ln>
+                <a:solidFill>
+                  <a:schemeClr val="tx1"/>
+                </a:solidFill>
+              </a:ln>
+            </p:spPr>
+            <p:style>
+              <a:lnRef idx="1">
+                <a:schemeClr val="accent5"/>
+              </a:lnRef>
+              <a:fillRef idx="3">
+                <a:schemeClr val="accent5"/>
+              </a:fillRef>
+              <a:effectRef idx="2">
+                <a:schemeClr val="accent5"/>
+              </a:effectRef>
+              <a:fontRef idx="minor">
+                <a:schemeClr val="lt1"/>
+              </a:fontRef>
+            </p:style>
+            <p:txBody>
+              <a:bodyPr rtlCol="0" anchor="ctr"/>
+              <a:lstStyle/>
+              <a:p>
+                <a:pPr algn="ctr"/>
+                <a:endParaRPr lang="nl-NL"/>
+              </a:p>
+            </p:txBody>
+          </p:sp>
+          <p:sp>
+            <p:nvSpPr>
+              <p:cNvPr id="13" name="Rectangle 12">
+                <a:extLst>
+                  <a:ext uri="{FF2B5EF4-FFF2-40B4-BE49-F238E27FC236}">
+                    <a16:creationId xmlns:a16="http://schemas.microsoft.com/office/drawing/2014/main" id="{E683A774-718B-2A43-B2F4-F97A2DBCE767}"/>
+                  </a:ext>
+                </a:extLst>
+              </p:cNvPr>
+              <p:cNvSpPr/>
+              <p:nvPr/>
+            </p:nvSpPr>
+            <p:spPr>
+              <a:xfrm>
+                <a:off x="2916194" y="1198603"/>
+                <a:ext cx="568411" cy="568411"/>
+              </a:xfrm>
+              <a:prstGeom prst="rect">
+                <a:avLst/>
+              </a:prstGeom>
+              <a:solidFill>
+                <a:schemeClr val="bg2"/>
+              </a:solidFill>
+              <a:ln>
+                <a:solidFill>
+                  <a:schemeClr val="tx1"/>
+                </a:solidFill>
+              </a:ln>
+            </p:spPr>
+            <p:style>
+              <a:lnRef idx="1">
+                <a:schemeClr val="accent5"/>
+              </a:lnRef>
+              <a:fillRef idx="3">
+                <a:schemeClr val="accent5"/>
+              </a:fillRef>
+              <a:effectRef idx="2">
+                <a:schemeClr val="accent5"/>
+              </a:effectRef>
+              <a:fontRef idx="minor">
+                <a:schemeClr val="lt1"/>
+              </a:fontRef>
+            </p:style>
+            <p:txBody>
+              <a:bodyPr rtlCol="0" anchor="ctr"/>
+              <a:lstStyle/>
+              <a:p>
+                <a:pPr algn="ctr"/>
+                <a:endParaRPr lang="nl-NL"/>
+              </a:p>
+            </p:txBody>
+          </p:sp>
+          <p:sp>
+            <p:nvSpPr>
+              <p:cNvPr id="14" name="TextBox 13">
+                <a:extLst>
+                  <a:ext uri="{FF2B5EF4-FFF2-40B4-BE49-F238E27FC236}">
+                    <a16:creationId xmlns:a16="http://schemas.microsoft.com/office/drawing/2014/main" id="{78D147F8-FA9D-3045-9CB4-86B9FEDB3660}"/>
+                  </a:ext>
+                </a:extLst>
+              </p:cNvPr>
+              <p:cNvSpPr txBox="1"/>
+              <p:nvPr/>
+            </p:nvSpPr>
+            <p:spPr>
+              <a:xfrm>
+                <a:off x="3041560" y="1866552"/>
+                <a:ext cx="317679" cy="369332"/>
+              </a:xfrm>
+              <a:prstGeom prst="rect">
+                <a:avLst/>
+              </a:prstGeom>
+              <a:noFill/>
+            </p:spPr>
+            <p:txBody>
+              <a:bodyPr wrap="square" rtlCol="0">
+                <a:spAutoFit/>
+              </a:bodyPr>
+              <a:lstStyle/>
+              <a:p>
+                <a:r>
+                  <a:rPr lang="nl-NL" dirty="0">
+                    <a:latin typeface="+mj-lt"/>
+                  </a:rPr>
+                  <a:t>1</a:t>
+                </a:r>
+              </a:p>
+            </p:txBody>
+          </p:sp>
+          <p:sp>
+            <p:nvSpPr>
+              <p:cNvPr id="18" name="TextBox 17">
+                <a:extLst>
+                  <a:ext uri="{FF2B5EF4-FFF2-40B4-BE49-F238E27FC236}">
+                    <a16:creationId xmlns:a16="http://schemas.microsoft.com/office/drawing/2014/main" id="{F6D03C6C-2D82-4D45-A49E-A753D862BB4C}"/>
+                  </a:ext>
+                </a:extLst>
+              </p:cNvPr>
+              <p:cNvSpPr txBox="1"/>
+              <p:nvPr/>
+            </p:nvSpPr>
+            <p:spPr>
+              <a:xfrm>
+                <a:off x="1890737" y="1866552"/>
+                <a:ext cx="671646" cy="369332"/>
+              </a:xfrm>
+              <a:prstGeom prst="rect">
+                <a:avLst/>
+              </a:prstGeom>
+              <a:noFill/>
+            </p:spPr>
+            <p:txBody>
+              <a:bodyPr wrap="square" rtlCol="0">
+                <a:spAutoFit/>
+              </a:bodyPr>
+              <a:lstStyle/>
+              <a:p>
+                <a:r>
+                  <a:rPr lang="nl-NL" dirty="0">
+                    <a:latin typeface="+mj-lt"/>
+                  </a:rPr>
+                  <a:t>-1</a:t>
+                </a:r>
+              </a:p>
+            </p:txBody>
+          </p:sp>
+          <p:sp>
+            <p:nvSpPr>
+              <p:cNvPr id="36" name="TextBox 35">
+                <a:extLst>
+                  <a:ext uri="{FF2B5EF4-FFF2-40B4-BE49-F238E27FC236}">
+                    <a16:creationId xmlns:a16="http://schemas.microsoft.com/office/drawing/2014/main" id="{5C0B9659-04B3-A640-A60E-8F719301DB03}"/>
+                  </a:ext>
+                </a:extLst>
+              </p:cNvPr>
+              <p:cNvSpPr txBox="1"/>
+              <p:nvPr/>
+            </p:nvSpPr>
+            <p:spPr>
+              <a:xfrm>
+                <a:off x="1779371" y="644600"/>
+                <a:ext cx="1705233" cy="369332"/>
+              </a:xfrm>
+              <a:prstGeom prst="rect">
+                <a:avLst/>
+              </a:prstGeom>
+              <a:noFill/>
+            </p:spPr>
+            <p:txBody>
+              <a:bodyPr wrap="square" rtlCol="0">
+                <a:spAutoFit/>
+              </a:bodyPr>
+              <a:lstStyle/>
+              <a:p>
+                <a:r>
+                  <a:rPr lang="nl-NL" dirty="0" err="1">
+                    <a:latin typeface="+mj-lt"/>
+                  </a:rPr>
+                  <a:t>Finite</a:t>
+                </a:r>
+                <a:r>
+                  <a:rPr lang="nl-NL" dirty="0">
+                    <a:latin typeface="+mj-lt"/>
+                  </a:rPr>
+                  <a:t> </a:t>
+                </a:r>
+                <a:r>
+                  <a:rPr lang="nl-NL" dirty="0" err="1">
+                    <a:latin typeface="+mj-lt"/>
+                  </a:rPr>
+                  <a:t>difference</a:t>
+                </a:r>
+                <a:endParaRPr lang="nl-NL" dirty="0">
+                  <a:latin typeface="+mj-lt"/>
+                </a:endParaRPr>
+              </a:p>
+            </p:txBody>
+          </p:sp>
+          <p:sp>
+            <p:nvSpPr>
+              <p:cNvPr id="42" name="TextBox 41">
+                <a:extLst>
+                  <a:ext uri="{FF2B5EF4-FFF2-40B4-BE49-F238E27FC236}">
+                    <a16:creationId xmlns:a16="http://schemas.microsoft.com/office/drawing/2014/main" id="{0C9F0B93-8E13-B548-A4D6-79118B0BCBE6}"/>
+                  </a:ext>
+                </a:extLst>
+              </p:cNvPr>
+              <p:cNvSpPr txBox="1"/>
+              <p:nvPr/>
+            </p:nvSpPr>
+            <p:spPr>
+              <a:xfrm>
+                <a:off x="1937988" y="1298137"/>
+                <a:ext cx="317679" cy="369332"/>
+              </a:xfrm>
+              <a:prstGeom prst="rect">
+                <a:avLst/>
+              </a:prstGeom>
+              <a:noFill/>
+            </p:spPr>
+            <p:txBody>
+              <a:bodyPr wrap="square" rtlCol="0">
+                <a:spAutoFit/>
+              </a:bodyPr>
+              <a:lstStyle/>
+              <a:p>
+                <a:r>
+                  <a:rPr lang="nl-NL" dirty="0">
+                    <a:latin typeface="+mj-lt"/>
+                  </a:rPr>
+                  <a:t>0</a:t>
+                </a:r>
+              </a:p>
+            </p:txBody>
+          </p:sp>
+          <p:sp>
+            <p:nvSpPr>
+              <p:cNvPr id="43" name="TextBox 42">
+                <a:extLst>
+                  <a:ext uri="{FF2B5EF4-FFF2-40B4-BE49-F238E27FC236}">
+                    <a16:creationId xmlns:a16="http://schemas.microsoft.com/office/drawing/2014/main" id="{9897E319-7B6F-184C-8669-DCDB9A7FD6DA}"/>
+                  </a:ext>
+                </a:extLst>
+              </p:cNvPr>
+              <p:cNvSpPr txBox="1"/>
+              <p:nvPr/>
+            </p:nvSpPr>
+            <p:spPr>
+              <a:xfrm>
+                <a:off x="2494072" y="1298137"/>
+                <a:ext cx="317679" cy="369332"/>
+              </a:xfrm>
+              <a:prstGeom prst="rect">
+                <a:avLst/>
+              </a:prstGeom>
+              <a:noFill/>
+            </p:spPr>
+            <p:txBody>
+              <a:bodyPr wrap="square" rtlCol="0">
+                <a:spAutoFit/>
+              </a:bodyPr>
+              <a:lstStyle/>
+              <a:p>
+                <a:r>
+                  <a:rPr lang="nl-NL" dirty="0">
+                    <a:latin typeface="+mj-lt"/>
+                  </a:rPr>
+                  <a:t>0</a:t>
+                </a:r>
+              </a:p>
+            </p:txBody>
+          </p:sp>
+          <p:sp>
+            <p:nvSpPr>
+              <p:cNvPr id="44" name="TextBox 43">
+                <a:extLst>
+                  <a:ext uri="{FF2B5EF4-FFF2-40B4-BE49-F238E27FC236}">
+                    <a16:creationId xmlns:a16="http://schemas.microsoft.com/office/drawing/2014/main" id="{1F234046-0DE3-C044-BCDE-887756304E47}"/>
+                  </a:ext>
+                </a:extLst>
+              </p:cNvPr>
+              <p:cNvSpPr txBox="1"/>
+              <p:nvPr/>
+            </p:nvSpPr>
+            <p:spPr>
+              <a:xfrm>
+                <a:off x="3049640" y="1298137"/>
+                <a:ext cx="317679" cy="369332"/>
+              </a:xfrm>
+              <a:prstGeom prst="rect">
+                <a:avLst/>
+              </a:prstGeom>
+              <a:noFill/>
+            </p:spPr>
+            <p:txBody>
+              <a:bodyPr wrap="square" rtlCol="0">
+                <a:spAutoFit/>
+              </a:bodyPr>
+              <a:lstStyle/>
+              <a:p>
+                <a:r>
+                  <a:rPr lang="nl-NL" dirty="0">
+                    <a:latin typeface="+mj-lt"/>
+                  </a:rPr>
+                  <a:t>0</a:t>
+                </a:r>
+              </a:p>
+            </p:txBody>
+          </p:sp>
+          <p:sp>
+            <p:nvSpPr>
+              <p:cNvPr id="50" name="TextBox 49">
+                <a:extLst>
+                  <a:ext uri="{FF2B5EF4-FFF2-40B4-BE49-F238E27FC236}">
+                    <a16:creationId xmlns:a16="http://schemas.microsoft.com/office/drawing/2014/main" id="{DAB4E691-29D9-9049-A3EE-5B02467ECB27}"/>
+                  </a:ext>
+                </a:extLst>
+              </p:cNvPr>
+              <p:cNvSpPr txBox="1"/>
+              <p:nvPr/>
+            </p:nvSpPr>
+            <p:spPr>
+              <a:xfrm>
+                <a:off x="1937988" y="2434958"/>
+                <a:ext cx="317679" cy="369332"/>
+              </a:xfrm>
+              <a:prstGeom prst="rect">
+                <a:avLst/>
+              </a:prstGeom>
+              <a:noFill/>
+            </p:spPr>
+            <p:txBody>
+              <a:bodyPr wrap="square" rtlCol="0">
+                <a:spAutoFit/>
+              </a:bodyPr>
+              <a:lstStyle/>
+              <a:p>
+                <a:r>
+                  <a:rPr lang="nl-NL" dirty="0">
+                    <a:latin typeface="+mj-lt"/>
+                  </a:rPr>
+                  <a:t>0</a:t>
+                </a:r>
+              </a:p>
+            </p:txBody>
+          </p:sp>
+          <p:sp>
+            <p:nvSpPr>
+              <p:cNvPr id="51" name="TextBox 50">
+                <a:extLst>
+                  <a:ext uri="{FF2B5EF4-FFF2-40B4-BE49-F238E27FC236}">
+                    <a16:creationId xmlns:a16="http://schemas.microsoft.com/office/drawing/2014/main" id="{A0934AE8-DDD9-C748-9C3C-F9C17EF825F5}"/>
+                  </a:ext>
+                </a:extLst>
+              </p:cNvPr>
+              <p:cNvSpPr txBox="1"/>
+              <p:nvPr/>
+            </p:nvSpPr>
+            <p:spPr>
+              <a:xfrm>
+                <a:off x="2494072" y="2434958"/>
+                <a:ext cx="317679" cy="369332"/>
+              </a:xfrm>
+              <a:prstGeom prst="rect">
+                <a:avLst/>
+              </a:prstGeom>
+              <a:noFill/>
+            </p:spPr>
+            <p:txBody>
+              <a:bodyPr wrap="square" rtlCol="0">
+                <a:spAutoFit/>
+              </a:bodyPr>
+              <a:lstStyle/>
+              <a:p>
+                <a:r>
+                  <a:rPr lang="nl-NL" dirty="0">
+                    <a:latin typeface="+mj-lt"/>
+                  </a:rPr>
+                  <a:t>0</a:t>
+                </a:r>
+              </a:p>
+            </p:txBody>
+          </p:sp>
+          <p:sp>
+            <p:nvSpPr>
+              <p:cNvPr id="52" name="TextBox 51">
+                <a:extLst>
+                  <a:ext uri="{FF2B5EF4-FFF2-40B4-BE49-F238E27FC236}">
+                    <a16:creationId xmlns:a16="http://schemas.microsoft.com/office/drawing/2014/main" id="{A7DB4969-1EF7-3849-9900-BC74AA86A929}"/>
+                  </a:ext>
+                </a:extLst>
+              </p:cNvPr>
+              <p:cNvSpPr txBox="1"/>
+              <p:nvPr/>
+            </p:nvSpPr>
+            <p:spPr>
+              <a:xfrm>
+                <a:off x="3049640" y="2434958"/>
+                <a:ext cx="317679" cy="369332"/>
+              </a:xfrm>
+              <a:prstGeom prst="rect">
+                <a:avLst/>
+              </a:prstGeom>
+              <a:noFill/>
+            </p:spPr>
+            <p:txBody>
+              <a:bodyPr wrap="square" rtlCol="0">
+                <a:spAutoFit/>
+              </a:bodyPr>
+              <a:lstStyle/>
+              <a:p>
+                <a:r>
+                  <a:rPr lang="nl-NL" dirty="0">
+                    <a:latin typeface="+mj-lt"/>
+                  </a:rPr>
+                  <a:t>0</a:t>
+                </a:r>
+              </a:p>
+            </p:txBody>
+          </p:sp>
+        </p:grpSp>
+      </p:grpSp>
+    </p:spTree>
+    <p:extLst>
+      <p:ext uri="{BB962C8B-B14F-4D97-AF65-F5344CB8AC3E}">
+        <p14:creationId xmlns:p14="http://schemas.microsoft.com/office/powerpoint/2010/main" val="1904794747"/>
+      </p:ext>
+    </p:extLst>
+  </p:cSld>
+  <p:clrMapOvr>
+    <a:masterClrMapping/>
+  </p:clrMapOvr>
+</p:sld>
+</file>
+
+<file path=ppt/slides/slide4.xml><?xml version="1.0" encoding="utf-8"?>
+<p:sld xmlns:a="http://schemas.openxmlformats.org/drawingml/2006/main" xmlns:r="http://schemas.openxmlformats.org/officeDocument/2006/relationships" xmlns:p="http://schemas.openxmlformats.org/presentationml/2006/main">
+  <p:cSld>
+    <p:spTree>
+      <p:nvGrpSpPr>
+        <p:cNvPr id="1" name=""/>
+        <p:cNvGrpSpPr/>
+        <p:nvPr/>
+      </p:nvGrpSpPr>
+      <p:grpSpPr>
+        <a:xfrm>
+          <a:off x="0" y="0"/>
+          <a:ext cx="0" cy="0"/>
+          <a:chOff x="0" y="0"/>
+          <a:chExt cx="0" cy="0"/>
+        </a:xfrm>
+      </p:grpSpPr>
+      <p:grpSp>
+        <p:nvGrpSpPr>
+          <p:cNvPr id="184" name="Group 183">
+            <a:extLst>
+              <a:ext uri="{FF2B5EF4-FFF2-40B4-BE49-F238E27FC236}">
+                <a16:creationId xmlns:a16="http://schemas.microsoft.com/office/drawing/2014/main" id="{5CF2E7B7-14D3-964A-977E-389F1E86E485}"/>
+              </a:ext>
+            </a:extLst>
+          </p:cNvPr>
+          <p:cNvGrpSpPr/>
+          <p:nvPr/>
+        </p:nvGrpSpPr>
+        <p:grpSpPr>
+          <a:xfrm>
+            <a:off x="2278030" y="884895"/>
+            <a:ext cx="3448904" cy="2728744"/>
+            <a:chOff x="2278030" y="884895"/>
+            <a:chExt cx="3448904" cy="2728744"/>
+          </a:xfrm>
+        </p:grpSpPr>
+        <p:sp>
+          <p:nvSpPr>
+            <p:cNvPr id="52" name="TextBox 51">
+              <a:extLst>
+                <a:ext uri="{FF2B5EF4-FFF2-40B4-BE49-F238E27FC236}">
+                  <a16:creationId xmlns:a16="http://schemas.microsoft.com/office/drawing/2014/main" id="{6F6BC7FA-9832-1647-B54F-C7989B3A12B8}"/>
+                </a:ext>
+              </a:extLst>
+            </p:cNvPr>
+            <p:cNvSpPr txBox="1"/>
+            <p:nvPr/>
+          </p:nvSpPr>
+          <p:spPr>
+            <a:xfrm>
+              <a:off x="3091511" y="884895"/>
+              <a:ext cx="2635423" cy="369332"/>
+            </a:xfrm>
+            <a:prstGeom prst="rect">
+              <a:avLst/>
+            </a:prstGeom>
+            <a:noFill/>
+          </p:spPr>
+          <p:txBody>
+            <a:bodyPr wrap="square" rtlCol="0">
+              <a:spAutoFit/>
+            </a:bodyPr>
+            <a:lstStyle/>
+            <a:p>
+              <a:r>
+                <a:rPr lang="nl-NL" dirty="0">
+                  <a:latin typeface="+mj-lt"/>
+                </a:rPr>
+                <a:t>Sliding </a:t>
+              </a:r>
+              <a:r>
+                <a:rPr lang="nl-NL" dirty="0" err="1">
+                  <a:latin typeface="+mj-lt"/>
+                </a:rPr>
+                <a:t>window</a:t>
+              </a:r>
+              <a:endParaRPr lang="nl-NL" dirty="0">
+                <a:latin typeface="+mj-lt"/>
+              </a:endParaRPr>
+            </a:p>
+          </p:txBody>
+        </p:sp>
+        <p:grpSp>
+          <p:nvGrpSpPr>
+            <p:cNvPr id="183" name="Group 182">
+              <a:extLst>
+                <a:ext uri="{FF2B5EF4-FFF2-40B4-BE49-F238E27FC236}">
+                  <a16:creationId xmlns:a16="http://schemas.microsoft.com/office/drawing/2014/main" id="{D417ECE5-84E1-EF4D-BD71-CF01CE31266F}"/>
+                </a:ext>
+              </a:extLst>
+            </p:cNvPr>
+            <p:cNvGrpSpPr/>
+            <p:nvPr/>
+          </p:nvGrpSpPr>
+          <p:grpSpPr>
+            <a:xfrm>
+              <a:off x="2278030" y="1169945"/>
+              <a:ext cx="3253884" cy="2443694"/>
+              <a:chOff x="2278030" y="1169945"/>
+              <a:chExt cx="3253884" cy="2443694"/>
+            </a:xfrm>
+          </p:grpSpPr>
+          <p:sp>
+            <p:nvSpPr>
+              <p:cNvPr id="125" name="Rectangle 124">
+                <a:extLst>
+                  <a:ext uri="{FF2B5EF4-FFF2-40B4-BE49-F238E27FC236}">
+                    <a16:creationId xmlns:a16="http://schemas.microsoft.com/office/drawing/2014/main" id="{EAA4A0D9-1A28-BE4D-8A41-F2BA059FB225}"/>
+                  </a:ext>
+                </a:extLst>
+              </p:cNvPr>
+              <p:cNvSpPr/>
+              <p:nvPr/>
+            </p:nvSpPr>
+            <p:spPr>
+              <a:xfrm>
+                <a:off x="2314121" y="1256043"/>
+                <a:ext cx="465796" cy="465796"/>
+              </a:xfrm>
+              <a:prstGeom prst="rect">
+                <a:avLst/>
+              </a:prstGeom>
+              <a:solidFill>
+                <a:schemeClr val="bg2"/>
+              </a:solidFill>
+              <a:ln>
+                <a:solidFill>
+                  <a:schemeClr val="tx1"/>
+                </a:solidFill>
+              </a:ln>
+            </p:spPr>
+            <p:style>
+              <a:lnRef idx="2">
+                <a:schemeClr val="accent1">
+                  <a:shade val="50000"/>
+                </a:schemeClr>
+              </a:lnRef>
+              <a:fillRef idx="1">
+                <a:schemeClr val="accent1"/>
+              </a:fillRef>
+              <a:effectRef idx="0">
+                <a:schemeClr val="accent1"/>
+              </a:effectRef>
+              <a:fontRef idx="minor">
+                <a:schemeClr val="lt1"/>
+              </a:fontRef>
+            </p:style>
+            <p:txBody>
+              <a:bodyPr rtlCol="0" anchor="ctr"/>
+              <a:lstStyle/>
+              <a:p>
+                <a:pPr algn="ctr"/>
+                <a:endParaRPr lang="nl-NL"/>
+              </a:p>
+            </p:txBody>
+          </p:sp>
+          <p:sp>
+            <p:nvSpPr>
+              <p:cNvPr id="126" name="Rectangle 125">
+                <a:extLst>
+                  <a:ext uri="{FF2B5EF4-FFF2-40B4-BE49-F238E27FC236}">
+                    <a16:creationId xmlns:a16="http://schemas.microsoft.com/office/drawing/2014/main" id="{8A7EFF24-4AE8-0B47-81C4-642E4766AA38}"/>
+                  </a:ext>
+                </a:extLst>
+              </p:cNvPr>
+              <p:cNvSpPr/>
+              <p:nvPr/>
+            </p:nvSpPr>
+            <p:spPr>
+              <a:xfrm>
+                <a:off x="2760757" y="1256043"/>
+                <a:ext cx="465796" cy="465796"/>
+              </a:xfrm>
+              <a:prstGeom prst="rect">
+                <a:avLst/>
+              </a:prstGeom>
+              <a:solidFill>
+                <a:schemeClr val="bg2"/>
+              </a:solidFill>
+              <a:ln>
+                <a:solidFill>
+                  <a:schemeClr val="tx1"/>
+                </a:solidFill>
+              </a:ln>
+            </p:spPr>
+            <p:style>
+              <a:lnRef idx="2">
+                <a:schemeClr val="accent1">
+                  <a:shade val="50000"/>
+                </a:schemeClr>
+              </a:lnRef>
+              <a:fillRef idx="1">
+                <a:schemeClr val="accent1"/>
+              </a:fillRef>
+              <a:effectRef idx="0">
+                <a:schemeClr val="accent1"/>
+              </a:effectRef>
+              <a:fontRef idx="minor">
+                <a:schemeClr val="lt1"/>
+              </a:fontRef>
+            </p:style>
+            <p:txBody>
+              <a:bodyPr rtlCol="0" anchor="ctr"/>
+              <a:lstStyle/>
+              <a:p>
+                <a:pPr algn="ctr"/>
+                <a:endParaRPr lang="nl-NL"/>
+              </a:p>
+            </p:txBody>
+          </p:sp>
+          <p:sp>
+            <p:nvSpPr>
+              <p:cNvPr id="127" name="Rectangle 126">
+                <a:extLst>
+                  <a:ext uri="{FF2B5EF4-FFF2-40B4-BE49-F238E27FC236}">
+                    <a16:creationId xmlns:a16="http://schemas.microsoft.com/office/drawing/2014/main" id="{8D3DB9D6-0A8B-F14C-80FA-EF08E8EFC5FD}"/>
+                  </a:ext>
+                </a:extLst>
+              </p:cNvPr>
+              <p:cNvSpPr/>
+              <p:nvPr/>
+            </p:nvSpPr>
+            <p:spPr>
+              <a:xfrm>
+                <a:off x="2314121" y="1702679"/>
+                <a:ext cx="465796" cy="465796"/>
+              </a:xfrm>
+              <a:prstGeom prst="rect">
+                <a:avLst/>
+              </a:prstGeom>
+              <a:solidFill>
+                <a:schemeClr val="bg2"/>
+              </a:solidFill>
+              <a:ln>
+                <a:solidFill>
+                  <a:schemeClr val="tx1"/>
+                </a:solidFill>
+              </a:ln>
+            </p:spPr>
+            <p:style>
+              <a:lnRef idx="2">
+                <a:schemeClr val="accent1">
+                  <a:shade val="50000"/>
+                </a:schemeClr>
+              </a:lnRef>
+              <a:fillRef idx="1">
+                <a:schemeClr val="accent1"/>
+              </a:fillRef>
+              <a:effectRef idx="0">
+                <a:schemeClr val="accent1"/>
+              </a:effectRef>
+              <a:fontRef idx="minor">
+                <a:schemeClr val="lt1"/>
+              </a:fontRef>
+            </p:style>
+            <p:txBody>
+              <a:bodyPr rtlCol="0" anchor="ctr"/>
+              <a:lstStyle/>
+              <a:p>
+                <a:pPr algn="ctr"/>
+                <a:endParaRPr lang="nl-NL"/>
+              </a:p>
+            </p:txBody>
+          </p:sp>
+          <p:sp>
+            <p:nvSpPr>
+              <p:cNvPr id="128" name="Rectangle 127">
+                <a:extLst>
+                  <a:ext uri="{FF2B5EF4-FFF2-40B4-BE49-F238E27FC236}">
+                    <a16:creationId xmlns:a16="http://schemas.microsoft.com/office/drawing/2014/main" id="{F315390E-1B5D-874A-A9DF-8F349E2BB496}"/>
+                  </a:ext>
+                </a:extLst>
+              </p:cNvPr>
+              <p:cNvSpPr/>
+              <p:nvPr/>
+            </p:nvSpPr>
+            <p:spPr>
+              <a:xfrm>
+                <a:off x="2760757" y="1702679"/>
+                <a:ext cx="465796" cy="465796"/>
+              </a:xfrm>
+              <a:prstGeom prst="rect">
+                <a:avLst/>
+              </a:prstGeom>
+              <a:solidFill>
+                <a:schemeClr val="bg2"/>
+              </a:solidFill>
+              <a:ln>
+                <a:solidFill>
+                  <a:schemeClr val="tx1"/>
+                </a:solidFill>
+              </a:ln>
+            </p:spPr>
+            <p:style>
+              <a:lnRef idx="2">
+                <a:schemeClr val="accent1">
+                  <a:shade val="50000"/>
+                </a:schemeClr>
+              </a:lnRef>
+              <a:fillRef idx="1">
+                <a:schemeClr val="accent1"/>
+              </a:fillRef>
+              <a:effectRef idx="0">
+                <a:schemeClr val="accent1"/>
+              </a:effectRef>
+              <a:fontRef idx="minor">
+                <a:schemeClr val="lt1"/>
+              </a:fontRef>
+            </p:style>
+            <p:txBody>
+              <a:bodyPr rtlCol="0" anchor="ctr"/>
+              <a:lstStyle/>
+              <a:p>
+                <a:pPr algn="ctr"/>
+                <a:endParaRPr lang="nl-NL"/>
+              </a:p>
+            </p:txBody>
+          </p:sp>
+          <p:sp>
+            <p:nvSpPr>
+              <p:cNvPr id="129" name="Rectangle 128">
+                <a:extLst>
+                  <a:ext uri="{FF2B5EF4-FFF2-40B4-BE49-F238E27FC236}">
+                    <a16:creationId xmlns:a16="http://schemas.microsoft.com/office/drawing/2014/main" id="{868E917F-3F28-4D4F-A682-8D1422D624DD}"/>
+                  </a:ext>
+                </a:extLst>
+              </p:cNvPr>
+              <p:cNvSpPr/>
+              <p:nvPr/>
+            </p:nvSpPr>
+            <p:spPr>
+              <a:xfrm>
+                <a:off x="3207393" y="1256043"/>
+                <a:ext cx="465796" cy="465796"/>
+              </a:xfrm>
+              <a:prstGeom prst="rect">
+                <a:avLst/>
+              </a:prstGeom>
+              <a:solidFill>
+                <a:schemeClr val="bg2"/>
+              </a:solidFill>
+              <a:ln>
+                <a:solidFill>
+                  <a:schemeClr val="tx1"/>
+                </a:solidFill>
+              </a:ln>
+            </p:spPr>
+            <p:style>
+              <a:lnRef idx="2">
+                <a:schemeClr val="accent1">
+                  <a:shade val="50000"/>
+                </a:schemeClr>
+              </a:lnRef>
+              <a:fillRef idx="1">
+                <a:schemeClr val="accent1"/>
+              </a:fillRef>
+              <a:effectRef idx="0">
+                <a:schemeClr val="accent1"/>
+              </a:effectRef>
+              <a:fontRef idx="minor">
+                <a:schemeClr val="lt1"/>
+              </a:fontRef>
+            </p:style>
+            <p:txBody>
+              <a:bodyPr rtlCol="0" anchor="ctr"/>
+              <a:lstStyle/>
+              <a:p>
+                <a:pPr algn="ctr"/>
+                <a:endParaRPr lang="nl-NL"/>
+              </a:p>
+            </p:txBody>
+          </p:sp>
+          <p:sp>
+            <p:nvSpPr>
+              <p:cNvPr id="130" name="Rectangle 129">
+                <a:extLst>
+                  <a:ext uri="{FF2B5EF4-FFF2-40B4-BE49-F238E27FC236}">
+                    <a16:creationId xmlns:a16="http://schemas.microsoft.com/office/drawing/2014/main" id="{6EC6996C-DA88-6C4F-A623-36DC22C4A23D}"/>
+                  </a:ext>
+                </a:extLst>
+              </p:cNvPr>
+              <p:cNvSpPr/>
+              <p:nvPr/>
+            </p:nvSpPr>
+            <p:spPr>
+              <a:xfrm>
+                <a:off x="3654028" y="1256043"/>
+                <a:ext cx="465796" cy="465796"/>
+              </a:xfrm>
+              <a:prstGeom prst="rect">
+                <a:avLst/>
+              </a:prstGeom>
+              <a:solidFill>
+                <a:schemeClr val="bg2"/>
+              </a:solidFill>
+              <a:ln>
+                <a:solidFill>
+                  <a:schemeClr val="tx1"/>
+                </a:solidFill>
+              </a:ln>
+            </p:spPr>
+            <p:style>
+              <a:lnRef idx="2">
+                <a:schemeClr val="accent1">
+                  <a:shade val="50000"/>
+                </a:schemeClr>
+              </a:lnRef>
+              <a:fillRef idx="1">
+                <a:schemeClr val="accent1"/>
+              </a:fillRef>
+              <a:effectRef idx="0">
+                <a:schemeClr val="accent1"/>
+              </a:effectRef>
+              <a:fontRef idx="minor">
+                <a:schemeClr val="lt1"/>
+              </a:fontRef>
+            </p:style>
+            <p:txBody>
+              <a:bodyPr rtlCol="0" anchor="ctr"/>
+              <a:lstStyle/>
+              <a:p>
+                <a:pPr algn="ctr"/>
+                <a:endParaRPr lang="nl-NL"/>
+              </a:p>
+            </p:txBody>
+          </p:sp>
+          <p:sp>
+            <p:nvSpPr>
+              <p:cNvPr id="131" name="Rectangle 130">
+                <a:extLst>
+                  <a:ext uri="{FF2B5EF4-FFF2-40B4-BE49-F238E27FC236}">
+                    <a16:creationId xmlns:a16="http://schemas.microsoft.com/office/drawing/2014/main" id="{6956F731-5E45-4E42-874E-A6BE275C22D6}"/>
+                  </a:ext>
+                </a:extLst>
+              </p:cNvPr>
+              <p:cNvSpPr/>
+              <p:nvPr/>
+            </p:nvSpPr>
+            <p:spPr>
+              <a:xfrm>
+                <a:off x="3207393" y="1702679"/>
+                <a:ext cx="465796" cy="465796"/>
+              </a:xfrm>
+              <a:prstGeom prst="rect">
+                <a:avLst/>
+              </a:prstGeom>
+              <a:solidFill>
+                <a:schemeClr val="bg2"/>
+              </a:solidFill>
+              <a:ln>
+                <a:solidFill>
+                  <a:schemeClr val="tx1"/>
+                </a:solidFill>
+              </a:ln>
+            </p:spPr>
+            <p:style>
+              <a:lnRef idx="2">
+                <a:schemeClr val="accent1">
+                  <a:shade val="50000"/>
+                </a:schemeClr>
+              </a:lnRef>
+              <a:fillRef idx="1">
+                <a:schemeClr val="accent1"/>
+              </a:fillRef>
+              <a:effectRef idx="0">
+                <a:schemeClr val="accent1"/>
+              </a:effectRef>
+              <a:fontRef idx="minor">
+                <a:schemeClr val="lt1"/>
+              </a:fontRef>
+            </p:style>
+            <p:txBody>
+              <a:bodyPr rtlCol="0" anchor="ctr"/>
+              <a:lstStyle/>
+              <a:p>
+                <a:pPr algn="ctr"/>
+                <a:endParaRPr lang="nl-NL"/>
+              </a:p>
+            </p:txBody>
+          </p:sp>
+          <p:sp>
+            <p:nvSpPr>
+              <p:cNvPr id="132" name="Rectangle 131">
+                <a:extLst>
+                  <a:ext uri="{FF2B5EF4-FFF2-40B4-BE49-F238E27FC236}">
+                    <a16:creationId xmlns:a16="http://schemas.microsoft.com/office/drawing/2014/main" id="{C5D44FEA-FBC8-2C4B-821F-DEBED8DEE271}"/>
+                  </a:ext>
+                </a:extLst>
+              </p:cNvPr>
+              <p:cNvSpPr/>
+              <p:nvPr/>
+            </p:nvSpPr>
+            <p:spPr>
+              <a:xfrm>
+                <a:off x="3654028" y="1702679"/>
+                <a:ext cx="465796" cy="465796"/>
+              </a:xfrm>
+              <a:prstGeom prst="rect">
+                <a:avLst/>
+              </a:prstGeom>
+              <a:solidFill>
+                <a:schemeClr val="bg2"/>
+              </a:solidFill>
+              <a:ln>
+                <a:solidFill>
+                  <a:schemeClr val="tx1"/>
+                </a:solidFill>
+              </a:ln>
+            </p:spPr>
+            <p:style>
+              <a:lnRef idx="2">
+                <a:schemeClr val="accent1">
+                  <a:shade val="50000"/>
+                </a:schemeClr>
+              </a:lnRef>
+              <a:fillRef idx="1">
+                <a:schemeClr val="accent1"/>
+              </a:fillRef>
+              <a:effectRef idx="0">
+                <a:schemeClr val="accent1"/>
+              </a:effectRef>
+              <a:fontRef idx="minor">
+                <a:schemeClr val="lt1"/>
+              </a:fontRef>
+            </p:style>
+            <p:txBody>
+              <a:bodyPr rtlCol="0" anchor="ctr"/>
+              <a:lstStyle/>
+              <a:p>
+                <a:pPr algn="ctr"/>
+                <a:endParaRPr lang="nl-NL"/>
+              </a:p>
+            </p:txBody>
+          </p:sp>
+          <p:sp>
+            <p:nvSpPr>
+              <p:cNvPr id="133" name="Rectangle 132">
+                <a:extLst>
+                  <a:ext uri="{FF2B5EF4-FFF2-40B4-BE49-F238E27FC236}">
+                    <a16:creationId xmlns:a16="http://schemas.microsoft.com/office/drawing/2014/main" id="{8E85CCCA-CEF6-A84C-BB3B-669AA8341516}"/>
+                  </a:ext>
+                </a:extLst>
+              </p:cNvPr>
+              <p:cNvSpPr/>
+              <p:nvPr/>
+            </p:nvSpPr>
+            <p:spPr>
+              <a:xfrm>
+                <a:off x="2314121" y="2149315"/>
+                <a:ext cx="465796" cy="465796"/>
+              </a:xfrm>
+              <a:prstGeom prst="rect">
+                <a:avLst/>
+              </a:prstGeom>
+              <a:solidFill>
+                <a:schemeClr val="bg2"/>
+              </a:solidFill>
+              <a:ln>
+                <a:solidFill>
+                  <a:schemeClr val="tx1"/>
+                </a:solidFill>
+              </a:ln>
+            </p:spPr>
+            <p:style>
+              <a:lnRef idx="2">
+                <a:schemeClr val="accent1">
+                  <a:shade val="50000"/>
+                </a:schemeClr>
+              </a:lnRef>
+              <a:fillRef idx="1">
+                <a:schemeClr val="accent1"/>
+              </a:fillRef>
+              <a:effectRef idx="0">
+                <a:schemeClr val="accent1"/>
+              </a:effectRef>
+              <a:fontRef idx="minor">
+                <a:schemeClr val="lt1"/>
+              </a:fontRef>
+            </p:style>
+            <p:txBody>
+              <a:bodyPr rtlCol="0" anchor="ctr"/>
+              <a:lstStyle/>
+              <a:p>
+                <a:pPr algn="ctr"/>
+                <a:endParaRPr lang="nl-NL"/>
+              </a:p>
+            </p:txBody>
+          </p:sp>
+          <p:sp>
+            <p:nvSpPr>
+              <p:cNvPr id="134" name="Rectangle 133">
+                <a:extLst>
+                  <a:ext uri="{FF2B5EF4-FFF2-40B4-BE49-F238E27FC236}">
+                    <a16:creationId xmlns:a16="http://schemas.microsoft.com/office/drawing/2014/main" id="{BB403CA0-27FD-D441-9391-281E1B92A482}"/>
+                  </a:ext>
+                </a:extLst>
+              </p:cNvPr>
+              <p:cNvSpPr/>
+              <p:nvPr/>
+            </p:nvSpPr>
+            <p:spPr>
+              <a:xfrm>
+                <a:off x="2760757" y="2149315"/>
+                <a:ext cx="465796" cy="465796"/>
+              </a:xfrm>
+              <a:prstGeom prst="rect">
+                <a:avLst/>
+              </a:prstGeom>
+              <a:solidFill>
+                <a:schemeClr val="bg2"/>
+              </a:solidFill>
+              <a:ln>
+                <a:solidFill>
+                  <a:schemeClr val="tx1"/>
+                </a:solidFill>
+              </a:ln>
+            </p:spPr>
+            <p:style>
+              <a:lnRef idx="2">
+                <a:schemeClr val="accent1">
+                  <a:shade val="50000"/>
+                </a:schemeClr>
+              </a:lnRef>
+              <a:fillRef idx="1">
+                <a:schemeClr val="accent1"/>
+              </a:fillRef>
+              <a:effectRef idx="0">
+                <a:schemeClr val="accent1"/>
+              </a:effectRef>
+              <a:fontRef idx="minor">
+                <a:schemeClr val="lt1"/>
+              </a:fontRef>
+            </p:style>
+            <p:txBody>
+              <a:bodyPr rtlCol="0" anchor="ctr"/>
+              <a:lstStyle/>
+              <a:p>
+                <a:pPr algn="ctr"/>
+                <a:endParaRPr lang="nl-NL"/>
+              </a:p>
+            </p:txBody>
+          </p:sp>
+          <p:sp>
+            <p:nvSpPr>
+              <p:cNvPr id="135" name="Rectangle 134">
+                <a:extLst>
+                  <a:ext uri="{FF2B5EF4-FFF2-40B4-BE49-F238E27FC236}">
+                    <a16:creationId xmlns:a16="http://schemas.microsoft.com/office/drawing/2014/main" id="{C6CDD674-D8DE-EC40-9D65-BF6D963E7246}"/>
+                  </a:ext>
+                </a:extLst>
+              </p:cNvPr>
+              <p:cNvSpPr/>
+              <p:nvPr/>
+            </p:nvSpPr>
+            <p:spPr>
+              <a:xfrm>
+                <a:off x="2314121" y="2595950"/>
+                <a:ext cx="465796" cy="465796"/>
+              </a:xfrm>
+              <a:prstGeom prst="rect">
+                <a:avLst/>
+              </a:prstGeom>
+              <a:solidFill>
+                <a:schemeClr val="bg2"/>
+              </a:solidFill>
+              <a:ln>
+                <a:solidFill>
+                  <a:schemeClr val="tx1"/>
+                </a:solidFill>
+              </a:ln>
+            </p:spPr>
+            <p:style>
+              <a:lnRef idx="2">
+                <a:schemeClr val="accent1">
+                  <a:shade val="50000"/>
+                </a:schemeClr>
+              </a:lnRef>
+              <a:fillRef idx="1">
+                <a:schemeClr val="accent1"/>
+              </a:fillRef>
+              <a:effectRef idx="0">
+                <a:schemeClr val="accent1"/>
+              </a:effectRef>
+              <a:fontRef idx="minor">
+                <a:schemeClr val="lt1"/>
+              </a:fontRef>
+            </p:style>
+            <p:txBody>
+              <a:bodyPr rtlCol="0" anchor="ctr"/>
+              <a:lstStyle/>
+              <a:p>
+                <a:pPr algn="ctr"/>
+                <a:endParaRPr lang="nl-NL"/>
+              </a:p>
+            </p:txBody>
+          </p:sp>
+          <p:sp>
+            <p:nvSpPr>
+              <p:cNvPr id="136" name="Rectangle 135">
+                <a:extLst>
+                  <a:ext uri="{FF2B5EF4-FFF2-40B4-BE49-F238E27FC236}">
+                    <a16:creationId xmlns:a16="http://schemas.microsoft.com/office/drawing/2014/main" id="{0D350C29-B91F-DE45-87E5-BDD748638FF8}"/>
+                  </a:ext>
+                </a:extLst>
+              </p:cNvPr>
+              <p:cNvSpPr/>
+              <p:nvPr/>
+            </p:nvSpPr>
+            <p:spPr>
+              <a:xfrm>
+                <a:off x="2760757" y="2595950"/>
+                <a:ext cx="465796" cy="465796"/>
+              </a:xfrm>
+              <a:prstGeom prst="rect">
+                <a:avLst/>
+              </a:prstGeom>
+              <a:solidFill>
+                <a:schemeClr val="bg2"/>
+              </a:solidFill>
+              <a:ln>
+                <a:solidFill>
+                  <a:schemeClr val="tx1"/>
+                </a:solidFill>
+              </a:ln>
+            </p:spPr>
+            <p:style>
+              <a:lnRef idx="2">
+                <a:schemeClr val="accent1">
+                  <a:shade val="50000"/>
+                </a:schemeClr>
+              </a:lnRef>
+              <a:fillRef idx="1">
+                <a:schemeClr val="accent1"/>
+              </a:fillRef>
+              <a:effectRef idx="0">
+                <a:schemeClr val="accent1"/>
+              </a:effectRef>
+              <a:fontRef idx="minor">
+                <a:schemeClr val="lt1"/>
+              </a:fontRef>
+            </p:style>
+            <p:txBody>
+              <a:bodyPr rtlCol="0" anchor="ctr"/>
+              <a:lstStyle/>
+              <a:p>
+                <a:pPr algn="ctr"/>
+                <a:endParaRPr lang="nl-NL"/>
+              </a:p>
+            </p:txBody>
+          </p:sp>
+          <p:sp>
+            <p:nvSpPr>
+              <p:cNvPr id="137" name="Rectangle 136">
+                <a:extLst>
+                  <a:ext uri="{FF2B5EF4-FFF2-40B4-BE49-F238E27FC236}">
+                    <a16:creationId xmlns:a16="http://schemas.microsoft.com/office/drawing/2014/main" id="{35E952A5-FFB2-7640-9781-AD68D796A9BE}"/>
+                  </a:ext>
+                </a:extLst>
+              </p:cNvPr>
+              <p:cNvSpPr/>
+              <p:nvPr/>
+            </p:nvSpPr>
+            <p:spPr>
+              <a:xfrm>
+                <a:off x="3207393" y="2149315"/>
+                <a:ext cx="465796" cy="465796"/>
+              </a:xfrm>
+              <a:prstGeom prst="rect">
+                <a:avLst/>
+              </a:prstGeom>
+              <a:solidFill>
+                <a:schemeClr val="accent1"/>
+              </a:solidFill>
+              <a:ln>
+                <a:solidFill>
+                  <a:schemeClr val="tx1"/>
+                </a:solidFill>
+              </a:ln>
+            </p:spPr>
+            <p:style>
+              <a:lnRef idx="2">
+                <a:schemeClr val="accent1">
+                  <a:shade val="50000"/>
+                </a:schemeClr>
+              </a:lnRef>
+              <a:fillRef idx="1">
+                <a:schemeClr val="accent1"/>
+              </a:fillRef>
+              <a:effectRef idx="0">
+                <a:schemeClr val="accent1"/>
+              </a:effectRef>
+              <a:fontRef idx="minor">
+                <a:schemeClr val="lt1"/>
+              </a:fontRef>
+            </p:style>
+            <p:txBody>
+              <a:bodyPr rtlCol="0" anchor="ctr"/>
+              <a:lstStyle/>
+              <a:p>
+                <a:pPr algn="ctr"/>
+                <a:endParaRPr lang="nl-NL"/>
+              </a:p>
+            </p:txBody>
+          </p:sp>
+          <p:sp>
+            <p:nvSpPr>
+              <p:cNvPr id="138" name="Rectangle 137">
+                <a:extLst>
+                  <a:ext uri="{FF2B5EF4-FFF2-40B4-BE49-F238E27FC236}">
+                    <a16:creationId xmlns:a16="http://schemas.microsoft.com/office/drawing/2014/main" id="{B70EFE7D-6CC1-8242-A334-DE7E67FA482E}"/>
+                  </a:ext>
+                </a:extLst>
+              </p:cNvPr>
+              <p:cNvSpPr/>
+              <p:nvPr/>
+            </p:nvSpPr>
+            <p:spPr>
+              <a:xfrm>
+                <a:off x="3654028" y="2149315"/>
+                <a:ext cx="465796" cy="465796"/>
+              </a:xfrm>
+              <a:prstGeom prst="rect">
+                <a:avLst/>
+              </a:prstGeom>
+              <a:solidFill>
+                <a:schemeClr val="bg2"/>
+              </a:solidFill>
+              <a:ln>
+                <a:solidFill>
+                  <a:schemeClr val="tx1"/>
+                </a:solidFill>
+              </a:ln>
+            </p:spPr>
+            <p:style>
+              <a:lnRef idx="2">
+                <a:schemeClr val="accent1">
+                  <a:shade val="50000"/>
+                </a:schemeClr>
+              </a:lnRef>
+              <a:fillRef idx="1">
+                <a:schemeClr val="accent1"/>
+              </a:fillRef>
+              <a:effectRef idx="0">
+                <a:schemeClr val="accent1"/>
+              </a:effectRef>
+              <a:fontRef idx="minor">
+                <a:schemeClr val="lt1"/>
+              </a:fontRef>
+            </p:style>
+            <p:txBody>
+              <a:bodyPr rtlCol="0" anchor="ctr"/>
+              <a:lstStyle/>
+              <a:p>
+                <a:pPr algn="ctr"/>
+                <a:endParaRPr lang="nl-NL"/>
+              </a:p>
+            </p:txBody>
+          </p:sp>
+          <p:sp>
+            <p:nvSpPr>
+              <p:cNvPr id="139" name="Rectangle 138">
+                <a:extLst>
+                  <a:ext uri="{FF2B5EF4-FFF2-40B4-BE49-F238E27FC236}">
+                    <a16:creationId xmlns:a16="http://schemas.microsoft.com/office/drawing/2014/main" id="{4B2B07DB-8E2B-6147-B0B1-E79088348336}"/>
+                  </a:ext>
+                </a:extLst>
+              </p:cNvPr>
+              <p:cNvSpPr/>
+              <p:nvPr/>
+            </p:nvSpPr>
+            <p:spPr>
+              <a:xfrm>
+                <a:off x="3207393" y="2595950"/>
+                <a:ext cx="465796" cy="465796"/>
+              </a:xfrm>
+              <a:prstGeom prst="rect">
+                <a:avLst/>
+              </a:prstGeom>
+              <a:solidFill>
+                <a:schemeClr val="bg2"/>
+              </a:solidFill>
+              <a:ln>
+                <a:solidFill>
+                  <a:schemeClr val="tx1"/>
+                </a:solidFill>
+              </a:ln>
+            </p:spPr>
+            <p:style>
+              <a:lnRef idx="2">
+                <a:schemeClr val="accent1">
+                  <a:shade val="50000"/>
+                </a:schemeClr>
+              </a:lnRef>
+              <a:fillRef idx="1">
+                <a:schemeClr val="accent1"/>
+              </a:fillRef>
+              <a:effectRef idx="0">
+                <a:schemeClr val="accent1"/>
+              </a:effectRef>
+              <a:fontRef idx="minor">
+                <a:schemeClr val="lt1"/>
+              </a:fontRef>
+            </p:style>
+            <p:txBody>
+              <a:bodyPr rtlCol="0" anchor="ctr"/>
+              <a:lstStyle/>
+              <a:p>
+                <a:pPr algn="ctr"/>
+                <a:endParaRPr lang="nl-NL"/>
+              </a:p>
+            </p:txBody>
+          </p:sp>
+          <p:sp>
+            <p:nvSpPr>
+              <p:cNvPr id="140" name="Rectangle 139">
+                <a:extLst>
+                  <a:ext uri="{FF2B5EF4-FFF2-40B4-BE49-F238E27FC236}">
+                    <a16:creationId xmlns:a16="http://schemas.microsoft.com/office/drawing/2014/main" id="{5F0905A4-3D1F-3745-BCF0-DFB8459B2978}"/>
+                  </a:ext>
+                </a:extLst>
+              </p:cNvPr>
+              <p:cNvSpPr/>
+              <p:nvPr/>
+            </p:nvSpPr>
+            <p:spPr>
+              <a:xfrm>
+                <a:off x="3654028" y="2595950"/>
+                <a:ext cx="465796" cy="465796"/>
+              </a:xfrm>
+              <a:prstGeom prst="rect">
+                <a:avLst/>
+              </a:prstGeom>
+              <a:solidFill>
+                <a:schemeClr val="bg2"/>
+              </a:solidFill>
+              <a:ln>
+                <a:solidFill>
+                  <a:schemeClr val="tx1"/>
+                </a:solidFill>
+              </a:ln>
+            </p:spPr>
+            <p:style>
+              <a:lnRef idx="2">
+                <a:schemeClr val="accent1">
+                  <a:shade val="50000"/>
+                </a:schemeClr>
+              </a:lnRef>
+              <a:fillRef idx="1">
+                <a:schemeClr val="accent1"/>
+              </a:fillRef>
+              <a:effectRef idx="0">
+                <a:schemeClr val="accent1"/>
+              </a:effectRef>
+              <a:fontRef idx="minor">
+                <a:schemeClr val="lt1"/>
+              </a:fontRef>
+            </p:style>
+            <p:txBody>
+              <a:bodyPr rtlCol="0" anchor="ctr"/>
+              <a:lstStyle/>
+              <a:p>
+                <a:pPr algn="ctr"/>
+                <a:endParaRPr lang="nl-NL"/>
+              </a:p>
+            </p:txBody>
+          </p:sp>
+          <p:sp>
+            <p:nvSpPr>
+              <p:cNvPr id="142" name="Rectangle 141">
+                <a:extLst>
+                  <a:ext uri="{FF2B5EF4-FFF2-40B4-BE49-F238E27FC236}">
+                    <a16:creationId xmlns:a16="http://schemas.microsoft.com/office/drawing/2014/main" id="{3F5FB146-00CC-0F40-85EC-4C93FBD41D50}"/>
+                  </a:ext>
+                </a:extLst>
+              </p:cNvPr>
+              <p:cNvSpPr/>
+              <p:nvPr/>
+            </p:nvSpPr>
+            <p:spPr>
+              <a:xfrm>
+                <a:off x="2314121" y="3061746"/>
+                <a:ext cx="465796" cy="465796"/>
+              </a:xfrm>
+              <a:prstGeom prst="rect">
+                <a:avLst/>
+              </a:prstGeom>
+              <a:solidFill>
+                <a:schemeClr val="bg2"/>
+              </a:solidFill>
+              <a:ln>
+                <a:solidFill>
+                  <a:schemeClr val="tx1"/>
+                </a:solidFill>
+              </a:ln>
+            </p:spPr>
+            <p:style>
+              <a:lnRef idx="2">
+                <a:schemeClr val="accent1">
+                  <a:shade val="50000"/>
+                </a:schemeClr>
+              </a:lnRef>
+              <a:fillRef idx="1">
+                <a:schemeClr val="accent1"/>
+              </a:fillRef>
+              <a:effectRef idx="0">
+                <a:schemeClr val="accent1"/>
+              </a:effectRef>
+              <a:fontRef idx="minor">
+                <a:schemeClr val="lt1"/>
+              </a:fontRef>
+            </p:style>
+            <p:txBody>
+              <a:bodyPr rtlCol="0" anchor="ctr"/>
+              <a:lstStyle/>
+              <a:p>
+                <a:pPr algn="ctr"/>
+                <a:endParaRPr lang="nl-NL"/>
+              </a:p>
+            </p:txBody>
+          </p:sp>
+          <p:sp>
+            <p:nvSpPr>
+              <p:cNvPr id="143" name="Rectangle 142">
+                <a:extLst>
+                  <a:ext uri="{FF2B5EF4-FFF2-40B4-BE49-F238E27FC236}">
+                    <a16:creationId xmlns:a16="http://schemas.microsoft.com/office/drawing/2014/main" id="{95F36984-3ED9-5B42-89EA-6A088331FCEA}"/>
+                  </a:ext>
+                </a:extLst>
+              </p:cNvPr>
+              <p:cNvSpPr/>
+              <p:nvPr/>
+            </p:nvSpPr>
+            <p:spPr>
+              <a:xfrm>
+                <a:off x="2760757" y="3061746"/>
+                <a:ext cx="465796" cy="465796"/>
+              </a:xfrm>
+              <a:prstGeom prst="rect">
+                <a:avLst/>
+              </a:prstGeom>
+              <a:solidFill>
+                <a:schemeClr val="bg2"/>
+              </a:solidFill>
+              <a:ln>
+                <a:solidFill>
+                  <a:schemeClr val="tx1"/>
+                </a:solidFill>
+              </a:ln>
+            </p:spPr>
+            <p:style>
+              <a:lnRef idx="2">
+                <a:schemeClr val="accent1">
+                  <a:shade val="50000"/>
+                </a:schemeClr>
+              </a:lnRef>
+              <a:fillRef idx="1">
+                <a:schemeClr val="accent1"/>
+              </a:fillRef>
+              <a:effectRef idx="0">
+                <a:schemeClr val="accent1"/>
+              </a:effectRef>
+              <a:fontRef idx="minor">
+                <a:schemeClr val="lt1"/>
+              </a:fontRef>
+            </p:style>
+            <p:txBody>
+              <a:bodyPr rtlCol="0" anchor="ctr"/>
+              <a:lstStyle/>
+              <a:p>
+                <a:pPr algn="ctr"/>
+                <a:endParaRPr lang="nl-NL"/>
+              </a:p>
+            </p:txBody>
+          </p:sp>
+          <p:sp>
+            <p:nvSpPr>
+              <p:cNvPr id="144" name="Rectangle 143">
+                <a:extLst>
+                  <a:ext uri="{FF2B5EF4-FFF2-40B4-BE49-F238E27FC236}">
+                    <a16:creationId xmlns:a16="http://schemas.microsoft.com/office/drawing/2014/main" id="{EA11FED1-B29F-9141-9F08-3F39B8212CC0}"/>
+                  </a:ext>
+                </a:extLst>
+              </p:cNvPr>
+              <p:cNvSpPr/>
+              <p:nvPr/>
+            </p:nvSpPr>
+            <p:spPr>
+              <a:xfrm>
+                <a:off x="3207393" y="3061746"/>
+                <a:ext cx="465796" cy="465796"/>
+              </a:xfrm>
+              <a:prstGeom prst="rect">
+                <a:avLst/>
+              </a:prstGeom>
+              <a:solidFill>
+                <a:schemeClr val="bg2"/>
+              </a:solidFill>
+              <a:ln>
+                <a:solidFill>
+                  <a:schemeClr val="tx1"/>
+                </a:solidFill>
+              </a:ln>
+            </p:spPr>
+            <p:style>
+              <a:lnRef idx="2">
+                <a:schemeClr val="accent1">
+                  <a:shade val="50000"/>
+                </a:schemeClr>
+              </a:lnRef>
+              <a:fillRef idx="1">
+                <a:schemeClr val="accent1"/>
+              </a:fillRef>
+              <a:effectRef idx="0">
+                <a:schemeClr val="accent1"/>
+              </a:effectRef>
+              <a:fontRef idx="minor">
+                <a:schemeClr val="lt1"/>
+              </a:fontRef>
+            </p:style>
+            <p:txBody>
+              <a:bodyPr rtlCol="0" anchor="ctr"/>
+              <a:lstStyle/>
+              <a:p>
+                <a:pPr algn="ctr"/>
+                <a:endParaRPr lang="nl-NL"/>
+              </a:p>
+            </p:txBody>
+          </p:sp>
+          <p:sp>
+            <p:nvSpPr>
+              <p:cNvPr id="145" name="Rectangle 144">
+                <a:extLst>
+                  <a:ext uri="{FF2B5EF4-FFF2-40B4-BE49-F238E27FC236}">
+                    <a16:creationId xmlns:a16="http://schemas.microsoft.com/office/drawing/2014/main" id="{444C5158-A171-A344-AEDF-2DF3FF7A2D4B}"/>
+                  </a:ext>
+                </a:extLst>
+              </p:cNvPr>
+              <p:cNvSpPr/>
+              <p:nvPr/>
+            </p:nvSpPr>
+            <p:spPr>
+              <a:xfrm>
+                <a:off x="3654028" y="3061746"/>
+                <a:ext cx="465796" cy="465796"/>
+              </a:xfrm>
+              <a:prstGeom prst="rect">
+                <a:avLst/>
+              </a:prstGeom>
+              <a:solidFill>
+                <a:schemeClr val="bg2"/>
+              </a:solidFill>
+              <a:ln>
+                <a:solidFill>
+                  <a:schemeClr val="tx1"/>
+                </a:solidFill>
+              </a:ln>
+            </p:spPr>
+            <p:style>
+              <a:lnRef idx="2">
+                <a:schemeClr val="accent1">
+                  <a:shade val="50000"/>
+                </a:schemeClr>
+              </a:lnRef>
+              <a:fillRef idx="1">
+                <a:schemeClr val="accent1"/>
+              </a:fillRef>
+              <a:effectRef idx="0">
+                <a:schemeClr val="accent1"/>
+              </a:effectRef>
+              <a:fontRef idx="minor">
+                <a:schemeClr val="lt1"/>
+              </a:fontRef>
+            </p:style>
+            <p:txBody>
+              <a:bodyPr rtlCol="0" anchor="ctr"/>
+              <a:lstStyle/>
+              <a:p>
+                <a:pPr algn="ctr"/>
+                <a:endParaRPr lang="nl-NL"/>
+              </a:p>
+            </p:txBody>
+          </p:sp>
+          <p:sp>
+            <p:nvSpPr>
+              <p:cNvPr id="156" name="Rectangle 155">
+                <a:extLst>
+                  <a:ext uri="{FF2B5EF4-FFF2-40B4-BE49-F238E27FC236}">
+                    <a16:creationId xmlns:a16="http://schemas.microsoft.com/office/drawing/2014/main" id="{B389EFA4-E169-DD47-9D1A-49A5776F05A8}"/>
+                  </a:ext>
+                </a:extLst>
+              </p:cNvPr>
+              <p:cNvSpPr/>
+              <p:nvPr/>
+            </p:nvSpPr>
+            <p:spPr>
+              <a:xfrm>
+                <a:off x="4119824" y="1256043"/>
+                <a:ext cx="465796" cy="465796"/>
+              </a:xfrm>
+              <a:prstGeom prst="rect">
+                <a:avLst/>
+              </a:prstGeom>
+              <a:solidFill>
+                <a:schemeClr val="bg2"/>
+              </a:solidFill>
+              <a:ln>
+                <a:solidFill>
+                  <a:schemeClr val="tx1"/>
+                </a:solidFill>
+              </a:ln>
+            </p:spPr>
+            <p:style>
+              <a:lnRef idx="2">
+                <a:schemeClr val="accent1">
+                  <a:shade val="50000"/>
+                </a:schemeClr>
+              </a:lnRef>
+              <a:fillRef idx="1">
+                <a:schemeClr val="accent1"/>
+              </a:fillRef>
+              <a:effectRef idx="0">
+                <a:schemeClr val="accent1"/>
+              </a:effectRef>
+              <a:fontRef idx="minor">
+                <a:schemeClr val="lt1"/>
+              </a:fontRef>
+            </p:style>
+            <p:txBody>
+              <a:bodyPr rtlCol="0" anchor="ctr"/>
+              <a:lstStyle/>
+              <a:p>
+                <a:pPr algn="ctr"/>
+                <a:endParaRPr lang="nl-NL"/>
+              </a:p>
+            </p:txBody>
+          </p:sp>
+          <p:sp>
+            <p:nvSpPr>
+              <p:cNvPr id="157" name="Rectangle 156">
+                <a:extLst>
+                  <a:ext uri="{FF2B5EF4-FFF2-40B4-BE49-F238E27FC236}">
+                    <a16:creationId xmlns:a16="http://schemas.microsoft.com/office/drawing/2014/main" id="{F5BD2FB9-1EB3-A642-BEAC-A7ADEC63AD33}"/>
+                  </a:ext>
+                </a:extLst>
+              </p:cNvPr>
+              <p:cNvSpPr/>
+              <p:nvPr/>
+            </p:nvSpPr>
+            <p:spPr>
+              <a:xfrm>
+                <a:off x="4119824" y="1702679"/>
+                <a:ext cx="465796" cy="465796"/>
+              </a:xfrm>
+              <a:prstGeom prst="rect">
+                <a:avLst/>
+              </a:prstGeom>
+              <a:solidFill>
+                <a:schemeClr val="bg2"/>
+              </a:solidFill>
+              <a:ln>
+                <a:solidFill>
+                  <a:schemeClr val="tx1"/>
+                </a:solidFill>
+              </a:ln>
+            </p:spPr>
+            <p:style>
+              <a:lnRef idx="2">
+                <a:schemeClr val="accent1">
+                  <a:shade val="50000"/>
+                </a:schemeClr>
+              </a:lnRef>
+              <a:fillRef idx="1">
+                <a:schemeClr val="accent1"/>
+              </a:fillRef>
+              <a:effectRef idx="0">
+                <a:schemeClr val="accent1"/>
+              </a:effectRef>
+              <a:fontRef idx="minor">
+                <a:schemeClr val="lt1"/>
+              </a:fontRef>
+            </p:style>
+            <p:txBody>
+              <a:bodyPr rtlCol="0" anchor="ctr"/>
+              <a:lstStyle/>
+              <a:p>
+                <a:pPr algn="ctr"/>
+                <a:endParaRPr lang="nl-NL"/>
+              </a:p>
+            </p:txBody>
+          </p:sp>
+          <p:sp>
+            <p:nvSpPr>
+              <p:cNvPr id="158" name="Rectangle 157">
+                <a:extLst>
+                  <a:ext uri="{FF2B5EF4-FFF2-40B4-BE49-F238E27FC236}">
+                    <a16:creationId xmlns:a16="http://schemas.microsoft.com/office/drawing/2014/main" id="{4E5E37B3-F6E6-C54A-9EE8-28B470F687E1}"/>
+                  </a:ext>
+                </a:extLst>
+              </p:cNvPr>
+              <p:cNvSpPr/>
+              <p:nvPr/>
+            </p:nvSpPr>
+            <p:spPr>
+              <a:xfrm>
+                <a:off x="4119824" y="2149315"/>
+                <a:ext cx="465796" cy="465796"/>
+              </a:xfrm>
+              <a:prstGeom prst="rect">
+                <a:avLst/>
+              </a:prstGeom>
+              <a:solidFill>
+                <a:schemeClr val="accent2"/>
+              </a:solidFill>
+              <a:ln>
+                <a:solidFill>
+                  <a:schemeClr val="tx1"/>
+                </a:solidFill>
+              </a:ln>
+            </p:spPr>
+            <p:style>
+              <a:lnRef idx="2">
+                <a:schemeClr val="accent1">
+                  <a:shade val="50000"/>
+                </a:schemeClr>
+              </a:lnRef>
+              <a:fillRef idx="1">
+                <a:schemeClr val="accent1"/>
+              </a:fillRef>
+              <a:effectRef idx="0">
+                <a:schemeClr val="accent1"/>
+              </a:effectRef>
+              <a:fontRef idx="minor">
+                <a:schemeClr val="lt1"/>
+              </a:fontRef>
+            </p:style>
+            <p:txBody>
+              <a:bodyPr rtlCol="0" anchor="ctr"/>
+              <a:lstStyle/>
+              <a:p>
+                <a:pPr algn="ctr"/>
+                <a:endParaRPr lang="nl-NL"/>
+              </a:p>
+            </p:txBody>
+          </p:sp>
+          <p:sp>
+            <p:nvSpPr>
+              <p:cNvPr id="159" name="Rectangle 158">
+                <a:extLst>
+                  <a:ext uri="{FF2B5EF4-FFF2-40B4-BE49-F238E27FC236}">
+                    <a16:creationId xmlns:a16="http://schemas.microsoft.com/office/drawing/2014/main" id="{365BD173-5B89-9F42-B54D-E64C2CD27033}"/>
+                  </a:ext>
+                </a:extLst>
+              </p:cNvPr>
+              <p:cNvSpPr/>
+              <p:nvPr/>
+            </p:nvSpPr>
+            <p:spPr>
+              <a:xfrm>
+                <a:off x="4119824" y="2595950"/>
+                <a:ext cx="465796" cy="465796"/>
+              </a:xfrm>
+              <a:prstGeom prst="rect">
+                <a:avLst/>
+              </a:prstGeom>
+              <a:solidFill>
+                <a:schemeClr val="bg2"/>
+              </a:solidFill>
+              <a:ln>
+                <a:solidFill>
+                  <a:schemeClr val="tx1"/>
+                </a:solidFill>
+              </a:ln>
+            </p:spPr>
+            <p:style>
+              <a:lnRef idx="2">
+                <a:schemeClr val="accent1">
+                  <a:shade val="50000"/>
+                </a:schemeClr>
+              </a:lnRef>
+              <a:fillRef idx="1">
+                <a:schemeClr val="accent1"/>
+              </a:fillRef>
+              <a:effectRef idx="0">
+                <a:schemeClr val="accent1"/>
+              </a:effectRef>
+              <a:fontRef idx="minor">
+                <a:schemeClr val="lt1"/>
+              </a:fontRef>
+            </p:style>
+            <p:txBody>
+              <a:bodyPr rtlCol="0" anchor="ctr"/>
+              <a:lstStyle/>
+              <a:p>
+                <a:pPr algn="ctr"/>
+                <a:endParaRPr lang="nl-NL"/>
+              </a:p>
+            </p:txBody>
+          </p:sp>
+          <p:sp>
+            <p:nvSpPr>
+              <p:cNvPr id="160" name="Rectangle 159">
+                <a:extLst>
+                  <a:ext uri="{FF2B5EF4-FFF2-40B4-BE49-F238E27FC236}">
+                    <a16:creationId xmlns:a16="http://schemas.microsoft.com/office/drawing/2014/main" id="{999B767B-CA82-A94F-87B0-331840614BBB}"/>
+                  </a:ext>
+                </a:extLst>
+              </p:cNvPr>
+              <p:cNvSpPr/>
+              <p:nvPr/>
+            </p:nvSpPr>
+            <p:spPr>
+              <a:xfrm>
+                <a:off x="4119824" y="3061746"/>
+                <a:ext cx="465796" cy="465796"/>
+              </a:xfrm>
+              <a:prstGeom prst="rect">
+                <a:avLst/>
+              </a:prstGeom>
+              <a:solidFill>
+                <a:schemeClr val="bg2"/>
+              </a:solidFill>
+              <a:ln>
+                <a:solidFill>
+                  <a:schemeClr val="tx1"/>
+                </a:solidFill>
+              </a:ln>
+            </p:spPr>
+            <p:style>
+              <a:lnRef idx="2">
+                <a:schemeClr val="accent1">
+                  <a:shade val="50000"/>
+                </a:schemeClr>
+              </a:lnRef>
+              <a:fillRef idx="1">
+                <a:schemeClr val="accent1"/>
+              </a:fillRef>
+              <a:effectRef idx="0">
+                <a:schemeClr val="accent1"/>
+              </a:effectRef>
+              <a:fontRef idx="minor">
+                <a:schemeClr val="lt1"/>
+              </a:fontRef>
+            </p:style>
+            <p:txBody>
+              <a:bodyPr rtlCol="0" anchor="ctr"/>
+              <a:lstStyle/>
+              <a:p>
+                <a:pPr algn="ctr"/>
+                <a:endParaRPr lang="nl-NL"/>
+              </a:p>
+            </p:txBody>
+          </p:sp>
+          <p:sp>
+            <p:nvSpPr>
+              <p:cNvPr id="162" name="Rectangle 161">
+                <a:extLst>
+                  <a:ext uri="{FF2B5EF4-FFF2-40B4-BE49-F238E27FC236}">
+                    <a16:creationId xmlns:a16="http://schemas.microsoft.com/office/drawing/2014/main" id="{2E32BD07-B327-FE4D-810A-7BB115133F33}"/>
+                  </a:ext>
+                </a:extLst>
+              </p:cNvPr>
+              <p:cNvSpPr/>
+              <p:nvPr/>
+            </p:nvSpPr>
+            <p:spPr>
+              <a:xfrm>
+                <a:off x="4585620" y="1256042"/>
+                <a:ext cx="438131" cy="446637"/>
+              </a:xfrm>
+              <a:prstGeom prst="rect">
+                <a:avLst/>
+              </a:prstGeom>
+              <a:solidFill>
+                <a:schemeClr val="bg2"/>
+              </a:solidFill>
+              <a:ln>
+                <a:solidFill>
+                  <a:schemeClr val="tx1"/>
+                </a:solidFill>
+              </a:ln>
+            </p:spPr>
+            <p:style>
+              <a:lnRef idx="2">
+                <a:schemeClr val="accent1">
+                  <a:shade val="50000"/>
+                </a:schemeClr>
+              </a:lnRef>
+              <a:fillRef idx="1">
+                <a:schemeClr val="accent1"/>
+              </a:fillRef>
+              <a:effectRef idx="0">
+                <a:schemeClr val="accent1"/>
+              </a:effectRef>
+              <a:fontRef idx="minor">
+                <a:schemeClr val="lt1"/>
+              </a:fontRef>
+            </p:style>
+            <p:txBody>
+              <a:bodyPr rtlCol="0" anchor="ctr"/>
+              <a:lstStyle/>
+              <a:p>
+                <a:pPr algn="ctr"/>
+                <a:endParaRPr lang="nl-NL"/>
+              </a:p>
+            </p:txBody>
+          </p:sp>
+          <p:sp>
+            <p:nvSpPr>
+              <p:cNvPr id="166" name="Rectangle 165">
+                <a:extLst>
+                  <a:ext uri="{FF2B5EF4-FFF2-40B4-BE49-F238E27FC236}">
+                    <a16:creationId xmlns:a16="http://schemas.microsoft.com/office/drawing/2014/main" id="{ACE720C1-25A9-054C-9DEA-B0B319E74408}"/>
+                  </a:ext>
+                </a:extLst>
+              </p:cNvPr>
+              <p:cNvSpPr/>
+              <p:nvPr/>
+            </p:nvSpPr>
+            <p:spPr>
+              <a:xfrm>
+                <a:off x="4585619" y="2595950"/>
+                <a:ext cx="438131" cy="465796"/>
+              </a:xfrm>
+              <a:prstGeom prst="rect">
+                <a:avLst/>
+              </a:prstGeom>
+              <a:solidFill>
+                <a:schemeClr val="bg2"/>
+              </a:solidFill>
+              <a:ln>
+                <a:solidFill>
+                  <a:schemeClr val="tx1"/>
+                </a:solidFill>
+              </a:ln>
+            </p:spPr>
+            <p:style>
+              <a:lnRef idx="2">
+                <a:schemeClr val="accent1">
+                  <a:shade val="50000"/>
+                </a:schemeClr>
+              </a:lnRef>
+              <a:fillRef idx="1">
+                <a:schemeClr val="accent1"/>
+              </a:fillRef>
+              <a:effectRef idx="0">
+                <a:schemeClr val="accent1"/>
+              </a:effectRef>
+              <a:fontRef idx="minor">
+                <a:schemeClr val="lt1"/>
+              </a:fontRef>
+            </p:style>
+            <p:txBody>
+              <a:bodyPr rtlCol="0" anchor="ctr"/>
+              <a:lstStyle/>
+              <a:p>
+                <a:pPr algn="ctr"/>
+                <a:endParaRPr lang="nl-NL"/>
+              </a:p>
+            </p:txBody>
+          </p:sp>
+          <p:sp>
+            <p:nvSpPr>
+              <p:cNvPr id="167" name="Rectangle 166">
+                <a:extLst>
+                  <a:ext uri="{FF2B5EF4-FFF2-40B4-BE49-F238E27FC236}">
+                    <a16:creationId xmlns:a16="http://schemas.microsoft.com/office/drawing/2014/main" id="{7264A9F4-DEAB-074B-B905-C05E3D85DA25}"/>
+                  </a:ext>
+                </a:extLst>
+              </p:cNvPr>
+              <p:cNvSpPr/>
+              <p:nvPr/>
+            </p:nvSpPr>
+            <p:spPr>
+              <a:xfrm>
+                <a:off x="4585618" y="3061746"/>
+                <a:ext cx="438131" cy="465796"/>
+              </a:xfrm>
+              <a:prstGeom prst="rect">
+                <a:avLst/>
+              </a:prstGeom>
+              <a:solidFill>
+                <a:schemeClr val="bg2"/>
+              </a:solidFill>
+              <a:ln>
+                <a:solidFill>
+                  <a:schemeClr val="tx1"/>
+                </a:solidFill>
+              </a:ln>
+            </p:spPr>
+            <p:style>
+              <a:lnRef idx="2">
+                <a:schemeClr val="accent1">
+                  <a:shade val="50000"/>
+                </a:schemeClr>
+              </a:lnRef>
+              <a:fillRef idx="1">
+                <a:schemeClr val="accent1"/>
+              </a:fillRef>
+              <a:effectRef idx="0">
+                <a:schemeClr val="accent1"/>
+              </a:effectRef>
+              <a:fontRef idx="minor">
+                <a:schemeClr val="lt1"/>
+              </a:fontRef>
+            </p:style>
+            <p:txBody>
+              <a:bodyPr rtlCol="0" anchor="ctr"/>
+              <a:lstStyle/>
+              <a:p>
+                <a:pPr algn="ctr"/>
+                <a:endParaRPr lang="nl-NL"/>
+              </a:p>
+            </p:txBody>
+          </p:sp>
+          <p:sp>
+            <p:nvSpPr>
+              <p:cNvPr id="169" name="Rectangle 168">
+                <a:extLst>
+                  <a:ext uri="{FF2B5EF4-FFF2-40B4-BE49-F238E27FC236}">
+                    <a16:creationId xmlns:a16="http://schemas.microsoft.com/office/drawing/2014/main" id="{C734A7C9-0B23-6A48-AB0F-B832D2987B04}"/>
+                  </a:ext>
+                </a:extLst>
+              </p:cNvPr>
+              <p:cNvSpPr/>
+              <p:nvPr/>
+            </p:nvSpPr>
+            <p:spPr>
+              <a:xfrm>
+                <a:off x="4585618" y="2145684"/>
+                <a:ext cx="438131" cy="450266"/>
+              </a:xfrm>
+              <a:prstGeom prst="rect">
+                <a:avLst/>
+              </a:prstGeom>
+              <a:solidFill>
+                <a:schemeClr val="bg2"/>
+              </a:solidFill>
+              <a:ln>
+                <a:solidFill>
+                  <a:schemeClr val="tx1"/>
+                </a:solidFill>
+              </a:ln>
+            </p:spPr>
+            <p:style>
+              <a:lnRef idx="2">
+                <a:schemeClr val="accent1">
+                  <a:shade val="50000"/>
+                </a:schemeClr>
+              </a:lnRef>
+              <a:fillRef idx="1">
+                <a:schemeClr val="accent1"/>
+              </a:fillRef>
+              <a:effectRef idx="0">
+                <a:schemeClr val="accent1"/>
+              </a:effectRef>
+              <a:fontRef idx="minor">
+                <a:schemeClr val="lt1"/>
+              </a:fontRef>
+            </p:style>
+            <p:txBody>
+              <a:bodyPr rtlCol="0" anchor="ctr"/>
+              <a:lstStyle/>
+              <a:p>
+                <a:pPr algn="ctr"/>
+                <a:endParaRPr lang="nl-NL"/>
+              </a:p>
+            </p:txBody>
+          </p:sp>
+          <p:sp>
+            <p:nvSpPr>
+              <p:cNvPr id="170" name="Rectangle 169">
+                <a:extLst>
+                  <a:ext uri="{FF2B5EF4-FFF2-40B4-BE49-F238E27FC236}">
+                    <a16:creationId xmlns:a16="http://schemas.microsoft.com/office/drawing/2014/main" id="{E86662CA-8BCB-484D-B792-DF7E0BEA5360}"/>
+                  </a:ext>
+                </a:extLst>
+              </p:cNvPr>
+              <p:cNvSpPr/>
+              <p:nvPr/>
+            </p:nvSpPr>
+            <p:spPr>
+              <a:xfrm>
+                <a:off x="4585618" y="1702679"/>
+                <a:ext cx="438131" cy="443005"/>
+              </a:xfrm>
+              <a:prstGeom prst="rect">
+                <a:avLst/>
+              </a:prstGeom>
+              <a:solidFill>
+                <a:schemeClr val="bg2"/>
+              </a:solidFill>
+              <a:ln>
+                <a:solidFill>
+                  <a:schemeClr val="tx1"/>
+                </a:solidFill>
+              </a:ln>
+            </p:spPr>
+            <p:style>
+              <a:lnRef idx="2">
+                <a:schemeClr val="accent1">
+                  <a:shade val="50000"/>
+                </a:schemeClr>
+              </a:lnRef>
+              <a:fillRef idx="1">
+                <a:schemeClr val="accent1"/>
+              </a:fillRef>
+              <a:effectRef idx="0">
+                <a:schemeClr val="accent1"/>
+              </a:effectRef>
+              <a:fontRef idx="minor">
+                <a:schemeClr val="lt1"/>
+              </a:fontRef>
+            </p:style>
+            <p:txBody>
+              <a:bodyPr rtlCol="0" anchor="ctr"/>
+              <a:lstStyle/>
+              <a:p>
+                <a:pPr algn="ctr"/>
+                <a:endParaRPr lang="nl-NL"/>
+              </a:p>
+            </p:txBody>
+          </p:sp>
+          <p:sp>
+            <p:nvSpPr>
+              <p:cNvPr id="47" name="Rectangle 46">
+                <a:extLst>
+                  <a:ext uri="{FF2B5EF4-FFF2-40B4-BE49-F238E27FC236}">
+                    <a16:creationId xmlns:a16="http://schemas.microsoft.com/office/drawing/2014/main" id="{6D7C2034-1FD5-1F4E-A08C-75B448DE343B}"/>
+                  </a:ext>
+                </a:extLst>
+              </p:cNvPr>
+              <p:cNvSpPr/>
+              <p:nvPr/>
+            </p:nvSpPr>
+            <p:spPr>
+              <a:xfrm>
+                <a:off x="2773644" y="1702680"/>
+                <a:ext cx="1364373" cy="1365558"/>
+              </a:xfrm>
+              <a:prstGeom prst="rect">
+                <a:avLst/>
+              </a:prstGeom>
+              <a:noFill/>
+              <a:ln w="38100">
+                <a:solidFill>
+                  <a:schemeClr val="tx1"/>
+                </a:solidFill>
+              </a:ln>
+            </p:spPr>
+            <p:style>
+              <a:lnRef idx="2">
+                <a:schemeClr val="accent1">
+                  <a:shade val="50000"/>
+                </a:schemeClr>
+              </a:lnRef>
+              <a:fillRef idx="1">
+                <a:schemeClr val="accent1"/>
+              </a:fillRef>
+              <a:effectRef idx="0">
+                <a:schemeClr val="accent1"/>
+              </a:effectRef>
+              <a:fontRef idx="minor">
+                <a:schemeClr val="lt1"/>
+              </a:fontRef>
+            </p:style>
+            <p:txBody>
+              <a:bodyPr rtlCol="0" anchor="ctr"/>
+              <a:lstStyle/>
+              <a:p>
+                <a:pPr algn="ctr"/>
+                <a:endParaRPr lang="nl-NL"/>
+              </a:p>
+            </p:txBody>
+          </p:sp>
+          <p:sp>
+            <p:nvSpPr>
+              <p:cNvPr id="172" name="Rectangle 171">
+                <a:extLst>
+                  <a:ext uri="{FF2B5EF4-FFF2-40B4-BE49-F238E27FC236}">
+                    <a16:creationId xmlns:a16="http://schemas.microsoft.com/office/drawing/2014/main" id="{5466FD73-0630-AC41-878D-A4A8111AE8D3}"/>
+                  </a:ext>
+                </a:extLst>
+              </p:cNvPr>
+              <p:cNvSpPr/>
+              <p:nvPr/>
+            </p:nvSpPr>
+            <p:spPr>
+              <a:xfrm>
+                <a:off x="5017724" y="1256042"/>
+                <a:ext cx="438131" cy="446637"/>
+              </a:xfrm>
+              <a:prstGeom prst="rect">
+                <a:avLst/>
+              </a:prstGeom>
+              <a:solidFill>
+                <a:schemeClr val="bg2"/>
+              </a:solidFill>
+              <a:ln>
+                <a:solidFill>
+                  <a:schemeClr val="tx1"/>
+                </a:solidFill>
+              </a:ln>
+            </p:spPr>
+            <p:style>
+              <a:lnRef idx="2">
+                <a:schemeClr val="accent1">
+                  <a:shade val="50000"/>
+                </a:schemeClr>
+              </a:lnRef>
+              <a:fillRef idx="1">
+                <a:schemeClr val="accent1"/>
+              </a:fillRef>
+              <a:effectRef idx="0">
+                <a:schemeClr val="accent1"/>
+              </a:effectRef>
+              <a:fontRef idx="minor">
+                <a:schemeClr val="lt1"/>
+              </a:fontRef>
+            </p:style>
+            <p:txBody>
+              <a:bodyPr rtlCol="0" anchor="ctr"/>
+              <a:lstStyle/>
+              <a:p>
+                <a:pPr algn="ctr"/>
+                <a:endParaRPr lang="nl-NL"/>
+              </a:p>
+            </p:txBody>
+          </p:sp>
+          <p:sp>
+            <p:nvSpPr>
+              <p:cNvPr id="173" name="Rectangle 172">
+                <a:extLst>
+                  <a:ext uri="{FF2B5EF4-FFF2-40B4-BE49-F238E27FC236}">
+                    <a16:creationId xmlns:a16="http://schemas.microsoft.com/office/drawing/2014/main" id="{740DF759-0EC2-AB49-8E09-8A0B40D388FB}"/>
+                  </a:ext>
+                </a:extLst>
+              </p:cNvPr>
+              <p:cNvSpPr/>
+              <p:nvPr/>
+            </p:nvSpPr>
+            <p:spPr>
+              <a:xfrm>
+                <a:off x="5017723" y="2595950"/>
+                <a:ext cx="438131" cy="465796"/>
+              </a:xfrm>
+              <a:prstGeom prst="rect">
+                <a:avLst/>
+              </a:prstGeom>
+              <a:solidFill>
+                <a:schemeClr val="bg2"/>
+              </a:solidFill>
+              <a:ln>
+                <a:solidFill>
+                  <a:schemeClr val="tx1"/>
+                </a:solidFill>
+              </a:ln>
+            </p:spPr>
+            <p:style>
+              <a:lnRef idx="2">
+                <a:schemeClr val="accent1">
+                  <a:shade val="50000"/>
+                </a:schemeClr>
+              </a:lnRef>
+              <a:fillRef idx="1">
+                <a:schemeClr val="accent1"/>
+              </a:fillRef>
+              <a:effectRef idx="0">
+                <a:schemeClr val="accent1"/>
+              </a:effectRef>
+              <a:fontRef idx="minor">
+                <a:schemeClr val="lt1"/>
+              </a:fontRef>
+            </p:style>
+            <p:txBody>
+              <a:bodyPr rtlCol="0" anchor="ctr"/>
+              <a:lstStyle/>
+              <a:p>
+                <a:pPr algn="ctr"/>
+                <a:endParaRPr lang="nl-NL"/>
+              </a:p>
+            </p:txBody>
+          </p:sp>
+          <p:sp>
+            <p:nvSpPr>
+              <p:cNvPr id="174" name="Rectangle 173">
+                <a:extLst>
+                  <a:ext uri="{FF2B5EF4-FFF2-40B4-BE49-F238E27FC236}">
+                    <a16:creationId xmlns:a16="http://schemas.microsoft.com/office/drawing/2014/main" id="{37A9DE22-2D06-5B48-910C-F8DAAFAB4B0D}"/>
+                  </a:ext>
+                </a:extLst>
+              </p:cNvPr>
+              <p:cNvSpPr/>
+              <p:nvPr/>
+            </p:nvSpPr>
+            <p:spPr>
+              <a:xfrm>
+                <a:off x="5017722" y="3061746"/>
+                <a:ext cx="438131" cy="465796"/>
+              </a:xfrm>
+              <a:prstGeom prst="rect">
+                <a:avLst/>
+              </a:prstGeom>
+              <a:solidFill>
+                <a:schemeClr val="bg2"/>
+              </a:solidFill>
+              <a:ln>
+                <a:solidFill>
+                  <a:schemeClr val="tx1"/>
+                </a:solidFill>
+              </a:ln>
+            </p:spPr>
+            <p:style>
+              <a:lnRef idx="2">
+                <a:schemeClr val="accent1">
+                  <a:shade val="50000"/>
+                </a:schemeClr>
+              </a:lnRef>
+              <a:fillRef idx="1">
+                <a:schemeClr val="accent1"/>
+              </a:fillRef>
+              <a:effectRef idx="0">
+                <a:schemeClr val="accent1"/>
+              </a:effectRef>
+              <a:fontRef idx="minor">
+                <a:schemeClr val="lt1"/>
+              </a:fontRef>
+            </p:style>
+            <p:txBody>
+              <a:bodyPr rtlCol="0" anchor="ctr"/>
+              <a:lstStyle/>
+              <a:p>
+                <a:pPr algn="ctr"/>
+                <a:endParaRPr lang="nl-NL"/>
+              </a:p>
+            </p:txBody>
+          </p:sp>
+          <p:sp>
+            <p:nvSpPr>
+              <p:cNvPr id="175" name="Rectangle 174">
+                <a:extLst>
+                  <a:ext uri="{FF2B5EF4-FFF2-40B4-BE49-F238E27FC236}">
+                    <a16:creationId xmlns:a16="http://schemas.microsoft.com/office/drawing/2014/main" id="{34F230A9-9DAD-2B47-82C1-1CD4B3D37E5D}"/>
+                  </a:ext>
+                </a:extLst>
+              </p:cNvPr>
+              <p:cNvSpPr/>
+              <p:nvPr/>
+            </p:nvSpPr>
+            <p:spPr>
+              <a:xfrm>
+                <a:off x="5017722" y="2145684"/>
+                <a:ext cx="438131" cy="450266"/>
+              </a:xfrm>
+              <a:prstGeom prst="rect">
+                <a:avLst/>
+              </a:prstGeom>
+              <a:solidFill>
+                <a:schemeClr val="bg2"/>
+              </a:solidFill>
+              <a:ln>
+                <a:solidFill>
+                  <a:schemeClr val="tx1"/>
+                </a:solidFill>
+              </a:ln>
+            </p:spPr>
+            <p:style>
+              <a:lnRef idx="2">
+                <a:schemeClr val="accent1">
+                  <a:shade val="50000"/>
+                </a:schemeClr>
+              </a:lnRef>
+              <a:fillRef idx="1">
+                <a:schemeClr val="accent1"/>
+              </a:fillRef>
+              <a:effectRef idx="0">
+                <a:schemeClr val="accent1"/>
+              </a:effectRef>
+              <a:fontRef idx="minor">
+                <a:schemeClr val="lt1"/>
+              </a:fontRef>
+            </p:style>
+            <p:txBody>
+              <a:bodyPr rtlCol="0" anchor="ctr"/>
+              <a:lstStyle/>
+              <a:p>
+                <a:pPr algn="ctr"/>
+                <a:endParaRPr lang="nl-NL"/>
+              </a:p>
+            </p:txBody>
+          </p:sp>
+          <p:sp>
+            <p:nvSpPr>
+              <p:cNvPr id="176" name="Rectangle 175">
+                <a:extLst>
+                  <a:ext uri="{FF2B5EF4-FFF2-40B4-BE49-F238E27FC236}">
+                    <a16:creationId xmlns:a16="http://schemas.microsoft.com/office/drawing/2014/main" id="{7B363D8A-96F3-2047-9BD1-95F26FD82020}"/>
+                  </a:ext>
+                </a:extLst>
+              </p:cNvPr>
+              <p:cNvSpPr/>
+              <p:nvPr/>
+            </p:nvSpPr>
+            <p:spPr>
+              <a:xfrm>
+                <a:off x="5017722" y="1702679"/>
+                <a:ext cx="438131" cy="443005"/>
+              </a:xfrm>
+              <a:prstGeom prst="rect">
+                <a:avLst/>
+              </a:prstGeom>
+              <a:solidFill>
+                <a:schemeClr val="bg2"/>
+              </a:solidFill>
+              <a:ln>
+                <a:solidFill>
+                  <a:schemeClr val="tx1"/>
+                </a:solidFill>
+              </a:ln>
+            </p:spPr>
+            <p:style>
+              <a:lnRef idx="2">
+                <a:schemeClr val="accent1">
+                  <a:shade val="50000"/>
+                </a:schemeClr>
+              </a:lnRef>
+              <a:fillRef idx="1">
+                <a:schemeClr val="accent1"/>
+              </a:fillRef>
+              <a:effectRef idx="0">
+                <a:schemeClr val="accent1"/>
+              </a:effectRef>
+              <a:fontRef idx="minor">
+                <a:schemeClr val="lt1"/>
+              </a:fontRef>
+            </p:style>
+            <p:txBody>
+              <a:bodyPr rtlCol="0" anchor="ctr"/>
+              <a:lstStyle/>
+              <a:p>
+                <a:pPr algn="ctr"/>
+                <a:endParaRPr lang="nl-NL"/>
+              </a:p>
+            </p:txBody>
+          </p:sp>
+          <p:sp>
+            <p:nvSpPr>
+              <p:cNvPr id="177" name="Rectangle 176">
+                <a:extLst>
+                  <a:ext uri="{FF2B5EF4-FFF2-40B4-BE49-F238E27FC236}">
+                    <a16:creationId xmlns:a16="http://schemas.microsoft.com/office/drawing/2014/main" id="{F9A653BE-4B27-FC42-97FE-F1CDD678F76B}"/>
+                  </a:ext>
+                </a:extLst>
+              </p:cNvPr>
+              <p:cNvSpPr/>
+              <p:nvPr/>
+            </p:nvSpPr>
+            <p:spPr>
+              <a:xfrm>
+                <a:off x="3665491" y="1702680"/>
+                <a:ext cx="1364373" cy="1365558"/>
+              </a:xfrm>
+              <a:prstGeom prst="rect">
+                <a:avLst/>
+              </a:prstGeom>
+              <a:noFill/>
+              <a:ln w="38100">
+                <a:solidFill>
+                  <a:schemeClr val="tx1"/>
+                </a:solidFill>
+                <a:prstDash val="dash"/>
+              </a:ln>
+            </p:spPr>
+            <p:style>
+              <a:lnRef idx="2">
+                <a:schemeClr val="accent1">
+                  <a:shade val="50000"/>
+                </a:schemeClr>
+              </a:lnRef>
+              <a:fillRef idx="1">
+                <a:schemeClr val="accent1"/>
+              </a:fillRef>
+              <a:effectRef idx="0">
+                <a:schemeClr val="accent1"/>
+              </a:effectRef>
+              <a:fontRef idx="minor">
+                <a:schemeClr val="lt1"/>
+              </a:fontRef>
+            </p:style>
+            <p:txBody>
+              <a:bodyPr rtlCol="0" anchor="ctr"/>
+              <a:lstStyle/>
+              <a:p>
+                <a:pPr algn="ctr"/>
+                <a:endParaRPr lang="nl-NL"/>
+              </a:p>
+            </p:txBody>
+          </p:sp>
+          <p:sp>
+            <p:nvSpPr>
+              <p:cNvPr id="179" name="Rectangle 178">
+                <a:extLst>
+                  <a:ext uri="{FF2B5EF4-FFF2-40B4-BE49-F238E27FC236}">
+                    <a16:creationId xmlns:a16="http://schemas.microsoft.com/office/drawing/2014/main" id="{AEB76091-E4A5-EA44-9D05-98A7BD5D57D1}"/>
+                  </a:ext>
+                </a:extLst>
+              </p:cNvPr>
+              <p:cNvSpPr/>
+              <p:nvPr/>
+            </p:nvSpPr>
+            <p:spPr>
+              <a:xfrm>
+                <a:off x="2314121" y="3294645"/>
+                <a:ext cx="3141732" cy="318994"/>
+              </a:xfrm>
+              <a:prstGeom prst="rect">
+                <a:avLst/>
+              </a:prstGeom>
+              <a:solidFill>
+                <a:schemeClr val="bg1"/>
+              </a:solidFill>
+              <a:ln>
+                <a:noFill/>
+              </a:ln>
+            </p:spPr>
+            <p:style>
+              <a:lnRef idx="2">
+                <a:schemeClr val="accent1">
+                  <a:shade val="50000"/>
+                </a:schemeClr>
+              </a:lnRef>
+              <a:fillRef idx="1">
+                <a:schemeClr val="accent1"/>
+              </a:fillRef>
+              <a:effectRef idx="0">
+                <a:schemeClr val="accent1"/>
+              </a:effectRef>
+              <a:fontRef idx="minor">
+                <a:schemeClr val="lt1"/>
+              </a:fontRef>
+            </p:style>
+            <p:txBody>
+              <a:bodyPr rtlCol="0" anchor="ctr"/>
+              <a:lstStyle/>
+              <a:p>
+                <a:pPr algn="ctr"/>
+                <a:endParaRPr lang="nl-NL"/>
+              </a:p>
+            </p:txBody>
+          </p:sp>
+          <p:sp>
+            <p:nvSpPr>
+              <p:cNvPr id="180" name="Rectangle 179">
+                <a:extLst>
+                  <a:ext uri="{FF2B5EF4-FFF2-40B4-BE49-F238E27FC236}">
+                    <a16:creationId xmlns:a16="http://schemas.microsoft.com/office/drawing/2014/main" id="{0BBF7F11-E49C-2245-882D-9C7867C3FB0C}"/>
+                  </a:ext>
+                </a:extLst>
+              </p:cNvPr>
+              <p:cNvSpPr/>
+              <p:nvPr/>
+            </p:nvSpPr>
+            <p:spPr>
+              <a:xfrm>
+                <a:off x="2314121" y="1169945"/>
+                <a:ext cx="3141732" cy="318994"/>
+              </a:xfrm>
+              <a:prstGeom prst="rect">
+                <a:avLst/>
+              </a:prstGeom>
+              <a:solidFill>
+                <a:schemeClr val="bg1"/>
+              </a:solidFill>
+              <a:ln>
+                <a:noFill/>
+              </a:ln>
+            </p:spPr>
+            <p:style>
+              <a:lnRef idx="2">
+                <a:schemeClr val="accent1">
+                  <a:shade val="50000"/>
+                </a:schemeClr>
+              </a:lnRef>
+              <a:fillRef idx="1">
+                <a:schemeClr val="accent1"/>
+              </a:fillRef>
+              <a:effectRef idx="0">
+                <a:schemeClr val="accent1"/>
+              </a:effectRef>
+              <a:fontRef idx="minor">
+                <a:schemeClr val="lt1"/>
+              </a:fontRef>
+            </p:style>
+            <p:txBody>
+              <a:bodyPr rtlCol="0" anchor="ctr"/>
+              <a:lstStyle/>
+              <a:p>
+                <a:pPr algn="ctr"/>
+                <a:endParaRPr lang="nl-NL"/>
+              </a:p>
+            </p:txBody>
+          </p:sp>
+          <p:sp>
+            <p:nvSpPr>
+              <p:cNvPr id="181" name="Rectangle 180">
+                <a:extLst>
+                  <a:ext uri="{FF2B5EF4-FFF2-40B4-BE49-F238E27FC236}">
+                    <a16:creationId xmlns:a16="http://schemas.microsoft.com/office/drawing/2014/main" id="{1965152A-B4BF-D14D-B559-BAF1836CD950}"/>
+                  </a:ext>
+                </a:extLst>
+              </p:cNvPr>
+              <p:cNvSpPr/>
+              <p:nvPr/>
+            </p:nvSpPr>
+            <p:spPr>
+              <a:xfrm rot="5400000">
+                <a:off x="4150570" y="2232295"/>
+                <a:ext cx="2443694" cy="318994"/>
+              </a:xfrm>
+              <a:prstGeom prst="rect">
+                <a:avLst/>
+              </a:prstGeom>
+              <a:solidFill>
+                <a:schemeClr val="bg1"/>
+              </a:solidFill>
+              <a:ln>
+                <a:noFill/>
+              </a:ln>
+            </p:spPr>
+            <p:style>
+              <a:lnRef idx="2">
+                <a:schemeClr val="accent1">
+                  <a:shade val="50000"/>
+                </a:schemeClr>
+              </a:lnRef>
+              <a:fillRef idx="1">
+                <a:schemeClr val="accent1"/>
+              </a:fillRef>
+              <a:effectRef idx="0">
+                <a:schemeClr val="accent1"/>
+              </a:effectRef>
+              <a:fontRef idx="minor">
+                <a:schemeClr val="lt1"/>
+              </a:fontRef>
+            </p:style>
+            <p:txBody>
+              <a:bodyPr rtlCol="0" anchor="ctr"/>
+              <a:lstStyle/>
+              <a:p>
+                <a:pPr algn="ctr"/>
+                <a:endParaRPr lang="nl-NL"/>
+              </a:p>
+            </p:txBody>
+          </p:sp>
+          <p:sp>
+            <p:nvSpPr>
+              <p:cNvPr id="182" name="Rectangle 181">
+                <a:extLst>
+                  <a:ext uri="{FF2B5EF4-FFF2-40B4-BE49-F238E27FC236}">
+                    <a16:creationId xmlns:a16="http://schemas.microsoft.com/office/drawing/2014/main" id="{0113FF01-8091-EE4E-AF73-AA1AB2BFAE1D}"/>
+                  </a:ext>
+                </a:extLst>
+              </p:cNvPr>
+              <p:cNvSpPr/>
+              <p:nvPr/>
+            </p:nvSpPr>
+            <p:spPr>
+              <a:xfrm rot="5400000">
+                <a:off x="1215680" y="2232295"/>
+                <a:ext cx="2443694" cy="318994"/>
+              </a:xfrm>
+              <a:prstGeom prst="rect">
+                <a:avLst/>
+              </a:prstGeom>
+              <a:solidFill>
+                <a:schemeClr val="bg1"/>
+              </a:solidFill>
+              <a:ln>
+                <a:noFill/>
+              </a:ln>
+            </p:spPr>
+            <p:style>
+              <a:lnRef idx="2">
+                <a:schemeClr val="accent1">
+                  <a:shade val="50000"/>
+                </a:schemeClr>
+              </a:lnRef>
+              <a:fillRef idx="1">
+                <a:schemeClr val="accent1"/>
+              </a:fillRef>
+              <a:effectRef idx="0">
+                <a:schemeClr val="accent1"/>
+              </a:effectRef>
+              <a:fontRef idx="minor">
+                <a:schemeClr val="lt1"/>
+              </a:fontRef>
+            </p:style>
+            <p:txBody>
+              <a:bodyPr rtlCol="0" anchor="ctr"/>
+              <a:lstStyle/>
+              <a:p>
+                <a:pPr algn="ctr"/>
+                <a:endParaRPr lang="nl-NL"/>
+              </a:p>
+            </p:txBody>
+          </p:sp>
+        </p:grpSp>
+        <p:cxnSp>
+          <p:nvCxnSpPr>
+            <p:cNvPr id="51" name="Straight Arrow Connector 50">
+              <a:extLst>
+                <a:ext uri="{FF2B5EF4-FFF2-40B4-BE49-F238E27FC236}">
+                  <a16:creationId xmlns:a16="http://schemas.microsoft.com/office/drawing/2014/main" id="{FE7E8716-812E-1D43-86C6-BCD34F31F644}"/>
+                </a:ext>
+              </a:extLst>
+            </p:cNvPr>
+            <p:cNvCxnSpPr/>
+            <p:nvPr/>
+          </p:nvCxnSpPr>
+          <p:spPr>
+            <a:xfrm>
+              <a:off x="3600782" y="1399780"/>
+              <a:ext cx="568409" cy="0"/>
+            </a:xfrm>
+            <a:prstGeom prst="straightConnector1">
+              <a:avLst/>
+            </a:prstGeom>
+            <a:ln w="38100" cap="flat" cmpd="sng" algn="ctr">
+              <a:solidFill>
+                <a:schemeClr val="dk1"/>
+              </a:solidFill>
+              <a:prstDash val="solid"/>
+              <a:round/>
+              <a:headEnd type="none" w="med" len="med"/>
+              <a:tailEnd type="arrow" w="med" len="med"/>
+            </a:ln>
+          </p:spPr>
+          <p:style>
+            <a:lnRef idx="0">
+              <a:scrgbClr r="0" g="0" b="0"/>
+            </a:lnRef>
+            <a:fillRef idx="0">
+              <a:scrgbClr r="0" g="0" b="0"/>
+            </a:fillRef>
+            <a:effectRef idx="0">
+              <a:scrgbClr r="0" g="0" b="0"/>
+            </a:effectRef>
+            <a:fontRef idx="minor">
+              <a:schemeClr val="tx1"/>
+            </a:fontRef>
+          </p:style>
+        </p:cxnSp>
+      </p:grpSp>
+    </p:spTree>
+    <p:extLst>
+      <p:ext uri="{BB962C8B-B14F-4D97-AF65-F5344CB8AC3E}">
+        <p14:creationId xmlns:p14="http://schemas.microsoft.com/office/powerpoint/2010/main" val="1526511391"/>
+      </p:ext>
+    </p:extLst>
+  </p:cSld>
+  <p:clrMapOvr>
+    <a:masterClrMapping/>
+  </p:clrMapOvr>
+</p:sld>
+</file>
+
 <file path=ppt/theme/theme1.xml><?xml version="1.0" encoding="utf-8"?>
 <a:theme xmlns:a="http://schemas.openxmlformats.org/drawingml/2006/main" name="Office Theme">
   <a:themeElements>

--- a/source/figures.pptx
+++ b/source/figures.pptx
@@ -9,6 +9,8 @@
     <p:sldId id="257" r:id="rId3"/>
     <p:sldId id="258" r:id="rId4"/>
     <p:sldId id="259" r:id="rId5"/>
+    <p:sldId id="260" r:id="rId6"/>
+    <p:sldId id="261" r:id="rId7"/>
   </p:sldIdLst>
   <p:sldSz cx="12192000" cy="6858000"/>
   <p:notesSz cx="6858000" cy="9144000"/>
@@ -264,7 +266,7 @@
           <a:p>
             <a:fld id="{1D60275F-9D20-3E40-A985-6CD69AA74B1C}" type="datetimeFigureOut">
               <a:rPr lang="nl-NL" smtClean="0"/>
-              <a:t>19-10-18</a:t>
+              <a:t>23-10-18</a:t>
             </a:fld>
             <a:endParaRPr lang="nl-NL"/>
           </a:p>
@@ -464,7 +466,7 @@
           <a:p>
             <a:fld id="{1D60275F-9D20-3E40-A985-6CD69AA74B1C}" type="datetimeFigureOut">
               <a:rPr lang="nl-NL" smtClean="0"/>
-              <a:t>19-10-18</a:t>
+              <a:t>23-10-18</a:t>
             </a:fld>
             <a:endParaRPr lang="nl-NL"/>
           </a:p>
@@ -674,7 +676,7 @@
           <a:p>
             <a:fld id="{1D60275F-9D20-3E40-A985-6CD69AA74B1C}" type="datetimeFigureOut">
               <a:rPr lang="nl-NL" smtClean="0"/>
-              <a:t>19-10-18</a:t>
+              <a:t>23-10-18</a:t>
             </a:fld>
             <a:endParaRPr lang="nl-NL"/>
           </a:p>
@@ -874,7 +876,7 @@
           <a:p>
             <a:fld id="{1D60275F-9D20-3E40-A985-6CD69AA74B1C}" type="datetimeFigureOut">
               <a:rPr lang="nl-NL" smtClean="0"/>
-              <a:t>19-10-18</a:t>
+              <a:t>23-10-18</a:t>
             </a:fld>
             <a:endParaRPr lang="nl-NL"/>
           </a:p>
@@ -1150,7 +1152,7 @@
           <a:p>
             <a:fld id="{1D60275F-9D20-3E40-A985-6CD69AA74B1C}" type="datetimeFigureOut">
               <a:rPr lang="nl-NL" smtClean="0"/>
-              <a:t>19-10-18</a:t>
+              <a:t>23-10-18</a:t>
             </a:fld>
             <a:endParaRPr lang="nl-NL"/>
           </a:p>
@@ -1418,7 +1420,7 @@
           <a:p>
             <a:fld id="{1D60275F-9D20-3E40-A985-6CD69AA74B1C}" type="datetimeFigureOut">
               <a:rPr lang="nl-NL" smtClean="0"/>
-              <a:t>19-10-18</a:t>
+              <a:t>23-10-18</a:t>
             </a:fld>
             <a:endParaRPr lang="nl-NL"/>
           </a:p>
@@ -1833,7 +1835,7 @@
           <a:p>
             <a:fld id="{1D60275F-9D20-3E40-A985-6CD69AA74B1C}" type="datetimeFigureOut">
               <a:rPr lang="nl-NL" smtClean="0"/>
-              <a:t>19-10-18</a:t>
+              <a:t>23-10-18</a:t>
             </a:fld>
             <a:endParaRPr lang="nl-NL"/>
           </a:p>
@@ -1975,7 +1977,7 @@
           <a:p>
             <a:fld id="{1D60275F-9D20-3E40-A985-6CD69AA74B1C}" type="datetimeFigureOut">
               <a:rPr lang="nl-NL" smtClean="0"/>
-              <a:t>19-10-18</a:t>
+              <a:t>23-10-18</a:t>
             </a:fld>
             <a:endParaRPr lang="nl-NL"/>
           </a:p>
@@ -2088,7 +2090,7 @@
           <a:p>
             <a:fld id="{1D60275F-9D20-3E40-A985-6CD69AA74B1C}" type="datetimeFigureOut">
               <a:rPr lang="nl-NL" smtClean="0"/>
-              <a:t>19-10-18</a:t>
+              <a:t>23-10-18</a:t>
             </a:fld>
             <a:endParaRPr lang="nl-NL"/>
           </a:p>
@@ -2401,7 +2403,7 @@
           <a:p>
             <a:fld id="{1D60275F-9D20-3E40-A985-6CD69AA74B1C}" type="datetimeFigureOut">
               <a:rPr lang="nl-NL" smtClean="0"/>
-              <a:t>19-10-18</a:t>
+              <a:t>23-10-18</a:t>
             </a:fld>
             <a:endParaRPr lang="nl-NL"/>
           </a:p>
@@ -2690,7 +2692,7 @@
           <a:p>
             <a:fld id="{1D60275F-9D20-3E40-A985-6CD69AA74B1C}" type="datetimeFigureOut">
               <a:rPr lang="nl-NL" smtClean="0"/>
-              <a:t>19-10-18</a:t>
+              <a:t>23-10-18</a:t>
             </a:fld>
             <a:endParaRPr lang="nl-NL"/>
           </a:p>
@@ -2933,7 +2935,7 @@
           <a:p>
             <a:fld id="{1D60275F-9D20-3E40-A985-6CD69AA74B1C}" type="datetimeFigureOut">
               <a:rPr lang="nl-NL" smtClean="0"/>
-              <a:t>19-10-18</a:t>
+              <a:t>23-10-18</a:t>
             </a:fld>
             <a:endParaRPr lang="nl-NL"/>
           </a:p>
@@ -12863,6 +12865,1106 @@
 </p:sld>
 </file>
 
+<file path=ppt/slides/slide5.xml><?xml version="1.0" encoding="utf-8"?>
+<p:sld xmlns:a="http://schemas.openxmlformats.org/drawingml/2006/main" xmlns:r="http://schemas.openxmlformats.org/officeDocument/2006/relationships" xmlns:p="http://schemas.openxmlformats.org/presentationml/2006/main">
+  <p:cSld>
+    <p:spTree>
+      <p:nvGrpSpPr>
+        <p:cNvPr id="1" name=""/>
+        <p:cNvGrpSpPr/>
+        <p:nvPr/>
+      </p:nvGrpSpPr>
+      <p:grpSpPr>
+        <a:xfrm>
+          <a:off x="0" y="0"/>
+          <a:ext cx="0" cy="0"/>
+          <a:chOff x="0" y="0"/>
+          <a:chExt cx="0" cy="0"/>
+        </a:xfrm>
+      </p:grpSpPr>
+      <p:sp>
+        <p:nvSpPr>
+          <p:cNvPr id="45" name="Rectangle 44">
+            <a:extLst>
+              <a:ext uri="{FF2B5EF4-FFF2-40B4-BE49-F238E27FC236}">
+                <a16:creationId xmlns:a16="http://schemas.microsoft.com/office/drawing/2014/main" id="{E7725C43-79B0-7F47-8563-DAE3CE6E7E38}"/>
+              </a:ext>
+            </a:extLst>
+          </p:cNvPr>
+          <p:cNvSpPr/>
+          <p:nvPr/>
+        </p:nvSpPr>
+        <p:spPr>
+          <a:xfrm>
+            <a:off x="3141160" y="2055342"/>
+            <a:ext cx="892758" cy="1799279"/>
+          </a:xfrm>
+          <a:prstGeom prst="rect">
+            <a:avLst/>
+          </a:prstGeom>
+          <a:solidFill>
+            <a:srgbClr val="4472C4">
+              <a:alpha val="40000"/>
+            </a:srgbClr>
+          </a:solidFill>
+          <a:ln>
+            <a:noFill/>
+          </a:ln>
+        </p:spPr>
+        <p:style>
+          <a:lnRef idx="2">
+            <a:schemeClr val="accent1">
+              <a:shade val="50000"/>
+            </a:schemeClr>
+          </a:lnRef>
+          <a:fillRef idx="1">
+            <a:schemeClr val="accent1"/>
+          </a:fillRef>
+          <a:effectRef idx="0">
+            <a:schemeClr val="accent1"/>
+          </a:effectRef>
+          <a:fontRef idx="minor">
+            <a:schemeClr val="lt1"/>
+          </a:fontRef>
+        </p:style>
+        <p:txBody>
+          <a:bodyPr rtlCol="0" anchor="ctr"/>
+          <a:lstStyle/>
+          <a:p>
+            <a:pPr algn="ctr"/>
+            <a:endParaRPr lang="nl-NL"/>
+          </a:p>
+        </p:txBody>
+      </p:sp>
+      <p:sp>
+        <p:nvSpPr>
+          <p:cNvPr id="44" name="Rectangle 43">
+            <a:extLst>
+              <a:ext uri="{FF2B5EF4-FFF2-40B4-BE49-F238E27FC236}">
+                <a16:creationId xmlns:a16="http://schemas.microsoft.com/office/drawing/2014/main" id="{3CF31500-DB79-5041-AE38-8C341F2B572D}"/>
+              </a:ext>
+            </a:extLst>
+          </p:cNvPr>
+          <p:cNvSpPr/>
+          <p:nvPr/>
+        </p:nvSpPr>
+        <p:spPr>
+          <a:xfrm>
+            <a:off x="3138616" y="3657600"/>
+            <a:ext cx="1713470" cy="188782"/>
+          </a:xfrm>
+          <a:prstGeom prst="rect">
+            <a:avLst/>
+          </a:prstGeom>
+          <a:solidFill>
+            <a:schemeClr val="accent6"/>
+          </a:solidFill>
+          <a:ln>
+            <a:noFill/>
+          </a:ln>
+        </p:spPr>
+        <p:style>
+          <a:lnRef idx="2">
+            <a:schemeClr val="accent1">
+              <a:shade val="50000"/>
+            </a:schemeClr>
+          </a:lnRef>
+          <a:fillRef idx="1">
+            <a:schemeClr val="accent1"/>
+          </a:fillRef>
+          <a:effectRef idx="0">
+            <a:schemeClr val="accent1"/>
+          </a:effectRef>
+          <a:fontRef idx="minor">
+            <a:schemeClr val="lt1"/>
+          </a:fontRef>
+        </p:style>
+        <p:txBody>
+          <a:bodyPr rtlCol="0" anchor="ctr"/>
+          <a:lstStyle/>
+          <a:p>
+            <a:pPr algn="ctr"/>
+            <a:endParaRPr lang="nl-NL"/>
+          </a:p>
+        </p:txBody>
+      </p:sp>
+      <p:sp>
+        <p:nvSpPr>
+          <p:cNvPr id="43" name="Rectangle 42">
+            <a:extLst>
+              <a:ext uri="{FF2B5EF4-FFF2-40B4-BE49-F238E27FC236}">
+                <a16:creationId xmlns:a16="http://schemas.microsoft.com/office/drawing/2014/main" id="{C6595760-4962-7F42-8B7F-4B744B47F260}"/>
+              </a:ext>
+            </a:extLst>
+          </p:cNvPr>
+          <p:cNvSpPr/>
+          <p:nvPr/>
+        </p:nvSpPr>
+        <p:spPr>
+          <a:xfrm>
+            <a:off x="2199503" y="2051221"/>
+            <a:ext cx="939113" cy="1799279"/>
+          </a:xfrm>
+          <a:prstGeom prst="rect">
+            <a:avLst/>
+          </a:prstGeom>
+          <a:ln>
+            <a:noFill/>
+          </a:ln>
+        </p:spPr>
+        <p:style>
+          <a:lnRef idx="2">
+            <a:schemeClr val="accent1">
+              <a:shade val="50000"/>
+            </a:schemeClr>
+          </a:lnRef>
+          <a:fillRef idx="1">
+            <a:schemeClr val="accent1"/>
+          </a:fillRef>
+          <a:effectRef idx="0">
+            <a:schemeClr val="accent1"/>
+          </a:effectRef>
+          <a:fontRef idx="minor">
+            <a:schemeClr val="lt1"/>
+          </a:fontRef>
+        </p:style>
+        <p:txBody>
+          <a:bodyPr rtlCol="0" anchor="ctr"/>
+          <a:lstStyle/>
+          <a:p>
+            <a:pPr algn="ctr"/>
+            <a:endParaRPr lang="nl-NL"/>
+          </a:p>
+        </p:txBody>
+      </p:sp>
+      <p:cxnSp>
+        <p:nvCxnSpPr>
+          <p:cNvPr id="5" name="Straight Connector 4">
+            <a:extLst>
+              <a:ext uri="{FF2B5EF4-FFF2-40B4-BE49-F238E27FC236}">
+                <a16:creationId xmlns:a16="http://schemas.microsoft.com/office/drawing/2014/main" id="{CC1B3BBF-1917-DB44-B695-A7D66E8B1457}"/>
+              </a:ext>
+            </a:extLst>
+          </p:cNvPr>
+          <p:cNvCxnSpPr>
+            <a:cxnSpLocks/>
+          </p:cNvCxnSpPr>
+          <p:nvPr/>
+        </p:nvCxnSpPr>
+        <p:spPr>
+          <a:xfrm>
+            <a:off x="2199503" y="2051222"/>
+            <a:ext cx="939113" cy="0"/>
+          </a:xfrm>
+          <a:prstGeom prst="line">
+            <a:avLst/>
+          </a:prstGeom>
+        </p:spPr>
+        <p:style>
+          <a:lnRef idx="3">
+            <a:schemeClr val="dk1"/>
+          </a:lnRef>
+          <a:fillRef idx="0">
+            <a:schemeClr val="dk1"/>
+          </a:fillRef>
+          <a:effectRef idx="2">
+            <a:schemeClr val="dk1"/>
+          </a:effectRef>
+          <a:fontRef idx="minor">
+            <a:schemeClr val="tx1"/>
+          </a:fontRef>
+        </p:style>
+      </p:cxnSp>
+      <p:cxnSp>
+        <p:nvCxnSpPr>
+          <p:cNvPr id="7" name="Straight Connector 6">
+            <a:extLst>
+              <a:ext uri="{FF2B5EF4-FFF2-40B4-BE49-F238E27FC236}">
+                <a16:creationId xmlns:a16="http://schemas.microsoft.com/office/drawing/2014/main" id="{DC3C0474-094A-3448-B92F-2B35710F9CE9}"/>
+              </a:ext>
+            </a:extLst>
+          </p:cNvPr>
+          <p:cNvCxnSpPr>
+            <a:cxnSpLocks/>
+          </p:cNvCxnSpPr>
+          <p:nvPr/>
+        </p:nvCxnSpPr>
+        <p:spPr>
+          <a:xfrm>
+            <a:off x="3138616" y="2051222"/>
+            <a:ext cx="0" cy="1606378"/>
+          </a:xfrm>
+          <a:prstGeom prst="line">
+            <a:avLst/>
+          </a:prstGeom>
+        </p:spPr>
+        <p:style>
+          <a:lnRef idx="3">
+            <a:schemeClr val="dk1"/>
+          </a:lnRef>
+          <a:fillRef idx="0">
+            <a:schemeClr val="dk1"/>
+          </a:fillRef>
+          <a:effectRef idx="2">
+            <a:schemeClr val="dk1"/>
+          </a:effectRef>
+          <a:fontRef idx="minor">
+            <a:schemeClr val="tx1"/>
+          </a:fontRef>
+        </p:style>
+      </p:cxnSp>
+      <p:cxnSp>
+        <p:nvCxnSpPr>
+          <p:cNvPr id="9" name="Straight Connector 8">
+            <a:extLst>
+              <a:ext uri="{FF2B5EF4-FFF2-40B4-BE49-F238E27FC236}">
+                <a16:creationId xmlns:a16="http://schemas.microsoft.com/office/drawing/2014/main" id="{7F0EE98A-4AB0-A147-B6CC-22DEF4AB37B2}"/>
+              </a:ext>
+            </a:extLst>
+          </p:cNvPr>
+          <p:cNvCxnSpPr>
+            <a:cxnSpLocks/>
+          </p:cNvCxnSpPr>
+          <p:nvPr/>
+        </p:nvCxnSpPr>
+        <p:spPr>
+          <a:xfrm flipH="1">
+            <a:off x="3138616" y="3661719"/>
+            <a:ext cx="1713470" cy="0"/>
+          </a:xfrm>
+          <a:prstGeom prst="line">
+            <a:avLst/>
+          </a:prstGeom>
+        </p:spPr>
+        <p:style>
+          <a:lnRef idx="3">
+            <a:schemeClr val="dk1"/>
+          </a:lnRef>
+          <a:fillRef idx="0">
+            <a:schemeClr val="dk1"/>
+          </a:fillRef>
+          <a:effectRef idx="2">
+            <a:schemeClr val="dk1"/>
+          </a:effectRef>
+          <a:fontRef idx="minor">
+            <a:schemeClr val="tx1"/>
+          </a:fontRef>
+        </p:style>
+      </p:cxnSp>
+      <p:cxnSp>
+        <p:nvCxnSpPr>
+          <p:cNvPr id="12" name="Straight Connector 11">
+            <a:extLst>
+              <a:ext uri="{FF2B5EF4-FFF2-40B4-BE49-F238E27FC236}">
+                <a16:creationId xmlns:a16="http://schemas.microsoft.com/office/drawing/2014/main" id="{20B3ADE1-AD4C-A74E-93A2-F17EC9B0316C}"/>
+              </a:ext>
+            </a:extLst>
+          </p:cNvPr>
+          <p:cNvCxnSpPr>
+            <a:cxnSpLocks/>
+          </p:cNvCxnSpPr>
+          <p:nvPr/>
+        </p:nvCxnSpPr>
+        <p:spPr>
+          <a:xfrm>
+            <a:off x="3027406" y="2051222"/>
+            <a:ext cx="1012911" cy="0"/>
+          </a:xfrm>
+          <a:prstGeom prst="line">
+            <a:avLst/>
+          </a:prstGeom>
+          <a:ln>
+            <a:prstDash val="dash"/>
+          </a:ln>
+        </p:spPr>
+        <p:style>
+          <a:lnRef idx="3">
+            <a:schemeClr val="dk1"/>
+          </a:lnRef>
+          <a:fillRef idx="0">
+            <a:schemeClr val="dk1"/>
+          </a:fillRef>
+          <a:effectRef idx="2">
+            <a:schemeClr val="dk1"/>
+          </a:effectRef>
+          <a:fontRef idx="minor">
+            <a:schemeClr val="tx1"/>
+          </a:fontRef>
+        </p:style>
+      </p:cxnSp>
+      <p:cxnSp>
+        <p:nvCxnSpPr>
+          <p:cNvPr id="13" name="Straight Connector 12">
+            <a:extLst>
+              <a:ext uri="{FF2B5EF4-FFF2-40B4-BE49-F238E27FC236}">
+                <a16:creationId xmlns:a16="http://schemas.microsoft.com/office/drawing/2014/main" id="{9D7E1126-B0F6-1F48-B12E-7E8B6E689EA4}"/>
+              </a:ext>
+            </a:extLst>
+          </p:cNvPr>
+          <p:cNvCxnSpPr>
+            <a:cxnSpLocks/>
+          </p:cNvCxnSpPr>
+          <p:nvPr/>
+        </p:nvCxnSpPr>
+        <p:spPr>
+          <a:xfrm>
+            <a:off x="4040317" y="2067698"/>
+            <a:ext cx="0" cy="1589902"/>
+          </a:xfrm>
+          <a:prstGeom prst="line">
+            <a:avLst/>
+          </a:prstGeom>
+          <a:ln>
+            <a:prstDash val="dash"/>
+          </a:ln>
+        </p:spPr>
+        <p:style>
+          <a:lnRef idx="3">
+            <a:schemeClr val="dk1"/>
+          </a:lnRef>
+          <a:fillRef idx="0">
+            <a:schemeClr val="dk1"/>
+          </a:fillRef>
+          <a:effectRef idx="2">
+            <a:schemeClr val="dk1"/>
+          </a:effectRef>
+          <a:fontRef idx="minor">
+            <a:schemeClr val="tx1"/>
+          </a:fontRef>
+        </p:style>
+      </p:cxnSp>
+      <p:cxnSp>
+        <p:nvCxnSpPr>
+          <p:cNvPr id="18" name="Straight Arrow Connector 17">
+            <a:extLst>
+              <a:ext uri="{FF2B5EF4-FFF2-40B4-BE49-F238E27FC236}">
+                <a16:creationId xmlns:a16="http://schemas.microsoft.com/office/drawing/2014/main" id="{7EDFCEEF-EA62-9A4A-9F23-DDD0F94CABFF}"/>
+              </a:ext>
+            </a:extLst>
+          </p:cNvPr>
+          <p:cNvCxnSpPr/>
+          <p:nvPr/>
+        </p:nvCxnSpPr>
+        <p:spPr>
+          <a:xfrm>
+            <a:off x="3027406" y="2067698"/>
+            <a:ext cx="0" cy="1589902"/>
+          </a:xfrm>
+          <a:prstGeom prst="straightConnector1">
+            <a:avLst/>
+          </a:prstGeom>
+          <a:ln>
+            <a:headEnd type="triangle"/>
+            <a:tailEnd type="triangle"/>
+          </a:ln>
+        </p:spPr>
+        <p:style>
+          <a:lnRef idx="3">
+            <a:schemeClr val="dk1"/>
+          </a:lnRef>
+          <a:fillRef idx="0">
+            <a:schemeClr val="dk1"/>
+          </a:fillRef>
+          <a:effectRef idx="2">
+            <a:schemeClr val="dk1"/>
+          </a:effectRef>
+          <a:fontRef idx="minor">
+            <a:schemeClr val="tx1"/>
+          </a:fontRef>
+        </p:style>
+      </p:cxnSp>
+      <mc:AlternateContent xmlns:mc="http://schemas.openxmlformats.org/markup-compatibility/2006">
+        <mc:Choice xmlns:a14="http://schemas.microsoft.com/office/drawing/2010/main" Requires="a14">
+          <p:sp>
+            <p:nvSpPr>
+              <p:cNvPr id="19" name="TextBox 18">
+                <a:extLst>
+                  <a:ext uri="{FF2B5EF4-FFF2-40B4-BE49-F238E27FC236}">
+                    <a16:creationId xmlns:a16="http://schemas.microsoft.com/office/drawing/2014/main" id="{6DA719D0-471E-1E4E-B003-DFF4ADAA077F}"/>
+                  </a:ext>
+                </a:extLst>
+              </p:cNvPr>
+              <p:cNvSpPr txBox="1"/>
+              <p:nvPr/>
+            </p:nvSpPr>
+            <p:spPr>
+              <a:xfrm>
+                <a:off x="2553828" y="2771168"/>
+                <a:ext cx="352789" cy="276999"/>
+              </a:xfrm>
+              <a:prstGeom prst="rect">
+                <a:avLst/>
+              </a:prstGeom>
+              <a:noFill/>
+            </p:spPr>
+            <p:txBody>
+              <a:bodyPr wrap="none" lIns="0" tIns="0" rIns="0" bIns="0" rtlCol="0">
+                <a:spAutoFit/>
+              </a:bodyPr>
+              <a:lstStyle/>
+              <a:p>
+                <a14:m>
+                  <m:oMathPara xmlns:m="http://schemas.openxmlformats.org/officeDocument/2006/math">
+                    <m:oMathParaPr>
+                      <m:jc m:val="centerGroup"/>
+                    </m:oMathParaPr>
+                    <m:oMath xmlns:m="http://schemas.openxmlformats.org/officeDocument/2006/math">
+                      <m:r>
+                        <a:rPr lang="nl-NL" i="1" smtClean="0">
+                          <a:latin typeface="Cambria Math" panose="02040503050406030204" pitchFamily="18" charset="0"/>
+                          <a:ea typeface="Cambria Math" panose="02040503050406030204" pitchFamily="18" charset="0"/>
+                        </a:rPr>
+                        <m:t>∆</m:t>
+                      </m:r>
+                      <m:r>
+                        <a:rPr lang="nl-NL" i="1" smtClean="0">
+                          <a:latin typeface="Cambria Math" panose="02040503050406030204" pitchFamily="18" charset="0"/>
+                          <a:ea typeface="Cambria Math" panose="02040503050406030204" pitchFamily="18" charset="0"/>
+                        </a:rPr>
+                        <m:t>𝜑</m:t>
+                      </m:r>
+                    </m:oMath>
+                  </m:oMathPara>
+                </a14:m>
+                <a:endParaRPr lang="nl-NL" dirty="0"/>
+              </a:p>
+            </p:txBody>
+          </p:sp>
+        </mc:Choice>
+        <mc:Fallback>
+          <p:sp>
+            <p:nvSpPr>
+              <p:cNvPr id="19" name="TextBox 18">
+                <a:extLst>
+                  <a:ext uri="{FF2B5EF4-FFF2-40B4-BE49-F238E27FC236}">
+                    <a16:creationId xmlns:a16="http://schemas.microsoft.com/office/drawing/2014/main" id="{6DA719D0-471E-1E4E-B003-DFF4ADAA077F}"/>
+                  </a:ext>
+                </a:extLst>
+              </p:cNvPr>
+              <p:cNvSpPr txBox="1">
+                <a:spLocks noRot="1" noChangeAspect="1" noMove="1" noResize="1" noEditPoints="1" noAdjustHandles="1" noChangeArrowheads="1" noChangeShapeType="1" noTextEdit="1"/>
+              </p:cNvSpPr>
+              <p:nvPr/>
+            </p:nvSpPr>
+            <p:spPr>
+              <a:xfrm>
+                <a:off x="2553828" y="2771168"/>
+                <a:ext cx="352789" cy="276999"/>
+              </a:xfrm>
+              <a:prstGeom prst="rect">
+                <a:avLst/>
+              </a:prstGeom>
+              <a:blipFill>
+                <a:blip r:embed="rId2"/>
+                <a:stretch>
+                  <a:fillRect l="-13793" r="-10345" b="-21739"/>
+                </a:stretch>
+              </a:blipFill>
+            </p:spPr>
+            <p:txBody>
+              <a:bodyPr/>
+              <a:lstStyle/>
+              <a:p>
+                <a:r>
+                  <a:rPr lang="nl-NL">
+                    <a:noFill/>
+                  </a:rPr>
+                  <a:t> </a:t>
+                </a:r>
+              </a:p>
+            </p:txBody>
+          </p:sp>
+        </mc:Fallback>
+      </mc:AlternateContent>
+      <p:cxnSp>
+        <p:nvCxnSpPr>
+          <p:cNvPr id="27" name="Straight Arrow Connector 26">
+            <a:extLst>
+              <a:ext uri="{FF2B5EF4-FFF2-40B4-BE49-F238E27FC236}">
+                <a16:creationId xmlns:a16="http://schemas.microsoft.com/office/drawing/2014/main" id="{C55DF629-5978-F848-953B-5E2F2416F736}"/>
+              </a:ext>
+            </a:extLst>
+          </p:cNvPr>
+          <p:cNvCxnSpPr>
+            <a:cxnSpLocks/>
+          </p:cNvCxnSpPr>
+          <p:nvPr/>
+        </p:nvCxnSpPr>
+        <p:spPr>
+          <a:xfrm flipH="1">
+            <a:off x="4066869" y="2909668"/>
+            <a:ext cx="358687" cy="0"/>
+          </a:xfrm>
+          <a:prstGeom prst="straightConnector1">
+            <a:avLst/>
+          </a:prstGeom>
+          <a:ln>
+            <a:tailEnd type="triangle"/>
+          </a:ln>
+        </p:spPr>
+        <p:style>
+          <a:lnRef idx="3">
+            <a:schemeClr val="dk1"/>
+          </a:lnRef>
+          <a:fillRef idx="0">
+            <a:schemeClr val="dk1"/>
+          </a:fillRef>
+          <a:effectRef idx="2">
+            <a:schemeClr val="dk1"/>
+          </a:effectRef>
+          <a:fontRef idx="minor">
+            <a:schemeClr val="tx1"/>
+          </a:fontRef>
+        </p:style>
+      </p:cxnSp>
+      <p:cxnSp>
+        <p:nvCxnSpPr>
+          <p:cNvPr id="28" name="Straight Arrow Connector 27">
+            <a:extLst>
+              <a:ext uri="{FF2B5EF4-FFF2-40B4-BE49-F238E27FC236}">
+                <a16:creationId xmlns:a16="http://schemas.microsoft.com/office/drawing/2014/main" id="{6C50EA31-9E9C-E44A-A02F-2F8EEABAC6E5}"/>
+              </a:ext>
+            </a:extLst>
+          </p:cNvPr>
+          <p:cNvCxnSpPr>
+            <a:cxnSpLocks/>
+          </p:cNvCxnSpPr>
+          <p:nvPr/>
+        </p:nvCxnSpPr>
+        <p:spPr>
+          <a:xfrm flipH="1">
+            <a:off x="3165169" y="3850501"/>
+            <a:ext cx="875148" cy="0"/>
+          </a:xfrm>
+          <a:prstGeom prst="straightConnector1">
+            <a:avLst/>
+          </a:prstGeom>
+          <a:ln>
+            <a:headEnd type="triangle" w="med" len="med"/>
+            <a:tailEnd type="none" w="med" len="med"/>
+          </a:ln>
+        </p:spPr>
+        <p:style>
+          <a:lnRef idx="3">
+            <a:schemeClr val="dk1"/>
+          </a:lnRef>
+          <a:fillRef idx="0">
+            <a:schemeClr val="dk1"/>
+          </a:fillRef>
+          <a:effectRef idx="2">
+            <a:schemeClr val="dk1"/>
+          </a:effectRef>
+          <a:fontRef idx="minor">
+            <a:schemeClr val="tx1"/>
+          </a:fontRef>
+        </p:style>
+      </p:cxnSp>
+      <mc:AlternateContent xmlns:mc="http://schemas.openxmlformats.org/markup-compatibility/2006">
+        <mc:Choice xmlns:a14="http://schemas.microsoft.com/office/drawing/2010/main" Requires="a14">
+          <p:sp>
+            <p:nvSpPr>
+              <p:cNvPr id="31" name="TextBox 30">
+                <a:extLst>
+                  <a:ext uri="{FF2B5EF4-FFF2-40B4-BE49-F238E27FC236}">
+                    <a16:creationId xmlns:a16="http://schemas.microsoft.com/office/drawing/2014/main" id="{37706818-C7A1-104A-B3E1-58A32D3237E7}"/>
+                  </a:ext>
+                </a:extLst>
+              </p:cNvPr>
+              <p:cNvSpPr txBox="1"/>
+              <p:nvPr/>
+            </p:nvSpPr>
+            <p:spPr>
+              <a:xfrm>
+                <a:off x="3373272" y="3951402"/>
+                <a:ext cx="321178" cy="276999"/>
+              </a:xfrm>
+              <a:prstGeom prst="rect">
+                <a:avLst/>
+              </a:prstGeom>
+              <a:noFill/>
+            </p:spPr>
+            <p:txBody>
+              <a:bodyPr wrap="none" lIns="0" tIns="0" rIns="0" bIns="0" rtlCol="0">
+                <a:spAutoFit/>
+              </a:bodyPr>
+              <a:lstStyle/>
+              <a:p>
+                <a14:m>
+                  <m:oMathPara xmlns:m="http://schemas.openxmlformats.org/officeDocument/2006/math">
+                    <m:oMathParaPr>
+                      <m:jc m:val="centerGroup"/>
+                    </m:oMathParaPr>
+                    <m:oMath xmlns:m="http://schemas.openxmlformats.org/officeDocument/2006/math">
+                      <m:r>
+                        <a:rPr lang="nl-NL" i="1" smtClean="0">
+                          <a:latin typeface="Cambria Math" panose="02040503050406030204" pitchFamily="18" charset="0"/>
+                          <a:ea typeface="Cambria Math" panose="02040503050406030204" pitchFamily="18" charset="0"/>
+                        </a:rPr>
+                        <m:t>∆</m:t>
+                      </m:r>
+                      <m:r>
+                        <a:rPr lang="en-US" b="0" i="1" smtClean="0">
+                          <a:latin typeface="Cambria Math" panose="02040503050406030204" pitchFamily="18" charset="0"/>
+                          <a:ea typeface="Cambria Math" panose="02040503050406030204" pitchFamily="18" charset="0"/>
+                        </a:rPr>
+                        <m:t>𝑥</m:t>
+                      </m:r>
+                    </m:oMath>
+                  </m:oMathPara>
+                </a14:m>
+                <a:endParaRPr lang="nl-NL" dirty="0"/>
+              </a:p>
+            </p:txBody>
+          </p:sp>
+        </mc:Choice>
+        <mc:Fallback>
+          <p:sp>
+            <p:nvSpPr>
+              <p:cNvPr id="31" name="TextBox 30">
+                <a:extLst>
+                  <a:ext uri="{FF2B5EF4-FFF2-40B4-BE49-F238E27FC236}">
+                    <a16:creationId xmlns:a16="http://schemas.microsoft.com/office/drawing/2014/main" id="{37706818-C7A1-104A-B3E1-58A32D3237E7}"/>
+                  </a:ext>
+                </a:extLst>
+              </p:cNvPr>
+              <p:cNvSpPr txBox="1">
+                <a:spLocks noRot="1" noChangeAspect="1" noMove="1" noResize="1" noEditPoints="1" noAdjustHandles="1" noChangeArrowheads="1" noChangeShapeType="1" noTextEdit="1"/>
+              </p:cNvSpPr>
+              <p:nvPr/>
+            </p:nvSpPr>
+            <p:spPr>
+              <a:xfrm>
+                <a:off x="3373272" y="3951402"/>
+                <a:ext cx="321178" cy="276999"/>
+              </a:xfrm>
+              <a:prstGeom prst="rect">
+                <a:avLst/>
+              </a:prstGeom>
+              <a:blipFill>
+                <a:blip r:embed="rId3"/>
+                <a:stretch>
+                  <a:fillRect l="-15385" r="-3846" b="-4348"/>
+                </a:stretch>
+              </a:blipFill>
+            </p:spPr>
+            <p:txBody>
+              <a:bodyPr/>
+              <a:lstStyle/>
+              <a:p>
+                <a:r>
+                  <a:rPr lang="nl-NL">
+                    <a:noFill/>
+                  </a:rPr>
+                  <a:t> </a:t>
+                </a:r>
+              </a:p>
+            </p:txBody>
+          </p:sp>
+        </mc:Fallback>
+      </mc:AlternateContent>
+      <p:sp>
+        <p:nvSpPr>
+          <p:cNvPr id="34" name="TextBox 33">
+            <a:extLst>
+              <a:ext uri="{FF2B5EF4-FFF2-40B4-BE49-F238E27FC236}">
+                <a16:creationId xmlns:a16="http://schemas.microsoft.com/office/drawing/2014/main" id="{E92896D6-2519-D44F-9139-448E98AA86F8}"/>
+              </a:ext>
+            </a:extLst>
+          </p:cNvPr>
+          <p:cNvSpPr txBox="1"/>
+          <p:nvPr/>
+        </p:nvSpPr>
+        <p:spPr>
+          <a:xfrm>
+            <a:off x="4458508" y="2700288"/>
+            <a:ext cx="626075" cy="369332"/>
+          </a:xfrm>
+          <a:prstGeom prst="rect">
+            <a:avLst/>
+          </a:prstGeom>
+          <a:noFill/>
+        </p:spPr>
+        <p:txBody>
+          <a:bodyPr wrap="square" rtlCol="0">
+            <a:spAutoFit/>
+          </a:bodyPr>
+          <a:lstStyle/>
+          <a:p>
+            <a:pPr algn="just"/>
+            <a:r>
+              <a:rPr lang="nl-NL" i="1" dirty="0"/>
+              <a:t>J</a:t>
+            </a:r>
+            <a:r>
+              <a:rPr lang="nl-NL" baseline="-25000" dirty="0"/>
+              <a:t>out</a:t>
+            </a:r>
+            <a:endParaRPr lang="nl-NL" i="1" dirty="0"/>
+          </a:p>
+        </p:txBody>
+      </p:sp>
+      <p:cxnSp>
+        <p:nvCxnSpPr>
+          <p:cNvPr id="39" name="Straight Arrow Connector 38">
+            <a:extLst>
+              <a:ext uri="{FF2B5EF4-FFF2-40B4-BE49-F238E27FC236}">
+                <a16:creationId xmlns:a16="http://schemas.microsoft.com/office/drawing/2014/main" id="{AFF70782-C3A7-144A-A61D-56B6DFB21C7A}"/>
+              </a:ext>
+            </a:extLst>
+          </p:cNvPr>
+          <p:cNvCxnSpPr>
+            <a:cxnSpLocks/>
+          </p:cNvCxnSpPr>
+          <p:nvPr/>
+        </p:nvCxnSpPr>
+        <p:spPr>
+          <a:xfrm flipH="1">
+            <a:off x="3165169" y="2909668"/>
+            <a:ext cx="358687" cy="0"/>
+          </a:xfrm>
+          <a:prstGeom prst="straightConnector1">
+            <a:avLst/>
+          </a:prstGeom>
+          <a:ln>
+            <a:tailEnd type="triangle"/>
+          </a:ln>
+        </p:spPr>
+        <p:style>
+          <a:lnRef idx="3">
+            <a:schemeClr val="dk1"/>
+          </a:lnRef>
+          <a:fillRef idx="0">
+            <a:schemeClr val="dk1"/>
+          </a:fillRef>
+          <a:effectRef idx="2">
+            <a:schemeClr val="dk1"/>
+          </a:effectRef>
+          <a:fontRef idx="minor">
+            <a:schemeClr val="tx1"/>
+          </a:fontRef>
+        </p:style>
+      </p:cxnSp>
+      <p:sp>
+        <p:nvSpPr>
+          <p:cNvPr id="40" name="TextBox 39">
+            <a:extLst>
+              <a:ext uri="{FF2B5EF4-FFF2-40B4-BE49-F238E27FC236}">
+                <a16:creationId xmlns:a16="http://schemas.microsoft.com/office/drawing/2014/main" id="{42734F37-98D8-FA46-BF29-FC7AA5755AEA}"/>
+              </a:ext>
+            </a:extLst>
+          </p:cNvPr>
+          <p:cNvSpPr txBox="1"/>
+          <p:nvPr/>
+        </p:nvSpPr>
+        <p:spPr>
+          <a:xfrm>
+            <a:off x="3556808" y="2700288"/>
+            <a:ext cx="626075" cy="369332"/>
+          </a:xfrm>
+          <a:prstGeom prst="rect">
+            <a:avLst/>
+          </a:prstGeom>
+          <a:noFill/>
+        </p:spPr>
+        <p:txBody>
+          <a:bodyPr wrap="square" rtlCol="0">
+            <a:spAutoFit/>
+          </a:bodyPr>
+          <a:lstStyle/>
+          <a:p>
+            <a:pPr algn="just"/>
+            <a:r>
+              <a:rPr lang="nl-NL" i="1" dirty="0" err="1"/>
+              <a:t>J</a:t>
+            </a:r>
+            <a:r>
+              <a:rPr lang="nl-NL" i="1" baseline="-25000" dirty="0" err="1"/>
+              <a:t>in</a:t>
+            </a:r>
+            <a:endParaRPr lang="nl-NL" i="1" dirty="0"/>
+          </a:p>
+        </p:txBody>
+      </p:sp>
+    </p:spTree>
+    <p:extLst>
+      <p:ext uri="{BB962C8B-B14F-4D97-AF65-F5344CB8AC3E}">
+        <p14:creationId xmlns:p14="http://schemas.microsoft.com/office/powerpoint/2010/main" val="2509341907"/>
+      </p:ext>
+    </p:extLst>
+  </p:cSld>
+  <p:clrMapOvr>
+    <a:masterClrMapping/>
+  </p:clrMapOvr>
+</p:sld>
+</file>
+
+<file path=ppt/slides/slide6.xml><?xml version="1.0" encoding="utf-8"?>
+<p:sld xmlns:a="http://schemas.openxmlformats.org/drawingml/2006/main" xmlns:r="http://schemas.openxmlformats.org/officeDocument/2006/relationships" xmlns:p="http://schemas.openxmlformats.org/presentationml/2006/main">
+  <p:cSld>
+    <p:spTree>
+      <p:nvGrpSpPr>
+        <p:cNvPr id="1" name=""/>
+        <p:cNvGrpSpPr/>
+        <p:nvPr/>
+      </p:nvGrpSpPr>
+      <p:grpSpPr>
+        <a:xfrm>
+          <a:off x="0" y="0"/>
+          <a:ext cx="0" cy="0"/>
+          <a:chOff x="0" y="0"/>
+          <a:chExt cx="0" cy="0"/>
+        </a:xfrm>
+      </p:grpSpPr>
+      <p:cxnSp>
+        <p:nvCxnSpPr>
+          <p:cNvPr id="5" name="Straight Connector 4">
+            <a:extLst>
+              <a:ext uri="{FF2B5EF4-FFF2-40B4-BE49-F238E27FC236}">
+                <a16:creationId xmlns:a16="http://schemas.microsoft.com/office/drawing/2014/main" id="{267FDB71-AF0F-E34D-B647-76D096268F97}"/>
+              </a:ext>
+            </a:extLst>
+          </p:cNvPr>
+          <p:cNvCxnSpPr>
+            <a:cxnSpLocks/>
+          </p:cNvCxnSpPr>
+          <p:nvPr/>
+        </p:nvCxnSpPr>
+        <p:spPr>
+          <a:xfrm>
+            <a:off x="1767016" y="1680519"/>
+            <a:ext cx="0" cy="2211859"/>
+          </a:xfrm>
+          <a:prstGeom prst="line">
+            <a:avLst/>
+          </a:prstGeom>
+        </p:spPr>
+        <p:style>
+          <a:lnRef idx="3">
+            <a:schemeClr val="accent3"/>
+          </a:lnRef>
+          <a:fillRef idx="0">
+            <a:schemeClr val="accent3"/>
+          </a:fillRef>
+          <a:effectRef idx="2">
+            <a:schemeClr val="accent3"/>
+          </a:effectRef>
+          <a:fontRef idx="minor">
+            <a:schemeClr val="tx1"/>
+          </a:fontRef>
+        </p:style>
+      </p:cxnSp>
+      <p:cxnSp>
+        <p:nvCxnSpPr>
+          <p:cNvPr id="7" name="Straight Connector 6">
+            <a:extLst>
+              <a:ext uri="{FF2B5EF4-FFF2-40B4-BE49-F238E27FC236}">
+                <a16:creationId xmlns:a16="http://schemas.microsoft.com/office/drawing/2014/main" id="{9D0B795B-8CDF-464F-A223-D92092F9AEE6}"/>
+              </a:ext>
+            </a:extLst>
+          </p:cNvPr>
+          <p:cNvCxnSpPr>
+            <a:cxnSpLocks/>
+          </p:cNvCxnSpPr>
+          <p:nvPr/>
+        </p:nvCxnSpPr>
+        <p:spPr>
+          <a:xfrm flipH="1">
+            <a:off x="1767016" y="3892378"/>
+            <a:ext cx="4345460" cy="0"/>
+          </a:xfrm>
+          <a:prstGeom prst="line">
+            <a:avLst/>
+          </a:prstGeom>
+        </p:spPr>
+        <p:style>
+          <a:lnRef idx="3">
+            <a:schemeClr val="accent3"/>
+          </a:lnRef>
+          <a:fillRef idx="0">
+            <a:schemeClr val="accent3"/>
+          </a:fillRef>
+          <a:effectRef idx="2">
+            <a:schemeClr val="accent3"/>
+          </a:effectRef>
+          <a:fontRef idx="minor">
+            <a:schemeClr val="tx1"/>
+          </a:fontRef>
+        </p:style>
+      </p:cxnSp>
+      <p:cxnSp>
+        <p:nvCxnSpPr>
+          <p:cNvPr id="17" name="Straight Connector 16">
+            <a:extLst>
+              <a:ext uri="{FF2B5EF4-FFF2-40B4-BE49-F238E27FC236}">
+                <a16:creationId xmlns:a16="http://schemas.microsoft.com/office/drawing/2014/main" id="{7FE61A14-5BD1-7548-AD8E-3D421702A7C3}"/>
+              </a:ext>
+            </a:extLst>
+          </p:cNvPr>
+          <p:cNvCxnSpPr>
+            <a:cxnSpLocks/>
+          </p:cNvCxnSpPr>
+          <p:nvPr/>
+        </p:nvCxnSpPr>
+        <p:spPr>
+          <a:xfrm flipV="1">
+            <a:off x="4065373" y="2372497"/>
+            <a:ext cx="0" cy="947352"/>
+          </a:xfrm>
+          <a:prstGeom prst="line">
+            <a:avLst/>
+          </a:prstGeom>
+        </p:spPr>
+        <p:style>
+          <a:lnRef idx="3">
+            <a:schemeClr val="dk1"/>
+          </a:lnRef>
+          <a:fillRef idx="0">
+            <a:schemeClr val="dk1"/>
+          </a:fillRef>
+          <a:effectRef idx="2">
+            <a:schemeClr val="dk1"/>
+          </a:effectRef>
+          <a:fontRef idx="minor">
+            <a:schemeClr val="tx1"/>
+          </a:fontRef>
+        </p:style>
+      </p:cxnSp>
+      <p:cxnSp>
+        <p:nvCxnSpPr>
+          <p:cNvPr id="19" name="Straight Connector 18">
+            <a:extLst>
+              <a:ext uri="{FF2B5EF4-FFF2-40B4-BE49-F238E27FC236}">
+                <a16:creationId xmlns:a16="http://schemas.microsoft.com/office/drawing/2014/main" id="{B82C39E4-E21E-9A41-8AB0-9C0B7E430662}"/>
+              </a:ext>
+            </a:extLst>
+          </p:cNvPr>
+          <p:cNvCxnSpPr>
+            <a:cxnSpLocks/>
+          </p:cNvCxnSpPr>
+          <p:nvPr/>
+        </p:nvCxnSpPr>
+        <p:spPr>
+          <a:xfrm flipH="1">
+            <a:off x="3101546" y="2372497"/>
+            <a:ext cx="4119" cy="654908"/>
+          </a:xfrm>
+          <a:prstGeom prst="line">
+            <a:avLst/>
+          </a:prstGeom>
+        </p:spPr>
+        <p:style>
+          <a:lnRef idx="3">
+            <a:schemeClr val="dk1"/>
+          </a:lnRef>
+          <a:fillRef idx="0">
+            <a:schemeClr val="dk1"/>
+          </a:fillRef>
+          <a:effectRef idx="2">
+            <a:schemeClr val="dk1"/>
+          </a:effectRef>
+          <a:fontRef idx="minor">
+            <a:schemeClr val="tx1"/>
+          </a:fontRef>
+        </p:style>
+      </p:cxnSp>
+      <p:sp>
+        <p:nvSpPr>
+          <p:cNvPr id="25" name="Freeform 24">
+            <a:extLst>
+              <a:ext uri="{FF2B5EF4-FFF2-40B4-BE49-F238E27FC236}">
+                <a16:creationId xmlns:a16="http://schemas.microsoft.com/office/drawing/2014/main" id="{A0CBCFBB-EC7D-7C41-BB9E-9AB8640EF5B5}"/>
+              </a:ext>
+            </a:extLst>
+          </p:cNvPr>
+          <p:cNvSpPr/>
+          <p:nvPr/>
+        </p:nvSpPr>
+        <p:spPr>
+          <a:xfrm>
+            <a:off x="3101546" y="650180"/>
+            <a:ext cx="3039762" cy="1897154"/>
+          </a:xfrm>
+          <a:custGeom>
+            <a:avLst/>
+            <a:gdLst>
+              <a:gd name="connsiteX0" fmla="*/ 0 w 3039762"/>
+              <a:gd name="connsiteY0" fmla="*/ 1722317 h 1897154"/>
+              <a:gd name="connsiteX1" fmla="*/ 988540 w 3039762"/>
+              <a:gd name="connsiteY1" fmla="*/ 1734674 h 1897154"/>
+              <a:gd name="connsiteX2" fmla="*/ 3039762 w 3039762"/>
+              <a:gd name="connsiteY2" fmla="*/ 4728 h 1897154"/>
+            </a:gdLst>
+            <a:ahLst/>
+            <a:cxnLst>
+              <a:cxn ang="0">
+                <a:pos x="connsiteX0" y="connsiteY0"/>
+              </a:cxn>
+              <a:cxn ang="0">
+                <a:pos x="connsiteX1" y="connsiteY1"/>
+              </a:cxn>
+              <a:cxn ang="0">
+                <a:pos x="connsiteX2" y="connsiteY2"/>
+              </a:cxn>
+            </a:cxnLst>
+            <a:rect l="l" t="t" r="r" b="b"/>
+            <a:pathLst>
+              <a:path w="3039762" h="1897154">
+                <a:moveTo>
+                  <a:pt x="0" y="1722317"/>
+                </a:moveTo>
+                <a:cubicBezTo>
+                  <a:pt x="240956" y="1871628"/>
+                  <a:pt x="481913" y="2020939"/>
+                  <a:pt x="988540" y="1734674"/>
+                </a:cubicBezTo>
+                <a:cubicBezTo>
+                  <a:pt x="1495167" y="1448409"/>
+                  <a:pt x="2669059" y="-96186"/>
+                  <a:pt x="3039762" y="4728"/>
+                </a:cubicBezTo>
+              </a:path>
+            </a:pathLst>
+          </a:custGeom>
+          <a:noFill/>
+        </p:spPr>
+        <p:style>
+          <a:lnRef idx="2">
+            <a:schemeClr val="accent1">
+              <a:shade val="50000"/>
+            </a:schemeClr>
+          </a:lnRef>
+          <a:fillRef idx="1">
+            <a:schemeClr val="accent1"/>
+          </a:fillRef>
+          <a:effectRef idx="0">
+            <a:schemeClr val="accent1"/>
+          </a:effectRef>
+          <a:fontRef idx="minor">
+            <a:schemeClr val="lt1"/>
+          </a:fontRef>
+        </p:style>
+        <p:txBody>
+          <a:bodyPr rtlCol="0" anchor="ctr"/>
+          <a:lstStyle/>
+          <a:p>
+            <a:pPr algn="ctr"/>
+            <a:endParaRPr lang="nl-NL"/>
+          </a:p>
+        </p:txBody>
+      </p:sp>
+    </p:spTree>
+    <p:extLst>
+      <p:ext uri="{BB962C8B-B14F-4D97-AF65-F5344CB8AC3E}">
+        <p14:creationId xmlns:p14="http://schemas.microsoft.com/office/powerpoint/2010/main" val="1069475559"/>
+      </p:ext>
+    </p:extLst>
+  </p:cSld>
+  <p:clrMapOvr>
+    <a:masterClrMapping/>
+  </p:clrMapOvr>
+</p:sld>
+</file>
+
 <file path=ppt/theme/theme1.xml><?xml version="1.0" encoding="utf-8"?>
 <a:theme xmlns:a="http://schemas.openxmlformats.org/drawingml/2006/main" name="Office Theme">
   <a:themeElements>

--- a/source/figures.pptx
+++ b/source/figures.pptx
@@ -266,7 +266,7 @@
           <a:p>
             <a:fld id="{1D60275F-9D20-3E40-A985-6CD69AA74B1C}" type="datetimeFigureOut">
               <a:rPr lang="nl-NL" smtClean="0"/>
-              <a:t>23-10-18</a:t>
+              <a:t>26-10-18</a:t>
             </a:fld>
             <a:endParaRPr lang="nl-NL"/>
           </a:p>
@@ -466,7 +466,7 @@
           <a:p>
             <a:fld id="{1D60275F-9D20-3E40-A985-6CD69AA74B1C}" type="datetimeFigureOut">
               <a:rPr lang="nl-NL" smtClean="0"/>
-              <a:t>23-10-18</a:t>
+              <a:t>26-10-18</a:t>
             </a:fld>
             <a:endParaRPr lang="nl-NL"/>
           </a:p>
@@ -676,7 +676,7 @@
           <a:p>
             <a:fld id="{1D60275F-9D20-3E40-A985-6CD69AA74B1C}" type="datetimeFigureOut">
               <a:rPr lang="nl-NL" smtClean="0"/>
-              <a:t>23-10-18</a:t>
+              <a:t>26-10-18</a:t>
             </a:fld>
             <a:endParaRPr lang="nl-NL"/>
           </a:p>
@@ -876,7 +876,7 @@
           <a:p>
             <a:fld id="{1D60275F-9D20-3E40-A985-6CD69AA74B1C}" type="datetimeFigureOut">
               <a:rPr lang="nl-NL" smtClean="0"/>
-              <a:t>23-10-18</a:t>
+              <a:t>26-10-18</a:t>
             </a:fld>
             <a:endParaRPr lang="nl-NL"/>
           </a:p>
@@ -1152,7 +1152,7 @@
           <a:p>
             <a:fld id="{1D60275F-9D20-3E40-A985-6CD69AA74B1C}" type="datetimeFigureOut">
               <a:rPr lang="nl-NL" smtClean="0"/>
-              <a:t>23-10-18</a:t>
+              <a:t>26-10-18</a:t>
             </a:fld>
             <a:endParaRPr lang="nl-NL"/>
           </a:p>
@@ -1420,7 +1420,7 @@
           <a:p>
             <a:fld id="{1D60275F-9D20-3E40-A985-6CD69AA74B1C}" type="datetimeFigureOut">
               <a:rPr lang="nl-NL" smtClean="0"/>
-              <a:t>23-10-18</a:t>
+              <a:t>26-10-18</a:t>
             </a:fld>
             <a:endParaRPr lang="nl-NL"/>
           </a:p>
@@ -1835,7 +1835,7 @@
           <a:p>
             <a:fld id="{1D60275F-9D20-3E40-A985-6CD69AA74B1C}" type="datetimeFigureOut">
               <a:rPr lang="nl-NL" smtClean="0"/>
-              <a:t>23-10-18</a:t>
+              <a:t>26-10-18</a:t>
             </a:fld>
             <a:endParaRPr lang="nl-NL"/>
           </a:p>
@@ -1977,7 +1977,7 @@
           <a:p>
             <a:fld id="{1D60275F-9D20-3E40-A985-6CD69AA74B1C}" type="datetimeFigureOut">
               <a:rPr lang="nl-NL" smtClean="0"/>
-              <a:t>23-10-18</a:t>
+              <a:t>26-10-18</a:t>
             </a:fld>
             <a:endParaRPr lang="nl-NL"/>
           </a:p>
@@ -2090,7 +2090,7 @@
           <a:p>
             <a:fld id="{1D60275F-9D20-3E40-A985-6CD69AA74B1C}" type="datetimeFigureOut">
               <a:rPr lang="nl-NL" smtClean="0"/>
-              <a:t>23-10-18</a:t>
+              <a:t>26-10-18</a:t>
             </a:fld>
             <a:endParaRPr lang="nl-NL"/>
           </a:p>
@@ -2403,7 +2403,7 @@
           <a:p>
             <a:fld id="{1D60275F-9D20-3E40-A985-6CD69AA74B1C}" type="datetimeFigureOut">
               <a:rPr lang="nl-NL" smtClean="0"/>
-              <a:t>23-10-18</a:t>
+              <a:t>26-10-18</a:t>
             </a:fld>
             <a:endParaRPr lang="nl-NL"/>
           </a:p>
@@ -2692,7 +2692,7 @@
           <a:p>
             <a:fld id="{1D60275F-9D20-3E40-A985-6CD69AA74B1C}" type="datetimeFigureOut">
               <a:rPr lang="nl-NL" smtClean="0"/>
-              <a:t>23-10-18</a:t>
+              <a:t>26-10-18</a:t>
             </a:fld>
             <a:endParaRPr lang="nl-NL"/>
           </a:p>
@@ -2935,7 +2935,7 @@
           <a:p>
             <a:fld id="{1D60275F-9D20-3E40-A985-6CD69AA74B1C}" type="datetimeFigureOut">
               <a:rPr lang="nl-NL" smtClean="0"/>
-              <a:t>23-10-18</a:t>
+              <a:t>26-10-18</a:t>
             </a:fld>
             <a:endParaRPr lang="nl-NL"/>
           </a:p>
@@ -13273,8 +13273,8 @@
           </a:fontRef>
         </p:style>
       </p:cxnSp>
-      <mc:AlternateContent xmlns:mc="http://schemas.openxmlformats.org/markup-compatibility/2006">
-        <mc:Choice xmlns:a14="http://schemas.microsoft.com/office/drawing/2010/main" Requires="a14">
+      <mc:AlternateContent xmlns:mc="http://schemas.openxmlformats.org/markup-compatibility/2006" xmlns:a14="http://schemas.microsoft.com/office/drawing/2010/main">
+        <mc:Choice Requires="a14">
           <p:sp>
             <p:nvSpPr>
               <p:cNvPr id="19" name="TextBox 18">
@@ -13303,6 +13303,7 @@
               </a:bodyPr>
               <a:lstStyle/>
               <a:p>
+                <a:pPr/>
                 <a14:m>
                   <m:oMathPara xmlns:m="http://schemas.openxmlformats.org/officeDocument/2006/math">
                     <m:oMathParaPr>
@@ -13331,7 +13332,7 @@
             </p:txBody>
           </p:sp>
         </mc:Choice>
-        <mc:Fallback>
+        <mc:Fallback xmlns="">
           <p:sp>
             <p:nvSpPr>
               <p:cNvPr id="19" name="TextBox 18">
@@ -13459,8 +13460,8 @@
           </a:fontRef>
         </p:style>
       </p:cxnSp>
-      <mc:AlternateContent xmlns:mc="http://schemas.openxmlformats.org/markup-compatibility/2006">
-        <mc:Choice xmlns:a14="http://schemas.microsoft.com/office/drawing/2010/main" Requires="a14">
+      <mc:AlternateContent xmlns:mc="http://schemas.openxmlformats.org/markup-compatibility/2006" xmlns:a14="http://schemas.microsoft.com/office/drawing/2010/main">
+        <mc:Choice Requires="a14">
           <p:sp>
             <p:nvSpPr>
               <p:cNvPr id="31" name="TextBox 30">
@@ -13489,6 +13490,7 @@
               </a:bodyPr>
               <a:lstStyle/>
               <a:p>
+                <a:pPr/>
                 <a14:m>
                   <m:oMathPara xmlns:m="http://schemas.openxmlformats.org/officeDocument/2006/math">
                     <m:oMathParaPr>
@@ -13517,7 +13519,7 @@
             </p:txBody>
           </p:sp>
         </mc:Choice>
-        <mc:Fallback>
+        <mc:Fallback xmlns="">
           <p:sp>
             <p:nvSpPr>
               <p:cNvPr id="31" name="TextBox 30">
@@ -13770,7 +13772,7 @@
         <p:spPr>
           <a:xfrm flipH="1">
             <a:off x="1767016" y="3892378"/>
-            <a:ext cx="4345460" cy="0"/>
+            <a:ext cx="2817341" cy="0"/>
           </a:xfrm>
           <a:prstGeom prst="line">
             <a:avLst/>
@@ -13791,167 +13793,6 @@
           </a:fontRef>
         </p:style>
       </p:cxnSp>
-      <p:cxnSp>
-        <p:nvCxnSpPr>
-          <p:cNvPr id="17" name="Straight Connector 16">
-            <a:extLst>
-              <a:ext uri="{FF2B5EF4-FFF2-40B4-BE49-F238E27FC236}">
-                <a16:creationId xmlns:a16="http://schemas.microsoft.com/office/drawing/2014/main" id="{7FE61A14-5BD1-7548-AD8E-3D421702A7C3}"/>
-              </a:ext>
-            </a:extLst>
-          </p:cNvPr>
-          <p:cNvCxnSpPr>
-            <a:cxnSpLocks/>
-          </p:cNvCxnSpPr>
-          <p:nvPr/>
-        </p:nvCxnSpPr>
-        <p:spPr>
-          <a:xfrm flipV="1">
-            <a:off x="4065373" y="2372497"/>
-            <a:ext cx="0" cy="947352"/>
-          </a:xfrm>
-          <a:prstGeom prst="line">
-            <a:avLst/>
-          </a:prstGeom>
-        </p:spPr>
-        <p:style>
-          <a:lnRef idx="3">
-            <a:schemeClr val="dk1"/>
-          </a:lnRef>
-          <a:fillRef idx="0">
-            <a:schemeClr val="dk1"/>
-          </a:fillRef>
-          <a:effectRef idx="2">
-            <a:schemeClr val="dk1"/>
-          </a:effectRef>
-          <a:fontRef idx="minor">
-            <a:schemeClr val="tx1"/>
-          </a:fontRef>
-        </p:style>
-      </p:cxnSp>
-      <p:cxnSp>
-        <p:nvCxnSpPr>
-          <p:cNvPr id="19" name="Straight Connector 18">
-            <a:extLst>
-              <a:ext uri="{FF2B5EF4-FFF2-40B4-BE49-F238E27FC236}">
-                <a16:creationId xmlns:a16="http://schemas.microsoft.com/office/drawing/2014/main" id="{B82C39E4-E21E-9A41-8AB0-9C0B7E430662}"/>
-              </a:ext>
-            </a:extLst>
-          </p:cNvPr>
-          <p:cNvCxnSpPr>
-            <a:cxnSpLocks/>
-          </p:cNvCxnSpPr>
-          <p:nvPr/>
-        </p:nvCxnSpPr>
-        <p:spPr>
-          <a:xfrm flipH="1">
-            <a:off x="3101546" y="2372497"/>
-            <a:ext cx="4119" cy="654908"/>
-          </a:xfrm>
-          <a:prstGeom prst="line">
-            <a:avLst/>
-          </a:prstGeom>
-        </p:spPr>
-        <p:style>
-          <a:lnRef idx="3">
-            <a:schemeClr val="dk1"/>
-          </a:lnRef>
-          <a:fillRef idx="0">
-            <a:schemeClr val="dk1"/>
-          </a:fillRef>
-          <a:effectRef idx="2">
-            <a:schemeClr val="dk1"/>
-          </a:effectRef>
-          <a:fontRef idx="minor">
-            <a:schemeClr val="tx1"/>
-          </a:fontRef>
-        </p:style>
-      </p:cxnSp>
-      <p:sp>
-        <p:nvSpPr>
-          <p:cNvPr id="25" name="Freeform 24">
-            <a:extLst>
-              <a:ext uri="{FF2B5EF4-FFF2-40B4-BE49-F238E27FC236}">
-                <a16:creationId xmlns:a16="http://schemas.microsoft.com/office/drawing/2014/main" id="{A0CBCFBB-EC7D-7C41-BB9E-9AB8640EF5B5}"/>
-              </a:ext>
-            </a:extLst>
-          </p:cNvPr>
-          <p:cNvSpPr/>
-          <p:nvPr/>
-        </p:nvSpPr>
-        <p:spPr>
-          <a:xfrm>
-            <a:off x="3101546" y="650180"/>
-            <a:ext cx="3039762" cy="1897154"/>
-          </a:xfrm>
-          <a:custGeom>
-            <a:avLst/>
-            <a:gdLst>
-              <a:gd name="connsiteX0" fmla="*/ 0 w 3039762"/>
-              <a:gd name="connsiteY0" fmla="*/ 1722317 h 1897154"/>
-              <a:gd name="connsiteX1" fmla="*/ 988540 w 3039762"/>
-              <a:gd name="connsiteY1" fmla="*/ 1734674 h 1897154"/>
-              <a:gd name="connsiteX2" fmla="*/ 3039762 w 3039762"/>
-              <a:gd name="connsiteY2" fmla="*/ 4728 h 1897154"/>
-            </a:gdLst>
-            <a:ahLst/>
-            <a:cxnLst>
-              <a:cxn ang="0">
-                <a:pos x="connsiteX0" y="connsiteY0"/>
-              </a:cxn>
-              <a:cxn ang="0">
-                <a:pos x="connsiteX1" y="connsiteY1"/>
-              </a:cxn>
-              <a:cxn ang="0">
-                <a:pos x="connsiteX2" y="connsiteY2"/>
-              </a:cxn>
-            </a:cxnLst>
-            <a:rect l="l" t="t" r="r" b="b"/>
-            <a:pathLst>
-              <a:path w="3039762" h="1897154">
-                <a:moveTo>
-                  <a:pt x="0" y="1722317"/>
-                </a:moveTo>
-                <a:cubicBezTo>
-                  <a:pt x="240956" y="1871628"/>
-                  <a:pt x="481913" y="2020939"/>
-                  <a:pt x="988540" y="1734674"/>
-                </a:cubicBezTo>
-                <a:cubicBezTo>
-                  <a:pt x="1495167" y="1448409"/>
-                  <a:pt x="2669059" y="-96186"/>
-                  <a:pt x="3039762" y="4728"/>
-                </a:cubicBezTo>
-              </a:path>
-            </a:pathLst>
-          </a:custGeom>
-          <a:noFill/>
-        </p:spPr>
-        <p:style>
-          <a:lnRef idx="2">
-            <a:schemeClr val="accent1">
-              <a:shade val="50000"/>
-            </a:schemeClr>
-          </a:lnRef>
-          <a:fillRef idx="1">
-            <a:schemeClr val="accent1"/>
-          </a:fillRef>
-          <a:effectRef idx="0">
-            <a:schemeClr val="accent1"/>
-          </a:effectRef>
-          <a:fontRef idx="minor">
-            <a:schemeClr val="lt1"/>
-          </a:fontRef>
-        </p:style>
-        <p:txBody>
-          <a:bodyPr rtlCol="0" anchor="ctr"/>
-          <a:lstStyle/>
-          <a:p>
-            <a:pPr algn="ctr"/>
-            <a:endParaRPr lang="nl-NL"/>
-          </a:p>
-        </p:txBody>
-      </p:sp>
     </p:spTree>
     <p:extLst>
       <p:ext uri="{BB962C8B-B14F-4D97-AF65-F5344CB8AC3E}">

--- a/source/figures.pptx
+++ b/source/figures.pptx
@@ -266,7 +266,7 @@
           <a:p>
             <a:fld id="{1D60275F-9D20-3E40-A985-6CD69AA74B1C}" type="datetimeFigureOut">
               <a:rPr lang="nl-NL" smtClean="0"/>
-              <a:t>26-10-18</a:t>
+              <a:t>29-10-18</a:t>
             </a:fld>
             <a:endParaRPr lang="nl-NL"/>
           </a:p>
@@ -466,7 +466,7 @@
           <a:p>
             <a:fld id="{1D60275F-9D20-3E40-A985-6CD69AA74B1C}" type="datetimeFigureOut">
               <a:rPr lang="nl-NL" smtClean="0"/>
-              <a:t>26-10-18</a:t>
+              <a:t>29-10-18</a:t>
             </a:fld>
             <a:endParaRPr lang="nl-NL"/>
           </a:p>
@@ -676,7 +676,7 @@
           <a:p>
             <a:fld id="{1D60275F-9D20-3E40-A985-6CD69AA74B1C}" type="datetimeFigureOut">
               <a:rPr lang="nl-NL" smtClean="0"/>
-              <a:t>26-10-18</a:t>
+              <a:t>29-10-18</a:t>
             </a:fld>
             <a:endParaRPr lang="nl-NL"/>
           </a:p>
@@ -876,7 +876,7 @@
           <a:p>
             <a:fld id="{1D60275F-9D20-3E40-A985-6CD69AA74B1C}" type="datetimeFigureOut">
               <a:rPr lang="nl-NL" smtClean="0"/>
-              <a:t>26-10-18</a:t>
+              <a:t>29-10-18</a:t>
             </a:fld>
             <a:endParaRPr lang="nl-NL"/>
           </a:p>
@@ -1152,7 +1152,7 @@
           <a:p>
             <a:fld id="{1D60275F-9D20-3E40-A985-6CD69AA74B1C}" type="datetimeFigureOut">
               <a:rPr lang="nl-NL" smtClean="0"/>
-              <a:t>26-10-18</a:t>
+              <a:t>29-10-18</a:t>
             </a:fld>
             <a:endParaRPr lang="nl-NL"/>
           </a:p>
@@ -1420,7 +1420,7 @@
           <a:p>
             <a:fld id="{1D60275F-9D20-3E40-A985-6CD69AA74B1C}" type="datetimeFigureOut">
               <a:rPr lang="nl-NL" smtClean="0"/>
-              <a:t>26-10-18</a:t>
+              <a:t>29-10-18</a:t>
             </a:fld>
             <a:endParaRPr lang="nl-NL"/>
           </a:p>
@@ -1835,7 +1835,7 @@
           <a:p>
             <a:fld id="{1D60275F-9D20-3E40-A985-6CD69AA74B1C}" type="datetimeFigureOut">
               <a:rPr lang="nl-NL" smtClean="0"/>
-              <a:t>26-10-18</a:t>
+              <a:t>29-10-18</a:t>
             </a:fld>
             <a:endParaRPr lang="nl-NL"/>
           </a:p>
@@ -1977,7 +1977,7 @@
           <a:p>
             <a:fld id="{1D60275F-9D20-3E40-A985-6CD69AA74B1C}" type="datetimeFigureOut">
               <a:rPr lang="nl-NL" smtClean="0"/>
-              <a:t>26-10-18</a:t>
+              <a:t>29-10-18</a:t>
             </a:fld>
             <a:endParaRPr lang="nl-NL"/>
           </a:p>
@@ -2090,7 +2090,7 @@
           <a:p>
             <a:fld id="{1D60275F-9D20-3E40-A985-6CD69AA74B1C}" type="datetimeFigureOut">
               <a:rPr lang="nl-NL" smtClean="0"/>
-              <a:t>26-10-18</a:t>
+              <a:t>29-10-18</a:t>
             </a:fld>
             <a:endParaRPr lang="nl-NL"/>
           </a:p>
@@ -2403,7 +2403,7 @@
           <a:p>
             <a:fld id="{1D60275F-9D20-3E40-A985-6CD69AA74B1C}" type="datetimeFigureOut">
               <a:rPr lang="nl-NL" smtClean="0"/>
-              <a:t>26-10-18</a:t>
+              <a:t>29-10-18</a:t>
             </a:fld>
             <a:endParaRPr lang="nl-NL"/>
           </a:p>
@@ -2692,7 +2692,7 @@
           <a:p>
             <a:fld id="{1D60275F-9D20-3E40-A985-6CD69AA74B1C}" type="datetimeFigureOut">
               <a:rPr lang="nl-NL" smtClean="0"/>
-              <a:t>26-10-18</a:t>
+              <a:t>29-10-18</a:t>
             </a:fld>
             <a:endParaRPr lang="nl-NL"/>
           </a:p>
@@ -2935,7 +2935,7 @@
           <a:p>
             <a:fld id="{1D60275F-9D20-3E40-A985-6CD69AA74B1C}" type="datetimeFigureOut">
               <a:rPr lang="nl-NL" smtClean="0"/>
-              <a:t>26-10-18</a:t>
+              <a:t>29-10-18</a:t>
             </a:fld>
             <a:endParaRPr lang="nl-NL"/>
           </a:p>

--- a/source/figures.pptx
+++ b/source/figures.pptx
@@ -11,6 +11,7 @@
     <p:sldId id="259" r:id="rId5"/>
     <p:sldId id="260" r:id="rId6"/>
     <p:sldId id="261" r:id="rId7"/>
+    <p:sldId id="262" r:id="rId8"/>
   </p:sldIdLst>
   <p:sldSz cx="12192000" cy="6858000"/>
   <p:notesSz cx="6858000" cy="9144000"/>
@@ -266,7 +267,7 @@
           <a:p>
             <a:fld id="{1D60275F-9D20-3E40-A985-6CD69AA74B1C}" type="datetimeFigureOut">
               <a:rPr lang="nl-NL" smtClean="0"/>
-              <a:t>29-10-18</a:t>
+              <a:t>13-11-18</a:t>
             </a:fld>
             <a:endParaRPr lang="nl-NL"/>
           </a:p>
@@ -466,7 +467,7 @@
           <a:p>
             <a:fld id="{1D60275F-9D20-3E40-A985-6CD69AA74B1C}" type="datetimeFigureOut">
               <a:rPr lang="nl-NL" smtClean="0"/>
-              <a:t>29-10-18</a:t>
+              <a:t>13-11-18</a:t>
             </a:fld>
             <a:endParaRPr lang="nl-NL"/>
           </a:p>
@@ -676,7 +677,7 @@
           <a:p>
             <a:fld id="{1D60275F-9D20-3E40-A985-6CD69AA74B1C}" type="datetimeFigureOut">
               <a:rPr lang="nl-NL" smtClean="0"/>
-              <a:t>29-10-18</a:t>
+              <a:t>13-11-18</a:t>
             </a:fld>
             <a:endParaRPr lang="nl-NL"/>
           </a:p>
@@ -876,7 +877,7 @@
           <a:p>
             <a:fld id="{1D60275F-9D20-3E40-A985-6CD69AA74B1C}" type="datetimeFigureOut">
               <a:rPr lang="nl-NL" smtClean="0"/>
-              <a:t>29-10-18</a:t>
+              <a:t>13-11-18</a:t>
             </a:fld>
             <a:endParaRPr lang="nl-NL"/>
           </a:p>
@@ -1152,7 +1153,7 @@
           <a:p>
             <a:fld id="{1D60275F-9D20-3E40-A985-6CD69AA74B1C}" type="datetimeFigureOut">
               <a:rPr lang="nl-NL" smtClean="0"/>
-              <a:t>29-10-18</a:t>
+              <a:t>13-11-18</a:t>
             </a:fld>
             <a:endParaRPr lang="nl-NL"/>
           </a:p>
@@ -1420,7 +1421,7 @@
           <a:p>
             <a:fld id="{1D60275F-9D20-3E40-A985-6CD69AA74B1C}" type="datetimeFigureOut">
               <a:rPr lang="nl-NL" smtClean="0"/>
-              <a:t>29-10-18</a:t>
+              <a:t>13-11-18</a:t>
             </a:fld>
             <a:endParaRPr lang="nl-NL"/>
           </a:p>
@@ -1835,7 +1836,7 @@
           <a:p>
             <a:fld id="{1D60275F-9D20-3E40-A985-6CD69AA74B1C}" type="datetimeFigureOut">
               <a:rPr lang="nl-NL" smtClean="0"/>
-              <a:t>29-10-18</a:t>
+              <a:t>13-11-18</a:t>
             </a:fld>
             <a:endParaRPr lang="nl-NL"/>
           </a:p>
@@ -1977,7 +1978,7 @@
           <a:p>
             <a:fld id="{1D60275F-9D20-3E40-A985-6CD69AA74B1C}" type="datetimeFigureOut">
               <a:rPr lang="nl-NL" smtClean="0"/>
-              <a:t>29-10-18</a:t>
+              <a:t>13-11-18</a:t>
             </a:fld>
             <a:endParaRPr lang="nl-NL"/>
           </a:p>
@@ -2090,7 +2091,7 @@
           <a:p>
             <a:fld id="{1D60275F-9D20-3E40-A985-6CD69AA74B1C}" type="datetimeFigureOut">
               <a:rPr lang="nl-NL" smtClean="0"/>
-              <a:t>29-10-18</a:t>
+              <a:t>13-11-18</a:t>
             </a:fld>
             <a:endParaRPr lang="nl-NL"/>
           </a:p>
@@ -2403,7 +2404,7 @@
           <a:p>
             <a:fld id="{1D60275F-9D20-3E40-A985-6CD69AA74B1C}" type="datetimeFigureOut">
               <a:rPr lang="nl-NL" smtClean="0"/>
-              <a:t>29-10-18</a:t>
+              <a:t>13-11-18</a:t>
             </a:fld>
             <a:endParaRPr lang="nl-NL"/>
           </a:p>
@@ -2692,7 +2693,7 @@
           <a:p>
             <a:fld id="{1D60275F-9D20-3E40-A985-6CD69AA74B1C}" type="datetimeFigureOut">
               <a:rPr lang="nl-NL" smtClean="0"/>
-              <a:t>29-10-18</a:t>
+              <a:t>13-11-18</a:t>
             </a:fld>
             <a:endParaRPr lang="nl-NL"/>
           </a:p>
@@ -2935,7 +2936,7 @@
           <a:p>
             <a:fld id="{1D60275F-9D20-3E40-A985-6CD69AA74B1C}" type="datetimeFigureOut">
               <a:rPr lang="nl-NL" smtClean="0"/>
-              <a:t>29-10-18</a:t>
+              <a:t>13-11-18</a:t>
             </a:fld>
             <a:endParaRPr lang="nl-NL"/>
           </a:p>
@@ -13717,86 +13718,753 @@
           <a:chExt cx="0" cy="0"/>
         </a:xfrm>
       </p:grpSpPr>
-      <p:cxnSp>
-        <p:nvCxnSpPr>
-          <p:cNvPr id="5" name="Straight Connector 4">
+      <p:grpSp>
+        <p:nvGrpSpPr>
+          <p:cNvPr id="54" name="Group 53">
             <a:extLst>
               <a:ext uri="{FF2B5EF4-FFF2-40B4-BE49-F238E27FC236}">
-                <a16:creationId xmlns:a16="http://schemas.microsoft.com/office/drawing/2014/main" id="{267FDB71-AF0F-E34D-B647-76D096268F97}"/>
+                <a16:creationId xmlns:a16="http://schemas.microsoft.com/office/drawing/2014/main" id="{11FE7AA2-8E8B-D442-A15D-7DB7FB4F814F}"/>
               </a:ext>
             </a:extLst>
           </p:cNvPr>
-          <p:cNvCxnSpPr>
-            <a:cxnSpLocks/>
-          </p:cNvCxnSpPr>
+          <p:cNvGrpSpPr/>
           <p:nvPr/>
-        </p:nvCxnSpPr>
-        <p:spPr>
+        </p:nvGrpSpPr>
+        <p:grpSpPr>
           <a:xfrm>
-            <a:off x="1767016" y="1680519"/>
-            <a:ext cx="0" cy="2211859"/>
+            <a:off x="3752850" y="2230632"/>
+            <a:ext cx="2591328" cy="1680103"/>
+            <a:chOff x="3752850" y="2230632"/>
+            <a:chExt cx="2591328" cy="1680103"/>
           </a:xfrm>
-          <a:prstGeom prst="line">
-            <a:avLst/>
-          </a:prstGeom>
-        </p:spPr>
-        <p:style>
-          <a:lnRef idx="3">
-            <a:schemeClr val="accent3"/>
-          </a:lnRef>
-          <a:fillRef idx="0">
-            <a:schemeClr val="accent3"/>
-          </a:fillRef>
-          <a:effectRef idx="2">
-            <a:schemeClr val="accent3"/>
-          </a:effectRef>
-          <a:fontRef idx="minor">
-            <a:schemeClr val="tx1"/>
-          </a:fontRef>
-        </p:style>
-      </p:cxnSp>
-      <p:cxnSp>
-        <p:nvCxnSpPr>
-          <p:cNvPr id="7" name="Straight Connector 6">
-            <a:extLst>
-              <a:ext uri="{FF2B5EF4-FFF2-40B4-BE49-F238E27FC236}">
-                <a16:creationId xmlns:a16="http://schemas.microsoft.com/office/drawing/2014/main" id="{9D0B795B-8CDF-464F-A223-D92092F9AEE6}"/>
-              </a:ext>
-            </a:extLst>
-          </p:cNvPr>
-          <p:cNvCxnSpPr>
-            <a:cxnSpLocks/>
-          </p:cNvCxnSpPr>
-          <p:nvPr/>
-        </p:nvCxnSpPr>
-        <p:spPr>
-          <a:xfrm flipH="1">
-            <a:off x="1767016" y="3892378"/>
-            <a:ext cx="2817341" cy="0"/>
-          </a:xfrm>
-          <a:prstGeom prst="line">
-            <a:avLst/>
-          </a:prstGeom>
-        </p:spPr>
-        <p:style>
-          <a:lnRef idx="3">
-            <a:schemeClr val="accent3"/>
-          </a:lnRef>
-          <a:fillRef idx="0">
-            <a:schemeClr val="accent3"/>
-          </a:fillRef>
-          <a:effectRef idx="2">
-            <a:schemeClr val="accent3"/>
-          </a:effectRef>
-          <a:fontRef idx="minor">
-            <a:schemeClr val="tx1"/>
-          </a:fontRef>
-        </p:style>
-      </p:cxnSp>
+        </p:grpSpPr>
+        <p:grpSp>
+          <p:nvGrpSpPr>
+            <p:cNvPr id="48" name="Group 47">
+              <a:extLst>
+                <a:ext uri="{FF2B5EF4-FFF2-40B4-BE49-F238E27FC236}">
+                  <a16:creationId xmlns:a16="http://schemas.microsoft.com/office/drawing/2014/main" id="{B7F6531B-E788-5542-838A-961B205DC94C}"/>
+                </a:ext>
+              </a:extLst>
+            </p:cNvPr>
+            <p:cNvGrpSpPr/>
+            <p:nvPr/>
+          </p:nvGrpSpPr>
+          <p:grpSpPr>
+            <a:xfrm>
+              <a:off x="3752850" y="2322964"/>
+              <a:ext cx="1741332" cy="1587771"/>
+              <a:chOff x="3752850" y="2322965"/>
+              <a:chExt cx="1122266" cy="1023298"/>
+            </a:xfrm>
+          </p:grpSpPr>
+          <p:grpSp>
+            <p:nvGrpSpPr>
+              <p:cNvPr id="41" name="Group 40">
+                <a:extLst>
+                  <a:ext uri="{FF2B5EF4-FFF2-40B4-BE49-F238E27FC236}">
+                    <a16:creationId xmlns:a16="http://schemas.microsoft.com/office/drawing/2014/main" id="{3D394FE9-CEFE-6A44-97DA-9C11085001C0}"/>
+                  </a:ext>
+                </a:extLst>
+              </p:cNvPr>
+              <p:cNvGrpSpPr/>
+              <p:nvPr/>
+            </p:nvGrpSpPr>
+            <p:grpSpPr>
+              <a:xfrm>
+                <a:off x="3752850" y="2322965"/>
+                <a:ext cx="1122266" cy="1023298"/>
+                <a:chOff x="3752850" y="2322965"/>
+                <a:chExt cx="1122266" cy="1023298"/>
+              </a:xfrm>
+            </p:grpSpPr>
+            <p:cxnSp>
+              <p:nvCxnSpPr>
+                <p:cNvPr id="11" name="Straight Connector 10">
+                  <a:extLst>
+                    <a:ext uri="{FF2B5EF4-FFF2-40B4-BE49-F238E27FC236}">
+                      <a16:creationId xmlns:a16="http://schemas.microsoft.com/office/drawing/2014/main" id="{64D923A8-4FA7-6B47-89CA-787E0D2F2B13}"/>
+                    </a:ext>
+                  </a:extLst>
+                </p:cNvPr>
+                <p:cNvCxnSpPr>
+                  <a:cxnSpLocks/>
+                </p:cNvCxnSpPr>
+                <p:nvPr/>
+              </p:nvCxnSpPr>
+              <p:spPr>
+                <a:xfrm>
+                  <a:off x="3840888" y="2385649"/>
+                  <a:ext cx="247819" cy="0"/>
+                </a:xfrm>
+                <a:prstGeom prst="line">
+                  <a:avLst/>
+                </a:prstGeom>
+              </p:spPr>
+              <p:style>
+                <a:lnRef idx="3">
+                  <a:schemeClr val="accent1"/>
+                </a:lnRef>
+                <a:fillRef idx="0">
+                  <a:schemeClr val="accent1"/>
+                </a:fillRef>
+                <a:effectRef idx="2">
+                  <a:schemeClr val="accent1"/>
+                </a:effectRef>
+                <a:fontRef idx="minor">
+                  <a:schemeClr val="tx1"/>
+                </a:fontRef>
+              </p:style>
+            </p:cxnSp>
+            <p:cxnSp>
+              <p:nvCxnSpPr>
+                <p:cNvPr id="12" name="Straight Connector 11">
+                  <a:extLst>
+                    <a:ext uri="{FF2B5EF4-FFF2-40B4-BE49-F238E27FC236}">
+                      <a16:creationId xmlns:a16="http://schemas.microsoft.com/office/drawing/2014/main" id="{A77089D4-760D-914D-9759-5A9F5F5900C4}"/>
+                    </a:ext>
+                  </a:extLst>
+                </p:cNvPr>
+                <p:cNvCxnSpPr>
+                  <a:cxnSpLocks/>
+                </p:cNvCxnSpPr>
+                <p:nvPr/>
+              </p:nvCxnSpPr>
+              <p:spPr>
+                <a:xfrm>
+                  <a:off x="4581249" y="3168247"/>
+                  <a:ext cx="293867" cy="0"/>
+                </a:xfrm>
+                <a:prstGeom prst="line">
+                  <a:avLst/>
+                </a:prstGeom>
+              </p:spPr>
+              <p:style>
+                <a:lnRef idx="3">
+                  <a:schemeClr val="accent1"/>
+                </a:lnRef>
+                <a:fillRef idx="0">
+                  <a:schemeClr val="accent1"/>
+                </a:fillRef>
+                <a:effectRef idx="2">
+                  <a:schemeClr val="accent1"/>
+                </a:effectRef>
+                <a:fontRef idx="minor">
+                  <a:schemeClr val="tx1"/>
+                </a:fontRef>
+              </p:style>
+            </p:cxnSp>
+            <p:sp>
+              <p:nvSpPr>
+                <p:cNvPr id="18" name="Arc 17">
+                  <a:extLst>
+                    <a:ext uri="{FF2B5EF4-FFF2-40B4-BE49-F238E27FC236}">
+                      <a16:creationId xmlns:a16="http://schemas.microsoft.com/office/drawing/2014/main" id="{3BEDD136-C5DE-804B-B962-03DAD032CA25}"/>
+                    </a:ext>
+                  </a:extLst>
+                </p:cNvPr>
+                <p:cNvSpPr/>
+                <p:nvPr/>
+              </p:nvSpPr>
+              <p:spPr>
+                <a:xfrm>
+                  <a:off x="3808777" y="2385649"/>
+                  <a:ext cx="517402" cy="786965"/>
+                </a:xfrm>
+                <a:prstGeom prst="arc">
+                  <a:avLst>
+                    <a:gd name="adj1" fmla="val 16178764"/>
+                    <a:gd name="adj2" fmla="val 0"/>
+                  </a:avLst>
+                </a:prstGeom>
+              </p:spPr>
+              <p:style>
+                <a:lnRef idx="3">
+                  <a:schemeClr val="accent1"/>
+                </a:lnRef>
+                <a:fillRef idx="0">
+                  <a:schemeClr val="accent1"/>
+                </a:fillRef>
+                <a:effectRef idx="2">
+                  <a:schemeClr val="accent1"/>
+                </a:effectRef>
+                <a:fontRef idx="minor">
+                  <a:schemeClr val="tx1"/>
+                </a:fontRef>
+              </p:style>
+              <p:txBody>
+                <a:bodyPr rtlCol="0" anchor="ctr"/>
+                <a:lstStyle/>
+                <a:p>
+                  <a:pPr algn="ctr"/>
+                  <a:endParaRPr lang="nl-NL"/>
+                </a:p>
+              </p:txBody>
+            </p:sp>
+            <p:sp>
+              <p:nvSpPr>
+                <p:cNvPr id="19" name="Arc 18">
+                  <a:extLst>
+                    <a:ext uri="{FF2B5EF4-FFF2-40B4-BE49-F238E27FC236}">
+                      <a16:creationId xmlns:a16="http://schemas.microsoft.com/office/drawing/2014/main" id="{8A9791C1-EF89-8C4B-AE44-D31CD28B9D1A}"/>
+                    </a:ext>
+                  </a:extLst>
+                </p:cNvPr>
+                <p:cNvSpPr/>
+                <p:nvPr/>
+              </p:nvSpPr>
+              <p:spPr>
+                <a:xfrm rot="10800000">
+                  <a:off x="4326179" y="2387503"/>
+                  <a:ext cx="525752" cy="781670"/>
+                </a:xfrm>
+                <a:prstGeom prst="arc">
+                  <a:avLst>
+                    <a:gd name="adj1" fmla="val 16210853"/>
+                    <a:gd name="adj2" fmla="val 0"/>
+                  </a:avLst>
+                </a:prstGeom>
+              </p:spPr>
+              <p:style>
+                <a:lnRef idx="3">
+                  <a:schemeClr val="accent1"/>
+                </a:lnRef>
+                <a:fillRef idx="0">
+                  <a:schemeClr val="accent1"/>
+                </a:fillRef>
+                <a:effectRef idx="2">
+                  <a:schemeClr val="accent1"/>
+                </a:effectRef>
+                <a:fontRef idx="minor">
+                  <a:schemeClr val="tx1"/>
+                </a:fontRef>
+              </p:style>
+              <p:txBody>
+                <a:bodyPr rtlCol="0" anchor="ctr"/>
+                <a:lstStyle/>
+                <a:p>
+                  <a:pPr algn="ctr"/>
+                  <a:endParaRPr lang="nl-NL"/>
+                </a:p>
+              </p:txBody>
+            </p:sp>
+            <p:cxnSp>
+              <p:nvCxnSpPr>
+                <p:cNvPr id="8" name="Straight Connector 7">
+                  <a:extLst>
+                    <a:ext uri="{FF2B5EF4-FFF2-40B4-BE49-F238E27FC236}">
+                      <a16:creationId xmlns:a16="http://schemas.microsoft.com/office/drawing/2014/main" id="{F18F0E6B-648E-3643-8040-F700C6027971}"/>
+                    </a:ext>
+                  </a:extLst>
+                </p:cNvPr>
+                <p:cNvCxnSpPr>
+                  <a:cxnSpLocks/>
+                </p:cNvCxnSpPr>
+                <p:nvPr/>
+              </p:nvCxnSpPr>
+              <p:spPr>
+                <a:xfrm flipH="1">
+                  <a:off x="4326180" y="3169702"/>
+                  <a:ext cx="548936" cy="0"/>
+                </a:xfrm>
+                <a:prstGeom prst="line">
+                  <a:avLst/>
+                </a:prstGeom>
+                <a:ln>
+                  <a:prstDash val="dash"/>
+                </a:ln>
+              </p:spPr>
+              <p:style>
+                <a:lnRef idx="3">
+                  <a:schemeClr val="dk1"/>
+                </a:lnRef>
+                <a:fillRef idx="0">
+                  <a:schemeClr val="dk1"/>
+                </a:fillRef>
+                <a:effectRef idx="2">
+                  <a:schemeClr val="dk1"/>
+                </a:effectRef>
+                <a:fontRef idx="minor">
+                  <a:schemeClr val="tx1"/>
+                </a:fontRef>
+              </p:style>
+            </p:cxnSp>
+            <p:cxnSp>
+              <p:nvCxnSpPr>
+                <p:cNvPr id="3" name="Straight Connector 2">
+                  <a:extLst>
+                    <a:ext uri="{FF2B5EF4-FFF2-40B4-BE49-F238E27FC236}">
+                      <a16:creationId xmlns:a16="http://schemas.microsoft.com/office/drawing/2014/main" id="{80346BF8-2D1D-A543-8276-D6AEE5061892}"/>
+                    </a:ext>
+                  </a:extLst>
+                </p:cNvPr>
+                <p:cNvCxnSpPr>
+                  <a:cxnSpLocks/>
+                </p:cNvCxnSpPr>
+                <p:nvPr/>
+              </p:nvCxnSpPr>
+              <p:spPr>
+                <a:xfrm>
+                  <a:off x="3840888" y="2382473"/>
+                  <a:ext cx="485291" cy="0"/>
+                </a:xfrm>
+                <a:prstGeom prst="line">
+                  <a:avLst/>
+                </a:prstGeom>
+                <a:ln>
+                  <a:prstDash val="dash"/>
+                </a:ln>
+              </p:spPr>
+              <p:style>
+                <a:lnRef idx="3">
+                  <a:schemeClr val="dk1"/>
+                </a:lnRef>
+                <a:fillRef idx="0">
+                  <a:schemeClr val="dk1"/>
+                </a:fillRef>
+                <a:effectRef idx="2">
+                  <a:schemeClr val="dk1"/>
+                </a:effectRef>
+                <a:fontRef idx="minor">
+                  <a:schemeClr val="tx1"/>
+                </a:fontRef>
+              </p:style>
+            </p:cxnSp>
+            <p:cxnSp>
+              <p:nvCxnSpPr>
+                <p:cNvPr id="6" name="Straight Connector 5">
+                  <a:extLst>
+                    <a:ext uri="{FF2B5EF4-FFF2-40B4-BE49-F238E27FC236}">
+                      <a16:creationId xmlns:a16="http://schemas.microsoft.com/office/drawing/2014/main" id="{B8E7FE90-80F3-D449-AE85-C8C139D90F80}"/>
+                    </a:ext>
+                  </a:extLst>
+                </p:cNvPr>
+                <p:cNvCxnSpPr>
+                  <a:cxnSpLocks/>
+                </p:cNvCxnSpPr>
+                <p:nvPr/>
+              </p:nvCxnSpPr>
+              <p:spPr>
+                <a:xfrm>
+                  <a:off x="4326180" y="2382473"/>
+                  <a:ext cx="0" cy="787229"/>
+                </a:xfrm>
+                <a:prstGeom prst="line">
+                  <a:avLst/>
+                </a:prstGeom>
+                <a:ln>
+                  <a:prstDash val="dash"/>
+                </a:ln>
+              </p:spPr>
+              <p:style>
+                <a:lnRef idx="3">
+                  <a:schemeClr val="dk1"/>
+                </a:lnRef>
+                <a:fillRef idx="0">
+                  <a:schemeClr val="dk1"/>
+                </a:fillRef>
+                <a:effectRef idx="2">
+                  <a:schemeClr val="dk1"/>
+                </a:effectRef>
+                <a:fontRef idx="minor">
+                  <a:schemeClr val="tx1"/>
+                </a:fontRef>
+              </p:style>
+            </p:cxnSp>
+            <p:cxnSp>
+              <p:nvCxnSpPr>
+                <p:cNvPr id="31" name="Straight Connector 30">
+                  <a:extLst>
+                    <a:ext uri="{FF2B5EF4-FFF2-40B4-BE49-F238E27FC236}">
+                      <a16:creationId xmlns:a16="http://schemas.microsoft.com/office/drawing/2014/main" id="{5EA68E29-B797-B545-BA29-3D231D8E6779}"/>
+                    </a:ext>
+                  </a:extLst>
+                </p:cNvPr>
+                <p:cNvCxnSpPr>
+                  <a:cxnSpLocks/>
+                </p:cNvCxnSpPr>
+                <p:nvPr/>
+              </p:nvCxnSpPr>
+              <p:spPr>
+                <a:xfrm>
+                  <a:off x="3808777" y="2322965"/>
+                  <a:ext cx="0" cy="1023298"/>
+                </a:xfrm>
+                <a:prstGeom prst="line">
+                  <a:avLst/>
+                </a:prstGeom>
+              </p:spPr>
+              <p:style>
+                <a:lnRef idx="3">
+                  <a:schemeClr val="accent3"/>
+                </a:lnRef>
+                <a:fillRef idx="0">
+                  <a:schemeClr val="accent3"/>
+                </a:fillRef>
+                <a:effectRef idx="2">
+                  <a:schemeClr val="accent3"/>
+                </a:effectRef>
+                <a:fontRef idx="minor">
+                  <a:schemeClr val="tx1"/>
+                </a:fontRef>
+              </p:style>
+            </p:cxnSp>
+            <p:cxnSp>
+              <p:nvCxnSpPr>
+                <p:cNvPr id="32" name="Straight Connector 31">
+                  <a:extLst>
+                    <a:ext uri="{FF2B5EF4-FFF2-40B4-BE49-F238E27FC236}">
+                      <a16:creationId xmlns:a16="http://schemas.microsoft.com/office/drawing/2014/main" id="{4DCEEC05-5D06-F54E-BABB-785049733296}"/>
+                    </a:ext>
+                  </a:extLst>
+                </p:cNvPr>
+                <p:cNvCxnSpPr>
+                  <a:cxnSpLocks/>
+                </p:cNvCxnSpPr>
+                <p:nvPr/>
+              </p:nvCxnSpPr>
+              <p:spPr>
+                <a:xfrm>
+                  <a:off x="3752850" y="3276600"/>
+                  <a:ext cx="1122266" cy="0"/>
+                </a:xfrm>
+                <a:prstGeom prst="line">
+                  <a:avLst/>
+                </a:prstGeom>
+              </p:spPr>
+              <p:style>
+                <a:lnRef idx="3">
+                  <a:schemeClr val="accent3"/>
+                </a:lnRef>
+                <a:fillRef idx="0">
+                  <a:schemeClr val="accent3"/>
+                </a:fillRef>
+                <a:effectRef idx="2">
+                  <a:schemeClr val="accent3"/>
+                </a:effectRef>
+                <a:fontRef idx="minor">
+                  <a:schemeClr val="tx1"/>
+                </a:fontRef>
+              </p:style>
+            </p:cxnSp>
+          </p:grpSp>
+          <p:cxnSp>
+            <p:nvCxnSpPr>
+              <p:cNvPr id="46" name="Straight Arrow Connector 45">
+                <a:extLst>
+                  <a:ext uri="{FF2B5EF4-FFF2-40B4-BE49-F238E27FC236}">
+                    <a16:creationId xmlns:a16="http://schemas.microsoft.com/office/drawing/2014/main" id="{126AF76D-62D7-E441-AC8F-B5BC6AF1DFA3}"/>
+                  </a:ext>
+                </a:extLst>
+              </p:cNvPr>
+              <p:cNvCxnSpPr/>
+              <p:nvPr/>
+            </p:nvCxnSpPr>
+            <p:spPr>
+              <a:xfrm>
+                <a:off x="4167329" y="2754873"/>
+                <a:ext cx="319068" cy="0"/>
+              </a:xfrm>
+              <a:prstGeom prst="straightConnector1">
+                <a:avLst/>
+              </a:prstGeom>
+              <a:ln>
+                <a:headEnd type="triangle"/>
+                <a:tailEnd type="triangle"/>
+              </a:ln>
+            </p:spPr>
+            <p:style>
+              <a:lnRef idx="3">
+                <a:schemeClr val="dk1"/>
+              </a:lnRef>
+              <a:fillRef idx="0">
+                <a:schemeClr val="dk1"/>
+              </a:fillRef>
+              <a:effectRef idx="2">
+                <a:schemeClr val="dk1"/>
+              </a:effectRef>
+              <a:fontRef idx="minor">
+                <a:schemeClr val="tx1"/>
+              </a:fontRef>
+            </p:style>
+          </p:cxnSp>
+        </p:grpSp>
+        <p:sp>
+          <p:nvSpPr>
+            <p:cNvPr id="47" name="TextBox 46">
+              <a:extLst>
+                <a:ext uri="{FF2B5EF4-FFF2-40B4-BE49-F238E27FC236}">
+                  <a16:creationId xmlns:a16="http://schemas.microsoft.com/office/drawing/2014/main" id="{98E965E5-A3DE-054D-8B8E-DCDFE75A3A3C}"/>
+                </a:ext>
+              </a:extLst>
+            </p:cNvPr>
+            <p:cNvSpPr txBox="1"/>
+            <p:nvPr/>
+          </p:nvSpPr>
+          <p:spPr>
+            <a:xfrm>
+              <a:off x="4891038" y="2808456"/>
+              <a:ext cx="198444" cy="369332"/>
+            </a:xfrm>
+            <a:prstGeom prst="rect">
+              <a:avLst/>
+            </a:prstGeom>
+            <a:noFill/>
+          </p:spPr>
+          <p:txBody>
+            <a:bodyPr wrap="square" rtlCol="0">
+              <a:spAutoFit/>
+            </a:bodyPr>
+            <a:lstStyle/>
+            <a:p>
+              <a:r>
+                <a:rPr lang="nl-NL" dirty="0"/>
+                <a:t>J</a:t>
+              </a:r>
+            </a:p>
+          </p:txBody>
+        </p:sp>
+        <p:cxnSp>
+          <p:nvCxnSpPr>
+            <p:cNvPr id="50" name="Straight Connector 49">
+              <a:extLst>
+                <a:ext uri="{FF2B5EF4-FFF2-40B4-BE49-F238E27FC236}">
+                  <a16:creationId xmlns:a16="http://schemas.microsoft.com/office/drawing/2014/main" id="{DFD38BE5-F5A1-5B42-A391-50842ABFB2CE}"/>
+                </a:ext>
+              </a:extLst>
+            </p:cNvPr>
+            <p:cNvCxnSpPr>
+              <a:cxnSpLocks/>
+            </p:cNvCxnSpPr>
+            <p:nvPr/>
+          </p:nvCxnSpPr>
+          <p:spPr>
+            <a:xfrm flipH="1">
+              <a:off x="4642442" y="2415298"/>
+              <a:ext cx="815766" cy="0"/>
+            </a:xfrm>
+            <a:prstGeom prst="line">
+              <a:avLst/>
+            </a:prstGeom>
+            <a:ln w="12700" cap="flat" cmpd="sng" algn="ctr">
+              <a:solidFill>
+                <a:schemeClr val="accent3"/>
+              </a:solidFill>
+              <a:prstDash val="dash"/>
+              <a:round/>
+              <a:headEnd type="none" w="med" len="med"/>
+              <a:tailEnd type="none" w="med" len="med"/>
+            </a:ln>
+          </p:spPr>
+          <p:style>
+            <a:lnRef idx="0">
+              <a:scrgbClr r="0" g="0" b="0"/>
+            </a:lnRef>
+            <a:fillRef idx="0">
+              <a:scrgbClr r="0" g="0" b="0"/>
+            </a:fillRef>
+            <a:effectRef idx="0">
+              <a:scrgbClr r="0" g="0" b="0"/>
+            </a:effectRef>
+            <a:fontRef idx="minor">
+              <a:schemeClr val="tx1"/>
+            </a:fontRef>
+          </p:style>
+        </p:cxnSp>
+        <p:sp>
+          <p:nvSpPr>
+            <p:cNvPr id="52" name="TextBox 51">
+              <a:extLst>
+                <a:ext uri="{FF2B5EF4-FFF2-40B4-BE49-F238E27FC236}">
+                  <a16:creationId xmlns:a16="http://schemas.microsoft.com/office/drawing/2014/main" id="{2311B2A0-B142-A84F-AF1B-AEBF0F11531D}"/>
+                </a:ext>
+              </a:extLst>
+            </p:cNvPr>
+            <p:cNvSpPr txBox="1"/>
+            <p:nvPr/>
+          </p:nvSpPr>
+          <p:spPr>
+            <a:xfrm>
+              <a:off x="5459952" y="3433312"/>
+              <a:ext cx="884226" cy="369332"/>
+            </a:xfrm>
+            <a:prstGeom prst="rect">
+              <a:avLst/>
+            </a:prstGeom>
+            <a:noFill/>
+          </p:spPr>
+          <p:txBody>
+            <a:bodyPr wrap="square" rtlCol="0">
+              <a:spAutoFit/>
+            </a:bodyPr>
+            <a:lstStyle/>
+            <a:p>
+              <a:r>
+                <a:rPr lang="nl-NL" dirty="0"/>
+                <a:t>c</a:t>
+              </a:r>
+              <a:r>
+                <a:rPr lang="nl-NL" baseline="30000" dirty="0"/>
+                <a:t>-</a:t>
+              </a:r>
+              <a:endParaRPr lang="nl-NL" dirty="0"/>
+            </a:p>
+          </p:txBody>
+        </p:sp>
+        <p:sp>
+          <p:nvSpPr>
+            <p:cNvPr id="53" name="TextBox 52">
+              <a:extLst>
+                <a:ext uri="{FF2B5EF4-FFF2-40B4-BE49-F238E27FC236}">
+                  <a16:creationId xmlns:a16="http://schemas.microsoft.com/office/drawing/2014/main" id="{87D97CE3-1BAC-2E4F-8A61-4069B910465C}"/>
+                </a:ext>
+              </a:extLst>
+            </p:cNvPr>
+            <p:cNvSpPr txBox="1"/>
+            <p:nvPr/>
+          </p:nvSpPr>
+          <p:spPr>
+            <a:xfrm>
+              <a:off x="5422591" y="2230632"/>
+              <a:ext cx="884226" cy="369332"/>
+            </a:xfrm>
+            <a:prstGeom prst="rect">
+              <a:avLst/>
+            </a:prstGeom>
+            <a:noFill/>
+          </p:spPr>
+          <p:txBody>
+            <a:bodyPr wrap="square" rtlCol="0">
+              <a:spAutoFit/>
+            </a:bodyPr>
+            <a:lstStyle/>
+            <a:p>
+              <a:r>
+                <a:rPr lang="nl-NL" dirty="0"/>
+                <a:t>c</a:t>
+              </a:r>
+              <a:r>
+                <a:rPr lang="nl-NL" baseline="30000" dirty="0"/>
+                <a:t>+</a:t>
+              </a:r>
+              <a:endParaRPr lang="nl-NL" dirty="0"/>
+            </a:p>
+          </p:txBody>
+        </p:sp>
+      </p:grpSp>
     </p:spTree>
     <p:extLst>
       <p:ext uri="{BB962C8B-B14F-4D97-AF65-F5344CB8AC3E}">
         <p14:creationId xmlns:p14="http://schemas.microsoft.com/office/powerpoint/2010/main" val="1069475559"/>
+      </p:ext>
+    </p:extLst>
+  </p:cSld>
+  <p:clrMapOvr>
+    <a:masterClrMapping/>
+  </p:clrMapOvr>
+</p:sld>
+</file>
+
+<file path=ppt/slides/slide7.xml><?xml version="1.0" encoding="utf-8"?>
+<p:sld xmlns:a="http://schemas.openxmlformats.org/drawingml/2006/main" xmlns:r="http://schemas.openxmlformats.org/officeDocument/2006/relationships" xmlns:p="http://schemas.openxmlformats.org/presentationml/2006/main">
+  <p:cSld>
+    <p:spTree>
+      <p:nvGrpSpPr>
+        <p:cNvPr id="1" name=""/>
+        <p:cNvGrpSpPr/>
+        <p:nvPr/>
+      </p:nvGrpSpPr>
+      <p:grpSpPr>
+        <a:xfrm>
+          <a:off x="0" y="0"/>
+          <a:ext cx="0" cy="0"/>
+          <a:chOff x="0" y="0"/>
+          <a:chExt cx="0" cy="0"/>
+        </a:xfrm>
+      </p:grpSpPr>
+      <p:grpSp>
+        <p:nvGrpSpPr>
+          <p:cNvPr id="7" name="Group 6">
+            <a:extLst>
+              <a:ext uri="{FF2B5EF4-FFF2-40B4-BE49-F238E27FC236}">
+                <a16:creationId xmlns:a16="http://schemas.microsoft.com/office/drawing/2014/main" id="{1D39B518-4DFE-904E-9712-C29421AF2F4C}"/>
+              </a:ext>
+            </a:extLst>
+          </p:cNvPr>
+          <p:cNvGrpSpPr/>
+          <p:nvPr/>
+        </p:nvGrpSpPr>
+        <p:grpSpPr>
+          <a:xfrm>
+            <a:off x="1467365" y="893805"/>
+            <a:ext cx="5675519" cy="2590800"/>
+            <a:chOff x="1467365" y="893805"/>
+            <a:chExt cx="5675519" cy="2590800"/>
+          </a:xfrm>
+        </p:grpSpPr>
+        <p:pic>
+          <p:nvPicPr>
+            <p:cNvPr id="5" name="Picture 4">
+              <a:extLst>
+                <a:ext uri="{FF2B5EF4-FFF2-40B4-BE49-F238E27FC236}">
+                  <a16:creationId xmlns:a16="http://schemas.microsoft.com/office/drawing/2014/main" id="{C0C56B90-DE10-8043-BCCD-8B723B6E675C}"/>
+                </a:ext>
+              </a:extLst>
+            </p:cNvPr>
+            <p:cNvPicPr>
+              <a:picLocks noChangeAspect="1"/>
+            </p:cNvPicPr>
+            <p:nvPr/>
+          </p:nvPicPr>
+          <p:blipFill rotWithShape="1">
+            <a:blip r:embed="rId2"/>
+            <a:srcRect r="9599" b="51073"/>
+            <a:stretch/>
+          </p:blipFill>
+          <p:spPr>
+            <a:xfrm>
+              <a:off x="1467365" y="893805"/>
+              <a:ext cx="2962091" cy="2535195"/>
+            </a:xfrm>
+            <a:prstGeom prst="rect">
+              <a:avLst/>
+            </a:prstGeom>
+          </p:spPr>
+        </p:pic>
+        <p:pic>
+          <p:nvPicPr>
+            <p:cNvPr id="6" name="Picture 5">
+              <a:extLst>
+                <a:ext uri="{FF2B5EF4-FFF2-40B4-BE49-F238E27FC236}">
+                  <a16:creationId xmlns:a16="http://schemas.microsoft.com/office/drawing/2014/main" id="{EED39C9F-95DB-3B4D-9F8E-A1A58D9BCEB6}"/>
+                </a:ext>
+              </a:extLst>
+            </p:cNvPr>
+            <p:cNvPicPr>
+              <a:picLocks noChangeAspect="1"/>
+            </p:cNvPicPr>
+            <p:nvPr/>
+          </p:nvPicPr>
+          <p:blipFill rotWithShape="1">
+            <a:blip r:embed="rId3"/>
+            <a:srcRect l="3973" t="50000" r="9666"/>
+            <a:stretch/>
+          </p:blipFill>
+          <p:spPr>
+            <a:xfrm>
+              <a:off x="4313185" y="893805"/>
+              <a:ext cx="2829699" cy="2590800"/>
+            </a:xfrm>
+            <a:prstGeom prst="rect">
+              <a:avLst/>
+            </a:prstGeom>
+          </p:spPr>
+        </p:pic>
+      </p:grpSp>
+    </p:spTree>
+    <p:extLst>
+      <p:ext uri="{BB962C8B-B14F-4D97-AF65-F5344CB8AC3E}">
+        <p14:creationId xmlns:p14="http://schemas.microsoft.com/office/powerpoint/2010/main" val="3161498915"/>
       </p:ext>
     </p:extLst>
   </p:cSld>

--- a/source/figures.pptx
+++ b/source/figures.pptx
@@ -4,14 +4,19 @@
   <p:sldMasterIdLst>
     <p:sldMasterId id="2147483648" r:id="rId1"/>
   </p:sldMasterIdLst>
+  <p:notesMasterIdLst>
+    <p:notesMasterId r:id="rId11"/>
+  </p:notesMasterIdLst>
   <p:sldIdLst>
     <p:sldId id="256" r:id="rId2"/>
-    <p:sldId id="257" r:id="rId3"/>
-    <p:sldId id="258" r:id="rId4"/>
-    <p:sldId id="259" r:id="rId5"/>
-    <p:sldId id="260" r:id="rId6"/>
-    <p:sldId id="261" r:id="rId7"/>
-    <p:sldId id="262" r:id="rId8"/>
+    <p:sldId id="263" r:id="rId3"/>
+    <p:sldId id="257" r:id="rId4"/>
+    <p:sldId id="258" r:id="rId5"/>
+    <p:sldId id="259" r:id="rId6"/>
+    <p:sldId id="260" r:id="rId7"/>
+    <p:sldId id="261" r:id="rId8"/>
+    <p:sldId id="262" r:id="rId9"/>
+    <p:sldId id="264" r:id="rId10"/>
   </p:sldIdLst>
   <p:sldSz cx="12192000" cy="6858000"/>
   <p:notesSz cx="6858000" cy="9144000"/>
@@ -116,6 +121,944 @@
     </p:ext>
   </p:extLst>
 </p:presentation>
+</file>
+
+<file path=ppt/notesMasters/notesMaster1.xml><?xml version="1.0" encoding="utf-8"?>
+<p:notesMaster xmlns:a="http://schemas.openxmlformats.org/drawingml/2006/main" xmlns:r="http://schemas.openxmlformats.org/officeDocument/2006/relationships" xmlns:p="http://schemas.openxmlformats.org/presentationml/2006/main">
+  <p:cSld>
+    <p:bg>
+      <p:bgRef idx="1001">
+        <a:schemeClr val="bg1"/>
+      </p:bgRef>
+    </p:bg>
+    <p:spTree>
+      <p:nvGrpSpPr>
+        <p:cNvPr id="1" name=""/>
+        <p:cNvGrpSpPr/>
+        <p:nvPr/>
+      </p:nvGrpSpPr>
+      <p:grpSpPr>
+        <a:xfrm>
+          <a:off x="0" y="0"/>
+          <a:ext cx="0" cy="0"/>
+          <a:chOff x="0" y="0"/>
+          <a:chExt cx="0" cy="0"/>
+        </a:xfrm>
+      </p:grpSpPr>
+      <p:sp>
+        <p:nvSpPr>
+          <p:cNvPr id="2" name="Header Placeholder 1"/>
+          <p:cNvSpPr>
+            <a:spLocks noGrp="1"/>
+          </p:cNvSpPr>
+          <p:nvPr>
+            <p:ph type="hdr" sz="quarter"/>
+          </p:nvPr>
+        </p:nvSpPr>
+        <p:spPr>
+          <a:xfrm>
+            <a:off x="0" y="0"/>
+            <a:ext cx="2971800" cy="458788"/>
+          </a:xfrm>
+          <a:prstGeom prst="rect">
+            <a:avLst/>
+          </a:prstGeom>
+        </p:spPr>
+        <p:txBody>
+          <a:bodyPr vert="horz" lIns="91440" tIns="45720" rIns="91440" bIns="45720" rtlCol="0"/>
+          <a:lstStyle>
+            <a:lvl1pPr algn="l">
+              <a:defRPr sz="1200"/>
+            </a:lvl1pPr>
+          </a:lstStyle>
+          <a:p>
+            <a:endParaRPr lang="nl-NL"/>
+          </a:p>
+        </p:txBody>
+      </p:sp>
+      <p:sp>
+        <p:nvSpPr>
+          <p:cNvPr id="3" name="Date Placeholder 2"/>
+          <p:cNvSpPr>
+            <a:spLocks noGrp="1"/>
+          </p:cNvSpPr>
+          <p:nvPr>
+            <p:ph type="dt" idx="1"/>
+          </p:nvPr>
+        </p:nvSpPr>
+        <p:spPr>
+          <a:xfrm>
+            <a:off x="3884613" y="0"/>
+            <a:ext cx="2971800" cy="458788"/>
+          </a:xfrm>
+          <a:prstGeom prst="rect">
+            <a:avLst/>
+          </a:prstGeom>
+        </p:spPr>
+        <p:txBody>
+          <a:bodyPr vert="horz" lIns="91440" tIns="45720" rIns="91440" bIns="45720" rtlCol="0"/>
+          <a:lstStyle>
+            <a:lvl1pPr algn="r">
+              <a:defRPr sz="1200"/>
+            </a:lvl1pPr>
+          </a:lstStyle>
+          <a:p>
+            <a:fld id="{72362A80-F6CE-2740-9AB1-DDC8AA37E253}" type="datetimeFigureOut">
+              <a:rPr lang="nl-NL" smtClean="0"/>
+              <a:t>16-11-18</a:t>
+            </a:fld>
+            <a:endParaRPr lang="nl-NL"/>
+          </a:p>
+        </p:txBody>
+      </p:sp>
+      <p:sp>
+        <p:nvSpPr>
+          <p:cNvPr id="4" name="Slide Image Placeholder 3"/>
+          <p:cNvSpPr>
+            <a:spLocks noGrp="1" noRot="1" noChangeAspect="1"/>
+          </p:cNvSpPr>
+          <p:nvPr>
+            <p:ph type="sldImg" idx="2"/>
+          </p:nvPr>
+        </p:nvSpPr>
+        <p:spPr>
+          <a:xfrm>
+            <a:off x="685800" y="1143000"/>
+            <a:ext cx="5486400" cy="3086100"/>
+          </a:xfrm>
+          <a:prstGeom prst="rect">
+            <a:avLst/>
+          </a:prstGeom>
+          <a:noFill/>
+          <a:ln w="12700">
+            <a:solidFill>
+              <a:prstClr val="black"/>
+            </a:solidFill>
+          </a:ln>
+        </p:spPr>
+        <p:txBody>
+          <a:bodyPr vert="horz" lIns="91440" tIns="45720" rIns="91440" bIns="45720" rtlCol="0" anchor="ctr"/>
+          <a:lstStyle/>
+          <a:p>
+            <a:endParaRPr lang="nl-NL"/>
+          </a:p>
+        </p:txBody>
+      </p:sp>
+      <p:sp>
+        <p:nvSpPr>
+          <p:cNvPr id="5" name="Notes Placeholder 4"/>
+          <p:cNvSpPr>
+            <a:spLocks noGrp="1"/>
+          </p:cNvSpPr>
+          <p:nvPr>
+            <p:ph type="body" sz="quarter" idx="3"/>
+          </p:nvPr>
+        </p:nvSpPr>
+        <p:spPr>
+          <a:xfrm>
+            <a:off x="685800" y="4400550"/>
+            <a:ext cx="5486400" cy="3600450"/>
+          </a:xfrm>
+          <a:prstGeom prst="rect">
+            <a:avLst/>
+          </a:prstGeom>
+        </p:spPr>
+        <p:txBody>
+          <a:bodyPr vert="horz" lIns="91440" tIns="45720" rIns="91440" bIns="45720" rtlCol="0"/>
+          <a:lstStyle/>
+          <a:p>
+            <a:pPr lvl="0"/>
+            <a:r>
+              <a:rPr lang="en-US"/>
+              <a:t>Edit Master text styles</a:t>
+            </a:r>
+          </a:p>
+          <a:p>
+            <a:pPr lvl="1"/>
+            <a:r>
+              <a:rPr lang="en-US"/>
+              <a:t>Second level</a:t>
+            </a:r>
+          </a:p>
+          <a:p>
+            <a:pPr lvl="2"/>
+            <a:r>
+              <a:rPr lang="en-US"/>
+              <a:t>Third level</a:t>
+            </a:r>
+          </a:p>
+          <a:p>
+            <a:pPr lvl="3"/>
+            <a:r>
+              <a:rPr lang="en-US"/>
+              <a:t>Fourth level</a:t>
+            </a:r>
+          </a:p>
+          <a:p>
+            <a:pPr lvl="4"/>
+            <a:r>
+              <a:rPr lang="en-US"/>
+              <a:t>Fifth level</a:t>
+            </a:r>
+            <a:endParaRPr lang="nl-NL"/>
+          </a:p>
+        </p:txBody>
+      </p:sp>
+      <p:sp>
+        <p:nvSpPr>
+          <p:cNvPr id="6" name="Footer Placeholder 5"/>
+          <p:cNvSpPr>
+            <a:spLocks noGrp="1"/>
+          </p:cNvSpPr>
+          <p:nvPr>
+            <p:ph type="ftr" sz="quarter" idx="4"/>
+          </p:nvPr>
+        </p:nvSpPr>
+        <p:spPr>
+          <a:xfrm>
+            <a:off x="0" y="8685213"/>
+            <a:ext cx="2971800" cy="458787"/>
+          </a:xfrm>
+          <a:prstGeom prst="rect">
+            <a:avLst/>
+          </a:prstGeom>
+        </p:spPr>
+        <p:txBody>
+          <a:bodyPr vert="horz" lIns="91440" tIns="45720" rIns="91440" bIns="45720" rtlCol="0" anchor="b"/>
+          <a:lstStyle>
+            <a:lvl1pPr algn="l">
+              <a:defRPr sz="1200"/>
+            </a:lvl1pPr>
+          </a:lstStyle>
+          <a:p>
+            <a:endParaRPr lang="nl-NL"/>
+          </a:p>
+        </p:txBody>
+      </p:sp>
+      <p:sp>
+        <p:nvSpPr>
+          <p:cNvPr id="7" name="Slide Number Placeholder 6"/>
+          <p:cNvSpPr>
+            <a:spLocks noGrp="1"/>
+          </p:cNvSpPr>
+          <p:nvPr>
+            <p:ph type="sldNum" sz="quarter" idx="5"/>
+          </p:nvPr>
+        </p:nvSpPr>
+        <p:spPr>
+          <a:xfrm>
+            <a:off x="3884613" y="8685213"/>
+            <a:ext cx="2971800" cy="458787"/>
+          </a:xfrm>
+          <a:prstGeom prst="rect">
+            <a:avLst/>
+          </a:prstGeom>
+        </p:spPr>
+        <p:txBody>
+          <a:bodyPr vert="horz" lIns="91440" tIns="45720" rIns="91440" bIns="45720" rtlCol="0" anchor="b"/>
+          <a:lstStyle>
+            <a:lvl1pPr algn="r">
+              <a:defRPr sz="1200"/>
+            </a:lvl1pPr>
+          </a:lstStyle>
+          <a:p>
+            <a:fld id="{D654F8D9-F854-A647-9886-57964DA14705}" type="slidenum">
+              <a:rPr lang="nl-NL" smtClean="0"/>
+              <a:t>‹#›</a:t>
+            </a:fld>
+            <a:endParaRPr lang="nl-NL"/>
+          </a:p>
+        </p:txBody>
+      </p:sp>
+    </p:spTree>
+    <p:extLst>
+      <p:ext uri="{BB962C8B-B14F-4D97-AF65-F5344CB8AC3E}">
+        <p14:creationId xmlns:p14="http://schemas.microsoft.com/office/powerpoint/2010/main" val="916753532"/>
+      </p:ext>
+    </p:extLst>
+  </p:cSld>
+  <p:clrMap bg1="lt1" tx1="dk1" bg2="lt2" tx2="dk2" accent1="accent1" accent2="accent2" accent3="accent3" accent4="accent4" accent5="accent5" accent6="accent6" hlink="hlink" folHlink="folHlink"/>
+  <p:notesStyle>
+    <a:lvl1pPr marL="0" algn="l" defTabSz="914400" rtl="0" eaLnBrk="1" latinLnBrk="0" hangingPunct="1">
+      <a:defRPr sz="1200" kern="1200">
+        <a:solidFill>
+          <a:schemeClr val="tx1"/>
+        </a:solidFill>
+        <a:latin typeface="+mn-lt"/>
+        <a:ea typeface="+mn-ea"/>
+        <a:cs typeface="+mn-cs"/>
+      </a:defRPr>
+    </a:lvl1pPr>
+    <a:lvl2pPr marL="457200" algn="l" defTabSz="914400" rtl="0" eaLnBrk="1" latinLnBrk="0" hangingPunct="1">
+      <a:defRPr sz="1200" kern="1200">
+        <a:solidFill>
+          <a:schemeClr val="tx1"/>
+        </a:solidFill>
+        <a:latin typeface="+mn-lt"/>
+        <a:ea typeface="+mn-ea"/>
+        <a:cs typeface="+mn-cs"/>
+      </a:defRPr>
+    </a:lvl2pPr>
+    <a:lvl3pPr marL="914400" algn="l" defTabSz="914400" rtl="0" eaLnBrk="1" latinLnBrk="0" hangingPunct="1">
+      <a:defRPr sz="1200" kern="1200">
+        <a:solidFill>
+          <a:schemeClr val="tx1"/>
+        </a:solidFill>
+        <a:latin typeface="+mn-lt"/>
+        <a:ea typeface="+mn-ea"/>
+        <a:cs typeface="+mn-cs"/>
+      </a:defRPr>
+    </a:lvl3pPr>
+    <a:lvl4pPr marL="1371600" algn="l" defTabSz="914400" rtl="0" eaLnBrk="1" latinLnBrk="0" hangingPunct="1">
+      <a:defRPr sz="1200" kern="1200">
+        <a:solidFill>
+          <a:schemeClr val="tx1"/>
+        </a:solidFill>
+        <a:latin typeface="+mn-lt"/>
+        <a:ea typeface="+mn-ea"/>
+        <a:cs typeface="+mn-cs"/>
+      </a:defRPr>
+    </a:lvl4pPr>
+    <a:lvl5pPr marL="1828800" algn="l" defTabSz="914400" rtl="0" eaLnBrk="1" latinLnBrk="0" hangingPunct="1">
+      <a:defRPr sz="1200" kern="1200">
+        <a:solidFill>
+          <a:schemeClr val="tx1"/>
+        </a:solidFill>
+        <a:latin typeface="+mn-lt"/>
+        <a:ea typeface="+mn-ea"/>
+        <a:cs typeface="+mn-cs"/>
+      </a:defRPr>
+    </a:lvl5pPr>
+    <a:lvl6pPr marL="2286000" algn="l" defTabSz="914400" rtl="0" eaLnBrk="1" latinLnBrk="0" hangingPunct="1">
+      <a:defRPr sz="1200" kern="1200">
+        <a:solidFill>
+          <a:schemeClr val="tx1"/>
+        </a:solidFill>
+        <a:latin typeface="+mn-lt"/>
+        <a:ea typeface="+mn-ea"/>
+        <a:cs typeface="+mn-cs"/>
+      </a:defRPr>
+    </a:lvl6pPr>
+    <a:lvl7pPr marL="2743200" algn="l" defTabSz="914400" rtl="0" eaLnBrk="1" latinLnBrk="0" hangingPunct="1">
+      <a:defRPr sz="1200" kern="1200">
+        <a:solidFill>
+          <a:schemeClr val="tx1"/>
+        </a:solidFill>
+        <a:latin typeface="+mn-lt"/>
+        <a:ea typeface="+mn-ea"/>
+        <a:cs typeface="+mn-cs"/>
+      </a:defRPr>
+    </a:lvl7pPr>
+    <a:lvl8pPr marL="3200400" algn="l" defTabSz="914400" rtl="0" eaLnBrk="1" latinLnBrk="0" hangingPunct="1">
+      <a:defRPr sz="1200" kern="1200">
+        <a:solidFill>
+          <a:schemeClr val="tx1"/>
+        </a:solidFill>
+        <a:latin typeface="+mn-lt"/>
+        <a:ea typeface="+mn-ea"/>
+        <a:cs typeface="+mn-cs"/>
+      </a:defRPr>
+    </a:lvl8pPr>
+    <a:lvl9pPr marL="3657600" algn="l" defTabSz="914400" rtl="0" eaLnBrk="1" latinLnBrk="0" hangingPunct="1">
+      <a:defRPr sz="1200" kern="1200">
+        <a:solidFill>
+          <a:schemeClr val="tx1"/>
+        </a:solidFill>
+        <a:latin typeface="+mn-lt"/>
+        <a:ea typeface="+mn-ea"/>
+        <a:cs typeface="+mn-cs"/>
+      </a:defRPr>
+    </a:lvl9pPr>
+  </p:notesStyle>
+</p:notesMaster>
+</file>
+
+<file path=ppt/notesSlides/notesSlide1.xml><?xml version="1.0" encoding="utf-8"?>
+<p:notes xmlns:a="http://schemas.openxmlformats.org/drawingml/2006/main" xmlns:r="http://schemas.openxmlformats.org/officeDocument/2006/relationships" xmlns:p="http://schemas.openxmlformats.org/presentationml/2006/main">
+  <p:cSld>
+    <p:spTree>
+      <p:nvGrpSpPr>
+        <p:cNvPr id="1" name=""/>
+        <p:cNvGrpSpPr/>
+        <p:nvPr/>
+      </p:nvGrpSpPr>
+      <p:grpSpPr>
+        <a:xfrm>
+          <a:off x="0" y="0"/>
+          <a:ext cx="0" cy="0"/>
+          <a:chOff x="0" y="0"/>
+          <a:chExt cx="0" cy="0"/>
+        </a:xfrm>
+      </p:grpSpPr>
+      <p:sp>
+        <p:nvSpPr>
+          <p:cNvPr id="2" name="Slide Image Placeholder 1"/>
+          <p:cNvSpPr>
+            <a:spLocks noGrp="1" noRot="1" noChangeAspect="1"/>
+          </p:cNvSpPr>
+          <p:nvPr>
+            <p:ph type="sldImg"/>
+          </p:nvPr>
+        </p:nvSpPr>
+        <p:spPr/>
+      </p:sp>
+      <p:sp>
+        <p:nvSpPr>
+          <p:cNvPr id="3" name="Notes Placeholder 2"/>
+          <p:cNvSpPr>
+            <a:spLocks noGrp="1"/>
+          </p:cNvSpPr>
+          <p:nvPr>
+            <p:ph type="body" idx="1"/>
+          </p:nvPr>
+        </p:nvSpPr>
+        <p:spPr/>
+        <p:txBody>
+          <a:bodyPr/>
+          <a:lstStyle/>
+          <a:p>
+            <a:endParaRPr lang="nl-NL"/>
+          </a:p>
+        </p:txBody>
+      </p:sp>
+      <p:sp>
+        <p:nvSpPr>
+          <p:cNvPr id="4" name="Slide Number Placeholder 3"/>
+          <p:cNvSpPr>
+            <a:spLocks noGrp="1"/>
+          </p:cNvSpPr>
+          <p:nvPr>
+            <p:ph type="sldNum" sz="quarter" idx="10"/>
+          </p:nvPr>
+        </p:nvSpPr>
+        <p:spPr/>
+        <p:txBody>
+          <a:bodyPr/>
+          <a:lstStyle/>
+          <a:p>
+            <a:fld id="{D654F8D9-F854-A647-9886-57964DA14705}" type="slidenum">
+              <a:rPr lang="nl-NL" smtClean="0"/>
+              <a:t>1</a:t>
+            </a:fld>
+            <a:endParaRPr lang="nl-NL"/>
+          </a:p>
+        </p:txBody>
+      </p:sp>
+    </p:spTree>
+    <p:extLst>
+      <p:ext uri="{BB962C8B-B14F-4D97-AF65-F5344CB8AC3E}">
+        <p14:creationId xmlns:p14="http://schemas.microsoft.com/office/powerpoint/2010/main" val="261813038"/>
+      </p:ext>
+    </p:extLst>
+  </p:cSld>
+  <p:clrMapOvr>
+    <a:masterClrMapping/>
+  </p:clrMapOvr>
+</p:notes>
+</file>
+
+<file path=ppt/notesSlides/notesSlide2.xml><?xml version="1.0" encoding="utf-8"?>
+<p:notes xmlns:a="http://schemas.openxmlformats.org/drawingml/2006/main" xmlns:r="http://schemas.openxmlformats.org/officeDocument/2006/relationships" xmlns:p="http://schemas.openxmlformats.org/presentationml/2006/main">
+  <p:cSld>
+    <p:spTree>
+      <p:nvGrpSpPr>
+        <p:cNvPr id="1" name=""/>
+        <p:cNvGrpSpPr/>
+        <p:nvPr/>
+      </p:nvGrpSpPr>
+      <p:grpSpPr>
+        <a:xfrm>
+          <a:off x="0" y="0"/>
+          <a:ext cx="0" cy="0"/>
+          <a:chOff x="0" y="0"/>
+          <a:chExt cx="0" cy="0"/>
+        </a:xfrm>
+      </p:grpSpPr>
+      <p:sp>
+        <p:nvSpPr>
+          <p:cNvPr id="2" name="Slide Image Placeholder 1"/>
+          <p:cNvSpPr>
+            <a:spLocks noGrp="1" noRot="1" noChangeAspect="1"/>
+          </p:cNvSpPr>
+          <p:nvPr>
+            <p:ph type="sldImg"/>
+          </p:nvPr>
+        </p:nvSpPr>
+        <p:spPr/>
+      </p:sp>
+      <p:sp>
+        <p:nvSpPr>
+          <p:cNvPr id="3" name="Notes Placeholder 2"/>
+          <p:cNvSpPr>
+            <a:spLocks noGrp="1"/>
+          </p:cNvSpPr>
+          <p:nvPr>
+            <p:ph type="body" idx="1"/>
+          </p:nvPr>
+        </p:nvSpPr>
+        <p:spPr/>
+        <p:txBody>
+          <a:bodyPr/>
+          <a:lstStyle/>
+          <a:p>
+            <a:endParaRPr lang="nl-NL"/>
+          </a:p>
+        </p:txBody>
+      </p:sp>
+      <p:sp>
+        <p:nvSpPr>
+          <p:cNvPr id="4" name="Slide Number Placeholder 3"/>
+          <p:cNvSpPr>
+            <a:spLocks noGrp="1"/>
+          </p:cNvSpPr>
+          <p:nvPr>
+            <p:ph type="sldNum" sz="quarter" idx="10"/>
+          </p:nvPr>
+        </p:nvSpPr>
+        <p:spPr/>
+        <p:txBody>
+          <a:bodyPr/>
+          <a:lstStyle/>
+          <a:p>
+            <a:fld id="{D654F8D9-F854-A647-9886-57964DA14705}" type="slidenum">
+              <a:rPr lang="nl-NL" smtClean="0"/>
+              <a:t>2</a:t>
+            </a:fld>
+            <a:endParaRPr lang="nl-NL"/>
+          </a:p>
+        </p:txBody>
+      </p:sp>
+    </p:spTree>
+    <p:extLst>
+      <p:ext uri="{BB962C8B-B14F-4D97-AF65-F5344CB8AC3E}">
+        <p14:creationId xmlns:p14="http://schemas.microsoft.com/office/powerpoint/2010/main" val="875904256"/>
+      </p:ext>
+    </p:extLst>
+  </p:cSld>
+  <p:clrMapOvr>
+    <a:masterClrMapping/>
+  </p:clrMapOvr>
+</p:notes>
+</file>
+
+<file path=ppt/notesSlides/notesSlide3.xml><?xml version="1.0" encoding="utf-8"?>
+<p:notes xmlns:a="http://schemas.openxmlformats.org/drawingml/2006/main" xmlns:r="http://schemas.openxmlformats.org/officeDocument/2006/relationships" xmlns:p="http://schemas.openxmlformats.org/presentationml/2006/main">
+  <p:cSld>
+    <p:spTree>
+      <p:nvGrpSpPr>
+        <p:cNvPr id="1" name=""/>
+        <p:cNvGrpSpPr/>
+        <p:nvPr/>
+      </p:nvGrpSpPr>
+      <p:grpSpPr>
+        <a:xfrm>
+          <a:off x="0" y="0"/>
+          <a:ext cx="0" cy="0"/>
+          <a:chOff x="0" y="0"/>
+          <a:chExt cx="0" cy="0"/>
+        </a:xfrm>
+      </p:grpSpPr>
+      <p:sp>
+        <p:nvSpPr>
+          <p:cNvPr id="2" name="Slide Image Placeholder 1"/>
+          <p:cNvSpPr>
+            <a:spLocks noGrp="1" noRot="1" noChangeAspect="1"/>
+          </p:cNvSpPr>
+          <p:nvPr>
+            <p:ph type="sldImg"/>
+          </p:nvPr>
+        </p:nvSpPr>
+        <p:spPr/>
+      </p:sp>
+      <p:sp>
+        <p:nvSpPr>
+          <p:cNvPr id="3" name="Notes Placeholder 2"/>
+          <p:cNvSpPr>
+            <a:spLocks noGrp="1"/>
+          </p:cNvSpPr>
+          <p:nvPr>
+            <p:ph type="body" idx="1"/>
+          </p:nvPr>
+        </p:nvSpPr>
+        <p:spPr/>
+        <p:txBody>
+          <a:bodyPr/>
+          <a:lstStyle/>
+          <a:p>
+            <a:endParaRPr lang="nl-NL"/>
+          </a:p>
+        </p:txBody>
+      </p:sp>
+      <p:sp>
+        <p:nvSpPr>
+          <p:cNvPr id="4" name="Slide Number Placeholder 3"/>
+          <p:cNvSpPr>
+            <a:spLocks noGrp="1"/>
+          </p:cNvSpPr>
+          <p:nvPr>
+            <p:ph type="sldNum" sz="quarter" idx="10"/>
+          </p:nvPr>
+        </p:nvSpPr>
+        <p:spPr/>
+        <p:txBody>
+          <a:bodyPr/>
+          <a:lstStyle/>
+          <a:p>
+            <a:fld id="{D654F8D9-F854-A647-9886-57964DA14705}" type="slidenum">
+              <a:rPr lang="nl-NL" smtClean="0"/>
+              <a:t>3</a:t>
+            </a:fld>
+            <a:endParaRPr lang="nl-NL"/>
+          </a:p>
+        </p:txBody>
+      </p:sp>
+    </p:spTree>
+    <p:extLst>
+      <p:ext uri="{BB962C8B-B14F-4D97-AF65-F5344CB8AC3E}">
+        <p14:creationId xmlns:p14="http://schemas.microsoft.com/office/powerpoint/2010/main" val="1197037172"/>
+      </p:ext>
+    </p:extLst>
+  </p:cSld>
+  <p:clrMapOvr>
+    <a:masterClrMapping/>
+  </p:clrMapOvr>
+</p:notes>
+</file>
+
+<file path=ppt/notesSlides/notesSlide4.xml><?xml version="1.0" encoding="utf-8"?>
+<p:notes xmlns:a="http://schemas.openxmlformats.org/drawingml/2006/main" xmlns:r="http://schemas.openxmlformats.org/officeDocument/2006/relationships" xmlns:p="http://schemas.openxmlformats.org/presentationml/2006/main">
+  <p:cSld>
+    <p:spTree>
+      <p:nvGrpSpPr>
+        <p:cNvPr id="1" name=""/>
+        <p:cNvGrpSpPr/>
+        <p:nvPr/>
+      </p:nvGrpSpPr>
+      <p:grpSpPr>
+        <a:xfrm>
+          <a:off x="0" y="0"/>
+          <a:ext cx="0" cy="0"/>
+          <a:chOff x="0" y="0"/>
+          <a:chExt cx="0" cy="0"/>
+        </a:xfrm>
+      </p:grpSpPr>
+      <p:sp>
+        <p:nvSpPr>
+          <p:cNvPr id="2" name="Slide Image Placeholder 1"/>
+          <p:cNvSpPr>
+            <a:spLocks noGrp="1" noRot="1" noChangeAspect="1"/>
+          </p:cNvSpPr>
+          <p:nvPr>
+            <p:ph type="sldImg"/>
+          </p:nvPr>
+        </p:nvSpPr>
+        <p:spPr/>
+      </p:sp>
+      <p:sp>
+        <p:nvSpPr>
+          <p:cNvPr id="3" name="Notes Placeholder 2"/>
+          <p:cNvSpPr>
+            <a:spLocks noGrp="1"/>
+          </p:cNvSpPr>
+          <p:nvPr>
+            <p:ph type="body" idx="1"/>
+          </p:nvPr>
+        </p:nvSpPr>
+        <p:spPr/>
+        <p:txBody>
+          <a:bodyPr/>
+          <a:lstStyle/>
+          <a:p>
+            <a:endParaRPr lang="nl-NL"/>
+          </a:p>
+        </p:txBody>
+      </p:sp>
+      <p:sp>
+        <p:nvSpPr>
+          <p:cNvPr id="4" name="Slide Number Placeholder 3"/>
+          <p:cNvSpPr>
+            <a:spLocks noGrp="1"/>
+          </p:cNvSpPr>
+          <p:nvPr>
+            <p:ph type="sldNum" sz="quarter" idx="10"/>
+          </p:nvPr>
+        </p:nvSpPr>
+        <p:spPr/>
+        <p:txBody>
+          <a:bodyPr/>
+          <a:lstStyle/>
+          <a:p>
+            <a:fld id="{D654F8D9-F854-A647-9886-57964DA14705}" type="slidenum">
+              <a:rPr lang="nl-NL" smtClean="0"/>
+              <a:t>4</a:t>
+            </a:fld>
+            <a:endParaRPr lang="nl-NL"/>
+          </a:p>
+        </p:txBody>
+      </p:sp>
+    </p:spTree>
+    <p:extLst>
+      <p:ext uri="{BB962C8B-B14F-4D97-AF65-F5344CB8AC3E}">
+        <p14:creationId xmlns:p14="http://schemas.microsoft.com/office/powerpoint/2010/main" val="1395045492"/>
+      </p:ext>
+    </p:extLst>
+  </p:cSld>
+  <p:clrMapOvr>
+    <a:masterClrMapping/>
+  </p:clrMapOvr>
+</p:notes>
+</file>
+
+<file path=ppt/notesSlides/notesSlide5.xml><?xml version="1.0" encoding="utf-8"?>
+<p:notes xmlns:a="http://schemas.openxmlformats.org/drawingml/2006/main" xmlns:r="http://schemas.openxmlformats.org/officeDocument/2006/relationships" xmlns:p="http://schemas.openxmlformats.org/presentationml/2006/main">
+  <p:cSld>
+    <p:spTree>
+      <p:nvGrpSpPr>
+        <p:cNvPr id="1" name=""/>
+        <p:cNvGrpSpPr/>
+        <p:nvPr/>
+      </p:nvGrpSpPr>
+      <p:grpSpPr>
+        <a:xfrm>
+          <a:off x="0" y="0"/>
+          <a:ext cx="0" cy="0"/>
+          <a:chOff x="0" y="0"/>
+          <a:chExt cx="0" cy="0"/>
+        </a:xfrm>
+      </p:grpSpPr>
+      <p:sp>
+        <p:nvSpPr>
+          <p:cNvPr id="2" name="Slide Image Placeholder 1"/>
+          <p:cNvSpPr>
+            <a:spLocks noGrp="1" noRot="1" noChangeAspect="1"/>
+          </p:cNvSpPr>
+          <p:nvPr>
+            <p:ph type="sldImg"/>
+          </p:nvPr>
+        </p:nvSpPr>
+        <p:spPr/>
+      </p:sp>
+      <p:sp>
+        <p:nvSpPr>
+          <p:cNvPr id="3" name="Notes Placeholder 2"/>
+          <p:cNvSpPr>
+            <a:spLocks noGrp="1"/>
+          </p:cNvSpPr>
+          <p:nvPr>
+            <p:ph type="body" idx="1"/>
+          </p:nvPr>
+        </p:nvSpPr>
+        <p:spPr/>
+        <p:txBody>
+          <a:bodyPr/>
+          <a:lstStyle/>
+          <a:p>
+            <a:endParaRPr lang="nl-NL"/>
+          </a:p>
+        </p:txBody>
+      </p:sp>
+      <p:sp>
+        <p:nvSpPr>
+          <p:cNvPr id="4" name="Slide Number Placeholder 3"/>
+          <p:cNvSpPr>
+            <a:spLocks noGrp="1"/>
+          </p:cNvSpPr>
+          <p:nvPr>
+            <p:ph type="sldNum" sz="quarter" idx="10"/>
+          </p:nvPr>
+        </p:nvSpPr>
+        <p:spPr/>
+        <p:txBody>
+          <a:bodyPr/>
+          <a:lstStyle/>
+          <a:p>
+            <a:fld id="{D654F8D9-F854-A647-9886-57964DA14705}" type="slidenum">
+              <a:rPr lang="nl-NL" smtClean="0"/>
+              <a:t>5</a:t>
+            </a:fld>
+            <a:endParaRPr lang="nl-NL"/>
+          </a:p>
+        </p:txBody>
+      </p:sp>
+    </p:spTree>
+    <p:extLst>
+      <p:ext uri="{BB962C8B-B14F-4D97-AF65-F5344CB8AC3E}">
+        <p14:creationId xmlns:p14="http://schemas.microsoft.com/office/powerpoint/2010/main" val="3713103163"/>
+      </p:ext>
+    </p:extLst>
+  </p:cSld>
+  <p:clrMapOvr>
+    <a:masterClrMapping/>
+  </p:clrMapOvr>
+</p:notes>
+</file>
+
+<file path=ppt/notesSlides/notesSlide6.xml><?xml version="1.0" encoding="utf-8"?>
+<p:notes xmlns:a="http://schemas.openxmlformats.org/drawingml/2006/main" xmlns:r="http://schemas.openxmlformats.org/officeDocument/2006/relationships" xmlns:p="http://schemas.openxmlformats.org/presentationml/2006/main">
+  <p:cSld>
+    <p:spTree>
+      <p:nvGrpSpPr>
+        <p:cNvPr id="1" name=""/>
+        <p:cNvGrpSpPr/>
+        <p:nvPr/>
+      </p:nvGrpSpPr>
+      <p:grpSpPr>
+        <a:xfrm>
+          <a:off x="0" y="0"/>
+          <a:ext cx="0" cy="0"/>
+          <a:chOff x="0" y="0"/>
+          <a:chExt cx="0" cy="0"/>
+        </a:xfrm>
+      </p:grpSpPr>
+      <p:sp>
+        <p:nvSpPr>
+          <p:cNvPr id="2" name="Slide Image Placeholder 1"/>
+          <p:cNvSpPr>
+            <a:spLocks noGrp="1" noRot="1" noChangeAspect="1"/>
+          </p:cNvSpPr>
+          <p:nvPr>
+            <p:ph type="sldImg"/>
+          </p:nvPr>
+        </p:nvSpPr>
+        <p:spPr/>
+      </p:sp>
+      <p:sp>
+        <p:nvSpPr>
+          <p:cNvPr id="3" name="Notes Placeholder 2"/>
+          <p:cNvSpPr>
+            <a:spLocks noGrp="1"/>
+          </p:cNvSpPr>
+          <p:nvPr>
+            <p:ph type="body" idx="1"/>
+          </p:nvPr>
+        </p:nvSpPr>
+        <p:spPr/>
+        <p:txBody>
+          <a:bodyPr/>
+          <a:lstStyle/>
+          <a:p>
+            <a:endParaRPr lang="nl-NL"/>
+          </a:p>
+        </p:txBody>
+      </p:sp>
+      <p:sp>
+        <p:nvSpPr>
+          <p:cNvPr id="4" name="Slide Number Placeholder 3"/>
+          <p:cNvSpPr>
+            <a:spLocks noGrp="1"/>
+          </p:cNvSpPr>
+          <p:nvPr>
+            <p:ph type="sldNum" sz="quarter" idx="10"/>
+          </p:nvPr>
+        </p:nvSpPr>
+        <p:spPr/>
+        <p:txBody>
+          <a:bodyPr/>
+          <a:lstStyle/>
+          <a:p>
+            <a:fld id="{D654F8D9-F854-A647-9886-57964DA14705}" type="slidenum">
+              <a:rPr lang="nl-NL" smtClean="0"/>
+              <a:t>6</a:t>
+            </a:fld>
+            <a:endParaRPr lang="nl-NL"/>
+          </a:p>
+        </p:txBody>
+      </p:sp>
+    </p:spTree>
+    <p:extLst>
+      <p:ext uri="{BB962C8B-B14F-4D97-AF65-F5344CB8AC3E}">
+        <p14:creationId xmlns:p14="http://schemas.microsoft.com/office/powerpoint/2010/main" val="818336784"/>
+      </p:ext>
+    </p:extLst>
+  </p:cSld>
+  <p:clrMapOvr>
+    <a:masterClrMapping/>
+  </p:clrMapOvr>
+</p:notes>
+</file>
+
+<file path=ppt/notesSlides/notesSlide7.xml><?xml version="1.0" encoding="utf-8"?>
+<p:notes xmlns:a="http://schemas.openxmlformats.org/drawingml/2006/main" xmlns:r="http://schemas.openxmlformats.org/officeDocument/2006/relationships" xmlns:p="http://schemas.openxmlformats.org/presentationml/2006/main">
+  <p:cSld>
+    <p:spTree>
+      <p:nvGrpSpPr>
+        <p:cNvPr id="1" name=""/>
+        <p:cNvGrpSpPr/>
+        <p:nvPr/>
+      </p:nvGrpSpPr>
+      <p:grpSpPr>
+        <a:xfrm>
+          <a:off x="0" y="0"/>
+          <a:ext cx="0" cy="0"/>
+          <a:chOff x="0" y="0"/>
+          <a:chExt cx="0" cy="0"/>
+        </a:xfrm>
+      </p:grpSpPr>
+      <p:sp>
+        <p:nvSpPr>
+          <p:cNvPr id="2" name="Slide Image Placeholder 1"/>
+          <p:cNvSpPr>
+            <a:spLocks noGrp="1" noRot="1" noChangeAspect="1"/>
+          </p:cNvSpPr>
+          <p:nvPr>
+            <p:ph type="sldImg"/>
+          </p:nvPr>
+        </p:nvSpPr>
+        <p:spPr/>
+      </p:sp>
+      <p:sp>
+        <p:nvSpPr>
+          <p:cNvPr id="3" name="Notes Placeholder 2"/>
+          <p:cNvSpPr>
+            <a:spLocks noGrp="1"/>
+          </p:cNvSpPr>
+          <p:nvPr>
+            <p:ph type="body" idx="1"/>
+          </p:nvPr>
+        </p:nvSpPr>
+        <p:spPr/>
+        <p:txBody>
+          <a:bodyPr/>
+          <a:lstStyle/>
+          <a:p>
+            <a:endParaRPr lang="nl-NL"/>
+          </a:p>
+        </p:txBody>
+      </p:sp>
+      <p:sp>
+        <p:nvSpPr>
+          <p:cNvPr id="4" name="Slide Number Placeholder 3"/>
+          <p:cNvSpPr>
+            <a:spLocks noGrp="1"/>
+          </p:cNvSpPr>
+          <p:nvPr>
+            <p:ph type="sldNum" sz="quarter" idx="10"/>
+          </p:nvPr>
+        </p:nvSpPr>
+        <p:spPr/>
+        <p:txBody>
+          <a:bodyPr/>
+          <a:lstStyle/>
+          <a:p>
+            <a:fld id="{D654F8D9-F854-A647-9886-57964DA14705}" type="slidenum">
+              <a:rPr lang="nl-NL" smtClean="0"/>
+              <a:t>8</a:t>
+            </a:fld>
+            <a:endParaRPr lang="nl-NL"/>
+          </a:p>
+        </p:txBody>
+      </p:sp>
+    </p:spTree>
+    <p:extLst>
+      <p:ext uri="{BB962C8B-B14F-4D97-AF65-F5344CB8AC3E}">
+        <p14:creationId xmlns:p14="http://schemas.microsoft.com/office/powerpoint/2010/main" val="738254488"/>
+      </p:ext>
+    </p:extLst>
+  </p:cSld>
+  <p:clrMapOvr>
+    <a:masterClrMapping/>
+  </p:clrMapOvr>
+</p:notes>
 </file>
 
 <file path=ppt/slideLayouts/slideLayout1.xml><?xml version="1.0" encoding="utf-8"?>
@@ -267,7 +1210,7 @@
           <a:p>
             <a:fld id="{1D60275F-9D20-3E40-A985-6CD69AA74B1C}" type="datetimeFigureOut">
               <a:rPr lang="nl-NL" smtClean="0"/>
-              <a:t>13-11-18</a:t>
+              <a:t>16-11-18</a:t>
             </a:fld>
             <a:endParaRPr lang="nl-NL"/>
           </a:p>
@@ -467,7 +1410,7 @@
           <a:p>
             <a:fld id="{1D60275F-9D20-3E40-A985-6CD69AA74B1C}" type="datetimeFigureOut">
               <a:rPr lang="nl-NL" smtClean="0"/>
-              <a:t>13-11-18</a:t>
+              <a:t>16-11-18</a:t>
             </a:fld>
             <a:endParaRPr lang="nl-NL"/>
           </a:p>
@@ -677,7 +1620,7 @@
           <a:p>
             <a:fld id="{1D60275F-9D20-3E40-A985-6CD69AA74B1C}" type="datetimeFigureOut">
               <a:rPr lang="nl-NL" smtClean="0"/>
-              <a:t>13-11-18</a:t>
+              <a:t>16-11-18</a:t>
             </a:fld>
             <a:endParaRPr lang="nl-NL"/>
           </a:p>
@@ -877,7 +1820,7 @@
           <a:p>
             <a:fld id="{1D60275F-9D20-3E40-A985-6CD69AA74B1C}" type="datetimeFigureOut">
               <a:rPr lang="nl-NL" smtClean="0"/>
-              <a:t>13-11-18</a:t>
+              <a:t>16-11-18</a:t>
             </a:fld>
             <a:endParaRPr lang="nl-NL"/>
           </a:p>
@@ -1153,7 +2096,7 @@
           <a:p>
             <a:fld id="{1D60275F-9D20-3E40-A985-6CD69AA74B1C}" type="datetimeFigureOut">
               <a:rPr lang="nl-NL" smtClean="0"/>
-              <a:t>13-11-18</a:t>
+              <a:t>16-11-18</a:t>
             </a:fld>
             <a:endParaRPr lang="nl-NL"/>
           </a:p>
@@ -1421,7 +2364,7 @@
           <a:p>
             <a:fld id="{1D60275F-9D20-3E40-A985-6CD69AA74B1C}" type="datetimeFigureOut">
               <a:rPr lang="nl-NL" smtClean="0"/>
-              <a:t>13-11-18</a:t>
+              <a:t>16-11-18</a:t>
             </a:fld>
             <a:endParaRPr lang="nl-NL"/>
           </a:p>
@@ -1836,7 +2779,7 @@
           <a:p>
             <a:fld id="{1D60275F-9D20-3E40-A985-6CD69AA74B1C}" type="datetimeFigureOut">
               <a:rPr lang="nl-NL" smtClean="0"/>
-              <a:t>13-11-18</a:t>
+              <a:t>16-11-18</a:t>
             </a:fld>
             <a:endParaRPr lang="nl-NL"/>
           </a:p>
@@ -1978,7 +2921,7 @@
           <a:p>
             <a:fld id="{1D60275F-9D20-3E40-A985-6CD69AA74B1C}" type="datetimeFigureOut">
               <a:rPr lang="nl-NL" smtClean="0"/>
-              <a:t>13-11-18</a:t>
+              <a:t>16-11-18</a:t>
             </a:fld>
             <a:endParaRPr lang="nl-NL"/>
           </a:p>
@@ -2091,7 +3034,7 @@
           <a:p>
             <a:fld id="{1D60275F-9D20-3E40-A985-6CD69AA74B1C}" type="datetimeFigureOut">
               <a:rPr lang="nl-NL" smtClean="0"/>
-              <a:t>13-11-18</a:t>
+              <a:t>16-11-18</a:t>
             </a:fld>
             <a:endParaRPr lang="nl-NL"/>
           </a:p>
@@ -2404,7 +3347,7 @@
           <a:p>
             <a:fld id="{1D60275F-9D20-3E40-A985-6CD69AA74B1C}" type="datetimeFigureOut">
               <a:rPr lang="nl-NL" smtClean="0"/>
-              <a:t>13-11-18</a:t>
+              <a:t>16-11-18</a:t>
             </a:fld>
             <a:endParaRPr lang="nl-NL"/>
           </a:p>
@@ -2693,7 +3636,7 @@
           <a:p>
             <a:fld id="{1D60275F-9D20-3E40-A985-6CD69AA74B1C}" type="datetimeFigureOut">
               <a:rPr lang="nl-NL" smtClean="0"/>
-              <a:t>13-11-18</a:t>
+              <a:t>16-11-18</a:t>
             </a:fld>
             <a:endParaRPr lang="nl-NL"/>
           </a:p>
@@ -2936,7 +3879,7 @@
           <a:p>
             <a:fld id="{1D60275F-9D20-3E40-A985-6CD69AA74B1C}" type="datetimeFigureOut">
               <a:rPr lang="nl-NL" smtClean="0"/>
-              <a:t>13-11-18</a:t>
+              <a:t>16-11-18</a:t>
             </a:fld>
             <a:endParaRPr lang="nl-NL"/>
           </a:p>
@@ -5066,6 +6009,86 @@
 </file>
 
 <file path=ppt/slides/slide2.xml><?xml version="1.0" encoding="utf-8"?>
+<p:sld xmlns:a="http://schemas.openxmlformats.org/drawingml/2006/main" xmlns:r="http://schemas.openxmlformats.org/officeDocument/2006/relationships" xmlns:p="http://schemas.openxmlformats.org/presentationml/2006/main">
+  <p:cSld>
+    <p:spTree>
+      <p:nvGrpSpPr>
+        <p:cNvPr id="1" name=""/>
+        <p:cNvGrpSpPr/>
+        <p:nvPr/>
+      </p:nvGrpSpPr>
+      <p:grpSpPr>
+        <a:xfrm>
+          <a:off x="0" y="0"/>
+          <a:ext cx="0" cy="0"/>
+          <a:chOff x="0" y="0"/>
+          <a:chExt cx="0" cy="0"/>
+        </a:xfrm>
+      </p:grpSpPr>
+      <p:sp>
+        <p:nvSpPr>
+          <p:cNvPr id="2" name="Title 1">
+            <a:extLst>
+              <a:ext uri="{FF2B5EF4-FFF2-40B4-BE49-F238E27FC236}">
+                <a16:creationId xmlns:a16="http://schemas.microsoft.com/office/drawing/2014/main" id="{9E11EEBB-4704-AD45-9EB7-1C0FE4FA85D7}"/>
+              </a:ext>
+            </a:extLst>
+          </p:cNvPr>
+          <p:cNvSpPr>
+            <a:spLocks noGrp="1"/>
+          </p:cNvSpPr>
+          <p:nvPr>
+            <p:ph type="title"/>
+          </p:nvPr>
+        </p:nvSpPr>
+        <p:spPr/>
+        <p:txBody>
+          <a:bodyPr/>
+          <a:lstStyle/>
+          <a:p>
+            <a:endParaRPr lang="nl-NL" dirty="0"/>
+          </a:p>
+        </p:txBody>
+      </p:sp>
+      <p:sp>
+        <p:nvSpPr>
+          <p:cNvPr id="3" name="Content Placeholder 2">
+            <a:extLst>
+              <a:ext uri="{FF2B5EF4-FFF2-40B4-BE49-F238E27FC236}">
+                <a16:creationId xmlns:a16="http://schemas.microsoft.com/office/drawing/2014/main" id="{4D22B38C-BB72-584F-B28E-EADA0B068D34}"/>
+              </a:ext>
+            </a:extLst>
+          </p:cNvPr>
+          <p:cNvSpPr>
+            <a:spLocks noGrp="1"/>
+          </p:cNvSpPr>
+          <p:nvPr>
+            <p:ph idx="1"/>
+          </p:nvPr>
+        </p:nvSpPr>
+        <p:spPr/>
+        <p:txBody>
+          <a:bodyPr/>
+          <a:lstStyle/>
+          <a:p>
+            <a:endParaRPr lang="nl-NL"/>
+          </a:p>
+        </p:txBody>
+      </p:sp>
+    </p:spTree>
+    <p:extLst>
+      <p:ext uri="{BB962C8B-B14F-4D97-AF65-F5344CB8AC3E}">
+        <p14:creationId xmlns:p14="http://schemas.microsoft.com/office/powerpoint/2010/main" val="61209590"/>
+      </p:ext>
+    </p:extLst>
+  </p:cSld>
+  <p:clrMapOvr>
+    <a:masterClrMapping/>
+  </p:clrMapOvr>
+</p:sld>
+</file>
+
+<file path=ppt/slides/slide3.xml><?xml version="1.0" encoding="utf-8"?>
 <p:sld xmlns:a="http://schemas.openxmlformats.org/drawingml/2006/main" xmlns:r="http://schemas.openxmlformats.org/officeDocument/2006/relationships" xmlns:p="http://schemas.openxmlformats.org/presentationml/2006/main">
   <p:cSld>
     <p:spTree>
@@ -8781,7 +9804,7 @@
 </p:sld>
 </file>
 
-<file path=ppt/slides/slide3.xml><?xml version="1.0" encoding="utf-8"?>
+<file path=ppt/slides/slide4.xml><?xml version="1.0" encoding="utf-8"?>
 <p:sld xmlns:a="http://schemas.openxmlformats.org/drawingml/2006/main" xmlns:r="http://schemas.openxmlformats.org/officeDocument/2006/relationships" xmlns:p="http://schemas.openxmlformats.org/presentationml/2006/main">
   <p:cSld>
     <p:spTree>
@@ -10500,7 +11523,7 @@
 </p:sld>
 </file>
 
-<file path=ppt/slides/slide4.xml><?xml version="1.0" encoding="utf-8"?>
+<file path=ppt/slides/slide5.xml><?xml version="1.0" encoding="utf-8"?>
 <p:sld xmlns:a="http://schemas.openxmlformats.org/drawingml/2006/main" xmlns:r="http://schemas.openxmlformats.org/officeDocument/2006/relationships" xmlns:p="http://schemas.openxmlformats.org/presentationml/2006/main">
   <p:cSld>
     <p:spTree>
@@ -12866,7 +13889,7 @@
 </p:sld>
 </file>
 
-<file path=ppt/slides/slide5.xml><?xml version="1.0" encoding="utf-8"?>
+<file path=ppt/slides/slide6.xml><?xml version="1.0" encoding="utf-8"?>
 <p:sld xmlns:a="http://schemas.openxmlformats.org/drawingml/2006/main" xmlns:r="http://schemas.openxmlformats.org/officeDocument/2006/relationships" xmlns:p="http://schemas.openxmlformats.org/presentationml/2006/main">
   <p:cSld>
     <p:spTree>
@@ -13357,7 +14380,7 @@
                 <a:avLst/>
               </a:prstGeom>
               <a:blipFill>
-                <a:blip r:embed="rId2"/>
+                <a:blip r:embed="rId3"/>
                 <a:stretch>
                   <a:fillRect l="-13793" r="-10345" b="-21739"/>
                 </a:stretch>
@@ -13544,7 +14567,7 @@
                 <a:avLst/>
               </a:prstGeom>
               <a:blipFill>
-                <a:blip r:embed="rId3"/>
+                <a:blip r:embed="rId4"/>
                 <a:stretch>
                   <a:fillRect l="-15385" r="-3846" b="-4348"/>
                 </a:stretch>
@@ -13701,7 +14724,7 @@
 </p:sld>
 </file>
 
-<file path=ppt/slides/slide6.xml><?xml version="1.0" encoding="utf-8"?>
+<file path=ppt/slides/slide7.xml><?xml version="1.0" encoding="utf-8"?>
 <p:sld xmlns:a="http://schemas.openxmlformats.org/drawingml/2006/main" xmlns:r="http://schemas.openxmlformats.org/officeDocument/2006/relationships" xmlns:p="http://schemas.openxmlformats.org/presentationml/2006/main">
   <p:cSld>
     <p:spTree>
@@ -14365,7 +15388,7 @@
 </p:sld>
 </file>
 
-<file path=ppt/slides/slide7.xml><?xml version="1.0" encoding="utf-8"?>
+<file path=ppt/slides/slide8.xml><?xml version="1.0" encoding="utf-8"?>
 <p:sld xmlns:a="http://schemas.openxmlformats.org/drawingml/2006/main" xmlns:r="http://schemas.openxmlformats.org/officeDocument/2006/relationships" xmlns:p="http://schemas.openxmlformats.org/presentationml/2006/main">
   <p:cSld>
     <p:spTree>
@@ -14417,7 +15440,7 @@
             <p:nvPr/>
           </p:nvPicPr>
           <p:blipFill rotWithShape="1">
-            <a:blip r:embed="rId2"/>
+            <a:blip r:embed="rId3"/>
             <a:srcRect r="9599" b="51073"/>
             <a:stretch/>
           </p:blipFill>
@@ -14446,7 +15469,7 @@
             <p:nvPr/>
           </p:nvPicPr>
           <p:blipFill rotWithShape="1">
-            <a:blip r:embed="rId3"/>
+            <a:blip r:embed="rId4"/>
             <a:srcRect l="3973" t="50000" r="9666"/>
             <a:stretch/>
           </p:blipFill>
@@ -14465,6 +15488,447 @@
     <p:extLst>
       <p:ext uri="{BB962C8B-B14F-4D97-AF65-F5344CB8AC3E}">
         <p14:creationId xmlns:p14="http://schemas.microsoft.com/office/powerpoint/2010/main" val="3161498915"/>
+      </p:ext>
+    </p:extLst>
+  </p:cSld>
+  <p:clrMapOvr>
+    <a:masterClrMapping/>
+  </p:clrMapOvr>
+</p:sld>
+</file>
+
+<file path=ppt/slides/slide9.xml><?xml version="1.0" encoding="utf-8"?>
+<p:sld xmlns:a="http://schemas.openxmlformats.org/drawingml/2006/main" xmlns:r="http://schemas.openxmlformats.org/officeDocument/2006/relationships" xmlns:p="http://schemas.openxmlformats.org/presentationml/2006/main">
+  <p:cSld>
+    <p:spTree>
+      <p:nvGrpSpPr>
+        <p:cNvPr id="1" name=""/>
+        <p:cNvGrpSpPr/>
+        <p:nvPr/>
+      </p:nvGrpSpPr>
+      <p:grpSpPr>
+        <a:xfrm>
+          <a:off x="0" y="0"/>
+          <a:ext cx="0" cy="0"/>
+          <a:chOff x="0" y="0"/>
+          <a:chExt cx="0" cy="0"/>
+        </a:xfrm>
+      </p:grpSpPr>
+      <p:grpSp>
+        <p:nvGrpSpPr>
+          <p:cNvPr id="37" name="Group 36">
+            <a:extLst>
+              <a:ext uri="{FF2B5EF4-FFF2-40B4-BE49-F238E27FC236}">
+                <a16:creationId xmlns:a16="http://schemas.microsoft.com/office/drawing/2014/main" id="{759118AA-4164-2347-A9A3-0B44896B373D}"/>
+              </a:ext>
+            </a:extLst>
+          </p:cNvPr>
+          <p:cNvGrpSpPr/>
+          <p:nvPr/>
+        </p:nvGrpSpPr>
+        <p:grpSpPr>
+          <a:xfrm>
+            <a:off x="3810000" y="2019300"/>
+            <a:ext cx="4572000" cy="3478401"/>
+            <a:chOff x="3810000" y="2019300"/>
+            <a:chExt cx="4572000" cy="3478401"/>
+          </a:xfrm>
+        </p:grpSpPr>
+        <p:pic>
+          <p:nvPicPr>
+            <p:cNvPr id="11" name="Picture 10">
+              <a:extLst>
+                <a:ext uri="{FF2B5EF4-FFF2-40B4-BE49-F238E27FC236}">
+                  <a16:creationId xmlns:a16="http://schemas.microsoft.com/office/drawing/2014/main" id="{DCD5AA50-018D-0D4B-B687-8EFB70BFF12F}"/>
+                </a:ext>
+              </a:extLst>
+            </p:cNvPr>
+            <p:cNvPicPr>
+              <a:picLocks noChangeAspect="1"/>
+            </p:cNvPicPr>
+            <p:nvPr/>
+          </p:nvPicPr>
+          <p:blipFill>
+            <a:blip r:embed="rId2"/>
+            <a:stretch>
+              <a:fillRect/>
+            </a:stretch>
+          </p:blipFill>
+          <p:spPr>
+            <a:xfrm>
+              <a:off x="3810000" y="2019300"/>
+              <a:ext cx="4572000" cy="2819400"/>
+            </a:xfrm>
+            <a:prstGeom prst="rect">
+              <a:avLst/>
+            </a:prstGeom>
+          </p:spPr>
+        </p:pic>
+        <p:cxnSp>
+          <p:nvCxnSpPr>
+            <p:cNvPr id="13" name="Straight Arrow Connector 12">
+              <a:extLst>
+                <a:ext uri="{FF2B5EF4-FFF2-40B4-BE49-F238E27FC236}">
+                  <a16:creationId xmlns:a16="http://schemas.microsoft.com/office/drawing/2014/main" id="{3AF52BCF-726D-7A4B-91BF-F54D41F9D979}"/>
+                </a:ext>
+              </a:extLst>
+            </p:cNvPr>
+            <p:cNvCxnSpPr>
+              <a:cxnSpLocks/>
+              <a:endCxn id="11" idx="2"/>
+            </p:cNvCxnSpPr>
+            <p:nvPr/>
+          </p:nvCxnSpPr>
+          <p:spPr>
+            <a:xfrm>
+              <a:off x="3908854" y="4838700"/>
+              <a:ext cx="2187146" cy="0"/>
+            </a:xfrm>
+            <a:prstGeom prst="straightConnector1">
+              <a:avLst/>
+            </a:prstGeom>
+            <a:ln>
+              <a:headEnd type="triangle"/>
+              <a:tailEnd type="triangle"/>
+            </a:ln>
+          </p:spPr>
+          <p:style>
+            <a:lnRef idx="3">
+              <a:schemeClr val="accent1"/>
+            </a:lnRef>
+            <a:fillRef idx="0">
+              <a:schemeClr val="accent1"/>
+            </a:fillRef>
+            <a:effectRef idx="2">
+              <a:schemeClr val="accent1"/>
+            </a:effectRef>
+            <a:fontRef idx="minor">
+              <a:schemeClr val="tx1"/>
+            </a:fontRef>
+          </p:style>
+        </p:cxnSp>
+        <p:cxnSp>
+          <p:nvCxnSpPr>
+            <p:cNvPr id="15" name="Straight Arrow Connector 14">
+              <a:extLst>
+                <a:ext uri="{FF2B5EF4-FFF2-40B4-BE49-F238E27FC236}">
+                  <a16:creationId xmlns:a16="http://schemas.microsoft.com/office/drawing/2014/main" id="{E6AB92E7-E5A1-D343-BAE7-3E442519FF51}"/>
+                </a:ext>
+              </a:extLst>
+            </p:cNvPr>
+            <p:cNvCxnSpPr>
+              <a:cxnSpLocks/>
+            </p:cNvCxnSpPr>
+            <p:nvPr/>
+          </p:nvCxnSpPr>
+          <p:spPr>
+            <a:xfrm>
+              <a:off x="6096000" y="4838700"/>
+              <a:ext cx="2187146" cy="0"/>
+            </a:xfrm>
+            <a:prstGeom prst="straightConnector1">
+              <a:avLst/>
+            </a:prstGeom>
+            <a:ln>
+              <a:headEnd type="triangle"/>
+              <a:tailEnd type="triangle"/>
+            </a:ln>
+          </p:spPr>
+          <p:style>
+            <a:lnRef idx="3">
+              <a:schemeClr val="accent1"/>
+            </a:lnRef>
+            <a:fillRef idx="0">
+              <a:schemeClr val="accent1"/>
+            </a:fillRef>
+            <a:effectRef idx="2">
+              <a:schemeClr val="accent1"/>
+            </a:effectRef>
+            <a:fontRef idx="minor">
+              <a:schemeClr val="tx1"/>
+            </a:fontRef>
+          </p:style>
+        </p:cxnSp>
+        <p:cxnSp>
+          <p:nvCxnSpPr>
+            <p:cNvPr id="18" name="Straight Arrow Connector 17">
+              <a:extLst>
+                <a:ext uri="{FF2B5EF4-FFF2-40B4-BE49-F238E27FC236}">
+                  <a16:creationId xmlns:a16="http://schemas.microsoft.com/office/drawing/2014/main" id="{45A8A2F6-1A6A-8A4F-B0C6-0CA03870764C}"/>
+                </a:ext>
+              </a:extLst>
+            </p:cNvPr>
+            <p:cNvCxnSpPr>
+              <a:cxnSpLocks/>
+            </p:cNvCxnSpPr>
+            <p:nvPr/>
+          </p:nvCxnSpPr>
+          <p:spPr>
+            <a:xfrm>
+              <a:off x="3908854" y="5204685"/>
+              <a:ext cx="3134497" cy="0"/>
+            </a:xfrm>
+            <a:prstGeom prst="straightConnector1">
+              <a:avLst/>
+            </a:prstGeom>
+            <a:ln>
+              <a:headEnd type="triangle"/>
+              <a:tailEnd type="triangle"/>
+            </a:ln>
+          </p:spPr>
+          <p:style>
+            <a:lnRef idx="3">
+              <a:schemeClr val="accent2"/>
+            </a:lnRef>
+            <a:fillRef idx="0">
+              <a:schemeClr val="accent2"/>
+            </a:fillRef>
+            <a:effectRef idx="2">
+              <a:schemeClr val="accent2"/>
+            </a:effectRef>
+            <a:fontRef idx="minor">
+              <a:schemeClr val="tx1"/>
+            </a:fontRef>
+          </p:style>
+        </p:cxnSp>
+        <p:cxnSp>
+          <p:nvCxnSpPr>
+            <p:cNvPr id="19" name="Straight Arrow Connector 18">
+              <a:extLst>
+                <a:ext uri="{FF2B5EF4-FFF2-40B4-BE49-F238E27FC236}">
+                  <a16:creationId xmlns:a16="http://schemas.microsoft.com/office/drawing/2014/main" id="{BB47DE2B-B48F-3141-A939-AB130E2F6327}"/>
+                </a:ext>
+              </a:extLst>
+            </p:cNvPr>
+            <p:cNvCxnSpPr>
+              <a:cxnSpLocks/>
+            </p:cNvCxnSpPr>
+            <p:nvPr/>
+          </p:nvCxnSpPr>
+          <p:spPr>
+            <a:xfrm>
+              <a:off x="7043351" y="5204685"/>
+              <a:ext cx="1239795" cy="0"/>
+            </a:xfrm>
+            <a:prstGeom prst="straightConnector1">
+              <a:avLst/>
+            </a:prstGeom>
+            <a:ln>
+              <a:headEnd type="triangle"/>
+              <a:tailEnd type="triangle"/>
+            </a:ln>
+          </p:spPr>
+          <p:style>
+            <a:lnRef idx="3">
+              <a:schemeClr val="accent2"/>
+            </a:lnRef>
+            <a:fillRef idx="0">
+              <a:schemeClr val="accent2"/>
+            </a:fillRef>
+            <a:effectRef idx="2">
+              <a:schemeClr val="accent2"/>
+            </a:effectRef>
+            <a:fontRef idx="minor">
+              <a:schemeClr val="tx1"/>
+            </a:fontRef>
+          </p:style>
+        </p:cxnSp>
+        <p:pic>
+          <p:nvPicPr>
+            <p:cNvPr id="25" name="Picture 24">
+              <a:extLst>
+                <a:ext uri="{FF2B5EF4-FFF2-40B4-BE49-F238E27FC236}">
+                  <a16:creationId xmlns:a16="http://schemas.microsoft.com/office/drawing/2014/main" id="{E6129974-BCF8-B54E-B4E0-8543F3E2015C}"/>
+                </a:ext>
+              </a:extLst>
+            </p:cNvPr>
+            <p:cNvPicPr>
+              <a:picLocks noChangeAspect="1"/>
+            </p:cNvPicPr>
+            <p:nvPr/>
+          </p:nvPicPr>
+          <p:blipFill>
+            <a:blip r:embed="rId3"/>
+            <a:stretch>
+              <a:fillRect/>
+            </a:stretch>
+          </p:blipFill>
+          <p:spPr>
+            <a:xfrm>
+              <a:off x="4892405" y="4911670"/>
+              <a:ext cx="220044" cy="220044"/>
+            </a:xfrm>
+            <a:prstGeom prst="rect">
+              <a:avLst/>
+            </a:prstGeom>
+          </p:spPr>
+        </p:pic>
+        <p:pic>
+          <p:nvPicPr>
+            <p:cNvPr id="26" name="Picture 25">
+              <a:extLst>
+                <a:ext uri="{FF2B5EF4-FFF2-40B4-BE49-F238E27FC236}">
+                  <a16:creationId xmlns:a16="http://schemas.microsoft.com/office/drawing/2014/main" id="{5E3D9097-EF6B-374B-BCB7-A8E48C1C3B7B}"/>
+                </a:ext>
+              </a:extLst>
+            </p:cNvPr>
+            <p:cNvPicPr>
+              <a:picLocks noChangeAspect="1"/>
+            </p:cNvPicPr>
+            <p:nvPr/>
+          </p:nvPicPr>
+          <p:blipFill>
+            <a:blip r:embed="rId3"/>
+            <a:stretch>
+              <a:fillRect/>
+            </a:stretch>
+          </p:blipFill>
+          <p:spPr>
+            <a:xfrm>
+              <a:off x="7079551" y="4911670"/>
+              <a:ext cx="220044" cy="220044"/>
+            </a:xfrm>
+            <a:prstGeom prst="rect">
+              <a:avLst/>
+            </a:prstGeom>
+          </p:spPr>
+        </p:pic>
+        <p:pic>
+          <p:nvPicPr>
+            <p:cNvPr id="27" name="Picture 26">
+              <a:extLst>
+                <a:ext uri="{FF2B5EF4-FFF2-40B4-BE49-F238E27FC236}">
+                  <a16:creationId xmlns:a16="http://schemas.microsoft.com/office/drawing/2014/main" id="{D74C70CE-459B-C940-A870-E8945F60B7AA}"/>
+                </a:ext>
+              </a:extLst>
+            </p:cNvPr>
+            <p:cNvPicPr>
+              <a:picLocks noChangeAspect="1"/>
+            </p:cNvPicPr>
+            <p:nvPr/>
+          </p:nvPicPr>
+          <p:blipFill>
+            <a:blip r:embed="rId4"/>
+            <a:stretch>
+              <a:fillRect/>
+            </a:stretch>
+          </p:blipFill>
+          <p:spPr>
+            <a:xfrm>
+              <a:off x="7663248" y="5277657"/>
+              <a:ext cx="213168" cy="220044"/>
+            </a:xfrm>
+            <a:prstGeom prst="rect">
+              <a:avLst/>
+            </a:prstGeom>
+          </p:spPr>
+        </p:pic>
+        <p:pic>
+          <p:nvPicPr>
+            <p:cNvPr id="28" name="Picture 27">
+              <a:extLst>
+                <a:ext uri="{FF2B5EF4-FFF2-40B4-BE49-F238E27FC236}">
+                  <a16:creationId xmlns:a16="http://schemas.microsoft.com/office/drawing/2014/main" id="{D3B9A445-6A17-8543-A2E1-1231C655FE98}"/>
+                </a:ext>
+              </a:extLst>
+            </p:cNvPr>
+            <p:cNvPicPr>
+              <a:picLocks noChangeAspect="1"/>
+            </p:cNvPicPr>
+            <p:nvPr/>
+          </p:nvPicPr>
+          <p:blipFill>
+            <a:blip r:embed="rId5"/>
+            <a:stretch>
+              <a:fillRect/>
+            </a:stretch>
+          </p:blipFill>
+          <p:spPr>
+            <a:xfrm>
+              <a:off x="5369797" y="5295548"/>
+              <a:ext cx="212610" cy="184262"/>
+            </a:xfrm>
+            <a:prstGeom prst="rect">
+              <a:avLst/>
+            </a:prstGeom>
+          </p:spPr>
+        </p:pic>
+        <p:pic>
+          <p:nvPicPr>
+            <p:cNvPr id="32" name="Picture 31">
+              <a:extLst>
+                <a:ext uri="{FF2B5EF4-FFF2-40B4-BE49-F238E27FC236}">
+                  <a16:creationId xmlns:a16="http://schemas.microsoft.com/office/drawing/2014/main" id="{D685D0DD-2530-3746-AA79-0D63468CF26F}"/>
+                </a:ext>
+              </a:extLst>
+            </p:cNvPr>
+            <p:cNvPicPr>
+              <a:picLocks noChangeAspect="1"/>
+            </p:cNvPicPr>
+            <p:nvPr/>
+          </p:nvPicPr>
+          <p:blipFill>
+            <a:blip r:embed="rId6"/>
+            <a:stretch>
+              <a:fillRect/>
+            </a:stretch>
+          </p:blipFill>
+          <p:spPr>
+            <a:xfrm>
+              <a:off x="6096000" y="2789344"/>
+              <a:ext cx="194644" cy="206809"/>
+            </a:xfrm>
+            <a:prstGeom prst="rect">
+              <a:avLst/>
+            </a:prstGeom>
+          </p:spPr>
+        </p:pic>
+        <p:cxnSp>
+          <p:nvCxnSpPr>
+            <p:cNvPr id="34" name="Straight Arrow Connector 33">
+              <a:extLst>
+                <a:ext uri="{FF2B5EF4-FFF2-40B4-BE49-F238E27FC236}">
+                  <a16:creationId xmlns:a16="http://schemas.microsoft.com/office/drawing/2014/main" id="{393E4083-845D-F240-AA13-07ED3F711862}"/>
+                </a:ext>
+              </a:extLst>
+            </p:cNvPr>
+            <p:cNvCxnSpPr>
+              <a:cxnSpLocks/>
+            </p:cNvCxnSpPr>
+            <p:nvPr/>
+          </p:nvCxnSpPr>
+          <p:spPr>
+            <a:xfrm>
+              <a:off x="6307754" y="2892749"/>
+              <a:ext cx="391427" cy="0"/>
+            </a:xfrm>
+            <a:prstGeom prst="straightConnector1">
+              <a:avLst/>
+            </a:prstGeom>
+            <a:ln w="28575">
+              <a:tailEnd type="triangle"/>
+            </a:ln>
+          </p:spPr>
+          <p:style>
+            <a:lnRef idx="3">
+              <a:schemeClr val="accent2"/>
+            </a:lnRef>
+            <a:fillRef idx="0">
+              <a:schemeClr val="accent2"/>
+            </a:fillRef>
+            <a:effectRef idx="2">
+              <a:schemeClr val="accent2"/>
+            </a:effectRef>
+            <a:fontRef idx="minor">
+              <a:schemeClr val="tx1"/>
+            </a:fontRef>
+          </p:style>
+        </p:cxnSp>
+      </p:grpSp>
+    </p:spTree>
+    <p:extLst>
+      <p:ext uri="{BB962C8B-B14F-4D97-AF65-F5344CB8AC3E}">
+        <p14:creationId xmlns:p14="http://schemas.microsoft.com/office/powerpoint/2010/main" val="1568127783"/>
       </p:ext>
     </p:extLst>
   </p:cSld>
@@ -14767,4 +16231,299 @@
     </a:ext>
   </a:extLst>
 </a:theme>
+</file>
+
+<file path=ppt/theme/theme2.xml><?xml version="1.0" encoding="utf-8"?>
+<a:theme xmlns:a="http://schemas.openxmlformats.org/drawingml/2006/main" name="Office Theme">
+  <a:themeElements>
+    <a:clrScheme name="Office">
+      <a:dk1>
+        <a:sysClr val="windowText" lastClr="000000"/>
+      </a:dk1>
+      <a:lt1>
+        <a:sysClr val="window" lastClr="FFFFFF"/>
+      </a:lt1>
+      <a:dk2>
+        <a:srgbClr val="44546A"/>
+      </a:dk2>
+      <a:lt2>
+        <a:srgbClr val="E7E6E6"/>
+      </a:lt2>
+      <a:accent1>
+        <a:srgbClr val="4472C4"/>
+      </a:accent1>
+      <a:accent2>
+        <a:srgbClr val="ED7D31"/>
+      </a:accent2>
+      <a:accent3>
+        <a:srgbClr val="A5A5A5"/>
+      </a:accent3>
+      <a:accent4>
+        <a:srgbClr val="FFC000"/>
+      </a:accent4>
+      <a:accent5>
+        <a:srgbClr val="5B9BD5"/>
+      </a:accent5>
+      <a:accent6>
+        <a:srgbClr val="70AD47"/>
+      </a:accent6>
+      <a:hlink>
+        <a:srgbClr val="0563C1"/>
+      </a:hlink>
+      <a:folHlink>
+        <a:srgbClr val="954F72"/>
+      </a:folHlink>
+    </a:clrScheme>
+    <a:fontScheme name="Office">
+      <a:majorFont>
+        <a:latin typeface="Calibri Light" panose="020F0302020204030204"/>
+        <a:ea typeface=""/>
+        <a:cs typeface=""/>
+        <a:font script="Jpan" typeface="游ゴシック Light"/>
+        <a:font script="Hang" typeface="맑은 고딕"/>
+        <a:font script="Hans" typeface="等线 Light"/>
+        <a:font script="Hant" typeface="新細明體"/>
+        <a:font script="Arab" typeface="Times New Roman"/>
+        <a:font script="Hebr" typeface="Times New Roman"/>
+        <a:font script="Thai" typeface="Angsana New"/>
+        <a:font script="Ethi" typeface="Nyala"/>
+        <a:font script="Beng" typeface="Vrinda"/>
+        <a:font script="Gujr" typeface="Shruti"/>
+        <a:font script="Khmr" typeface="MoolBoran"/>
+        <a:font script="Knda" typeface="Tunga"/>
+        <a:font script="Guru" typeface="Raavi"/>
+        <a:font script="Cans" typeface="Euphemia"/>
+        <a:font script="Cher" typeface="Plantagenet Cherokee"/>
+        <a:font script="Yiii" typeface="Microsoft Yi Baiti"/>
+        <a:font script="Tibt" typeface="Microsoft Himalaya"/>
+        <a:font script="Thaa" typeface="MV Boli"/>
+        <a:font script="Deva" typeface="Mangal"/>
+        <a:font script="Telu" typeface="Gautami"/>
+        <a:font script="Taml" typeface="Latha"/>
+        <a:font script="Syrc" typeface="Estrangelo Edessa"/>
+        <a:font script="Orya" typeface="Kalinga"/>
+        <a:font script="Mlym" typeface="Kartika"/>
+        <a:font script="Laoo" typeface="DokChampa"/>
+        <a:font script="Sinh" typeface="Iskoola Pota"/>
+        <a:font script="Mong" typeface="Mongolian Baiti"/>
+        <a:font script="Viet" typeface="Times New Roman"/>
+        <a:font script="Uigh" typeface="Microsoft Uighur"/>
+        <a:font script="Geor" typeface="Sylfaen"/>
+        <a:font script="Armn" typeface="Arial"/>
+        <a:font script="Bugi" typeface="Leelawadee UI"/>
+        <a:font script="Bopo" typeface="Microsoft JhengHei"/>
+        <a:font script="Java" typeface="Javanese Text"/>
+        <a:font script="Lisu" typeface="Segoe UI"/>
+        <a:font script="Mymr" typeface="Myanmar Text"/>
+        <a:font script="Nkoo" typeface="Ebrima"/>
+        <a:font script="Olck" typeface="Nirmala UI"/>
+        <a:font script="Osma" typeface="Ebrima"/>
+        <a:font script="Phag" typeface="Phagspa"/>
+        <a:font script="Syrn" typeface="Estrangelo Edessa"/>
+        <a:font script="Syrj" typeface="Estrangelo Edessa"/>
+        <a:font script="Syre" typeface="Estrangelo Edessa"/>
+        <a:font script="Sora" typeface="Nirmala UI"/>
+        <a:font script="Tale" typeface="Microsoft Tai Le"/>
+        <a:font script="Talu" typeface="Microsoft New Tai Lue"/>
+        <a:font script="Tfng" typeface="Ebrima"/>
+      </a:majorFont>
+      <a:minorFont>
+        <a:latin typeface="Calibri" panose="020F0502020204030204"/>
+        <a:ea typeface=""/>
+        <a:cs typeface=""/>
+        <a:font script="Jpan" typeface="游ゴシック"/>
+        <a:font script="Hang" typeface="맑은 고딕"/>
+        <a:font script="Hans" typeface="等线"/>
+        <a:font script="Hant" typeface="新細明體"/>
+        <a:font script="Arab" typeface="Arial"/>
+        <a:font script="Hebr" typeface="Arial"/>
+        <a:font script="Thai" typeface="Cordia New"/>
+        <a:font script="Ethi" typeface="Nyala"/>
+        <a:font script="Beng" typeface="Vrinda"/>
+        <a:font script="Gujr" typeface="Shruti"/>
+        <a:font script="Khmr" typeface="DaunPenh"/>
+        <a:font script="Knda" typeface="Tunga"/>
+        <a:font script="Guru" typeface="Raavi"/>
+        <a:font script="Cans" typeface="Euphemia"/>
+        <a:font script="Cher" typeface="Plantagenet Cherokee"/>
+        <a:font script="Yiii" typeface="Microsoft Yi Baiti"/>
+        <a:font script="Tibt" typeface="Microsoft Himalaya"/>
+        <a:font script="Thaa" typeface="MV Boli"/>
+        <a:font script="Deva" typeface="Mangal"/>
+        <a:font script="Telu" typeface="Gautami"/>
+        <a:font script="Taml" typeface="Latha"/>
+        <a:font script="Syrc" typeface="Estrangelo Edessa"/>
+        <a:font script="Orya" typeface="Kalinga"/>
+        <a:font script="Mlym" typeface="Kartika"/>
+        <a:font script="Laoo" typeface="DokChampa"/>
+        <a:font script="Sinh" typeface="Iskoola Pota"/>
+        <a:font script="Mong" typeface="Mongolian Baiti"/>
+        <a:font script="Viet" typeface="Arial"/>
+        <a:font script="Uigh" typeface="Microsoft Uighur"/>
+        <a:font script="Geor" typeface="Sylfaen"/>
+        <a:font script="Armn" typeface="Arial"/>
+        <a:font script="Bugi" typeface="Leelawadee UI"/>
+        <a:font script="Bopo" typeface="Microsoft JhengHei"/>
+        <a:font script="Java" typeface="Javanese Text"/>
+        <a:font script="Lisu" typeface="Segoe UI"/>
+        <a:font script="Mymr" typeface="Myanmar Text"/>
+        <a:font script="Nkoo" typeface="Ebrima"/>
+        <a:font script="Olck" typeface="Nirmala UI"/>
+        <a:font script="Osma" typeface="Ebrima"/>
+        <a:font script="Phag" typeface="Phagspa"/>
+        <a:font script="Syrn" typeface="Estrangelo Edessa"/>
+        <a:font script="Syrj" typeface="Estrangelo Edessa"/>
+        <a:font script="Syre" typeface="Estrangelo Edessa"/>
+        <a:font script="Sora" typeface="Nirmala UI"/>
+        <a:font script="Tale" typeface="Microsoft Tai Le"/>
+        <a:font script="Talu" typeface="Microsoft New Tai Lue"/>
+        <a:font script="Tfng" typeface="Ebrima"/>
+      </a:minorFont>
+    </a:fontScheme>
+    <a:fmtScheme name="Office">
+      <a:fillStyleLst>
+        <a:solidFill>
+          <a:schemeClr val="phClr"/>
+        </a:solidFill>
+        <a:gradFill rotWithShape="1">
+          <a:gsLst>
+            <a:gs pos="0">
+              <a:schemeClr val="phClr">
+                <a:lumMod val="110000"/>
+                <a:satMod val="105000"/>
+                <a:tint val="67000"/>
+              </a:schemeClr>
+            </a:gs>
+            <a:gs pos="50000">
+              <a:schemeClr val="phClr">
+                <a:lumMod val="105000"/>
+                <a:satMod val="103000"/>
+                <a:tint val="73000"/>
+              </a:schemeClr>
+            </a:gs>
+            <a:gs pos="100000">
+              <a:schemeClr val="phClr">
+                <a:lumMod val="105000"/>
+                <a:satMod val="109000"/>
+                <a:tint val="81000"/>
+              </a:schemeClr>
+            </a:gs>
+          </a:gsLst>
+          <a:lin ang="5400000" scaled="0"/>
+        </a:gradFill>
+        <a:gradFill rotWithShape="1">
+          <a:gsLst>
+            <a:gs pos="0">
+              <a:schemeClr val="phClr">
+                <a:satMod val="103000"/>
+                <a:lumMod val="102000"/>
+                <a:tint val="94000"/>
+              </a:schemeClr>
+            </a:gs>
+            <a:gs pos="50000">
+              <a:schemeClr val="phClr">
+                <a:satMod val="110000"/>
+                <a:lumMod val="100000"/>
+                <a:shade val="100000"/>
+              </a:schemeClr>
+            </a:gs>
+            <a:gs pos="100000">
+              <a:schemeClr val="phClr">
+                <a:lumMod val="99000"/>
+                <a:satMod val="120000"/>
+                <a:shade val="78000"/>
+              </a:schemeClr>
+            </a:gs>
+          </a:gsLst>
+          <a:lin ang="5400000" scaled="0"/>
+        </a:gradFill>
+      </a:fillStyleLst>
+      <a:lnStyleLst>
+        <a:ln w="6350" cap="flat" cmpd="sng" algn="ctr">
+          <a:solidFill>
+            <a:schemeClr val="phClr"/>
+          </a:solidFill>
+          <a:prstDash val="solid"/>
+          <a:miter lim="800000"/>
+        </a:ln>
+        <a:ln w="12700" cap="flat" cmpd="sng" algn="ctr">
+          <a:solidFill>
+            <a:schemeClr val="phClr"/>
+          </a:solidFill>
+          <a:prstDash val="solid"/>
+          <a:miter lim="800000"/>
+        </a:ln>
+        <a:ln w="19050" cap="flat" cmpd="sng" algn="ctr">
+          <a:solidFill>
+            <a:schemeClr val="phClr"/>
+          </a:solidFill>
+          <a:prstDash val="solid"/>
+          <a:miter lim="800000"/>
+        </a:ln>
+      </a:lnStyleLst>
+      <a:effectStyleLst>
+        <a:effectStyle>
+          <a:effectLst/>
+        </a:effectStyle>
+        <a:effectStyle>
+          <a:effectLst/>
+        </a:effectStyle>
+        <a:effectStyle>
+          <a:effectLst>
+            <a:outerShdw blurRad="57150" dist="19050" dir="5400000" algn="ctr" rotWithShape="0">
+              <a:srgbClr val="000000">
+                <a:alpha val="63000"/>
+              </a:srgbClr>
+            </a:outerShdw>
+          </a:effectLst>
+        </a:effectStyle>
+      </a:effectStyleLst>
+      <a:bgFillStyleLst>
+        <a:solidFill>
+          <a:schemeClr val="phClr"/>
+        </a:solidFill>
+        <a:solidFill>
+          <a:schemeClr val="phClr">
+            <a:tint val="95000"/>
+            <a:satMod val="170000"/>
+          </a:schemeClr>
+        </a:solidFill>
+        <a:gradFill rotWithShape="1">
+          <a:gsLst>
+            <a:gs pos="0">
+              <a:schemeClr val="phClr">
+                <a:tint val="93000"/>
+                <a:satMod val="150000"/>
+                <a:shade val="98000"/>
+                <a:lumMod val="102000"/>
+              </a:schemeClr>
+            </a:gs>
+            <a:gs pos="50000">
+              <a:schemeClr val="phClr">
+                <a:tint val="98000"/>
+                <a:satMod val="130000"/>
+                <a:shade val="90000"/>
+                <a:lumMod val="103000"/>
+              </a:schemeClr>
+            </a:gs>
+            <a:gs pos="100000">
+              <a:schemeClr val="phClr">
+                <a:shade val="63000"/>
+                <a:satMod val="120000"/>
+              </a:schemeClr>
+            </a:gs>
+          </a:gsLst>
+          <a:lin ang="5400000" scaled="0"/>
+        </a:gradFill>
+      </a:bgFillStyleLst>
+    </a:fmtScheme>
+  </a:themeElements>
+  <a:objectDefaults/>
+  <a:extraClrSchemeLst/>
+  <a:extLst>
+    <a:ext uri="{05A4C25C-085E-4340-85A3-A5531E510DB2}">
+      <thm15:themeFamily xmlns:thm15="http://schemas.microsoft.com/office/thememl/2012/main" name="Office Theme" id="{62F939B6-93AF-4DB8-9C6B-D6C7DFDC589F}" vid="{4A3C46E8-61CC-4603-A589-7422A47A8E4A}"/>
+    </a:ext>
+  </a:extLst>
+</a:theme>
 </file>